--- a/src/images.pptx
+++ b/src/images.pptx
@@ -12,6 +12,9 @@
     <p:sldId id="258" r:id="rId6"/>
     <p:sldId id="257" r:id="rId7"/>
     <p:sldId id="259" r:id="rId8"/>
+    <p:sldId id="263" r:id="rId9"/>
+    <p:sldId id="264" r:id="rId10"/>
+    <p:sldId id="265" r:id="rId11"/>
   </p:sldIdLst>
   <p:sldSz cx="12192000" cy="6858000"/>
   <p:notesSz cx="6858000" cy="9144000"/>
@@ -267,7 +270,7 @@
           <a:p>
             <a:fld id="{35C3687D-91A5-7C4D-919D-428BCA0C637B}" type="datetimeFigureOut">
               <a:rPr lang="fr-CA" smtClean="0"/>
-              <a:t>2021-03-09</a:t>
+              <a:t>2022-05-02</a:t>
             </a:fld>
             <a:endParaRPr lang="fr-CA"/>
           </a:p>
@@ -467,7 +470,7 @@
           <a:p>
             <a:fld id="{35C3687D-91A5-7C4D-919D-428BCA0C637B}" type="datetimeFigureOut">
               <a:rPr lang="fr-CA" smtClean="0"/>
-              <a:t>2021-03-09</a:t>
+              <a:t>2022-05-02</a:t>
             </a:fld>
             <a:endParaRPr lang="fr-CA"/>
           </a:p>
@@ -677,7 +680,7 @@
           <a:p>
             <a:fld id="{35C3687D-91A5-7C4D-919D-428BCA0C637B}" type="datetimeFigureOut">
               <a:rPr lang="fr-CA" smtClean="0"/>
-              <a:t>2021-03-09</a:t>
+              <a:t>2022-05-02</a:t>
             </a:fld>
             <a:endParaRPr lang="fr-CA"/>
           </a:p>
@@ -877,7 +880,7 @@
           <a:p>
             <a:fld id="{35C3687D-91A5-7C4D-919D-428BCA0C637B}" type="datetimeFigureOut">
               <a:rPr lang="fr-CA" smtClean="0"/>
-              <a:t>2021-03-09</a:t>
+              <a:t>2022-05-02</a:t>
             </a:fld>
             <a:endParaRPr lang="fr-CA"/>
           </a:p>
@@ -1153,7 +1156,7 @@
           <a:p>
             <a:fld id="{35C3687D-91A5-7C4D-919D-428BCA0C637B}" type="datetimeFigureOut">
               <a:rPr lang="fr-CA" smtClean="0"/>
-              <a:t>2021-03-09</a:t>
+              <a:t>2022-05-02</a:t>
             </a:fld>
             <a:endParaRPr lang="fr-CA"/>
           </a:p>
@@ -1421,7 +1424,7 @@
           <a:p>
             <a:fld id="{35C3687D-91A5-7C4D-919D-428BCA0C637B}" type="datetimeFigureOut">
               <a:rPr lang="fr-CA" smtClean="0"/>
-              <a:t>2021-03-09</a:t>
+              <a:t>2022-05-02</a:t>
             </a:fld>
             <a:endParaRPr lang="fr-CA"/>
           </a:p>
@@ -1836,7 +1839,7 @@
           <a:p>
             <a:fld id="{35C3687D-91A5-7C4D-919D-428BCA0C637B}" type="datetimeFigureOut">
               <a:rPr lang="fr-CA" smtClean="0"/>
-              <a:t>2021-03-09</a:t>
+              <a:t>2022-05-02</a:t>
             </a:fld>
             <a:endParaRPr lang="fr-CA"/>
           </a:p>
@@ -1978,7 +1981,7 @@
           <a:p>
             <a:fld id="{35C3687D-91A5-7C4D-919D-428BCA0C637B}" type="datetimeFigureOut">
               <a:rPr lang="fr-CA" smtClean="0"/>
-              <a:t>2021-03-09</a:t>
+              <a:t>2022-05-02</a:t>
             </a:fld>
             <a:endParaRPr lang="fr-CA"/>
           </a:p>
@@ -2091,7 +2094,7 @@
           <a:p>
             <a:fld id="{35C3687D-91A5-7C4D-919D-428BCA0C637B}" type="datetimeFigureOut">
               <a:rPr lang="fr-CA" smtClean="0"/>
-              <a:t>2021-03-09</a:t>
+              <a:t>2022-05-02</a:t>
             </a:fld>
             <a:endParaRPr lang="fr-CA"/>
           </a:p>
@@ -2404,7 +2407,7 @@
           <a:p>
             <a:fld id="{35C3687D-91A5-7C4D-919D-428BCA0C637B}" type="datetimeFigureOut">
               <a:rPr lang="fr-CA" smtClean="0"/>
-              <a:t>2021-03-09</a:t>
+              <a:t>2022-05-02</a:t>
             </a:fld>
             <a:endParaRPr lang="fr-CA"/>
           </a:p>
@@ -2693,7 +2696,7 @@
           <a:p>
             <a:fld id="{35C3687D-91A5-7C4D-919D-428BCA0C637B}" type="datetimeFigureOut">
               <a:rPr lang="fr-CA" smtClean="0"/>
-              <a:t>2021-03-09</a:t>
+              <a:t>2022-05-02</a:t>
             </a:fld>
             <a:endParaRPr lang="fr-CA"/>
           </a:p>
@@ -2936,7 +2939,7 @@
           <a:p>
             <a:fld id="{35C3687D-91A5-7C4D-919D-428BCA0C637B}" type="datetimeFigureOut">
               <a:rPr lang="fr-CA" smtClean="0"/>
-              <a:t>2021-03-09</a:t>
+              <a:t>2022-05-02</a:t>
             </a:fld>
             <a:endParaRPr lang="fr-CA"/>
           </a:p>
@@ -11327,6 +11330,507 @@
 </p:sld>
 </file>
 
+<file path=ppt/slides/slide10.xml><?xml version="1.0" encoding="utf-8"?>
+<p:sld xmlns:a="http://schemas.openxmlformats.org/drawingml/2006/main" xmlns:r="http://schemas.openxmlformats.org/officeDocument/2006/relationships" xmlns:p="http://schemas.openxmlformats.org/presentationml/2006/main">
+  <p:cSld>
+    <p:spTree>
+      <p:nvGrpSpPr>
+        <p:cNvPr id="1" name=""/>
+        <p:cNvGrpSpPr/>
+        <p:nvPr/>
+      </p:nvGrpSpPr>
+      <p:grpSpPr>
+        <a:xfrm>
+          <a:off x="0" y="0"/>
+          <a:ext cx="0" cy="0"/>
+          <a:chOff x="0" y="0"/>
+          <a:chExt cx="0" cy="0"/>
+        </a:xfrm>
+      </p:grpSpPr>
+      <p:pic>
+        <p:nvPicPr>
+          <p:cNvPr id="2" name="Picture 1" descr="Shape&#10;&#10;Description automatically generated with medium confidence">
+            <a:extLst>
+              <a:ext uri="{FF2B5EF4-FFF2-40B4-BE49-F238E27FC236}">
+                <a16:creationId xmlns:a16="http://schemas.microsoft.com/office/drawing/2014/main" id="{49870F65-56C3-C19A-0E1A-CC31EE2D3A76}"/>
+              </a:ext>
+            </a:extLst>
+          </p:cNvPr>
+          <p:cNvPicPr>
+            <a:picLocks noChangeAspect="1"/>
+          </p:cNvPicPr>
+          <p:nvPr/>
+        </p:nvPicPr>
+        <p:blipFill>
+          <a:blip r:embed="rId2"/>
+          <a:stretch>
+            <a:fillRect/>
+          </a:stretch>
+        </p:blipFill>
+        <p:spPr>
+          <a:xfrm flipH="1">
+            <a:off x="6392599" y="2057400"/>
+            <a:ext cx="537391" cy="679597"/>
+          </a:xfrm>
+          <a:prstGeom prst="rect">
+            <a:avLst/>
+          </a:prstGeom>
+        </p:spPr>
+      </p:pic>
+      <p:pic>
+        <p:nvPicPr>
+          <p:cNvPr id="3" name="Picture 2" descr="Shape&#10;&#10;Description automatically generated with medium confidence">
+            <a:extLst>
+              <a:ext uri="{FF2B5EF4-FFF2-40B4-BE49-F238E27FC236}">
+                <a16:creationId xmlns:a16="http://schemas.microsoft.com/office/drawing/2014/main" id="{42A88B15-BB3F-BA68-F77A-FBEEFCC6746A}"/>
+              </a:ext>
+            </a:extLst>
+          </p:cNvPr>
+          <p:cNvPicPr>
+            <a:picLocks noChangeAspect="1"/>
+          </p:cNvPicPr>
+          <p:nvPr/>
+        </p:nvPicPr>
+        <p:blipFill>
+          <a:blip r:embed="rId2"/>
+          <a:stretch>
+            <a:fillRect/>
+          </a:stretch>
+        </p:blipFill>
+        <p:spPr>
+          <a:xfrm flipH="1">
+            <a:off x="4390883" y="3089201"/>
+            <a:ext cx="537391" cy="679597"/>
+          </a:xfrm>
+          <a:prstGeom prst="rect">
+            <a:avLst/>
+          </a:prstGeom>
+        </p:spPr>
+      </p:pic>
+      <p:cxnSp>
+        <p:nvCxnSpPr>
+          <p:cNvPr id="5" name="Straight Arrow Connector 4">
+            <a:extLst>
+              <a:ext uri="{FF2B5EF4-FFF2-40B4-BE49-F238E27FC236}">
+                <a16:creationId xmlns:a16="http://schemas.microsoft.com/office/drawing/2014/main" id="{822D2792-3F03-43B2-8DC9-99EB59B794CC}"/>
+              </a:ext>
+            </a:extLst>
+          </p:cNvPr>
+          <p:cNvCxnSpPr>
+            <a:stCxn id="3" idx="1"/>
+            <a:endCxn id="2" idx="2"/>
+          </p:cNvCxnSpPr>
+          <p:nvPr/>
+        </p:nvCxnSpPr>
+        <p:spPr>
+          <a:xfrm flipV="1">
+            <a:off x="4928274" y="2736997"/>
+            <a:ext cx="1733020" cy="692003"/>
+          </a:xfrm>
+          <a:prstGeom prst="straightConnector1">
+            <a:avLst/>
+          </a:prstGeom>
+          <a:ln>
+            <a:tailEnd type="triangle"/>
+          </a:ln>
+        </p:spPr>
+        <p:style>
+          <a:lnRef idx="1">
+            <a:schemeClr val="accent1"/>
+          </a:lnRef>
+          <a:fillRef idx="0">
+            <a:schemeClr val="accent1"/>
+          </a:fillRef>
+          <a:effectRef idx="0">
+            <a:schemeClr val="accent1"/>
+          </a:effectRef>
+          <a:fontRef idx="minor">
+            <a:schemeClr val="tx1"/>
+          </a:fontRef>
+        </p:style>
+      </p:cxnSp>
+      <p:cxnSp>
+        <p:nvCxnSpPr>
+          <p:cNvPr id="6" name="Straight Arrow Connector 5">
+            <a:extLst>
+              <a:ext uri="{FF2B5EF4-FFF2-40B4-BE49-F238E27FC236}">
+                <a16:creationId xmlns:a16="http://schemas.microsoft.com/office/drawing/2014/main" id="{13E8F079-058D-57DF-77A9-31DEE6BEEB65}"/>
+              </a:ext>
+            </a:extLst>
+          </p:cNvPr>
+          <p:cNvCxnSpPr>
+            <a:cxnSpLocks/>
+            <a:stCxn id="3" idx="1"/>
+          </p:cNvCxnSpPr>
+          <p:nvPr/>
+        </p:nvCxnSpPr>
+        <p:spPr>
+          <a:xfrm>
+            <a:off x="4928274" y="3429000"/>
+            <a:ext cx="1733020" cy="0"/>
+          </a:xfrm>
+          <a:prstGeom prst="straightConnector1">
+            <a:avLst/>
+          </a:prstGeom>
+          <a:ln>
+            <a:tailEnd type="triangle"/>
+          </a:ln>
+        </p:spPr>
+        <p:style>
+          <a:lnRef idx="2">
+            <a:schemeClr val="dk1"/>
+          </a:lnRef>
+          <a:fillRef idx="0">
+            <a:schemeClr val="dk1"/>
+          </a:fillRef>
+          <a:effectRef idx="1">
+            <a:schemeClr val="dk1"/>
+          </a:effectRef>
+          <a:fontRef idx="minor">
+            <a:schemeClr val="tx1"/>
+          </a:fontRef>
+        </p:style>
+      </p:cxnSp>
+      <p:cxnSp>
+        <p:nvCxnSpPr>
+          <p:cNvPr id="9" name="Straight Arrow Connector 8">
+            <a:extLst>
+              <a:ext uri="{FF2B5EF4-FFF2-40B4-BE49-F238E27FC236}">
+                <a16:creationId xmlns:a16="http://schemas.microsoft.com/office/drawing/2014/main" id="{281A1D31-BFBE-BD04-3893-8D0B26829FE4}"/>
+              </a:ext>
+            </a:extLst>
+          </p:cNvPr>
+          <p:cNvCxnSpPr>
+            <a:cxnSpLocks/>
+            <a:endCxn id="2" idx="2"/>
+          </p:cNvCxnSpPr>
+          <p:nvPr/>
+        </p:nvCxnSpPr>
+        <p:spPr>
+          <a:xfrm flipV="1">
+            <a:off x="6661294" y="2736997"/>
+            <a:ext cx="0" cy="692002"/>
+          </a:xfrm>
+          <a:prstGeom prst="straightConnector1">
+            <a:avLst/>
+          </a:prstGeom>
+          <a:ln>
+            <a:tailEnd type="triangle"/>
+          </a:ln>
+        </p:spPr>
+        <p:style>
+          <a:lnRef idx="2">
+            <a:schemeClr val="dk1"/>
+          </a:lnRef>
+          <a:fillRef idx="0">
+            <a:schemeClr val="dk1"/>
+          </a:fillRef>
+          <a:effectRef idx="1">
+            <a:schemeClr val="dk1"/>
+          </a:effectRef>
+          <a:fontRef idx="minor">
+            <a:schemeClr val="tx1"/>
+          </a:fontRef>
+        </p:style>
+      </p:cxnSp>
+      <mc:AlternateContent xmlns:mc="http://schemas.openxmlformats.org/markup-compatibility/2006">
+        <mc:Choice xmlns:a14="http://schemas.microsoft.com/office/drawing/2010/main" Requires="a14">
+          <p:sp>
+            <p:nvSpPr>
+              <p:cNvPr id="11" name="TextBox 10">
+                <a:extLst>
+                  <a:ext uri="{FF2B5EF4-FFF2-40B4-BE49-F238E27FC236}">
+                    <a16:creationId xmlns:a16="http://schemas.microsoft.com/office/drawing/2014/main" id="{8EBB2305-BCB1-E7B8-7C90-4266C3D917AF}"/>
+                  </a:ext>
+                </a:extLst>
+              </p:cNvPr>
+              <p:cNvSpPr txBox="1"/>
+              <p:nvPr/>
+            </p:nvSpPr>
+            <p:spPr>
+              <a:xfrm>
+                <a:off x="5671040" y="3367455"/>
+                <a:ext cx="367985" cy="369332"/>
+              </a:xfrm>
+              <a:prstGeom prst="rect">
+                <a:avLst/>
+              </a:prstGeom>
+              <a:noFill/>
+            </p:spPr>
+            <p:txBody>
+              <a:bodyPr wrap="none" rtlCol="0">
+                <a:spAutoFit/>
+              </a:bodyPr>
+              <a:lstStyle/>
+              <a:p>
+                <a14:m>
+                  <m:oMathPara xmlns:m="http://schemas.openxmlformats.org/officeDocument/2006/math">
+                    <m:oMathParaPr>
+                      <m:jc m:val="centerGroup"/>
+                    </m:oMathParaPr>
+                    <m:oMath xmlns:m="http://schemas.openxmlformats.org/officeDocument/2006/math">
+                      <m:r>
+                        <a:rPr lang="fr-FR" b="0" i="1" smtClean="0">
+                          <a:latin typeface="Cambria Math" panose="02040503050406030204" pitchFamily="18" charset="0"/>
+                        </a:rPr>
+                        <m:t>𝑥</m:t>
+                      </m:r>
+                    </m:oMath>
+                  </m:oMathPara>
+                </a14:m>
+                <a:endParaRPr lang="fr-CA" dirty="0"/>
+              </a:p>
+            </p:txBody>
+          </p:sp>
+        </mc:Choice>
+        <mc:Fallback>
+          <p:sp>
+            <p:nvSpPr>
+              <p:cNvPr id="11" name="TextBox 10">
+                <a:extLst>
+                  <a:ext uri="{FF2B5EF4-FFF2-40B4-BE49-F238E27FC236}">
+                    <a16:creationId xmlns:a16="http://schemas.microsoft.com/office/drawing/2014/main" id="{8EBB2305-BCB1-E7B8-7C90-4266C3D917AF}"/>
+                  </a:ext>
+                </a:extLst>
+              </p:cNvPr>
+              <p:cNvSpPr txBox="1">
+                <a:spLocks noRot="1" noChangeAspect="1" noMove="1" noResize="1" noEditPoints="1" noAdjustHandles="1" noChangeArrowheads="1" noChangeShapeType="1" noTextEdit="1"/>
+              </p:cNvSpPr>
+              <p:nvPr/>
+            </p:nvSpPr>
+            <p:spPr>
+              <a:xfrm>
+                <a:off x="5671040" y="3367455"/>
+                <a:ext cx="367985" cy="369332"/>
+              </a:xfrm>
+              <a:prstGeom prst="rect">
+                <a:avLst/>
+              </a:prstGeom>
+              <a:blipFill>
+                <a:blip r:embed="rId3"/>
+                <a:stretch>
+                  <a:fillRect/>
+                </a:stretch>
+              </a:blipFill>
+            </p:spPr>
+            <p:txBody>
+              <a:bodyPr/>
+              <a:lstStyle/>
+              <a:p>
+                <a:r>
+                  <a:rPr lang="fr-CA">
+                    <a:noFill/>
+                  </a:rPr>
+                  <a:t> </a:t>
+                </a:r>
+              </a:p>
+            </p:txBody>
+          </p:sp>
+        </mc:Fallback>
+      </mc:AlternateContent>
+      <mc:AlternateContent xmlns:mc="http://schemas.openxmlformats.org/markup-compatibility/2006">
+        <mc:Choice xmlns:a14="http://schemas.microsoft.com/office/drawing/2010/main" Requires="a14">
+          <p:sp>
+            <p:nvSpPr>
+              <p:cNvPr id="12" name="TextBox 11">
+                <a:extLst>
+                  <a:ext uri="{FF2B5EF4-FFF2-40B4-BE49-F238E27FC236}">
+                    <a16:creationId xmlns:a16="http://schemas.microsoft.com/office/drawing/2014/main" id="{17985C34-1A0E-E0DB-9CA2-1BC35A2F5C5D}"/>
+                  </a:ext>
+                </a:extLst>
+              </p:cNvPr>
+              <p:cNvSpPr txBox="1"/>
+              <p:nvPr/>
+            </p:nvSpPr>
+            <p:spPr>
+              <a:xfrm>
+                <a:off x="6653155" y="2898387"/>
+                <a:ext cx="367985" cy="369332"/>
+              </a:xfrm>
+              <a:prstGeom prst="rect">
+                <a:avLst/>
+              </a:prstGeom>
+              <a:noFill/>
+            </p:spPr>
+            <p:txBody>
+              <a:bodyPr wrap="none" rtlCol="0">
+                <a:spAutoFit/>
+              </a:bodyPr>
+              <a:lstStyle/>
+              <a:p>
+                <a14:m>
+                  <m:oMathPara xmlns:m="http://schemas.openxmlformats.org/officeDocument/2006/math">
+                    <m:oMathParaPr>
+                      <m:jc m:val="centerGroup"/>
+                    </m:oMathParaPr>
+                    <m:oMath xmlns:m="http://schemas.openxmlformats.org/officeDocument/2006/math">
+                      <m:r>
+                        <a:rPr lang="fr-FR" b="0" i="1" smtClean="0">
+                          <a:latin typeface="Cambria Math" panose="02040503050406030204" pitchFamily="18" charset="0"/>
+                        </a:rPr>
+                        <m:t>𝑦</m:t>
+                      </m:r>
+                    </m:oMath>
+                  </m:oMathPara>
+                </a14:m>
+                <a:endParaRPr lang="fr-CA" dirty="0"/>
+              </a:p>
+            </p:txBody>
+          </p:sp>
+        </mc:Choice>
+        <mc:Fallback>
+          <p:sp>
+            <p:nvSpPr>
+              <p:cNvPr id="12" name="TextBox 11">
+                <a:extLst>
+                  <a:ext uri="{FF2B5EF4-FFF2-40B4-BE49-F238E27FC236}">
+                    <a16:creationId xmlns:a16="http://schemas.microsoft.com/office/drawing/2014/main" id="{17985C34-1A0E-E0DB-9CA2-1BC35A2F5C5D}"/>
+                  </a:ext>
+                </a:extLst>
+              </p:cNvPr>
+              <p:cNvSpPr txBox="1">
+                <a:spLocks noRot="1" noChangeAspect="1" noMove="1" noResize="1" noEditPoints="1" noAdjustHandles="1" noChangeArrowheads="1" noChangeShapeType="1" noTextEdit="1"/>
+              </p:cNvSpPr>
+              <p:nvPr/>
+            </p:nvSpPr>
+            <p:spPr>
+              <a:xfrm>
+                <a:off x="6653155" y="2898387"/>
+                <a:ext cx="367985" cy="369332"/>
+              </a:xfrm>
+              <a:prstGeom prst="rect">
+                <a:avLst/>
+              </a:prstGeom>
+              <a:blipFill>
+                <a:blip r:embed="rId4"/>
+                <a:stretch>
+                  <a:fillRect b="-6667"/>
+                </a:stretch>
+              </a:blipFill>
+            </p:spPr>
+            <p:txBody>
+              <a:bodyPr/>
+              <a:lstStyle/>
+              <a:p>
+                <a:r>
+                  <a:rPr lang="fr-CA">
+                    <a:noFill/>
+                  </a:rPr>
+                  <a:t> </a:t>
+                </a:r>
+              </a:p>
+            </p:txBody>
+          </p:sp>
+        </mc:Fallback>
+      </mc:AlternateContent>
+      <mc:AlternateContent xmlns:mc="http://schemas.openxmlformats.org/markup-compatibility/2006">
+        <mc:Choice xmlns:a14="http://schemas.microsoft.com/office/drawing/2010/main" Requires="a14">
+          <p:sp>
+            <p:nvSpPr>
+              <p:cNvPr id="13" name="TextBox 12">
+                <a:extLst>
+                  <a:ext uri="{FF2B5EF4-FFF2-40B4-BE49-F238E27FC236}">
+                    <a16:creationId xmlns:a16="http://schemas.microsoft.com/office/drawing/2014/main" id="{D46CC948-1F84-9229-3E4B-BFA59511134A}"/>
+                  </a:ext>
+                </a:extLst>
+              </p:cNvPr>
+              <p:cNvSpPr txBox="1"/>
+              <p:nvPr/>
+            </p:nvSpPr>
+            <p:spPr>
+              <a:xfrm>
+                <a:off x="5524996" y="2722486"/>
+                <a:ext cx="377924" cy="369332"/>
+              </a:xfrm>
+              <a:prstGeom prst="rect">
+                <a:avLst/>
+              </a:prstGeom>
+              <a:noFill/>
+            </p:spPr>
+            <p:txBody>
+              <a:bodyPr wrap="none" rtlCol="0">
+                <a:spAutoFit/>
+              </a:bodyPr>
+              <a:lstStyle/>
+              <a:p>
+                <a14:m>
+                  <m:oMathPara xmlns:m="http://schemas.openxmlformats.org/officeDocument/2006/math">
+                    <m:oMathParaPr>
+                      <m:jc m:val="centerGroup"/>
+                    </m:oMathParaPr>
+                    <m:oMath xmlns:m="http://schemas.openxmlformats.org/officeDocument/2006/math">
+                      <m:r>
+                        <a:rPr lang="fr-FR" b="0" i="1" smtClean="0">
+                          <a:latin typeface="Cambria Math" panose="02040503050406030204" pitchFamily="18" charset="0"/>
+                        </a:rPr>
+                        <m:t>𝑑</m:t>
+                      </m:r>
+                    </m:oMath>
+                  </m:oMathPara>
+                </a14:m>
+                <a:endParaRPr lang="fr-CA" dirty="0"/>
+              </a:p>
+            </p:txBody>
+          </p:sp>
+        </mc:Choice>
+        <mc:Fallback>
+          <p:sp>
+            <p:nvSpPr>
+              <p:cNvPr id="13" name="TextBox 12">
+                <a:extLst>
+                  <a:ext uri="{FF2B5EF4-FFF2-40B4-BE49-F238E27FC236}">
+                    <a16:creationId xmlns:a16="http://schemas.microsoft.com/office/drawing/2014/main" id="{D46CC948-1F84-9229-3E4B-BFA59511134A}"/>
+                  </a:ext>
+                </a:extLst>
+              </p:cNvPr>
+              <p:cNvSpPr txBox="1">
+                <a:spLocks noRot="1" noChangeAspect="1" noMove="1" noResize="1" noEditPoints="1" noAdjustHandles="1" noChangeArrowheads="1" noChangeShapeType="1" noTextEdit="1"/>
+              </p:cNvSpPr>
+              <p:nvPr/>
+            </p:nvSpPr>
+            <p:spPr>
+              <a:xfrm>
+                <a:off x="5524996" y="2722486"/>
+                <a:ext cx="377924" cy="369332"/>
+              </a:xfrm>
+              <a:prstGeom prst="rect">
+                <a:avLst/>
+              </a:prstGeom>
+              <a:blipFill>
+                <a:blip r:embed="rId5"/>
+                <a:stretch>
+                  <a:fillRect/>
+                </a:stretch>
+              </a:blipFill>
+            </p:spPr>
+            <p:txBody>
+              <a:bodyPr/>
+              <a:lstStyle/>
+              <a:p>
+                <a:r>
+                  <a:rPr lang="fr-CA">
+                    <a:noFill/>
+                  </a:rPr>
+                  <a:t> </a:t>
+                </a:r>
+              </a:p>
+            </p:txBody>
+          </p:sp>
+        </mc:Fallback>
+      </mc:AlternateContent>
+    </p:spTree>
+    <p:extLst>
+      <p:ext uri="{BB962C8B-B14F-4D97-AF65-F5344CB8AC3E}">
+        <p14:creationId xmlns:p14="http://schemas.microsoft.com/office/powerpoint/2010/main" val="58764999"/>
+      </p:ext>
+    </p:extLst>
+  </p:cSld>
+  <p:clrMapOvr>
+    <a:masterClrMapping/>
+  </p:clrMapOvr>
+</p:sld>
+</file>
+
 <file path=ppt/slides/slide2.xml><?xml version="1.0" encoding="utf-8"?>
 <p:sld xmlns:a="http://schemas.openxmlformats.org/drawingml/2006/main" xmlns:r="http://schemas.openxmlformats.org/officeDocument/2006/relationships" xmlns:p="http://schemas.openxmlformats.org/presentationml/2006/main">
   <p:cSld>
@@ -19095,8 +19599,8 @@
             </p:txBody>
           </p:sp>
         </p:grpSp>
-        <mc:AlternateContent xmlns:mc="http://schemas.openxmlformats.org/markup-compatibility/2006">
-          <mc:Choice xmlns:a14="http://schemas.microsoft.com/office/drawing/2010/main" Requires="a14">
+        <mc:AlternateContent xmlns:mc="http://schemas.openxmlformats.org/markup-compatibility/2006" xmlns:a14="http://schemas.microsoft.com/office/drawing/2010/main">
+          <mc:Choice Requires="a14">
             <p:sp>
               <p:nvSpPr>
                 <p:cNvPr id="26" name="TextBox 25">
@@ -19146,7 +19650,7 @@
               </p:txBody>
             </p:sp>
           </mc:Choice>
-          <mc:Fallback>
+          <mc:Fallback xmlns="">
             <p:sp>
               <p:nvSpPr>
                 <p:cNvPr id="26" name="TextBox 25">
@@ -19191,8 +19695,8 @@
             </p:sp>
           </mc:Fallback>
         </mc:AlternateContent>
-        <mc:AlternateContent xmlns:mc="http://schemas.openxmlformats.org/markup-compatibility/2006">
-          <mc:Choice xmlns:a14="http://schemas.microsoft.com/office/drawing/2010/main" Requires="a14">
+        <mc:AlternateContent xmlns:mc="http://schemas.openxmlformats.org/markup-compatibility/2006" xmlns:a14="http://schemas.microsoft.com/office/drawing/2010/main">
+          <mc:Choice Requires="a14">
             <p:sp>
               <p:nvSpPr>
                 <p:cNvPr id="28" name="TextBox 27">
@@ -19242,7 +19746,7 @@
               </p:txBody>
             </p:sp>
           </mc:Choice>
-          <mc:Fallback>
+          <mc:Fallback xmlns="">
             <p:sp>
               <p:nvSpPr>
                 <p:cNvPr id="28" name="TextBox 27">
@@ -19439,8 +19943,8 @@
             </a:fontRef>
           </p:style>
         </p:cxnSp>
-        <mc:AlternateContent xmlns:mc="http://schemas.openxmlformats.org/markup-compatibility/2006">
-          <mc:Choice xmlns:a14="http://schemas.microsoft.com/office/drawing/2010/main" Requires="a14">
+        <mc:AlternateContent xmlns:mc="http://schemas.openxmlformats.org/markup-compatibility/2006" xmlns:a14="http://schemas.microsoft.com/office/drawing/2010/main">
+          <mc:Choice Requires="a14">
             <p:sp>
               <p:nvSpPr>
                 <p:cNvPr id="42" name="TextBox 41">
@@ -19511,7 +20015,7 @@
               </p:txBody>
             </p:sp>
           </mc:Choice>
-          <mc:Fallback>
+          <mc:Fallback xmlns="">
             <p:sp>
               <p:nvSpPr>
                 <p:cNvPr id="42" name="TextBox 41">
@@ -19556,8 +20060,8 @@
             </p:sp>
           </mc:Fallback>
         </mc:AlternateContent>
-        <mc:AlternateContent xmlns:mc="http://schemas.openxmlformats.org/markup-compatibility/2006">
-          <mc:Choice xmlns:a14="http://schemas.microsoft.com/office/drawing/2010/main" Requires="a14">
+        <mc:AlternateContent xmlns:mc="http://schemas.openxmlformats.org/markup-compatibility/2006" xmlns:a14="http://schemas.microsoft.com/office/drawing/2010/main">
+          <mc:Choice Requires="a14">
             <p:sp>
               <p:nvSpPr>
                 <p:cNvPr id="43" name="TextBox 42">
@@ -19628,7 +20132,7 @@
               </p:txBody>
             </p:sp>
           </mc:Choice>
-          <mc:Fallback>
+          <mc:Fallback xmlns="">
             <p:sp>
               <p:nvSpPr>
                 <p:cNvPr id="43" name="TextBox 42">
@@ -19751,8 +20255,8 @@
             </a:p>
           </p:txBody>
         </p:sp>
-        <mc:AlternateContent xmlns:mc="http://schemas.openxmlformats.org/markup-compatibility/2006">
-          <mc:Choice xmlns:a14="http://schemas.microsoft.com/office/drawing/2010/main" Requires="a14">
+        <mc:AlternateContent xmlns:mc="http://schemas.openxmlformats.org/markup-compatibility/2006" xmlns:a14="http://schemas.microsoft.com/office/drawing/2010/main">
+          <mc:Choice Requires="a14">
             <p:sp>
               <p:nvSpPr>
                 <p:cNvPr id="46" name="TextBox 45">
@@ -19829,7 +20333,7 @@
               </p:txBody>
             </p:sp>
           </mc:Choice>
-          <mc:Fallback>
+          <mc:Fallback xmlns="">
             <p:sp>
               <p:nvSpPr>
                 <p:cNvPr id="46" name="TextBox 45">
@@ -19874,8 +20378,8 @@
             </p:sp>
           </mc:Fallback>
         </mc:AlternateContent>
-        <mc:AlternateContent xmlns:mc="http://schemas.openxmlformats.org/markup-compatibility/2006">
-          <mc:Choice xmlns:a14="http://schemas.microsoft.com/office/drawing/2010/main" Requires="a14">
+        <mc:AlternateContent xmlns:mc="http://schemas.openxmlformats.org/markup-compatibility/2006" xmlns:a14="http://schemas.microsoft.com/office/drawing/2010/main">
+          <mc:Choice Requires="a14">
             <p:sp>
               <p:nvSpPr>
                 <p:cNvPr id="47" name="TextBox 46">
@@ -19946,7 +20450,7 @@
               </p:txBody>
             </p:sp>
           </mc:Choice>
-          <mc:Fallback>
+          <mc:Fallback xmlns="">
             <p:sp>
               <p:nvSpPr>
                 <p:cNvPr id="47" name="TextBox 46">
@@ -20536,7 +21040,6 @@
           </a:bodyPr>
           <a:lstStyle/>
           <a:p>
-            <a:pPr/>
             <a:r>
               <a:rPr lang="fr-CA" noProof="1"/>
               <a:t>30°</a:t>
@@ -20832,8 +21335,8 @@
           </a:p>
         </p:txBody>
       </p:sp>
-      <mc:AlternateContent xmlns:mc="http://schemas.openxmlformats.org/markup-compatibility/2006">
-        <mc:Choice xmlns:a14="http://schemas.microsoft.com/office/drawing/2010/main" Requires="a14">
+      <mc:AlternateContent xmlns:mc="http://schemas.openxmlformats.org/markup-compatibility/2006" xmlns:a14="http://schemas.microsoft.com/office/drawing/2010/main">
+        <mc:Choice Requires="a14">
           <p:sp>
             <p:nvSpPr>
               <p:cNvPr id="73" name="TextBox 72">
@@ -20862,7 +21365,6 @@
               </a:bodyPr>
               <a:lstStyle/>
               <a:p>
-                <a:pPr/>
                 <a:r>
                   <a:rPr lang="fr-FR" sz="1100" b="0" dirty="0"/>
                   <a:t>2 + 10</a:t>
@@ -20921,7 +21423,7 @@
             </p:txBody>
           </p:sp>
         </mc:Choice>
-        <mc:Fallback>
+        <mc:Fallback xmlns="">
           <p:sp>
             <p:nvSpPr>
               <p:cNvPr id="73" name="TextBox 72">
@@ -20966,8 +21468,8 @@
           </p:sp>
         </mc:Fallback>
       </mc:AlternateContent>
-      <mc:AlternateContent xmlns:mc="http://schemas.openxmlformats.org/markup-compatibility/2006">
-        <mc:Choice xmlns:a14="http://schemas.microsoft.com/office/drawing/2010/main" Requires="a14">
+      <mc:AlternateContent xmlns:mc="http://schemas.openxmlformats.org/markup-compatibility/2006" xmlns:a14="http://schemas.microsoft.com/office/drawing/2010/main">
+        <mc:Choice Requires="a14">
           <p:sp>
             <p:nvSpPr>
               <p:cNvPr id="74" name="TextBox 73">
@@ -20996,7 +21498,6 @@
               </a:bodyPr>
               <a:lstStyle/>
               <a:p>
-                <a:pPr/>
                 <a:r>
                   <a:rPr lang="fr-FR" sz="1100" b="0" dirty="0"/>
                   <a:t>10</a:t>
@@ -21016,19 +21517,7 @@
                       <a:rPr lang="fr-FR" sz="1100" b="0" i="1" smtClean="0">
                         <a:latin typeface="Cambria Math" panose="02040503050406030204" pitchFamily="18" charset="0"/>
                       </a:rPr>
-                      <m:t>⁡(</m:t>
-                    </m:r>
-                    <m:r>
-                      <a:rPr lang="fr-FR" sz="1100" b="0" i="1" smtClean="0">
-                        <a:latin typeface="Cambria Math" panose="02040503050406030204" pitchFamily="18" charset="0"/>
-                      </a:rPr>
-                      <m:t>30</m:t>
-                    </m:r>
-                    <m:r>
-                      <a:rPr lang="fr-FR" sz="1100" b="0" i="1" smtClean="0">
-                        <a:latin typeface="Cambria Math" panose="02040503050406030204" pitchFamily="18" charset="0"/>
-                      </a:rPr>
-                      <m:t>)</m:t>
+                      <m:t>⁡(30)</m:t>
                     </m:r>
                   </m:oMath>
                 </a14:m>
@@ -21037,7 +21526,7 @@
             </p:txBody>
           </p:sp>
         </mc:Choice>
-        <mc:Fallback>
+        <mc:Fallback xmlns="">
           <p:sp>
             <p:nvSpPr>
               <p:cNvPr id="74" name="TextBox 73">
@@ -32149,6 +32638,1531 @@
 </p:sld>
 </file>
 
+<file path=ppt/slides/slide8.xml><?xml version="1.0" encoding="utf-8"?>
+<p:sld xmlns:a="http://schemas.openxmlformats.org/drawingml/2006/main" xmlns:r="http://schemas.openxmlformats.org/officeDocument/2006/relationships" xmlns:p="http://schemas.openxmlformats.org/presentationml/2006/main">
+  <p:cSld>
+    <p:spTree>
+      <p:nvGrpSpPr>
+        <p:cNvPr id="1" name=""/>
+        <p:cNvGrpSpPr/>
+        <p:nvPr/>
+      </p:nvGrpSpPr>
+      <p:grpSpPr>
+        <a:xfrm>
+          <a:off x="0" y="0"/>
+          <a:ext cx="0" cy="0"/>
+          <a:chOff x="0" y="0"/>
+          <a:chExt cx="0" cy="0"/>
+        </a:xfrm>
+      </p:grpSpPr>
+      <p:pic>
+        <p:nvPicPr>
+          <p:cNvPr id="3" name="Picture 2" descr="Shape&#10;&#10;Description automatically generated with medium confidence">
+            <a:extLst>
+              <a:ext uri="{FF2B5EF4-FFF2-40B4-BE49-F238E27FC236}">
+                <a16:creationId xmlns:a16="http://schemas.microsoft.com/office/drawing/2014/main" id="{F96D446E-9B6B-2D11-C8A6-E76434C5C328}"/>
+              </a:ext>
+            </a:extLst>
+          </p:cNvPr>
+          <p:cNvPicPr>
+            <a:picLocks noChangeAspect="1"/>
+          </p:cNvPicPr>
+          <p:nvPr/>
+        </p:nvPicPr>
+        <p:blipFill>
+          <a:blip r:embed="rId2"/>
+          <a:stretch>
+            <a:fillRect/>
+          </a:stretch>
+        </p:blipFill>
+        <p:spPr>
+          <a:xfrm flipH="1">
+            <a:off x="3611805" y="1611336"/>
+            <a:ext cx="945744" cy="1196009"/>
+          </a:xfrm>
+          <a:prstGeom prst="rect">
+            <a:avLst/>
+          </a:prstGeom>
+        </p:spPr>
+      </p:pic>
+      <p:grpSp>
+        <p:nvGrpSpPr>
+          <p:cNvPr id="11" name="Group 10">
+            <a:extLst>
+              <a:ext uri="{FF2B5EF4-FFF2-40B4-BE49-F238E27FC236}">
+                <a16:creationId xmlns:a16="http://schemas.microsoft.com/office/drawing/2014/main" id="{A4400DEC-1C54-E8E8-F42C-3869C6DFB7D5}"/>
+              </a:ext>
+            </a:extLst>
+          </p:cNvPr>
+          <p:cNvGrpSpPr/>
+          <p:nvPr/>
+        </p:nvGrpSpPr>
+        <p:grpSpPr>
+          <a:xfrm>
+            <a:off x="2049518" y="1923393"/>
+            <a:ext cx="157655" cy="651641"/>
+            <a:chOff x="2711669" y="2165131"/>
+            <a:chExt cx="157655" cy="651641"/>
+          </a:xfrm>
+        </p:grpSpPr>
+        <p:sp>
+          <p:nvSpPr>
+            <p:cNvPr id="4" name="Rectangle 3">
+              <a:extLst>
+                <a:ext uri="{FF2B5EF4-FFF2-40B4-BE49-F238E27FC236}">
+                  <a16:creationId xmlns:a16="http://schemas.microsoft.com/office/drawing/2014/main" id="{DA97D74A-D36B-77AF-7612-5CFD6547BF2E}"/>
+                </a:ext>
+              </a:extLst>
+            </p:cNvPr>
+            <p:cNvSpPr/>
+            <p:nvPr/>
+          </p:nvSpPr>
+          <p:spPr>
+            <a:xfrm>
+              <a:off x="2711669" y="2165131"/>
+              <a:ext cx="157655" cy="185015"/>
+            </a:xfrm>
+            <a:prstGeom prst="rect">
+              <a:avLst/>
+            </a:prstGeom>
+          </p:spPr>
+          <p:style>
+            <a:lnRef idx="2">
+              <a:schemeClr val="dk1">
+                <a:shade val="50000"/>
+              </a:schemeClr>
+            </a:lnRef>
+            <a:fillRef idx="1">
+              <a:schemeClr val="dk1"/>
+            </a:fillRef>
+            <a:effectRef idx="0">
+              <a:schemeClr val="dk1"/>
+            </a:effectRef>
+            <a:fontRef idx="minor">
+              <a:schemeClr val="lt1"/>
+            </a:fontRef>
+          </p:style>
+          <p:txBody>
+            <a:bodyPr rtlCol="0" anchor="ctr"/>
+            <a:lstStyle/>
+            <a:p>
+              <a:pPr algn="ctr"/>
+              <a:endParaRPr lang="fr-CA"/>
+            </a:p>
+          </p:txBody>
+        </p:sp>
+        <p:cxnSp>
+          <p:nvCxnSpPr>
+            <p:cNvPr id="6" name="Straight Connector 5">
+              <a:extLst>
+                <a:ext uri="{FF2B5EF4-FFF2-40B4-BE49-F238E27FC236}">
+                  <a16:creationId xmlns:a16="http://schemas.microsoft.com/office/drawing/2014/main" id="{33132581-6681-930A-CDEB-EDD7E6C784B8}"/>
+                </a:ext>
+              </a:extLst>
+            </p:cNvPr>
+            <p:cNvCxnSpPr>
+              <a:stCxn id="4" idx="2"/>
+            </p:cNvCxnSpPr>
+            <p:nvPr/>
+          </p:nvCxnSpPr>
+          <p:spPr>
+            <a:xfrm flipH="1">
+              <a:off x="2711669" y="2350146"/>
+              <a:ext cx="78828" cy="466626"/>
+            </a:xfrm>
+            <a:prstGeom prst="line">
+              <a:avLst/>
+            </a:prstGeom>
+          </p:spPr>
+          <p:style>
+            <a:lnRef idx="3">
+              <a:schemeClr val="dk1"/>
+            </a:lnRef>
+            <a:fillRef idx="0">
+              <a:schemeClr val="dk1"/>
+            </a:fillRef>
+            <a:effectRef idx="2">
+              <a:schemeClr val="dk1"/>
+            </a:effectRef>
+            <a:fontRef idx="minor">
+              <a:schemeClr val="tx1"/>
+            </a:fontRef>
+          </p:style>
+        </p:cxnSp>
+        <p:cxnSp>
+          <p:nvCxnSpPr>
+            <p:cNvPr id="7" name="Straight Connector 6">
+              <a:extLst>
+                <a:ext uri="{FF2B5EF4-FFF2-40B4-BE49-F238E27FC236}">
+                  <a16:creationId xmlns:a16="http://schemas.microsoft.com/office/drawing/2014/main" id="{D21BB952-0C7C-4831-8CDB-ADF77D4EFC8D}"/>
+                </a:ext>
+              </a:extLst>
+            </p:cNvPr>
+            <p:cNvCxnSpPr>
+              <a:cxnSpLocks/>
+            </p:cNvCxnSpPr>
+            <p:nvPr/>
+          </p:nvCxnSpPr>
+          <p:spPr>
+            <a:xfrm>
+              <a:off x="2787869" y="2320700"/>
+              <a:ext cx="81455" cy="496072"/>
+            </a:xfrm>
+            <a:prstGeom prst="line">
+              <a:avLst/>
+            </a:prstGeom>
+          </p:spPr>
+          <p:style>
+            <a:lnRef idx="3">
+              <a:schemeClr val="dk1"/>
+            </a:lnRef>
+            <a:fillRef idx="0">
+              <a:schemeClr val="dk1"/>
+            </a:fillRef>
+            <a:effectRef idx="2">
+              <a:schemeClr val="dk1"/>
+            </a:effectRef>
+            <a:fontRef idx="minor">
+              <a:schemeClr val="tx1"/>
+            </a:fontRef>
+          </p:style>
+        </p:cxnSp>
+        <p:cxnSp>
+          <p:nvCxnSpPr>
+            <p:cNvPr id="9" name="Straight Connector 8">
+              <a:extLst>
+                <a:ext uri="{FF2B5EF4-FFF2-40B4-BE49-F238E27FC236}">
+                  <a16:creationId xmlns:a16="http://schemas.microsoft.com/office/drawing/2014/main" id="{F669075D-AA15-B610-D5A8-7161FFC2A121}"/>
+                </a:ext>
+              </a:extLst>
+            </p:cNvPr>
+            <p:cNvCxnSpPr>
+              <a:cxnSpLocks/>
+            </p:cNvCxnSpPr>
+            <p:nvPr/>
+          </p:nvCxnSpPr>
+          <p:spPr>
+            <a:xfrm flipH="1">
+              <a:off x="2787869" y="2350146"/>
+              <a:ext cx="5255" cy="466626"/>
+            </a:xfrm>
+            <a:prstGeom prst="line">
+              <a:avLst/>
+            </a:prstGeom>
+          </p:spPr>
+          <p:style>
+            <a:lnRef idx="3">
+              <a:schemeClr val="dk1"/>
+            </a:lnRef>
+            <a:fillRef idx="0">
+              <a:schemeClr val="dk1"/>
+            </a:fillRef>
+            <a:effectRef idx="2">
+              <a:schemeClr val="dk1"/>
+            </a:effectRef>
+            <a:fontRef idx="minor">
+              <a:schemeClr val="tx1"/>
+            </a:fontRef>
+          </p:style>
+        </p:cxnSp>
+      </p:grpSp>
+      <p:grpSp>
+        <p:nvGrpSpPr>
+          <p:cNvPr id="12" name="Group 11">
+            <a:extLst>
+              <a:ext uri="{FF2B5EF4-FFF2-40B4-BE49-F238E27FC236}">
+                <a16:creationId xmlns:a16="http://schemas.microsoft.com/office/drawing/2014/main" id="{7840AED9-9540-6007-AF47-C42D47F73C46}"/>
+              </a:ext>
+            </a:extLst>
+          </p:cNvPr>
+          <p:cNvGrpSpPr/>
+          <p:nvPr/>
+        </p:nvGrpSpPr>
+        <p:grpSpPr>
+          <a:xfrm>
+            <a:off x="2427985" y="2622330"/>
+            <a:ext cx="157655" cy="651641"/>
+            <a:chOff x="2711669" y="2165131"/>
+            <a:chExt cx="157655" cy="651641"/>
+          </a:xfrm>
+        </p:grpSpPr>
+        <p:sp>
+          <p:nvSpPr>
+            <p:cNvPr id="13" name="Rectangle 12">
+              <a:extLst>
+                <a:ext uri="{FF2B5EF4-FFF2-40B4-BE49-F238E27FC236}">
+                  <a16:creationId xmlns:a16="http://schemas.microsoft.com/office/drawing/2014/main" id="{35673A3C-1683-B846-03DA-74EE4AF394C5}"/>
+                </a:ext>
+              </a:extLst>
+            </p:cNvPr>
+            <p:cNvSpPr/>
+            <p:nvPr/>
+          </p:nvSpPr>
+          <p:spPr>
+            <a:xfrm>
+              <a:off x="2711669" y="2165131"/>
+              <a:ext cx="157655" cy="185015"/>
+            </a:xfrm>
+            <a:prstGeom prst="rect">
+              <a:avLst/>
+            </a:prstGeom>
+          </p:spPr>
+          <p:style>
+            <a:lnRef idx="2">
+              <a:schemeClr val="dk1">
+                <a:shade val="50000"/>
+              </a:schemeClr>
+            </a:lnRef>
+            <a:fillRef idx="1">
+              <a:schemeClr val="dk1"/>
+            </a:fillRef>
+            <a:effectRef idx="0">
+              <a:schemeClr val="dk1"/>
+            </a:effectRef>
+            <a:fontRef idx="minor">
+              <a:schemeClr val="lt1"/>
+            </a:fontRef>
+          </p:style>
+          <p:txBody>
+            <a:bodyPr rtlCol="0" anchor="ctr"/>
+            <a:lstStyle/>
+            <a:p>
+              <a:pPr algn="ctr"/>
+              <a:endParaRPr lang="fr-CA"/>
+            </a:p>
+          </p:txBody>
+        </p:sp>
+        <p:cxnSp>
+          <p:nvCxnSpPr>
+            <p:cNvPr id="14" name="Straight Connector 13">
+              <a:extLst>
+                <a:ext uri="{FF2B5EF4-FFF2-40B4-BE49-F238E27FC236}">
+                  <a16:creationId xmlns:a16="http://schemas.microsoft.com/office/drawing/2014/main" id="{76372EBE-846E-8BDD-9E0B-C469B7EA4782}"/>
+                </a:ext>
+              </a:extLst>
+            </p:cNvPr>
+            <p:cNvCxnSpPr>
+              <a:stCxn id="13" idx="2"/>
+            </p:cNvCxnSpPr>
+            <p:nvPr/>
+          </p:nvCxnSpPr>
+          <p:spPr>
+            <a:xfrm flipH="1">
+              <a:off x="2711669" y="2350146"/>
+              <a:ext cx="78828" cy="466626"/>
+            </a:xfrm>
+            <a:prstGeom prst="line">
+              <a:avLst/>
+            </a:prstGeom>
+          </p:spPr>
+          <p:style>
+            <a:lnRef idx="3">
+              <a:schemeClr val="dk1"/>
+            </a:lnRef>
+            <a:fillRef idx="0">
+              <a:schemeClr val="dk1"/>
+            </a:fillRef>
+            <a:effectRef idx="2">
+              <a:schemeClr val="dk1"/>
+            </a:effectRef>
+            <a:fontRef idx="minor">
+              <a:schemeClr val="tx1"/>
+            </a:fontRef>
+          </p:style>
+        </p:cxnSp>
+        <p:cxnSp>
+          <p:nvCxnSpPr>
+            <p:cNvPr id="15" name="Straight Connector 14">
+              <a:extLst>
+                <a:ext uri="{FF2B5EF4-FFF2-40B4-BE49-F238E27FC236}">
+                  <a16:creationId xmlns:a16="http://schemas.microsoft.com/office/drawing/2014/main" id="{EFC3A96E-6C6F-BD5E-3D33-352B65C6BE44}"/>
+                </a:ext>
+              </a:extLst>
+            </p:cNvPr>
+            <p:cNvCxnSpPr>
+              <a:cxnSpLocks/>
+            </p:cNvCxnSpPr>
+            <p:nvPr/>
+          </p:nvCxnSpPr>
+          <p:spPr>
+            <a:xfrm>
+              <a:off x="2787869" y="2320700"/>
+              <a:ext cx="81455" cy="496072"/>
+            </a:xfrm>
+            <a:prstGeom prst="line">
+              <a:avLst/>
+            </a:prstGeom>
+          </p:spPr>
+          <p:style>
+            <a:lnRef idx="3">
+              <a:schemeClr val="dk1"/>
+            </a:lnRef>
+            <a:fillRef idx="0">
+              <a:schemeClr val="dk1"/>
+            </a:fillRef>
+            <a:effectRef idx="2">
+              <a:schemeClr val="dk1"/>
+            </a:effectRef>
+            <a:fontRef idx="minor">
+              <a:schemeClr val="tx1"/>
+            </a:fontRef>
+          </p:style>
+        </p:cxnSp>
+        <p:cxnSp>
+          <p:nvCxnSpPr>
+            <p:cNvPr id="16" name="Straight Connector 15">
+              <a:extLst>
+                <a:ext uri="{FF2B5EF4-FFF2-40B4-BE49-F238E27FC236}">
+                  <a16:creationId xmlns:a16="http://schemas.microsoft.com/office/drawing/2014/main" id="{8C10CEC6-57F3-0D99-BD1A-F3B182A0CA2A}"/>
+                </a:ext>
+              </a:extLst>
+            </p:cNvPr>
+            <p:cNvCxnSpPr>
+              <a:cxnSpLocks/>
+            </p:cNvCxnSpPr>
+            <p:nvPr/>
+          </p:nvCxnSpPr>
+          <p:spPr>
+            <a:xfrm flipH="1">
+              <a:off x="2787869" y="2350146"/>
+              <a:ext cx="5255" cy="466626"/>
+            </a:xfrm>
+            <a:prstGeom prst="line">
+              <a:avLst/>
+            </a:prstGeom>
+          </p:spPr>
+          <p:style>
+            <a:lnRef idx="3">
+              <a:schemeClr val="dk1"/>
+            </a:lnRef>
+            <a:fillRef idx="0">
+              <a:schemeClr val="dk1"/>
+            </a:fillRef>
+            <a:effectRef idx="2">
+              <a:schemeClr val="dk1"/>
+            </a:effectRef>
+            <a:fontRef idx="minor">
+              <a:schemeClr val="tx1"/>
+            </a:fontRef>
+          </p:style>
+        </p:cxnSp>
+      </p:grpSp>
+      <p:grpSp>
+        <p:nvGrpSpPr>
+          <p:cNvPr id="17" name="Group 16">
+            <a:extLst>
+              <a:ext uri="{FF2B5EF4-FFF2-40B4-BE49-F238E27FC236}">
+                <a16:creationId xmlns:a16="http://schemas.microsoft.com/office/drawing/2014/main" id="{2225460A-6FFC-396D-C62F-CE1B84B28217}"/>
+              </a:ext>
+            </a:extLst>
+          </p:cNvPr>
+          <p:cNvGrpSpPr/>
+          <p:nvPr/>
+        </p:nvGrpSpPr>
+        <p:grpSpPr>
+          <a:xfrm>
+            <a:off x="5962181" y="1923393"/>
+            <a:ext cx="157655" cy="651641"/>
+            <a:chOff x="2711669" y="2165131"/>
+            <a:chExt cx="157655" cy="651641"/>
+          </a:xfrm>
+        </p:grpSpPr>
+        <p:sp>
+          <p:nvSpPr>
+            <p:cNvPr id="18" name="Rectangle 17">
+              <a:extLst>
+                <a:ext uri="{FF2B5EF4-FFF2-40B4-BE49-F238E27FC236}">
+                  <a16:creationId xmlns:a16="http://schemas.microsoft.com/office/drawing/2014/main" id="{40497C9A-CA6C-3D58-B3FC-BE2174A8EE15}"/>
+                </a:ext>
+              </a:extLst>
+            </p:cNvPr>
+            <p:cNvSpPr/>
+            <p:nvPr/>
+          </p:nvSpPr>
+          <p:spPr>
+            <a:xfrm>
+              <a:off x="2711669" y="2165131"/>
+              <a:ext cx="157655" cy="185015"/>
+            </a:xfrm>
+            <a:prstGeom prst="rect">
+              <a:avLst/>
+            </a:prstGeom>
+          </p:spPr>
+          <p:style>
+            <a:lnRef idx="2">
+              <a:schemeClr val="dk1">
+                <a:shade val="50000"/>
+              </a:schemeClr>
+            </a:lnRef>
+            <a:fillRef idx="1">
+              <a:schemeClr val="dk1"/>
+            </a:fillRef>
+            <a:effectRef idx="0">
+              <a:schemeClr val="dk1"/>
+            </a:effectRef>
+            <a:fontRef idx="minor">
+              <a:schemeClr val="lt1"/>
+            </a:fontRef>
+          </p:style>
+          <p:txBody>
+            <a:bodyPr rtlCol="0" anchor="ctr"/>
+            <a:lstStyle/>
+            <a:p>
+              <a:pPr algn="ctr"/>
+              <a:endParaRPr lang="fr-CA"/>
+            </a:p>
+          </p:txBody>
+        </p:sp>
+        <p:cxnSp>
+          <p:nvCxnSpPr>
+            <p:cNvPr id="19" name="Straight Connector 18">
+              <a:extLst>
+                <a:ext uri="{FF2B5EF4-FFF2-40B4-BE49-F238E27FC236}">
+                  <a16:creationId xmlns:a16="http://schemas.microsoft.com/office/drawing/2014/main" id="{E6885CB7-D73B-9636-F033-9C4130923417}"/>
+                </a:ext>
+              </a:extLst>
+            </p:cNvPr>
+            <p:cNvCxnSpPr>
+              <a:stCxn id="18" idx="2"/>
+            </p:cNvCxnSpPr>
+            <p:nvPr/>
+          </p:nvCxnSpPr>
+          <p:spPr>
+            <a:xfrm flipH="1">
+              <a:off x="2711669" y="2350146"/>
+              <a:ext cx="78828" cy="466626"/>
+            </a:xfrm>
+            <a:prstGeom prst="line">
+              <a:avLst/>
+            </a:prstGeom>
+          </p:spPr>
+          <p:style>
+            <a:lnRef idx="3">
+              <a:schemeClr val="dk1"/>
+            </a:lnRef>
+            <a:fillRef idx="0">
+              <a:schemeClr val="dk1"/>
+            </a:fillRef>
+            <a:effectRef idx="2">
+              <a:schemeClr val="dk1"/>
+            </a:effectRef>
+            <a:fontRef idx="minor">
+              <a:schemeClr val="tx1"/>
+            </a:fontRef>
+          </p:style>
+        </p:cxnSp>
+        <p:cxnSp>
+          <p:nvCxnSpPr>
+            <p:cNvPr id="20" name="Straight Connector 19">
+              <a:extLst>
+                <a:ext uri="{FF2B5EF4-FFF2-40B4-BE49-F238E27FC236}">
+                  <a16:creationId xmlns:a16="http://schemas.microsoft.com/office/drawing/2014/main" id="{EBA89244-85C8-F9AB-5CCB-A285187FFC87}"/>
+                </a:ext>
+              </a:extLst>
+            </p:cNvPr>
+            <p:cNvCxnSpPr>
+              <a:cxnSpLocks/>
+            </p:cNvCxnSpPr>
+            <p:nvPr/>
+          </p:nvCxnSpPr>
+          <p:spPr>
+            <a:xfrm>
+              <a:off x="2787869" y="2320700"/>
+              <a:ext cx="81455" cy="496072"/>
+            </a:xfrm>
+            <a:prstGeom prst="line">
+              <a:avLst/>
+            </a:prstGeom>
+          </p:spPr>
+          <p:style>
+            <a:lnRef idx="3">
+              <a:schemeClr val="dk1"/>
+            </a:lnRef>
+            <a:fillRef idx="0">
+              <a:schemeClr val="dk1"/>
+            </a:fillRef>
+            <a:effectRef idx="2">
+              <a:schemeClr val="dk1"/>
+            </a:effectRef>
+            <a:fontRef idx="minor">
+              <a:schemeClr val="tx1"/>
+            </a:fontRef>
+          </p:style>
+        </p:cxnSp>
+        <p:cxnSp>
+          <p:nvCxnSpPr>
+            <p:cNvPr id="21" name="Straight Connector 20">
+              <a:extLst>
+                <a:ext uri="{FF2B5EF4-FFF2-40B4-BE49-F238E27FC236}">
+                  <a16:creationId xmlns:a16="http://schemas.microsoft.com/office/drawing/2014/main" id="{85ACF263-8F89-7270-49CD-33D7C8FB0838}"/>
+                </a:ext>
+              </a:extLst>
+            </p:cNvPr>
+            <p:cNvCxnSpPr>
+              <a:cxnSpLocks/>
+            </p:cNvCxnSpPr>
+            <p:nvPr/>
+          </p:nvCxnSpPr>
+          <p:spPr>
+            <a:xfrm flipH="1">
+              <a:off x="2787869" y="2350146"/>
+              <a:ext cx="5255" cy="466626"/>
+            </a:xfrm>
+            <a:prstGeom prst="line">
+              <a:avLst/>
+            </a:prstGeom>
+          </p:spPr>
+          <p:style>
+            <a:lnRef idx="3">
+              <a:schemeClr val="dk1"/>
+            </a:lnRef>
+            <a:fillRef idx="0">
+              <a:schemeClr val="dk1"/>
+            </a:fillRef>
+            <a:effectRef idx="2">
+              <a:schemeClr val="dk1"/>
+            </a:effectRef>
+            <a:fontRef idx="minor">
+              <a:schemeClr val="tx1"/>
+            </a:fontRef>
+          </p:style>
+        </p:cxnSp>
+      </p:grpSp>
+      <p:grpSp>
+        <p:nvGrpSpPr>
+          <p:cNvPr id="22" name="Group 21">
+            <a:extLst>
+              <a:ext uri="{FF2B5EF4-FFF2-40B4-BE49-F238E27FC236}">
+                <a16:creationId xmlns:a16="http://schemas.microsoft.com/office/drawing/2014/main" id="{2C463B14-192F-2B19-FD93-B919B610E4AE}"/>
+              </a:ext>
+            </a:extLst>
+          </p:cNvPr>
+          <p:cNvGrpSpPr/>
+          <p:nvPr/>
+        </p:nvGrpSpPr>
+        <p:grpSpPr>
+          <a:xfrm>
+            <a:off x="6340648" y="2622330"/>
+            <a:ext cx="157655" cy="651641"/>
+            <a:chOff x="2711669" y="2165131"/>
+            <a:chExt cx="157655" cy="651641"/>
+          </a:xfrm>
+        </p:grpSpPr>
+        <p:sp>
+          <p:nvSpPr>
+            <p:cNvPr id="23" name="Rectangle 22">
+              <a:extLst>
+                <a:ext uri="{FF2B5EF4-FFF2-40B4-BE49-F238E27FC236}">
+                  <a16:creationId xmlns:a16="http://schemas.microsoft.com/office/drawing/2014/main" id="{88295879-A903-AB91-1E13-26A59A88BE5B}"/>
+                </a:ext>
+              </a:extLst>
+            </p:cNvPr>
+            <p:cNvSpPr/>
+            <p:nvPr/>
+          </p:nvSpPr>
+          <p:spPr>
+            <a:xfrm>
+              <a:off x="2711669" y="2165131"/>
+              <a:ext cx="157655" cy="185015"/>
+            </a:xfrm>
+            <a:prstGeom prst="rect">
+              <a:avLst/>
+            </a:prstGeom>
+          </p:spPr>
+          <p:style>
+            <a:lnRef idx="2">
+              <a:schemeClr val="dk1">
+                <a:shade val="50000"/>
+              </a:schemeClr>
+            </a:lnRef>
+            <a:fillRef idx="1">
+              <a:schemeClr val="dk1"/>
+            </a:fillRef>
+            <a:effectRef idx="0">
+              <a:schemeClr val="dk1"/>
+            </a:effectRef>
+            <a:fontRef idx="minor">
+              <a:schemeClr val="lt1"/>
+            </a:fontRef>
+          </p:style>
+          <p:txBody>
+            <a:bodyPr rtlCol="0" anchor="ctr"/>
+            <a:lstStyle/>
+            <a:p>
+              <a:pPr algn="ctr"/>
+              <a:endParaRPr lang="fr-CA"/>
+            </a:p>
+          </p:txBody>
+        </p:sp>
+        <p:cxnSp>
+          <p:nvCxnSpPr>
+            <p:cNvPr id="24" name="Straight Connector 23">
+              <a:extLst>
+                <a:ext uri="{FF2B5EF4-FFF2-40B4-BE49-F238E27FC236}">
+                  <a16:creationId xmlns:a16="http://schemas.microsoft.com/office/drawing/2014/main" id="{55F5EAEF-0669-9DAB-C58F-D33DF8343AD7}"/>
+                </a:ext>
+              </a:extLst>
+            </p:cNvPr>
+            <p:cNvCxnSpPr>
+              <a:stCxn id="23" idx="2"/>
+            </p:cNvCxnSpPr>
+            <p:nvPr/>
+          </p:nvCxnSpPr>
+          <p:spPr>
+            <a:xfrm flipH="1">
+              <a:off x="2711669" y="2350146"/>
+              <a:ext cx="78828" cy="466626"/>
+            </a:xfrm>
+            <a:prstGeom prst="line">
+              <a:avLst/>
+            </a:prstGeom>
+          </p:spPr>
+          <p:style>
+            <a:lnRef idx="3">
+              <a:schemeClr val="dk1"/>
+            </a:lnRef>
+            <a:fillRef idx="0">
+              <a:schemeClr val="dk1"/>
+            </a:fillRef>
+            <a:effectRef idx="2">
+              <a:schemeClr val="dk1"/>
+            </a:effectRef>
+            <a:fontRef idx="minor">
+              <a:schemeClr val="tx1"/>
+            </a:fontRef>
+          </p:style>
+        </p:cxnSp>
+        <p:cxnSp>
+          <p:nvCxnSpPr>
+            <p:cNvPr id="25" name="Straight Connector 24">
+              <a:extLst>
+                <a:ext uri="{FF2B5EF4-FFF2-40B4-BE49-F238E27FC236}">
+                  <a16:creationId xmlns:a16="http://schemas.microsoft.com/office/drawing/2014/main" id="{DBD88BAE-3604-0BCE-0E56-5B6E49F195A1}"/>
+                </a:ext>
+              </a:extLst>
+            </p:cNvPr>
+            <p:cNvCxnSpPr>
+              <a:cxnSpLocks/>
+            </p:cNvCxnSpPr>
+            <p:nvPr/>
+          </p:nvCxnSpPr>
+          <p:spPr>
+            <a:xfrm>
+              <a:off x="2787869" y="2320700"/>
+              <a:ext cx="81455" cy="496072"/>
+            </a:xfrm>
+            <a:prstGeom prst="line">
+              <a:avLst/>
+            </a:prstGeom>
+          </p:spPr>
+          <p:style>
+            <a:lnRef idx="3">
+              <a:schemeClr val="dk1"/>
+            </a:lnRef>
+            <a:fillRef idx="0">
+              <a:schemeClr val="dk1"/>
+            </a:fillRef>
+            <a:effectRef idx="2">
+              <a:schemeClr val="dk1"/>
+            </a:effectRef>
+            <a:fontRef idx="minor">
+              <a:schemeClr val="tx1"/>
+            </a:fontRef>
+          </p:style>
+        </p:cxnSp>
+        <p:cxnSp>
+          <p:nvCxnSpPr>
+            <p:cNvPr id="26" name="Straight Connector 25">
+              <a:extLst>
+                <a:ext uri="{FF2B5EF4-FFF2-40B4-BE49-F238E27FC236}">
+                  <a16:creationId xmlns:a16="http://schemas.microsoft.com/office/drawing/2014/main" id="{A8E807BA-37FC-C9A7-A3FD-6D0AED0003EA}"/>
+                </a:ext>
+              </a:extLst>
+            </p:cNvPr>
+            <p:cNvCxnSpPr>
+              <a:cxnSpLocks/>
+            </p:cNvCxnSpPr>
+            <p:nvPr/>
+          </p:nvCxnSpPr>
+          <p:spPr>
+            <a:xfrm flipH="1">
+              <a:off x="2787869" y="2350146"/>
+              <a:ext cx="5255" cy="466626"/>
+            </a:xfrm>
+            <a:prstGeom prst="line">
+              <a:avLst/>
+            </a:prstGeom>
+          </p:spPr>
+          <p:style>
+            <a:lnRef idx="3">
+              <a:schemeClr val="dk1"/>
+            </a:lnRef>
+            <a:fillRef idx="0">
+              <a:schemeClr val="dk1"/>
+            </a:fillRef>
+            <a:effectRef idx="2">
+              <a:schemeClr val="dk1"/>
+            </a:effectRef>
+            <a:fontRef idx="minor">
+              <a:schemeClr val="tx1"/>
+            </a:fontRef>
+          </p:style>
+        </p:cxnSp>
+      </p:grpSp>
+      <p:cxnSp>
+        <p:nvCxnSpPr>
+          <p:cNvPr id="28" name="Straight Connector 27">
+            <a:extLst>
+              <a:ext uri="{FF2B5EF4-FFF2-40B4-BE49-F238E27FC236}">
+                <a16:creationId xmlns:a16="http://schemas.microsoft.com/office/drawing/2014/main" id="{AF306867-09F0-BD43-3FBE-D868A80E9BD2}"/>
+              </a:ext>
+            </a:extLst>
+          </p:cNvPr>
+          <p:cNvCxnSpPr/>
+          <p:nvPr/>
+        </p:nvCxnSpPr>
+        <p:spPr>
+          <a:xfrm>
+            <a:off x="2207173" y="2196662"/>
+            <a:ext cx="220812" cy="378372"/>
+          </a:xfrm>
+          <a:prstGeom prst="line">
+            <a:avLst/>
+          </a:prstGeom>
+          <a:ln w="12700">
+            <a:solidFill>
+              <a:srgbClr val="FF0000"/>
+            </a:solidFill>
+            <a:prstDash val="dash"/>
+          </a:ln>
+        </p:spPr>
+        <p:style>
+          <a:lnRef idx="1">
+            <a:schemeClr val="accent2"/>
+          </a:lnRef>
+          <a:fillRef idx="0">
+            <a:schemeClr val="accent2"/>
+          </a:fillRef>
+          <a:effectRef idx="0">
+            <a:schemeClr val="accent2"/>
+          </a:effectRef>
+          <a:fontRef idx="minor">
+            <a:schemeClr val="tx1"/>
+          </a:fontRef>
+        </p:style>
+      </p:cxnSp>
+      <p:cxnSp>
+        <p:nvCxnSpPr>
+          <p:cNvPr id="29" name="Straight Connector 28">
+            <a:extLst>
+              <a:ext uri="{FF2B5EF4-FFF2-40B4-BE49-F238E27FC236}">
+                <a16:creationId xmlns:a16="http://schemas.microsoft.com/office/drawing/2014/main" id="{2FAFFD46-8063-2FB0-7D81-47AADD574C3F}"/>
+              </a:ext>
+            </a:extLst>
+          </p:cNvPr>
+          <p:cNvCxnSpPr/>
+          <p:nvPr/>
+        </p:nvCxnSpPr>
+        <p:spPr>
+          <a:xfrm>
+            <a:off x="6135324" y="2201916"/>
+            <a:ext cx="220812" cy="378372"/>
+          </a:xfrm>
+          <a:prstGeom prst="line">
+            <a:avLst/>
+          </a:prstGeom>
+          <a:ln w="12700">
+            <a:solidFill>
+              <a:srgbClr val="FF0000"/>
+            </a:solidFill>
+            <a:prstDash val="dash"/>
+          </a:ln>
+        </p:spPr>
+        <p:style>
+          <a:lnRef idx="1">
+            <a:schemeClr val="accent2"/>
+          </a:lnRef>
+          <a:fillRef idx="0">
+            <a:schemeClr val="accent2"/>
+          </a:fillRef>
+          <a:effectRef idx="0">
+            <a:schemeClr val="accent2"/>
+          </a:effectRef>
+          <a:fontRef idx="minor">
+            <a:schemeClr val="tx1"/>
+          </a:fontRef>
+        </p:style>
+      </p:cxnSp>
+      <p:cxnSp>
+        <p:nvCxnSpPr>
+          <p:cNvPr id="31" name="Straight Arrow Connector 30">
+            <a:extLst>
+              <a:ext uri="{FF2B5EF4-FFF2-40B4-BE49-F238E27FC236}">
+                <a16:creationId xmlns:a16="http://schemas.microsoft.com/office/drawing/2014/main" id="{3EB5A66B-D588-20E5-6465-B4A1D67756D1}"/>
+              </a:ext>
+            </a:extLst>
+          </p:cNvPr>
+          <p:cNvCxnSpPr/>
+          <p:nvPr/>
+        </p:nvCxnSpPr>
+        <p:spPr>
+          <a:xfrm>
+            <a:off x="2504185" y="3429000"/>
+            <a:ext cx="3912663" cy="0"/>
+          </a:xfrm>
+          <a:prstGeom prst="straightConnector1">
+            <a:avLst/>
+          </a:prstGeom>
+          <a:ln>
+            <a:headEnd type="triangle"/>
+            <a:tailEnd type="triangle"/>
+          </a:ln>
+        </p:spPr>
+        <p:style>
+          <a:lnRef idx="1">
+            <a:schemeClr val="dk1"/>
+          </a:lnRef>
+          <a:fillRef idx="0">
+            <a:schemeClr val="dk1"/>
+          </a:fillRef>
+          <a:effectRef idx="0">
+            <a:schemeClr val="dk1"/>
+          </a:effectRef>
+          <a:fontRef idx="minor">
+            <a:schemeClr val="tx1"/>
+          </a:fontRef>
+        </p:style>
+      </p:cxnSp>
+      <p:sp>
+        <p:nvSpPr>
+          <p:cNvPr id="32" name="TextBox 31">
+            <a:extLst>
+              <a:ext uri="{FF2B5EF4-FFF2-40B4-BE49-F238E27FC236}">
+                <a16:creationId xmlns:a16="http://schemas.microsoft.com/office/drawing/2014/main" id="{CAEF7147-7D1E-B899-4E92-D3D0DD5A3E33}"/>
+              </a:ext>
+            </a:extLst>
+          </p:cNvPr>
+          <p:cNvSpPr txBox="1"/>
+          <p:nvPr/>
+        </p:nvSpPr>
+        <p:spPr>
+          <a:xfrm>
+            <a:off x="4229574" y="3089305"/>
+            <a:ext cx="655949" cy="369332"/>
+          </a:xfrm>
+          <a:prstGeom prst="rect">
+            <a:avLst/>
+          </a:prstGeom>
+          <a:noFill/>
+        </p:spPr>
+        <p:txBody>
+          <a:bodyPr wrap="none" rtlCol="0">
+            <a:spAutoFit/>
+          </a:bodyPr>
+          <a:lstStyle/>
+          <a:p>
+            <a:r>
+              <a:rPr lang="fr-CA" dirty="0"/>
+              <a:t>50 m</a:t>
+            </a:r>
+          </a:p>
+        </p:txBody>
+      </p:sp>
+    </p:spTree>
+    <p:extLst>
+      <p:ext uri="{BB962C8B-B14F-4D97-AF65-F5344CB8AC3E}">
+        <p14:creationId xmlns:p14="http://schemas.microsoft.com/office/powerpoint/2010/main" val="1230535076"/>
+      </p:ext>
+    </p:extLst>
+  </p:cSld>
+  <p:clrMapOvr>
+    <a:masterClrMapping/>
+  </p:clrMapOvr>
+</p:sld>
+</file>
+
+<file path=ppt/slides/slide9.xml><?xml version="1.0" encoding="utf-8"?>
+<p:sld xmlns:a="http://schemas.openxmlformats.org/drawingml/2006/main" xmlns:r="http://schemas.openxmlformats.org/officeDocument/2006/relationships" xmlns:p="http://schemas.openxmlformats.org/presentationml/2006/main">
+  <p:cSld>
+    <p:spTree>
+      <p:nvGrpSpPr>
+        <p:cNvPr id="1" name=""/>
+        <p:cNvGrpSpPr/>
+        <p:nvPr/>
+      </p:nvGrpSpPr>
+      <p:grpSpPr>
+        <a:xfrm>
+          <a:off x="0" y="0"/>
+          <a:ext cx="0" cy="0"/>
+          <a:chOff x="0" y="0"/>
+          <a:chExt cx="0" cy="0"/>
+        </a:xfrm>
+      </p:grpSpPr>
+      <p:sp>
+        <p:nvSpPr>
+          <p:cNvPr id="2" name="Oval 1">
+            <a:extLst>
+              <a:ext uri="{FF2B5EF4-FFF2-40B4-BE49-F238E27FC236}">
+                <a16:creationId xmlns:a16="http://schemas.microsoft.com/office/drawing/2014/main" id="{89D02488-0DE1-7152-8B4A-5100AB3DA3B4}"/>
+              </a:ext>
+            </a:extLst>
+          </p:cNvPr>
+          <p:cNvSpPr/>
+          <p:nvPr/>
+        </p:nvSpPr>
+        <p:spPr>
+          <a:xfrm>
+            <a:off x="2057400" y="2312377"/>
+            <a:ext cx="5917223" cy="1776046"/>
+          </a:xfrm>
+          <a:prstGeom prst="ellipse">
+            <a:avLst/>
+          </a:prstGeom>
+          <a:noFill/>
+        </p:spPr>
+        <p:style>
+          <a:lnRef idx="2">
+            <a:schemeClr val="dk1"/>
+          </a:lnRef>
+          <a:fillRef idx="1">
+            <a:schemeClr val="lt1"/>
+          </a:fillRef>
+          <a:effectRef idx="0">
+            <a:schemeClr val="dk1"/>
+          </a:effectRef>
+          <a:fontRef idx="minor">
+            <a:schemeClr val="dk1"/>
+          </a:fontRef>
+        </p:style>
+        <p:txBody>
+          <a:bodyPr rtlCol="0" anchor="ctr"/>
+          <a:lstStyle/>
+          <a:p>
+            <a:pPr algn="ctr"/>
+            <a:endParaRPr lang="fr-CA" noProof="1"/>
+          </a:p>
+        </p:txBody>
+      </p:sp>
+      <p:sp>
+        <p:nvSpPr>
+          <p:cNvPr id="3" name="Oval 2">
+            <a:extLst>
+              <a:ext uri="{FF2B5EF4-FFF2-40B4-BE49-F238E27FC236}">
+                <a16:creationId xmlns:a16="http://schemas.microsoft.com/office/drawing/2014/main" id="{92815B07-68C4-84F3-BC59-EBB7D4B032B7}"/>
+              </a:ext>
+            </a:extLst>
+          </p:cNvPr>
+          <p:cNvSpPr/>
+          <p:nvPr/>
+        </p:nvSpPr>
+        <p:spPr>
+          <a:xfrm>
+            <a:off x="3323494" y="2521928"/>
+            <a:ext cx="4407874" cy="1356944"/>
+          </a:xfrm>
+          <a:prstGeom prst="ellipse">
+            <a:avLst/>
+          </a:prstGeom>
+          <a:noFill/>
+        </p:spPr>
+        <p:style>
+          <a:lnRef idx="2">
+            <a:schemeClr val="dk1"/>
+          </a:lnRef>
+          <a:fillRef idx="1">
+            <a:schemeClr val="lt1"/>
+          </a:fillRef>
+          <a:effectRef idx="0">
+            <a:schemeClr val="dk1"/>
+          </a:effectRef>
+          <a:fontRef idx="minor">
+            <a:schemeClr val="dk1"/>
+          </a:fontRef>
+        </p:style>
+        <p:txBody>
+          <a:bodyPr rtlCol="0" anchor="ctr"/>
+          <a:lstStyle/>
+          <a:p>
+            <a:pPr algn="ctr"/>
+            <a:endParaRPr lang="fr-CA" noProof="1"/>
+          </a:p>
+        </p:txBody>
+      </p:sp>
+      <p:sp>
+        <p:nvSpPr>
+          <p:cNvPr id="4" name="Oval 3">
+            <a:extLst>
+              <a:ext uri="{FF2B5EF4-FFF2-40B4-BE49-F238E27FC236}">
+                <a16:creationId xmlns:a16="http://schemas.microsoft.com/office/drawing/2014/main" id="{173B9BB6-F27A-1000-82A5-775A5C77B4EA}"/>
+              </a:ext>
+            </a:extLst>
+          </p:cNvPr>
+          <p:cNvSpPr/>
+          <p:nvPr/>
+        </p:nvSpPr>
+        <p:spPr>
+          <a:xfrm>
+            <a:off x="4703886" y="2751260"/>
+            <a:ext cx="2784228" cy="898279"/>
+          </a:xfrm>
+          <a:prstGeom prst="ellipse">
+            <a:avLst/>
+          </a:prstGeom>
+          <a:noFill/>
+        </p:spPr>
+        <p:style>
+          <a:lnRef idx="2">
+            <a:schemeClr val="dk1"/>
+          </a:lnRef>
+          <a:fillRef idx="1">
+            <a:schemeClr val="lt1"/>
+          </a:fillRef>
+          <a:effectRef idx="0">
+            <a:schemeClr val="dk1"/>
+          </a:effectRef>
+          <a:fontRef idx="minor">
+            <a:schemeClr val="dk1"/>
+          </a:fontRef>
+        </p:style>
+        <p:txBody>
+          <a:bodyPr rtlCol="0" anchor="ctr"/>
+          <a:lstStyle/>
+          <a:p>
+            <a:pPr algn="ctr"/>
+            <a:endParaRPr lang="fr-CA" noProof="1"/>
+          </a:p>
+        </p:txBody>
+      </p:sp>
+      <mc:AlternateContent xmlns:mc="http://schemas.openxmlformats.org/markup-compatibility/2006">
+        <mc:Choice xmlns:a14="http://schemas.microsoft.com/office/drawing/2010/main" Requires="a14">
+          <p:sp>
+            <p:nvSpPr>
+              <p:cNvPr id="5" name="TextBox 4">
+                <a:extLst>
+                  <a:ext uri="{FF2B5EF4-FFF2-40B4-BE49-F238E27FC236}">
+                    <a16:creationId xmlns:a16="http://schemas.microsoft.com/office/drawing/2014/main" id="{EE68770B-47DB-5E4C-59BC-EC662AE268BB}"/>
+                  </a:ext>
+                </a:extLst>
+              </p:cNvPr>
+              <p:cNvSpPr txBox="1"/>
+              <p:nvPr/>
+            </p:nvSpPr>
+            <p:spPr>
+              <a:xfrm>
+                <a:off x="2352675" y="2908011"/>
+                <a:ext cx="1053494" cy="584775"/>
+              </a:xfrm>
+              <a:prstGeom prst="rect">
+                <a:avLst/>
+              </a:prstGeom>
+              <a:noFill/>
+            </p:spPr>
+            <p:txBody>
+              <a:bodyPr wrap="none" rtlCol="0">
+                <a:spAutoFit/>
+              </a:bodyPr>
+              <a:lstStyle/>
+              <a:p>
+                <a:r>
+                  <a:rPr lang="fr-CA" sz="1600" noProof="1"/>
+                  <a:t>Complex</a:t>
+                </a:r>
+              </a:p>
+              <a:p>
+                <a14:m>
+                  <m:oMathPara xmlns:m="http://schemas.openxmlformats.org/officeDocument/2006/math">
+                    <m:oMathParaPr>
+                      <m:jc m:val="centerGroup"/>
+                    </m:oMathParaPr>
+                    <m:oMath xmlns:m="http://schemas.openxmlformats.org/officeDocument/2006/math">
+                      <m:r>
+                        <a:rPr lang="fr-FR" sz="1600" i="1" noProof="1" dirty="0" smtClean="0">
+                          <a:latin typeface="Cambria Math" panose="02040503050406030204" pitchFamily="18" charset="0"/>
+                        </a:rPr>
+                        <m:t>3</m:t>
+                      </m:r>
+                      <m:r>
+                        <a:rPr lang="fr-FR" sz="1600" b="0" i="1" noProof="1" dirty="0" smtClean="0">
+                          <a:latin typeface="Cambria Math" panose="02040503050406030204" pitchFamily="18" charset="0"/>
+                        </a:rPr>
+                        <m:t>.2+4</m:t>
+                      </m:r>
+                      <m:r>
+                        <a:rPr lang="fr-FR" sz="1600" b="0" i="1" noProof="1" dirty="0" smtClean="0">
+                          <a:latin typeface="Cambria Math" panose="02040503050406030204" pitchFamily="18" charset="0"/>
+                        </a:rPr>
+                        <m:t>𝑖</m:t>
+                      </m:r>
+                    </m:oMath>
+                  </m:oMathPara>
+                </a14:m>
+                <a:endParaRPr lang="fr-CA" sz="1600" noProof="1"/>
+              </a:p>
+            </p:txBody>
+          </p:sp>
+        </mc:Choice>
+        <mc:Fallback>
+          <p:sp>
+            <p:nvSpPr>
+              <p:cNvPr id="5" name="TextBox 4">
+                <a:extLst>
+                  <a:ext uri="{FF2B5EF4-FFF2-40B4-BE49-F238E27FC236}">
+                    <a16:creationId xmlns:a16="http://schemas.microsoft.com/office/drawing/2014/main" id="{EE68770B-47DB-5E4C-59BC-EC662AE268BB}"/>
+                  </a:ext>
+                </a:extLst>
+              </p:cNvPr>
+              <p:cNvSpPr txBox="1">
+                <a:spLocks noRot="1" noChangeAspect="1" noMove="1" noResize="1" noEditPoints="1" noAdjustHandles="1" noChangeArrowheads="1" noChangeShapeType="1" noTextEdit="1"/>
+              </p:cNvSpPr>
+              <p:nvPr/>
+            </p:nvSpPr>
+            <p:spPr>
+              <a:xfrm>
+                <a:off x="2352675" y="2908011"/>
+                <a:ext cx="1053494" cy="584775"/>
+              </a:xfrm>
+              <a:prstGeom prst="rect">
+                <a:avLst/>
+              </a:prstGeom>
+              <a:blipFill>
+                <a:blip r:embed="rId2"/>
+                <a:stretch>
+                  <a:fillRect l="-3571" t="-2083"/>
+                </a:stretch>
+              </a:blipFill>
+            </p:spPr>
+            <p:txBody>
+              <a:bodyPr/>
+              <a:lstStyle/>
+              <a:p>
+                <a:r>
+                  <a:rPr lang="fr-CA">
+                    <a:noFill/>
+                  </a:rPr>
+                  <a:t> </a:t>
+                </a:r>
+              </a:p>
+            </p:txBody>
+          </p:sp>
+        </mc:Fallback>
+      </mc:AlternateContent>
+      <mc:AlternateContent xmlns:mc="http://schemas.openxmlformats.org/markup-compatibility/2006">
+        <mc:Choice xmlns:a14="http://schemas.microsoft.com/office/drawing/2010/main" Requires="a14">
+          <p:sp>
+            <p:nvSpPr>
+              <p:cNvPr id="6" name="TextBox 5">
+                <a:extLst>
+                  <a:ext uri="{FF2B5EF4-FFF2-40B4-BE49-F238E27FC236}">
+                    <a16:creationId xmlns:a16="http://schemas.microsoft.com/office/drawing/2014/main" id="{A19D8E57-7758-F044-ED5C-34207ECD8DBE}"/>
+                  </a:ext>
+                </a:extLst>
+              </p:cNvPr>
+              <p:cNvSpPr txBox="1"/>
+              <p:nvPr/>
+            </p:nvSpPr>
+            <p:spPr>
+              <a:xfrm>
+                <a:off x="4003797" y="2908011"/>
+                <a:ext cx="589392" cy="584775"/>
+              </a:xfrm>
+              <a:prstGeom prst="rect">
+                <a:avLst/>
+              </a:prstGeom>
+              <a:noFill/>
+            </p:spPr>
+            <p:txBody>
+              <a:bodyPr wrap="none" rtlCol="0">
+                <a:spAutoFit/>
+              </a:bodyPr>
+              <a:lstStyle/>
+              <a:p>
+                <a:r>
+                  <a:rPr lang="fr-CA" sz="1600" noProof="1"/>
+                  <a:t>Real</a:t>
+                </a:r>
+              </a:p>
+              <a:p>
+                <a14:m>
+                  <m:oMathPara xmlns:m="http://schemas.openxmlformats.org/officeDocument/2006/math">
+                    <m:oMathParaPr>
+                      <m:jc m:val="centerGroup"/>
+                    </m:oMathParaPr>
+                    <m:oMath xmlns:m="http://schemas.openxmlformats.org/officeDocument/2006/math">
+                      <m:r>
+                        <a:rPr lang="fr-FR" sz="1600" b="0" i="1" noProof="1" dirty="0" smtClean="0">
+                          <a:latin typeface="Cambria Math" panose="02040503050406030204" pitchFamily="18" charset="0"/>
+                        </a:rPr>
+                        <m:t>3.2</m:t>
+                      </m:r>
+                    </m:oMath>
+                  </m:oMathPara>
+                </a14:m>
+                <a:endParaRPr lang="fr-CA" sz="1600" noProof="1"/>
+              </a:p>
+            </p:txBody>
+          </p:sp>
+        </mc:Choice>
+        <mc:Fallback>
+          <p:sp>
+            <p:nvSpPr>
+              <p:cNvPr id="6" name="TextBox 5">
+                <a:extLst>
+                  <a:ext uri="{FF2B5EF4-FFF2-40B4-BE49-F238E27FC236}">
+                    <a16:creationId xmlns:a16="http://schemas.microsoft.com/office/drawing/2014/main" id="{A19D8E57-7758-F044-ED5C-34207ECD8DBE}"/>
+                  </a:ext>
+                </a:extLst>
+              </p:cNvPr>
+              <p:cNvSpPr txBox="1">
+                <a:spLocks noRot="1" noChangeAspect="1" noMove="1" noResize="1" noEditPoints="1" noAdjustHandles="1" noChangeArrowheads="1" noChangeShapeType="1" noTextEdit="1"/>
+              </p:cNvSpPr>
+              <p:nvPr/>
+            </p:nvSpPr>
+            <p:spPr>
+              <a:xfrm>
+                <a:off x="4003797" y="2908011"/>
+                <a:ext cx="589392" cy="584775"/>
+              </a:xfrm>
+              <a:prstGeom prst="rect">
+                <a:avLst/>
+              </a:prstGeom>
+              <a:blipFill>
+                <a:blip r:embed="rId3"/>
+                <a:stretch>
+                  <a:fillRect l="-6383" t="-2083"/>
+                </a:stretch>
+              </a:blipFill>
+            </p:spPr>
+            <p:txBody>
+              <a:bodyPr/>
+              <a:lstStyle/>
+              <a:p>
+                <a:r>
+                  <a:rPr lang="fr-CA">
+                    <a:noFill/>
+                  </a:rPr>
+                  <a:t> </a:t>
+                </a:r>
+              </a:p>
+            </p:txBody>
+          </p:sp>
+        </mc:Fallback>
+      </mc:AlternateContent>
+      <mc:AlternateContent xmlns:mc="http://schemas.openxmlformats.org/markup-compatibility/2006">
+        <mc:Choice xmlns:a14="http://schemas.microsoft.com/office/drawing/2010/main" Requires="a14">
+          <p:sp>
+            <p:nvSpPr>
+              <p:cNvPr id="7" name="TextBox 6">
+                <a:extLst>
+                  <a:ext uri="{FF2B5EF4-FFF2-40B4-BE49-F238E27FC236}">
+                    <a16:creationId xmlns:a16="http://schemas.microsoft.com/office/drawing/2014/main" id="{69727F5E-F6AC-7940-A332-95B71B7E488C}"/>
+                  </a:ext>
+                </a:extLst>
+              </p:cNvPr>
+              <p:cNvSpPr txBox="1"/>
+              <p:nvPr/>
+            </p:nvSpPr>
+            <p:spPr>
+              <a:xfrm>
+                <a:off x="6010451" y="2908011"/>
+                <a:ext cx="779957" cy="584775"/>
+              </a:xfrm>
+              <a:prstGeom prst="rect">
+                <a:avLst/>
+              </a:prstGeom>
+              <a:noFill/>
+            </p:spPr>
+            <p:txBody>
+              <a:bodyPr wrap="none" rtlCol="0">
+                <a:spAutoFit/>
+              </a:bodyPr>
+              <a:lstStyle/>
+              <a:p>
+                <a:r>
+                  <a:rPr lang="fr-CA" sz="1600" noProof="1"/>
+                  <a:t>Integer</a:t>
+                </a:r>
+              </a:p>
+              <a:p>
+                <a14:m>
+                  <m:oMathPara xmlns:m="http://schemas.openxmlformats.org/officeDocument/2006/math">
+                    <m:oMathParaPr>
+                      <m:jc m:val="centerGroup"/>
+                    </m:oMathParaPr>
+                    <m:oMath xmlns:m="http://schemas.openxmlformats.org/officeDocument/2006/math">
+                      <m:r>
+                        <a:rPr lang="fr-FR" sz="1600" b="0" i="1" noProof="1" dirty="0" smtClean="0">
+                          <a:latin typeface="Cambria Math" panose="02040503050406030204" pitchFamily="18" charset="0"/>
+                        </a:rPr>
+                        <m:t>3</m:t>
+                      </m:r>
+                    </m:oMath>
+                  </m:oMathPara>
+                </a14:m>
+                <a:endParaRPr lang="fr-CA" sz="1600" noProof="1"/>
+              </a:p>
+            </p:txBody>
+          </p:sp>
+        </mc:Choice>
+        <mc:Fallback>
+          <p:sp>
+            <p:nvSpPr>
+              <p:cNvPr id="7" name="TextBox 6">
+                <a:extLst>
+                  <a:ext uri="{FF2B5EF4-FFF2-40B4-BE49-F238E27FC236}">
+                    <a16:creationId xmlns:a16="http://schemas.microsoft.com/office/drawing/2014/main" id="{69727F5E-F6AC-7940-A332-95B71B7E488C}"/>
+                  </a:ext>
+                </a:extLst>
+              </p:cNvPr>
+              <p:cNvSpPr txBox="1">
+                <a:spLocks noRot="1" noChangeAspect="1" noMove="1" noResize="1" noEditPoints="1" noAdjustHandles="1" noChangeArrowheads="1" noChangeShapeType="1" noTextEdit="1"/>
+              </p:cNvSpPr>
+              <p:nvPr/>
+            </p:nvSpPr>
+            <p:spPr>
+              <a:xfrm>
+                <a:off x="6010451" y="2908011"/>
+                <a:ext cx="779957" cy="584775"/>
+              </a:xfrm>
+              <a:prstGeom prst="rect">
+                <a:avLst/>
+              </a:prstGeom>
+              <a:blipFill>
+                <a:blip r:embed="rId4"/>
+                <a:stretch>
+                  <a:fillRect l="-4839" t="-2083" r="-3226"/>
+                </a:stretch>
+              </a:blipFill>
+            </p:spPr>
+            <p:txBody>
+              <a:bodyPr/>
+              <a:lstStyle/>
+              <a:p>
+                <a:r>
+                  <a:rPr lang="fr-CA">
+                    <a:noFill/>
+                  </a:rPr>
+                  <a:t> </a:t>
+                </a:r>
+              </a:p>
+            </p:txBody>
+          </p:sp>
+        </mc:Fallback>
+      </mc:AlternateContent>
+      <p:sp>
+        <p:nvSpPr>
+          <p:cNvPr id="8" name="Rectangle 7">
+            <a:extLst>
+              <a:ext uri="{FF2B5EF4-FFF2-40B4-BE49-F238E27FC236}">
+                <a16:creationId xmlns:a16="http://schemas.microsoft.com/office/drawing/2014/main" id="{24998AED-5156-39A2-73DE-BC585CE57C68}"/>
+              </a:ext>
+            </a:extLst>
+          </p:cNvPr>
+          <p:cNvSpPr/>
+          <p:nvPr/>
+        </p:nvSpPr>
+        <p:spPr>
+          <a:xfrm>
+            <a:off x="2079785" y="3015732"/>
+            <a:ext cx="377026" cy="369332"/>
+          </a:xfrm>
+          <a:prstGeom prst="rect">
+            <a:avLst/>
+          </a:prstGeom>
+        </p:spPr>
+        <p:txBody>
+          <a:bodyPr wrap="none">
+            <a:spAutoFit/>
+          </a:bodyPr>
+          <a:lstStyle/>
+          <a:p>
+            <a:r>
+              <a:rPr lang="fr-CA" noProof="1"/>
+              <a:t>ℂ </a:t>
+            </a:r>
+          </a:p>
+        </p:txBody>
+      </p:sp>
+      <p:sp>
+        <p:nvSpPr>
+          <p:cNvPr id="9" name="Rectangle 8">
+            <a:extLst>
+              <a:ext uri="{FF2B5EF4-FFF2-40B4-BE49-F238E27FC236}">
+                <a16:creationId xmlns:a16="http://schemas.microsoft.com/office/drawing/2014/main" id="{1AF4FE36-5280-210D-935E-0BE522219A38}"/>
+              </a:ext>
+            </a:extLst>
+          </p:cNvPr>
+          <p:cNvSpPr/>
+          <p:nvPr/>
+        </p:nvSpPr>
+        <p:spPr>
+          <a:xfrm>
+            <a:off x="3657502" y="3015732"/>
+            <a:ext cx="356188" cy="369332"/>
+          </a:xfrm>
+          <a:prstGeom prst="rect">
+            <a:avLst/>
+          </a:prstGeom>
+        </p:spPr>
+        <p:txBody>
+          <a:bodyPr wrap="none">
+            <a:spAutoFit/>
+          </a:bodyPr>
+          <a:lstStyle/>
+          <a:p>
+            <a:r>
+              <a:rPr lang="fr-CA" noProof="1"/>
+              <a:t>ℝ</a:t>
+            </a:r>
+          </a:p>
+        </p:txBody>
+      </p:sp>
+      <p:sp>
+        <p:nvSpPr>
+          <p:cNvPr id="10" name="Rectangle 9">
+            <a:extLst>
+              <a:ext uri="{FF2B5EF4-FFF2-40B4-BE49-F238E27FC236}">
+                <a16:creationId xmlns:a16="http://schemas.microsoft.com/office/drawing/2014/main" id="{F795A074-2263-58FD-A069-8AFFC227C466}"/>
+              </a:ext>
+            </a:extLst>
+          </p:cNvPr>
+          <p:cNvSpPr/>
+          <p:nvPr/>
+        </p:nvSpPr>
+        <p:spPr>
+          <a:xfrm>
+            <a:off x="5336529" y="3015732"/>
+            <a:ext cx="377026" cy="369332"/>
+          </a:xfrm>
+          <a:prstGeom prst="rect">
+            <a:avLst/>
+          </a:prstGeom>
+        </p:spPr>
+        <p:txBody>
+          <a:bodyPr wrap="none">
+            <a:spAutoFit/>
+          </a:bodyPr>
+          <a:lstStyle/>
+          <a:p>
+            <a:r>
+              <a:rPr lang="fr-CA" noProof="1"/>
+              <a:t>ℤ </a:t>
+            </a:r>
+          </a:p>
+        </p:txBody>
+      </p:sp>
+    </p:spTree>
+    <p:extLst>
+      <p:ext uri="{BB962C8B-B14F-4D97-AF65-F5344CB8AC3E}">
+        <p14:creationId xmlns:p14="http://schemas.microsoft.com/office/powerpoint/2010/main" val="2763882811"/>
+      </p:ext>
+    </p:extLst>
+  </p:cSld>
+  <p:clrMapOvr>
+    <a:masterClrMapping/>
+  </p:clrMapOvr>
+</p:sld>
+</file>
+
 <file path=ppt/theme/theme1.xml><?xml version="1.0" encoding="utf-8"?>
 <a:theme xmlns:a="http://schemas.openxmlformats.org/drawingml/2006/main" name="Office Theme">
   <a:themeElements>

--- a/src/images.pptx
+++ b/src/images.pptx
@@ -11818,6 +11818,71 @@
           </p:sp>
         </mc:Fallback>
       </mc:AlternateContent>
+      <p:pic>
+        <p:nvPicPr>
+          <p:cNvPr id="14" name="Picture 13">
+            <a:extLst>
+              <a:ext uri="{FF2B5EF4-FFF2-40B4-BE49-F238E27FC236}">
+                <a16:creationId xmlns:a16="http://schemas.microsoft.com/office/drawing/2014/main" id="{0FC55182-B665-81CB-0058-6D79545F24D7}"/>
+              </a:ext>
+            </a:extLst>
+          </p:cNvPr>
+          <p:cNvPicPr>
+            <a:picLocks noChangeAspect="1"/>
+          </p:cNvPicPr>
+          <p:nvPr/>
+        </p:nvPicPr>
+        <p:blipFill>
+          <a:blip r:embed="rId6"/>
+          <a:stretch>
+            <a:fillRect/>
+          </a:stretch>
+        </p:blipFill>
+        <p:spPr>
+          <a:xfrm>
+            <a:off x="4659578" y="2111866"/>
+            <a:ext cx="537391" cy="558260"/>
+          </a:xfrm>
+          <a:prstGeom prst="rect">
+            <a:avLst/>
+          </a:prstGeom>
+        </p:spPr>
+      </p:pic>
+      <p:sp>
+        <p:nvSpPr>
+          <p:cNvPr id="15" name="TextBox 14">
+            <a:extLst>
+              <a:ext uri="{FF2B5EF4-FFF2-40B4-BE49-F238E27FC236}">
+                <a16:creationId xmlns:a16="http://schemas.microsoft.com/office/drawing/2014/main" id="{966F5D0A-75BD-F53A-79DB-98684F14B4F3}"/>
+              </a:ext>
+            </a:extLst>
+          </p:cNvPr>
+          <p:cNvSpPr txBox="1"/>
+          <p:nvPr/>
+        </p:nvSpPr>
+        <p:spPr>
+          <a:xfrm>
+            <a:off x="4761400" y="1793871"/>
+            <a:ext cx="333746" cy="369332"/>
+          </a:xfrm>
+          <a:prstGeom prst="rect">
+            <a:avLst/>
+          </a:prstGeom>
+          <a:noFill/>
+        </p:spPr>
+        <p:txBody>
+          <a:bodyPr wrap="none" rtlCol="0">
+            <a:spAutoFit/>
+          </a:bodyPr>
+          <a:lstStyle/>
+          <a:p>
+            <a:r>
+              <a:rPr lang="fr-CA" dirty="0"/>
+              <a:t>N</a:t>
+            </a:r>
+          </a:p>
+        </p:txBody>
+      </p:sp>
     </p:spTree>
     <p:extLst>
       <p:ext uri="{BB962C8B-B14F-4D97-AF65-F5344CB8AC3E}">

--- a/src/images.pptx
+++ b/src/images.pptx
@@ -15,6 +15,7 @@
     <p:sldId id="263" r:id="rId9"/>
     <p:sldId id="264" r:id="rId10"/>
     <p:sldId id="265" r:id="rId11"/>
+    <p:sldId id="266" r:id="rId12"/>
   </p:sldIdLst>
   <p:sldSz cx="12192000" cy="6858000"/>
   <p:notesSz cx="6858000" cy="9144000"/>
@@ -270,7 +271,7 @@
           <a:p>
             <a:fld id="{35C3687D-91A5-7C4D-919D-428BCA0C637B}" type="datetimeFigureOut">
               <a:rPr lang="fr-CA" smtClean="0"/>
-              <a:t>2022-05-02</a:t>
+              <a:t>2022-08-05</a:t>
             </a:fld>
             <a:endParaRPr lang="fr-CA"/>
           </a:p>
@@ -470,7 +471,7 @@
           <a:p>
             <a:fld id="{35C3687D-91A5-7C4D-919D-428BCA0C637B}" type="datetimeFigureOut">
               <a:rPr lang="fr-CA" smtClean="0"/>
-              <a:t>2022-05-02</a:t>
+              <a:t>2022-08-05</a:t>
             </a:fld>
             <a:endParaRPr lang="fr-CA"/>
           </a:p>
@@ -680,7 +681,7 @@
           <a:p>
             <a:fld id="{35C3687D-91A5-7C4D-919D-428BCA0C637B}" type="datetimeFigureOut">
               <a:rPr lang="fr-CA" smtClean="0"/>
-              <a:t>2022-05-02</a:t>
+              <a:t>2022-08-05</a:t>
             </a:fld>
             <a:endParaRPr lang="fr-CA"/>
           </a:p>
@@ -880,7 +881,7 @@
           <a:p>
             <a:fld id="{35C3687D-91A5-7C4D-919D-428BCA0C637B}" type="datetimeFigureOut">
               <a:rPr lang="fr-CA" smtClean="0"/>
-              <a:t>2022-05-02</a:t>
+              <a:t>2022-08-05</a:t>
             </a:fld>
             <a:endParaRPr lang="fr-CA"/>
           </a:p>
@@ -1156,7 +1157,7 @@
           <a:p>
             <a:fld id="{35C3687D-91A5-7C4D-919D-428BCA0C637B}" type="datetimeFigureOut">
               <a:rPr lang="fr-CA" smtClean="0"/>
-              <a:t>2022-05-02</a:t>
+              <a:t>2022-08-05</a:t>
             </a:fld>
             <a:endParaRPr lang="fr-CA"/>
           </a:p>
@@ -1424,7 +1425,7 @@
           <a:p>
             <a:fld id="{35C3687D-91A5-7C4D-919D-428BCA0C637B}" type="datetimeFigureOut">
               <a:rPr lang="fr-CA" smtClean="0"/>
-              <a:t>2022-05-02</a:t>
+              <a:t>2022-08-05</a:t>
             </a:fld>
             <a:endParaRPr lang="fr-CA"/>
           </a:p>
@@ -1839,7 +1840,7 @@
           <a:p>
             <a:fld id="{35C3687D-91A5-7C4D-919D-428BCA0C637B}" type="datetimeFigureOut">
               <a:rPr lang="fr-CA" smtClean="0"/>
-              <a:t>2022-05-02</a:t>
+              <a:t>2022-08-05</a:t>
             </a:fld>
             <a:endParaRPr lang="fr-CA"/>
           </a:p>
@@ -1981,7 +1982,7 @@
           <a:p>
             <a:fld id="{35C3687D-91A5-7C4D-919D-428BCA0C637B}" type="datetimeFigureOut">
               <a:rPr lang="fr-CA" smtClean="0"/>
-              <a:t>2022-05-02</a:t>
+              <a:t>2022-08-05</a:t>
             </a:fld>
             <a:endParaRPr lang="fr-CA"/>
           </a:p>
@@ -2094,7 +2095,7 @@
           <a:p>
             <a:fld id="{35C3687D-91A5-7C4D-919D-428BCA0C637B}" type="datetimeFigureOut">
               <a:rPr lang="fr-CA" smtClean="0"/>
-              <a:t>2022-05-02</a:t>
+              <a:t>2022-08-05</a:t>
             </a:fld>
             <a:endParaRPr lang="fr-CA"/>
           </a:p>
@@ -2407,7 +2408,7 @@
           <a:p>
             <a:fld id="{35C3687D-91A5-7C4D-919D-428BCA0C637B}" type="datetimeFigureOut">
               <a:rPr lang="fr-CA" smtClean="0"/>
-              <a:t>2022-05-02</a:t>
+              <a:t>2022-08-05</a:t>
             </a:fld>
             <a:endParaRPr lang="fr-CA"/>
           </a:p>
@@ -2696,7 +2697,7 @@
           <a:p>
             <a:fld id="{35C3687D-91A5-7C4D-919D-428BCA0C637B}" type="datetimeFigureOut">
               <a:rPr lang="fr-CA" smtClean="0"/>
-              <a:t>2022-05-02</a:t>
+              <a:t>2022-08-05</a:t>
             </a:fld>
             <a:endParaRPr lang="fr-CA"/>
           </a:p>
@@ -2939,7 +2940,7 @@
           <a:p>
             <a:fld id="{35C3687D-91A5-7C4D-919D-428BCA0C637B}" type="datetimeFigureOut">
               <a:rPr lang="fr-CA" smtClean="0"/>
-              <a:t>2022-05-02</a:t>
+              <a:t>2022-08-05</a:t>
             </a:fld>
             <a:endParaRPr lang="fr-CA"/>
           </a:p>
@@ -11533,8 +11534,8 @@
           </a:fontRef>
         </p:style>
       </p:cxnSp>
-      <mc:AlternateContent xmlns:mc="http://schemas.openxmlformats.org/markup-compatibility/2006">
-        <mc:Choice xmlns:a14="http://schemas.microsoft.com/office/drawing/2010/main" Requires="a14">
+      <mc:AlternateContent xmlns:mc="http://schemas.openxmlformats.org/markup-compatibility/2006" xmlns:a14="http://schemas.microsoft.com/office/drawing/2010/main">
+        <mc:Choice Requires="a14">
           <p:sp>
             <p:nvSpPr>
               <p:cNvPr id="11" name="TextBox 10">
@@ -11563,6 +11564,7 @@
               </a:bodyPr>
               <a:lstStyle/>
               <a:p>
+                <a:pPr/>
                 <a14:m>
                   <m:oMathPara xmlns:m="http://schemas.openxmlformats.org/officeDocument/2006/math">
                     <m:oMathParaPr>
@@ -11583,7 +11585,7 @@
             </p:txBody>
           </p:sp>
         </mc:Choice>
-        <mc:Fallback>
+        <mc:Fallback xmlns="">
           <p:sp>
             <p:nvSpPr>
               <p:cNvPr id="11" name="TextBox 10">
@@ -11628,8 +11630,8 @@
           </p:sp>
         </mc:Fallback>
       </mc:AlternateContent>
-      <mc:AlternateContent xmlns:mc="http://schemas.openxmlformats.org/markup-compatibility/2006">
-        <mc:Choice xmlns:a14="http://schemas.microsoft.com/office/drawing/2010/main" Requires="a14">
+      <mc:AlternateContent xmlns:mc="http://schemas.openxmlformats.org/markup-compatibility/2006" xmlns:a14="http://schemas.microsoft.com/office/drawing/2010/main">
+        <mc:Choice Requires="a14">
           <p:sp>
             <p:nvSpPr>
               <p:cNvPr id="12" name="TextBox 11">
@@ -11658,6 +11660,7 @@
               </a:bodyPr>
               <a:lstStyle/>
               <a:p>
+                <a:pPr/>
                 <a14:m>
                   <m:oMathPara xmlns:m="http://schemas.openxmlformats.org/officeDocument/2006/math">
                     <m:oMathParaPr>
@@ -11678,7 +11681,7 @@
             </p:txBody>
           </p:sp>
         </mc:Choice>
-        <mc:Fallback>
+        <mc:Fallback xmlns="">
           <p:sp>
             <p:nvSpPr>
               <p:cNvPr id="12" name="TextBox 11">
@@ -11723,8 +11726,8 @@
           </p:sp>
         </mc:Fallback>
       </mc:AlternateContent>
-      <mc:AlternateContent xmlns:mc="http://schemas.openxmlformats.org/markup-compatibility/2006">
-        <mc:Choice xmlns:a14="http://schemas.microsoft.com/office/drawing/2010/main" Requires="a14">
+      <mc:AlternateContent xmlns:mc="http://schemas.openxmlformats.org/markup-compatibility/2006" xmlns:a14="http://schemas.microsoft.com/office/drawing/2010/main">
+        <mc:Choice Requires="a14">
           <p:sp>
             <p:nvSpPr>
               <p:cNvPr id="13" name="TextBox 12">
@@ -11753,6 +11756,7 @@
               </a:bodyPr>
               <a:lstStyle/>
               <a:p>
+                <a:pPr/>
                 <a14:m>
                   <m:oMathPara xmlns:m="http://schemas.openxmlformats.org/officeDocument/2006/math">
                     <m:oMathParaPr>
@@ -11773,7 +11777,7 @@
             </p:txBody>
           </p:sp>
         </mc:Choice>
-        <mc:Fallback>
+        <mc:Fallback xmlns="">
           <p:sp>
             <p:nvSpPr>
               <p:cNvPr id="13" name="TextBox 12">
@@ -11887,6 +11891,2400 @@
     <p:extLst>
       <p:ext uri="{BB962C8B-B14F-4D97-AF65-F5344CB8AC3E}">
         <p14:creationId xmlns:p14="http://schemas.microsoft.com/office/powerpoint/2010/main" val="58764999"/>
+      </p:ext>
+    </p:extLst>
+  </p:cSld>
+  <p:clrMapOvr>
+    <a:masterClrMapping/>
+  </p:clrMapOvr>
+</p:sld>
+</file>
+
+<file path=ppt/slides/slide11.xml><?xml version="1.0" encoding="utf-8"?>
+<p:sld xmlns:a="http://schemas.openxmlformats.org/drawingml/2006/main" xmlns:r="http://schemas.openxmlformats.org/officeDocument/2006/relationships" xmlns:p="http://schemas.openxmlformats.org/presentationml/2006/main">
+  <p:cSld>
+    <p:spTree>
+      <p:nvGrpSpPr>
+        <p:cNvPr id="1" name=""/>
+        <p:cNvGrpSpPr/>
+        <p:nvPr/>
+      </p:nvGrpSpPr>
+      <p:grpSpPr>
+        <a:xfrm>
+          <a:off x="0" y="0"/>
+          <a:ext cx="0" cy="0"/>
+          <a:chOff x="0" y="0"/>
+          <a:chExt cx="0" cy="0"/>
+        </a:xfrm>
+      </p:grpSpPr>
+      <p:sp>
+        <p:nvSpPr>
+          <p:cNvPr id="211" name="Down Arrow 210">
+            <a:extLst>
+              <a:ext uri="{FF2B5EF4-FFF2-40B4-BE49-F238E27FC236}">
+                <a16:creationId xmlns:a16="http://schemas.microsoft.com/office/drawing/2014/main" id="{A24DBBF0-6122-15DF-F65D-2B5C488AA2B6}"/>
+              </a:ext>
+            </a:extLst>
+          </p:cNvPr>
+          <p:cNvSpPr/>
+          <p:nvPr/>
+        </p:nvSpPr>
+        <p:spPr>
+          <a:xfrm>
+            <a:off x="6990434" y="2629796"/>
+            <a:ext cx="323682" cy="690779"/>
+          </a:xfrm>
+          <a:prstGeom prst="downArrow">
+            <a:avLst/>
+          </a:prstGeom>
+        </p:spPr>
+        <p:style>
+          <a:lnRef idx="1">
+            <a:schemeClr val="accent6"/>
+          </a:lnRef>
+          <a:fillRef idx="2">
+            <a:schemeClr val="accent6"/>
+          </a:fillRef>
+          <a:effectRef idx="1">
+            <a:schemeClr val="accent6"/>
+          </a:effectRef>
+          <a:fontRef idx="minor">
+            <a:schemeClr val="dk1"/>
+          </a:fontRef>
+        </p:style>
+        <p:txBody>
+          <a:bodyPr rtlCol="0" anchor="ctr"/>
+          <a:lstStyle/>
+          <a:p>
+            <a:pPr algn="ctr"/>
+            <a:endParaRPr lang="fr-CA" noProof="1"/>
+          </a:p>
+        </p:txBody>
+      </p:sp>
+      <p:sp>
+        <p:nvSpPr>
+          <p:cNvPr id="201" name="Down Arrow 200">
+            <a:extLst>
+              <a:ext uri="{FF2B5EF4-FFF2-40B4-BE49-F238E27FC236}">
+                <a16:creationId xmlns:a16="http://schemas.microsoft.com/office/drawing/2014/main" id="{3074577A-31F2-7999-377E-ED65A6572243}"/>
+              </a:ext>
+            </a:extLst>
+          </p:cNvPr>
+          <p:cNvSpPr/>
+          <p:nvPr/>
+        </p:nvSpPr>
+        <p:spPr>
+          <a:xfrm>
+            <a:off x="4927006" y="2014346"/>
+            <a:ext cx="323682" cy="1294773"/>
+          </a:xfrm>
+          <a:prstGeom prst="downArrow">
+            <a:avLst/>
+          </a:prstGeom>
+        </p:spPr>
+        <p:style>
+          <a:lnRef idx="1">
+            <a:schemeClr val="accent6"/>
+          </a:lnRef>
+          <a:fillRef idx="2">
+            <a:schemeClr val="accent6"/>
+          </a:fillRef>
+          <a:effectRef idx="1">
+            <a:schemeClr val="accent6"/>
+          </a:effectRef>
+          <a:fontRef idx="minor">
+            <a:schemeClr val="dk1"/>
+          </a:fontRef>
+        </p:style>
+        <p:txBody>
+          <a:bodyPr rtlCol="0" anchor="ctr"/>
+          <a:lstStyle/>
+          <a:p>
+            <a:pPr algn="ctr"/>
+            <a:endParaRPr lang="fr-CA" noProof="1"/>
+          </a:p>
+        </p:txBody>
+      </p:sp>
+      <p:sp>
+        <p:nvSpPr>
+          <p:cNvPr id="196" name="Down Arrow 195">
+            <a:extLst>
+              <a:ext uri="{FF2B5EF4-FFF2-40B4-BE49-F238E27FC236}">
+                <a16:creationId xmlns:a16="http://schemas.microsoft.com/office/drawing/2014/main" id="{502BA429-F209-C175-F02A-EC2D3BBC6521}"/>
+              </a:ext>
+            </a:extLst>
+          </p:cNvPr>
+          <p:cNvSpPr/>
+          <p:nvPr/>
+        </p:nvSpPr>
+        <p:spPr>
+          <a:xfrm>
+            <a:off x="4931597" y="1229310"/>
+            <a:ext cx="323682" cy="362898"/>
+          </a:xfrm>
+          <a:prstGeom prst="downArrow">
+            <a:avLst/>
+          </a:prstGeom>
+        </p:spPr>
+        <p:style>
+          <a:lnRef idx="1">
+            <a:schemeClr val="accent6"/>
+          </a:lnRef>
+          <a:fillRef idx="2">
+            <a:schemeClr val="accent6"/>
+          </a:fillRef>
+          <a:effectRef idx="1">
+            <a:schemeClr val="accent6"/>
+          </a:effectRef>
+          <a:fontRef idx="minor">
+            <a:schemeClr val="dk1"/>
+          </a:fontRef>
+        </p:style>
+        <p:txBody>
+          <a:bodyPr rtlCol="0" anchor="ctr"/>
+          <a:lstStyle/>
+          <a:p>
+            <a:pPr algn="ctr"/>
+            <a:endParaRPr lang="fr-CA" noProof="1"/>
+          </a:p>
+        </p:txBody>
+      </p:sp>
+      <p:sp>
+        <p:nvSpPr>
+          <p:cNvPr id="198" name="Down Arrow 197">
+            <a:extLst>
+              <a:ext uri="{FF2B5EF4-FFF2-40B4-BE49-F238E27FC236}">
+                <a16:creationId xmlns:a16="http://schemas.microsoft.com/office/drawing/2014/main" id="{7A4D7948-F9D3-DB8C-CDC1-4509C5BD3B5B}"/>
+              </a:ext>
+            </a:extLst>
+          </p:cNvPr>
+          <p:cNvSpPr/>
+          <p:nvPr/>
+        </p:nvSpPr>
+        <p:spPr>
+          <a:xfrm>
+            <a:off x="6990434" y="572926"/>
+            <a:ext cx="323682" cy="1647283"/>
+          </a:xfrm>
+          <a:prstGeom prst="downArrow">
+            <a:avLst/>
+          </a:prstGeom>
+        </p:spPr>
+        <p:style>
+          <a:lnRef idx="1">
+            <a:schemeClr val="accent6"/>
+          </a:lnRef>
+          <a:fillRef idx="2">
+            <a:schemeClr val="accent6"/>
+          </a:fillRef>
+          <a:effectRef idx="1">
+            <a:schemeClr val="accent6"/>
+          </a:effectRef>
+          <a:fontRef idx="minor">
+            <a:schemeClr val="dk1"/>
+          </a:fontRef>
+        </p:style>
+        <p:txBody>
+          <a:bodyPr rtlCol="0" anchor="ctr"/>
+          <a:lstStyle/>
+          <a:p>
+            <a:pPr algn="ctr"/>
+            <a:endParaRPr lang="fr-CA" noProof="1"/>
+          </a:p>
+        </p:txBody>
+      </p:sp>
+      <p:sp>
+        <p:nvSpPr>
+          <p:cNvPr id="194" name="Down Arrow 193">
+            <a:extLst>
+              <a:ext uri="{FF2B5EF4-FFF2-40B4-BE49-F238E27FC236}">
+                <a16:creationId xmlns:a16="http://schemas.microsoft.com/office/drawing/2014/main" id="{3750694A-D99A-233F-EC77-E22355D01906}"/>
+              </a:ext>
+            </a:extLst>
+          </p:cNvPr>
+          <p:cNvSpPr/>
+          <p:nvPr/>
+        </p:nvSpPr>
+        <p:spPr>
+          <a:xfrm>
+            <a:off x="3868339" y="584384"/>
+            <a:ext cx="323682" cy="362898"/>
+          </a:xfrm>
+          <a:prstGeom prst="downArrow">
+            <a:avLst/>
+          </a:prstGeom>
+        </p:spPr>
+        <p:style>
+          <a:lnRef idx="1">
+            <a:schemeClr val="accent6"/>
+          </a:lnRef>
+          <a:fillRef idx="2">
+            <a:schemeClr val="accent6"/>
+          </a:fillRef>
+          <a:effectRef idx="1">
+            <a:schemeClr val="accent6"/>
+          </a:effectRef>
+          <a:fontRef idx="minor">
+            <a:schemeClr val="dk1"/>
+          </a:fontRef>
+        </p:style>
+        <p:txBody>
+          <a:bodyPr rtlCol="0" anchor="ctr"/>
+          <a:lstStyle/>
+          <a:p>
+            <a:pPr algn="ctr"/>
+            <a:endParaRPr lang="fr-CA" noProof="1"/>
+          </a:p>
+        </p:txBody>
+      </p:sp>
+      <p:sp>
+        <p:nvSpPr>
+          <p:cNvPr id="195" name="Down Arrow 194">
+            <a:extLst>
+              <a:ext uri="{FF2B5EF4-FFF2-40B4-BE49-F238E27FC236}">
+                <a16:creationId xmlns:a16="http://schemas.microsoft.com/office/drawing/2014/main" id="{5A04E056-84BF-1A13-3DBA-0A44E0AF271A}"/>
+              </a:ext>
+            </a:extLst>
+          </p:cNvPr>
+          <p:cNvSpPr/>
+          <p:nvPr/>
+        </p:nvSpPr>
+        <p:spPr>
+          <a:xfrm>
+            <a:off x="5975387" y="575052"/>
+            <a:ext cx="323682" cy="362898"/>
+          </a:xfrm>
+          <a:prstGeom prst="downArrow">
+            <a:avLst/>
+          </a:prstGeom>
+        </p:spPr>
+        <p:style>
+          <a:lnRef idx="1">
+            <a:schemeClr val="accent6"/>
+          </a:lnRef>
+          <a:fillRef idx="2">
+            <a:schemeClr val="accent6"/>
+          </a:fillRef>
+          <a:effectRef idx="1">
+            <a:schemeClr val="accent6"/>
+          </a:effectRef>
+          <a:fontRef idx="minor">
+            <a:schemeClr val="dk1"/>
+          </a:fontRef>
+        </p:style>
+        <p:txBody>
+          <a:bodyPr rtlCol="0" anchor="ctr"/>
+          <a:lstStyle/>
+          <a:p>
+            <a:pPr algn="ctr"/>
+            <a:endParaRPr lang="fr-CA" noProof="1"/>
+          </a:p>
+        </p:txBody>
+      </p:sp>
+      <p:sp>
+        <p:nvSpPr>
+          <p:cNvPr id="193" name="Down Arrow 192">
+            <a:extLst>
+              <a:ext uri="{FF2B5EF4-FFF2-40B4-BE49-F238E27FC236}">
+                <a16:creationId xmlns:a16="http://schemas.microsoft.com/office/drawing/2014/main" id="{0B626C21-6CAD-C5A1-70FD-C74A932F94E0}"/>
+              </a:ext>
+            </a:extLst>
+          </p:cNvPr>
+          <p:cNvSpPr/>
+          <p:nvPr/>
+        </p:nvSpPr>
+        <p:spPr>
+          <a:xfrm>
+            <a:off x="4931597" y="577177"/>
+            <a:ext cx="323682" cy="362898"/>
+          </a:xfrm>
+          <a:prstGeom prst="downArrow">
+            <a:avLst/>
+          </a:prstGeom>
+        </p:spPr>
+        <p:style>
+          <a:lnRef idx="1">
+            <a:schemeClr val="accent6"/>
+          </a:lnRef>
+          <a:fillRef idx="2">
+            <a:schemeClr val="accent6"/>
+          </a:fillRef>
+          <a:effectRef idx="1">
+            <a:schemeClr val="accent6"/>
+          </a:effectRef>
+          <a:fontRef idx="minor">
+            <a:schemeClr val="dk1"/>
+          </a:fontRef>
+        </p:style>
+        <p:txBody>
+          <a:bodyPr rtlCol="0" anchor="ctr"/>
+          <a:lstStyle/>
+          <a:p>
+            <a:pPr algn="ctr"/>
+            <a:endParaRPr lang="fr-CA" noProof="1"/>
+          </a:p>
+        </p:txBody>
+      </p:sp>
+      <p:sp>
+        <p:nvSpPr>
+          <p:cNvPr id="4" name="Rectangle 3">
+            <a:extLst>
+              <a:ext uri="{FF2B5EF4-FFF2-40B4-BE49-F238E27FC236}">
+                <a16:creationId xmlns:a16="http://schemas.microsoft.com/office/drawing/2014/main" id="{B86B956B-7045-52E8-B718-6603A16CE59E}"/>
+              </a:ext>
+            </a:extLst>
+          </p:cNvPr>
+          <p:cNvSpPr/>
+          <p:nvPr/>
+        </p:nvSpPr>
+        <p:spPr>
+          <a:xfrm>
+            <a:off x="3749316" y="935825"/>
+            <a:ext cx="2676053" cy="411382"/>
+          </a:xfrm>
+          <a:prstGeom prst="rect">
+            <a:avLst/>
+          </a:prstGeom>
+        </p:spPr>
+        <p:style>
+          <a:lnRef idx="2">
+            <a:schemeClr val="accent6"/>
+          </a:lnRef>
+          <a:fillRef idx="1">
+            <a:schemeClr val="lt1"/>
+          </a:fillRef>
+          <a:effectRef idx="0">
+            <a:schemeClr val="accent6"/>
+          </a:effectRef>
+          <a:fontRef idx="minor">
+            <a:schemeClr val="dk1"/>
+          </a:fontRef>
+        </p:style>
+        <p:txBody>
+          <a:bodyPr rtlCol="0" anchor="ctr"/>
+          <a:lstStyle/>
+          <a:p>
+            <a:pPr marL="171450" indent="-171450">
+              <a:buFontTx/>
+              <a:buChar char="-"/>
+            </a:pPr>
+            <a:r>
+              <a:rPr lang="fr-CA" sz="1400" noProof="1"/>
+              <a:t>pd.read_csv()</a:t>
+            </a:r>
+          </a:p>
+          <a:p>
+            <a:pPr marL="171450" indent="-171450">
+              <a:buFontTx/>
+              <a:buChar char="-"/>
+            </a:pPr>
+            <a:r>
+              <a:rPr lang="fr-CA" sz="1400" noProof="1"/>
+              <a:t>pd.read_excel()</a:t>
+            </a:r>
+          </a:p>
+        </p:txBody>
+      </p:sp>
+      <p:sp>
+        <p:nvSpPr>
+          <p:cNvPr id="6" name="Can 5">
+            <a:extLst>
+              <a:ext uri="{FF2B5EF4-FFF2-40B4-BE49-F238E27FC236}">
+                <a16:creationId xmlns:a16="http://schemas.microsoft.com/office/drawing/2014/main" id="{81444611-7366-F412-0F7E-FBF73807E6BE}"/>
+              </a:ext>
+            </a:extLst>
+          </p:cNvPr>
+          <p:cNvSpPr/>
+          <p:nvPr/>
+        </p:nvSpPr>
+        <p:spPr>
+          <a:xfrm>
+            <a:off x="5857001" y="171525"/>
+            <a:ext cx="572812" cy="411381"/>
+          </a:xfrm>
+          <a:prstGeom prst="can">
+            <a:avLst/>
+          </a:prstGeom>
+        </p:spPr>
+        <p:style>
+          <a:lnRef idx="2">
+            <a:schemeClr val="accent6"/>
+          </a:lnRef>
+          <a:fillRef idx="1">
+            <a:schemeClr val="lt1"/>
+          </a:fillRef>
+          <a:effectRef idx="0">
+            <a:schemeClr val="accent6"/>
+          </a:effectRef>
+          <a:fontRef idx="minor">
+            <a:schemeClr val="dk1"/>
+          </a:fontRef>
+        </p:style>
+        <p:txBody>
+          <a:bodyPr rtlCol="0" anchor="ctr"/>
+          <a:lstStyle/>
+          <a:p>
+            <a:pPr algn="ctr"/>
+            <a:r>
+              <a:rPr lang="fr-CA" sz="1400" noProof="1"/>
+              <a:t>Excel</a:t>
+            </a:r>
+          </a:p>
+        </p:txBody>
+      </p:sp>
+      <p:sp>
+        <p:nvSpPr>
+          <p:cNvPr id="7" name="Can 6">
+            <a:extLst>
+              <a:ext uri="{FF2B5EF4-FFF2-40B4-BE49-F238E27FC236}">
+                <a16:creationId xmlns:a16="http://schemas.microsoft.com/office/drawing/2014/main" id="{A232841B-8886-86F1-1004-4BA50722E811}"/>
+              </a:ext>
+            </a:extLst>
+          </p:cNvPr>
+          <p:cNvSpPr/>
+          <p:nvPr/>
+        </p:nvSpPr>
+        <p:spPr>
+          <a:xfrm>
+            <a:off x="3749316" y="171525"/>
+            <a:ext cx="572812" cy="411381"/>
+          </a:xfrm>
+          <a:prstGeom prst="can">
+            <a:avLst/>
+          </a:prstGeom>
+        </p:spPr>
+        <p:style>
+          <a:lnRef idx="2">
+            <a:schemeClr val="accent6"/>
+          </a:lnRef>
+          <a:fillRef idx="1">
+            <a:schemeClr val="lt1"/>
+          </a:fillRef>
+          <a:effectRef idx="0">
+            <a:schemeClr val="accent6"/>
+          </a:effectRef>
+          <a:fontRef idx="minor">
+            <a:schemeClr val="dk1"/>
+          </a:fontRef>
+        </p:style>
+        <p:txBody>
+          <a:bodyPr rtlCol="0" anchor="ctr"/>
+          <a:lstStyle/>
+          <a:p>
+            <a:pPr algn="ctr"/>
+            <a:r>
+              <a:rPr lang="fr-CA" sz="1400" noProof="1"/>
+              <a:t>csv</a:t>
+            </a:r>
+          </a:p>
+        </p:txBody>
+      </p:sp>
+      <p:sp>
+        <p:nvSpPr>
+          <p:cNvPr id="8" name="Can 7">
+            <a:extLst>
+              <a:ext uri="{FF2B5EF4-FFF2-40B4-BE49-F238E27FC236}">
+                <a16:creationId xmlns:a16="http://schemas.microsoft.com/office/drawing/2014/main" id="{A853D765-6DAD-046D-C056-CEB1B33C3476}"/>
+              </a:ext>
+            </a:extLst>
+          </p:cNvPr>
+          <p:cNvSpPr/>
+          <p:nvPr/>
+        </p:nvSpPr>
+        <p:spPr>
+          <a:xfrm>
+            <a:off x="4797790" y="170047"/>
+            <a:ext cx="572812" cy="411381"/>
+          </a:xfrm>
+          <a:prstGeom prst="can">
+            <a:avLst/>
+          </a:prstGeom>
+        </p:spPr>
+        <p:style>
+          <a:lnRef idx="2">
+            <a:schemeClr val="accent6"/>
+          </a:lnRef>
+          <a:fillRef idx="1">
+            <a:schemeClr val="lt1"/>
+          </a:fillRef>
+          <a:effectRef idx="0">
+            <a:schemeClr val="accent6"/>
+          </a:effectRef>
+          <a:fontRef idx="minor">
+            <a:schemeClr val="dk1"/>
+          </a:fontRef>
+        </p:style>
+        <p:txBody>
+          <a:bodyPr rtlCol="0" anchor="ctr"/>
+          <a:lstStyle/>
+          <a:p>
+            <a:pPr algn="ctr"/>
+            <a:r>
+              <a:rPr lang="fr-CA" sz="1400" noProof="1"/>
+              <a:t>txt</a:t>
+            </a:r>
+          </a:p>
+        </p:txBody>
+      </p:sp>
+      <p:sp>
+        <p:nvSpPr>
+          <p:cNvPr id="9" name="Can 8">
+            <a:extLst>
+              <a:ext uri="{FF2B5EF4-FFF2-40B4-BE49-F238E27FC236}">
+                <a16:creationId xmlns:a16="http://schemas.microsoft.com/office/drawing/2014/main" id="{F6E06393-4CE1-9613-6722-0AEF9C52514A}"/>
+              </a:ext>
+            </a:extLst>
+          </p:cNvPr>
+          <p:cNvSpPr/>
+          <p:nvPr/>
+        </p:nvSpPr>
+        <p:spPr>
+          <a:xfrm>
+            <a:off x="6877945" y="170047"/>
+            <a:ext cx="572812" cy="411381"/>
+          </a:xfrm>
+          <a:prstGeom prst="can">
+            <a:avLst/>
+          </a:prstGeom>
+        </p:spPr>
+        <p:style>
+          <a:lnRef idx="2">
+            <a:schemeClr val="accent6"/>
+          </a:lnRef>
+          <a:fillRef idx="1">
+            <a:schemeClr val="lt1"/>
+          </a:fillRef>
+          <a:effectRef idx="0">
+            <a:schemeClr val="accent6"/>
+          </a:effectRef>
+          <a:fontRef idx="minor">
+            <a:schemeClr val="dk1"/>
+          </a:fontRef>
+        </p:style>
+        <p:txBody>
+          <a:bodyPr rtlCol="0" anchor="ctr"/>
+          <a:lstStyle/>
+          <a:p>
+            <a:pPr algn="ctr"/>
+            <a:r>
+              <a:rPr lang="fr-CA" sz="1400" noProof="1"/>
+              <a:t>c3d</a:t>
+            </a:r>
+          </a:p>
+        </p:txBody>
+      </p:sp>
+      <p:sp>
+        <p:nvSpPr>
+          <p:cNvPr id="13" name="Rectangle 12">
+            <a:extLst>
+              <a:ext uri="{FF2B5EF4-FFF2-40B4-BE49-F238E27FC236}">
+                <a16:creationId xmlns:a16="http://schemas.microsoft.com/office/drawing/2014/main" id="{3FEDA4A0-4BD3-C36F-009E-91E8C98BA2F5}"/>
+              </a:ext>
+            </a:extLst>
+          </p:cNvPr>
+          <p:cNvSpPr/>
+          <p:nvPr/>
+        </p:nvSpPr>
+        <p:spPr>
+          <a:xfrm>
+            <a:off x="6361404" y="2223164"/>
+            <a:ext cx="1617232" cy="411381"/>
+          </a:xfrm>
+          <a:prstGeom prst="rect">
+            <a:avLst/>
+          </a:prstGeom>
+        </p:spPr>
+        <p:style>
+          <a:lnRef idx="2">
+            <a:schemeClr val="accent6"/>
+          </a:lnRef>
+          <a:fillRef idx="1">
+            <a:schemeClr val="lt1"/>
+          </a:fillRef>
+          <a:effectRef idx="0">
+            <a:schemeClr val="accent6"/>
+          </a:effectRef>
+          <a:fontRef idx="minor">
+            <a:schemeClr val="dk1"/>
+          </a:fontRef>
+        </p:style>
+        <p:txBody>
+          <a:bodyPr rtlCol="0" anchor="ctr"/>
+          <a:lstStyle/>
+          <a:p>
+            <a:pPr algn="ctr"/>
+            <a:r>
+              <a:rPr lang="fr-CA" sz="1400" noProof="1"/>
+              <a:t>ktk.read_c3d()</a:t>
+            </a:r>
+          </a:p>
+        </p:txBody>
+      </p:sp>
+      <p:sp>
+        <p:nvSpPr>
+          <p:cNvPr id="14" name="Rectangle 13">
+            <a:extLst>
+              <a:ext uri="{FF2B5EF4-FFF2-40B4-BE49-F238E27FC236}">
+                <a16:creationId xmlns:a16="http://schemas.microsoft.com/office/drawing/2014/main" id="{F4707AD9-2334-B9CC-6B1D-7D6571F7C10D}"/>
+              </a:ext>
+            </a:extLst>
+          </p:cNvPr>
+          <p:cNvSpPr/>
+          <p:nvPr/>
+        </p:nvSpPr>
+        <p:spPr>
+          <a:xfrm>
+            <a:off x="3749316" y="1601661"/>
+            <a:ext cx="2676055" cy="414335"/>
+          </a:xfrm>
+          <a:prstGeom prst="rect">
+            <a:avLst/>
+          </a:prstGeom>
+        </p:spPr>
+        <p:style>
+          <a:lnRef idx="2">
+            <a:schemeClr val="accent6"/>
+          </a:lnRef>
+          <a:fillRef idx="1">
+            <a:schemeClr val="lt1"/>
+          </a:fillRef>
+          <a:effectRef idx="0">
+            <a:schemeClr val="accent6"/>
+          </a:effectRef>
+          <a:fontRef idx="minor">
+            <a:schemeClr val="dk1"/>
+          </a:fontRef>
+        </p:style>
+        <p:txBody>
+          <a:bodyPr rtlCol="0" anchor="ctr"/>
+          <a:lstStyle/>
+          <a:p>
+            <a:r>
+              <a:rPr lang="fr-CA" sz="1400" noProof="1"/>
+              <a:t>ktk.TimeSeries.from_dataframe()</a:t>
+            </a:r>
+          </a:p>
+        </p:txBody>
+      </p:sp>
+      <p:sp>
+        <p:nvSpPr>
+          <p:cNvPr id="212" name="Down Arrow 211">
+            <a:extLst>
+              <a:ext uri="{FF2B5EF4-FFF2-40B4-BE49-F238E27FC236}">
+                <a16:creationId xmlns:a16="http://schemas.microsoft.com/office/drawing/2014/main" id="{5B1F1C25-BC9A-1095-2D18-8DCED43D5A95}"/>
+              </a:ext>
+            </a:extLst>
+          </p:cNvPr>
+          <p:cNvSpPr/>
+          <p:nvPr/>
+        </p:nvSpPr>
+        <p:spPr>
+          <a:xfrm>
+            <a:off x="8677915" y="2616112"/>
+            <a:ext cx="323682" cy="690779"/>
+          </a:xfrm>
+          <a:prstGeom prst="downArrow">
+            <a:avLst/>
+          </a:prstGeom>
+        </p:spPr>
+        <p:style>
+          <a:lnRef idx="1">
+            <a:schemeClr val="accent6"/>
+          </a:lnRef>
+          <a:fillRef idx="2">
+            <a:schemeClr val="accent6"/>
+          </a:fillRef>
+          <a:effectRef idx="1">
+            <a:schemeClr val="accent6"/>
+          </a:effectRef>
+          <a:fontRef idx="minor">
+            <a:schemeClr val="dk1"/>
+          </a:fontRef>
+        </p:style>
+        <p:txBody>
+          <a:bodyPr rtlCol="0" anchor="ctr"/>
+          <a:lstStyle/>
+          <a:p>
+            <a:pPr algn="ctr"/>
+            <a:endParaRPr lang="fr-CA" noProof="1"/>
+          </a:p>
+        </p:txBody>
+      </p:sp>
+      <p:sp>
+        <p:nvSpPr>
+          <p:cNvPr id="200" name="Down Arrow 199">
+            <a:extLst>
+              <a:ext uri="{FF2B5EF4-FFF2-40B4-BE49-F238E27FC236}">
+                <a16:creationId xmlns:a16="http://schemas.microsoft.com/office/drawing/2014/main" id="{7D4DA4DB-F949-96F4-0551-D78DE0D2A42C}"/>
+              </a:ext>
+            </a:extLst>
+          </p:cNvPr>
+          <p:cNvSpPr/>
+          <p:nvPr/>
+        </p:nvSpPr>
+        <p:spPr>
+          <a:xfrm>
+            <a:off x="8675149" y="568300"/>
+            <a:ext cx="323682" cy="1647283"/>
+          </a:xfrm>
+          <a:prstGeom prst="downArrow">
+            <a:avLst/>
+          </a:prstGeom>
+        </p:spPr>
+        <p:style>
+          <a:lnRef idx="1">
+            <a:schemeClr val="accent6"/>
+          </a:lnRef>
+          <a:fillRef idx="2">
+            <a:schemeClr val="accent6"/>
+          </a:fillRef>
+          <a:effectRef idx="1">
+            <a:schemeClr val="accent6"/>
+          </a:effectRef>
+          <a:fontRef idx="minor">
+            <a:schemeClr val="dk1"/>
+          </a:fontRef>
+        </p:style>
+        <p:txBody>
+          <a:bodyPr rtlCol="0" anchor="ctr"/>
+          <a:lstStyle/>
+          <a:p>
+            <a:pPr algn="ctr"/>
+            <a:endParaRPr lang="fr-CA" noProof="1"/>
+          </a:p>
+        </p:txBody>
+      </p:sp>
+      <p:sp>
+        <p:nvSpPr>
+          <p:cNvPr id="11" name="Can 10">
+            <a:extLst>
+              <a:ext uri="{FF2B5EF4-FFF2-40B4-BE49-F238E27FC236}">
+                <a16:creationId xmlns:a16="http://schemas.microsoft.com/office/drawing/2014/main" id="{BC5F889C-0CB6-B29E-A5AC-FCEAE70A10E0}"/>
+              </a:ext>
+            </a:extLst>
+          </p:cNvPr>
+          <p:cNvSpPr/>
+          <p:nvPr/>
+        </p:nvSpPr>
+        <p:spPr>
+          <a:xfrm>
+            <a:off x="8492497" y="170047"/>
+            <a:ext cx="688987" cy="411381"/>
+          </a:xfrm>
+          <a:prstGeom prst="can">
+            <a:avLst/>
+          </a:prstGeom>
+        </p:spPr>
+        <p:style>
+          <a:lnRef idx="2">
+            <a:schemeClr val="accent6"/>
+          </a:lnRef>
+          <a:fillRef idx="1">
+            <a:schemeClr val="lt1"/>
+          </a:fillRef>
+          <a:effectRef idx="0">
+            <a:schemeClr val="accent6"/>
+          </a:effectRef>
+          <a:fontRef idx="minor">
+            <a:schemeClr val="dk1"/>
+          </a:fontRef>
+        </p:style>
+        <p:txBody>
+          <a:bodyPr rtlCol="0" anchor="ctr"/>
+          <a:lstStyle/>
+          <a:p>
+            <a:pPr algn="ctr"/>
+            <a:r>
+              <a:rPr lang="fr-CA" sz="1400" noProof="1"/>
+              <a:t>ktk.zip</a:t>
+            </a:r>
+          </a:p>
+        </p:txBody>
+      </p:sp>
+      <p:sp>
+        <p:nvSpPr>
+          <p:cNvPr id="15" name="Rectangle 14">
+            <a:extLst>
+              <a:ext uri="{FF2B5EF4-FFF2-40B4-BE49-F238E27FC236}">
+                <a16:creationId xmlns:a16="http://schemas.microsoft.com/office/drawing/2014/main" id="{90F8C9E6-5F07-68C1-24AB-63BD5EDBACA9}"/>
+              </a:ext>
+            </a:extLst>
+          </p:cNvPr>
+          <p:cNvSpPr/>
+          <p:nvPr/>
+        </p:nvSpPr>
+        <p:spPr>
+          <a:xfrm>
+            <a:off x="8351400" y="2224052"/>
+            <a:ext cx="962262" cy="410493"/>
+          </a:xfrm>
+          <a:prstGeom prst="rect">
+            <a:avLst/>
+          </a:prstGeom>
+        </p:spPr>
+        <p:style>
+          <a:lnRef idx="2">
+            <a:schemeClr val="accent6"/>
+          </a:lnRef>
+          <a:fillRef idx="1">
+            <a:schemeClr val="lt1"/>
+          </a:fillRef>
+          <a:effectRef idx="0">
+            <a:schemeClr val="accent6"/>
+          </a:effectRef>
+          <a:fontRef idx="minor">
+            <a:schemeClr val="dk1"/>
+          </a:fontRef>
+        </p:style>
+        <p:txBody>
+          <a:bodyPr rtlCol="0" anchor="ctr"/>
+          <a:lstStyle/>
+          <a:p>
+            <a:pPr algn="ctr"/>
+            <a:r>
+              <a:rPr lang="fr-CA" sz="1400" noProof="1"/>
+              <a:t>ktk.load()</a:t>
+            </a:r>
+          </a:p>
+        </p:txBody>
+      </p:sp>
+      <p:sp>
+        <p:nvSpPr>
+          <p:cNvPr id="222" name="Down Arrow 221">
+            <a:extLst>
+              <a:ext uri="{FF2B5EF4-FFF2-40B4-BE49-F238E27FC236}">
+                <a16:creationId xmlns:a16="http://schemas.microsoft.com/office/drawing/2014/main" id="{BE4DB92A-9918-ED4A-A1E3-18F4CF670216}"/>
+              </a:ext>
+            </a:extLst>
+          </p:cNvPr>
+          <p:cNvSpPr/>
+          <p:nvPr/>
+        </p:nvSpPr>
+        <p:spPr>
+          <a:xfrm>
+            <a:off x="4929723" y="5182906"/>
+            <a:ext cx="323682" cy="362898"/>
+          </a:xfrm>
+          <a:prstGeom prst="downArrow">
+            <a:avLst/>
+          </a:prstGeom>
+        </p:spPr>
+        <p:style>
+          <a:lnRef idx="1">
+            <a:schemeClr val="accent2"/>
+          </a:lnRef>
+          <a:fillRef idx="2">
+            <a:schemeClr val="accent2"/>
+          </a:fillRef>
+          <a:effectRef idx="1">
+            <a:schemeClr val="accent2"/>
+          </a:effectRef>
+          <a:fontRef idx="minor">
+            <a:schemeClr val="dk1"/>
+          </a:fontRef>
+        </p:style>
+        <p:txBody>
+          <a:bodyPr rtlCol="0" anchor="ctr"/>
+          <a:lstStyle/>
+          <a:p>
+            <a:pPr algn="ctr"/>
+            <a:endParaRPr lang="fr-CA" noProof="1"/>
+          </a:p>
+        </p:txBody>
+      </p:sp>
+      <p:sp>
+        <p:nvSpPr>
+          <p:cNvPr id="256" name="Down Arrow 255">
+            <a:extLst>
+              <a:ext uri="{FF2B5EF4-FFF2-40B4-BE49-F238E27FC236}">
+                <a16:creationId xmlns:a16="http://schemas.microsoft.com/office/drawing/2014/main" id="{F9E363BA-C644-F2A0-EDEC-922D2AA60D15}"/>
+              </a:ext>
+            </a:extLst>
+          </p:cNvPr>
+          <p:cNvSpPr/>
+          <p:nvPr/>
+        </p:nvSpPr>
+        <p:spPr>
+          <a:xfrm>
+            <a:off x="4925501" y="3720942"/>
+            <a:ext cx="323682" cy="1153147"/>
+          </a:xfrm>
+          <a:prstGeom prst="downArrow">
+            <a:avLst/>
+          </a:prstGeom>
+        </p:spPr>
+        <p:style>
+          <a:lnRef idx="1">
+            <a:schemeClr val="accent2"/>
+          </a:lnRef>
+          <a:fillRef idx="2">
+            <a:schemeClr val="accent2"/>
+          </a:fillRef>
+          <a:effectRef idx="1">
+            <a:schemeClr val="accent2"/>
+          </a:effectRef>
+          <a:fontRef idx="minor">
+            <a:schemeClr val="dk1"/>
+          </a:fontRef>
+        </p:style>
+        <p:txBody>
+          <a:bodyPr rtlCol="0" anchor="ctr"/>
+          <a:lstStyle/>
+          <a:p>
+            <a:pPr algn="ctr"/>
+            <a:endParaRPr lang="fr-CA" noProof="1"/>
+          </a:p>
+        </p:txBody>
+      </p:sp>
+      <p:sp>
+        <p:nvSpPr>
+          <p:cNvPr id="257" name="Down Arrow 256">
+            <a:extLst>
+              <a:ext uri="{FF2B5EF4-FFF2-40B4-BE49-F238E27FC236}">
+                <a16:creationId xmlns:a16="http://schemas.microsoft.com/office/drawing/2014/main" id="{EB8B595B-D7B6-DAE2-4AAE-5B3FD2E15CE0}"/>
+              </a:ext>
+            </a:extLst>
+          </p:cNvPr>
+          <p:cNvSpPr/>
+          <p:nvPr/>
+        </p:nvSpPr>
+        <p:spPr>
+          <a:xfrm>
+            <a:off x="6990434" y="3721115"/>
+            <a:ext cx="323682" cy="362898"/>
+          </a:xfrm>
+          <a:prstGeom prst="downArrow">
+            <a:avLst/>
+          </a:prstGeom>
+        </p:spPr>
+        <p:style>
+          <a:lnRef idx="1">
+            <a:schemeClr val="accent2"/>
+          </a:lnRef>
+          <a:fillRef idx="2">
+            <a:schemeClr val="accent2"/>
+          </a:fillRef>
+          <a:effectRef idx="1">
+            <a:schemeClr val="accent2"/>
+          </a:effectRef>
+          <a:fontRef idx="minor">
+            <a:schemeClr val="dk1"/>
+          </a:fontRef>
+        </p:style>
+        <p:txBody>
+          <a:bodyPr rtlCol="0" anchor="ctr"/>
+          <a:lstStyle/>
+          <a:p>
+            <a:pPr algn="ctr"/>
+            <a:endParaRPr lang="fr-CA" noProof="1"/>
+          </a:p>
+        </p:txBody>
+      </p:sp>
+      <p:sp>
+        <p:nvSpPr>
+          <p:cNvPr id="258" name="Down Arrow 257">
+            <a:extLst>
+              <a:ext uri="{FF2B5EF4-FFF2-40B4-BE49-F238E27FC236}">
+                <a16:creationId xmlns:a16="http://schemas.microsoft.com/office/drawing/2014/main" id="{577B6831-ED7E-DB2B-850B-6C14042EAFDF}"/>
+              </a:ext>
+            </a:extLst>
+          </p:cNvPr>
+          <p:cNvSpPr/>
+          <p:nvPr/>
+        </p:nvSpPr>
+        <p:spPr>
+          <a:xfrm>
+            <a:off x="8670690" y="3720942"/>
+            <a:ext cx="323682" cy="362899"/>
+          </a:xfrm>
+          <a:prstGeom prst="downArrow">
+            <a:avLst/>
+          </a:prstGeom>
+        </p:spPr>
+        <p:style>
+          <a:lnRef idx="1">
+            <a:schemeClr val="accent2"/>
+          </a:lnRef>
+          <a:fillRef idx="2">
+            <a:schemeClr val="accent2"/>
+          </a:fillRef>
+          <a:effectRef idx="1">
+            <a:schemeClr val="accent2"/>
+          </a:effectRef>
+          <a:fontRef idx="minor">
+            <a:schemeClr val="dk1"/>
+          </a:fontRef>
+        </p:style>
+        <p:txBody>
+          <a:bodyPr rtlCol="0" anchor="ctr"/>
+          <a:lstStyle/>
+          <a:p>
+            <a:pPr algn="ctr"/>
+            <a:endParaRPr lang="fr-CA" noProof="1"/>
+          </a:p>
+        </p:txBody>
+      </p:sp>
+      <p:sp>
+        <p:nvSpPr>
+          <p:cNvPr id="259" name="Down Arrow 258">
+            <a:extLst>
+              <a:ext uri="{FF2B5EF4-FFF2-40B4-BE49-F238E27FC236}">
+                <a16:creationId xmlns:a16="http://schemas.microsoft.com/office/drawing/2014/main" id="{E832D934-029D-EC7B-CEC0-2A5D3A1C2F98}"/>
+              </a:ext>
+            </a:extLst>
+          </p:cNvPr>
+          <p:cNvSpPr/>
+          <p:nvPr/>
+        </p:nvSpPr>
+        <p:spPr>
+          <a:xfrm>
+            <a:off x="3873881" y="5929424"/>
+            <a:ext cx="323682" cy="362898"/>
+          </a:xfrm>
+          <a:prstGeom prst="downArrow">
+            <a:avLst/>
+          </a:prstGeom>
+        </p:spPr>
+        <p:style>
+          <a:lnRef idx="1">
+            <a:schemeClr val="accent2"/>
+          </a:lnRef>
+          <a:fillRef idx="2">
+            <a:schemeClr val="accent2"/>
+          </a:fillRef>
+          <a:effectRef idx="1">
+            <a:schemeClr val="accent2"/>
+          </a:effectRef>
+          <a:fontRef idx="minor">
+            <a:schemeClr val="dk1"/>
+          </a:fontRef>
+        </p:style>
+        <p:txBody>
+          <a:bodyPr rtlCol="0" anchor="ctr"/>
+          <a:lstStyle/>
+          <a:p>
+            <a:pPr algn="ctr"/>
+            <a:endParaRPr lang="fr-CA" noProof="1"/>
+          </a:p>
+        </p:txBody>
+      </p:sp>
+      <p:sp>
+        <p:nvSpPr>
+          <p:cNvPr id="260" name="Down Arrow 259">
+            <a:extLst>
+              <a:ext uri="{FF2B5EF4-FFF2-40B4-BE49-F238E27FC236}">
+                <a16:creationId xmlns:a16="http://schemas.microsoft.com/office/drawing/2014/main" id="{F362161D-6A15-FF1E-F930-DBF525F3C9D2}"/>
+              </a:ext>
+            </a:extLst>
+          </p:cNvPr>
+          <p:cNvSpPr/>
+          <p:nvPr/>
+        </p:nvSpPr>
+        <p:spPr>
+          <a:xfrm>
+            <a:off x="4921756" y="5929424"/>
+            <a:ext cx="323682" cy="362898"/>
+          </a:xfrm>
+          <a:prstGeom prst="downArrow">
+            <a:avLst/>
+          </a:prstGeom>
+        </p:spPr>
+        <p:style>
+          <a:lnRef idx="1">
+            <a:schemeClr val="accent2"/>
+          </a:lnRef>
+          <a:fillRef idx="2">
+            <a:schemeClr val="accent2"/>
+          </a:fillRef>
+          <a:effectRef idx="1">
+            <a:schemeClr val="accent2"/>
+          </a:effectRef>
+          <a:fontRef idx="minor">
+            <a:schemeClr val="dk1"/>
+          </a:fontRef>
+        </p:style>
+        <p:txBody>
+          <a:bodyPr rtlCol="0" anchor="ctr"/>
+          <a:lstStyle/>
+          <a:p>
+            <a:pPr algn="ctr"/>
+            <a:endParaRPr lang="fr-CA" noProof="1"/>
+          </a:p>
+        </p:txBody>
+      </p:sp>
+      <p:sp>
+        <p:nvSpPr>
+          <p:cNvPr id="261" name="Down Arrow 260">
+            <a:extLst>
+              <a:ext uri="{FF2B5EF4-FFF2-40B4-BE49-F238E27FC236}">
+                <a16:creationId xmlns:a16="http://schemas.microsoft.com/office/drawing/2014/main" id="{CE1A9F3A-BFAC-8757-B15F-210BEBF21C7E}"/>
+              </a:ext>
+            </a:extLst>
+          </p:cNvPr>
+          <p:cNvSpPr/>
+          <p:nvPr/>
+        </p:nvSpPr>
+        <p:spPr>
+          <a:xfrm>
+            <a:off x="5969631" y="5942435"/>
+            <a:ext cx="323682" cy="362898"/>
+          </a:xfrm>
+          <a:prstGeom prst="downArrow">
+            <a:avLst/>
+          </a:prstGeom>
+        </p:spPr>
+        <p:style>
+          <a:lnRef idx="1">
+            <a:schemeClr val="accent2"/>
+          </a:lnRef>
+          <a:fillRef idx="2">
+            <a:schemeClr val="accent2"/>
+          </a:fillRef>
+          <a:effectRef idx="1">
+            <a:schemeClr val="accent2"/>
+          </a:effectRef>
+          <a:fontRef idx="minor">
+            <a:schemeClr val="dk1"/>
+          </a:fontRef>
+        </p:style>
+        <p:txBody>
+          <a:bodyPr rtlCol="0" anchor="ctr"/>
+          <a:lstStyle/>
+          <a:p>
+            <a:pPr algn="ctr"/>
+            <a:endParaRPr lang="fr-CA" noProof="1"/>
+          </a:p>
+        </p:txBody>
+      </p:sp>
+      <p:sp>
+        <p:nvSpPr>
+          <p:cNvPr id="262" name="Down Arrow 261">
+            <a:extLst>
+              <a:ext uri="{FF2B5EF4-FFF2-40B4-BE49-F238E27FC236}">
+                <a16:creationId xmlns:a16="http://schemas.microsoft.com/office/drawing/2014/main" id="{1E4A081D-9287-2267-B259-1623FDBD09B8}"/>
+              </a:ext>
+            </a:extLst>
+          </p:cNvPr>
+          <p:cNvSpPr/>
+          <p:nvPr/>
+        </p:nvSpPr>
+        <p:spPr>
+          <a:xfrm>
+            <a:off x="8676049" y="4491577"/>
+            <a:ext cx="323682" cy="1804044"/>
+          </a:xfrm>
+          <a:prstGeom prst="downArrow">
+            <a:avLst/>
+          </a:prstGeom>
+        </p:spPr>
+        <p:style>
+          <a:lnRef idx="1">
+            <a:schemeClr val="accent2"/>
+          </a:lnRef>
+          <a:fillRef idx="2">
+            <a:schemeClr val="accent2"/>
+          </a:fillRef>
+          <a:effectRef idx="1">
+            <a:schemeClr val="accent2"/>
+          </a:effectRef>
+          <a:fontRef idx="minor">
+            <a:schemeClr val="dk1"/>
+          </a:fontRef>
+        </p:style>
+        <p:txBody>
+          <a:bodyPr rtlCol="0" anchor="ctr"/>
+          <a:lstStyle/>
+          <a:p>
+            <a:pPr algn="ctr"/>
+            <a:endParaRPr lang="fr-CA" noProof="1"/>
+          </a:p>
+        </p:txBody>
+      </p:sp>
+      <p:sp>
+        <p:nvSpPr>
+          <p:cNvPr id="263" name="Down Arrow 262">
+            <a:extLst>
+              <a:ext uri="{FF2B5EF4-FFF2-40B4-BE49-F238E27FC236}">
+                <a16:creationId xmlns:a16="http://schemas.microsoft.com/office/drawing/2014/main" id="{31C2C427-0903-190C-87B4-42B58463213E}"/>
+              </a:ext>
+            </a:extLst>
+          </p:cNvPr>
+          <p:cNvSpPr/>
+          <p:nvPr/>
+        </p:nvSpPr>
+        <p:spPr>
+          <a:xfrm>
+            <a:off x="6990434" y="4491577"/>
+            <a:ext cx="323682" cy="1813756"/>
+          </a:xfrm>
+          <a:prstGeom prst="downArrow">
+            <a:avLst/>
+          </a:prstGeom>
+        </p:spPr>
+        <p:style>
+          <a:lnRef idx="1">
+            <a:schemeClr val="accent2"/>
+          </a:lnRef>
+          <a:fillRef idx="2">
+            <a:schemeClr val="accent2"/>
+          </a:fillRef>
+          <a:effectRef idx="1">
+            <a:schemeClr val="accent2"/>
+          </a:effectRef>
+          <a:fontRef idx="minor">
+            <a:schemeClr val="dk1"/>
+          </a:fontRef>
+        </p:style>
+        <p:txBody>
+          <a:bodyPr rtlCol="0" anchor="ctr"/>
+          <a:lstStyle/>
+          <a:p>
+            <a:pPr algn="ctr"/>
+            <a:endParaRPr lang="fr-CA" noProof="1"/>
+          </a:p>
+        </p:txBody>
+      </p:sp>
+      <p:sp>
+        <p:nvSpPr>
+          <p:cNvPr id="18" name="Can 17">
+            <a:extLst>
+              <a:ext uri="{FF2B5EF4-FFF2-40B4-BE49-F238E27FC236}">
+                <a16:creationId xmlns:a16="http://schemas.microsoft.com/office/drawing/2014/main" id="{F427A5EA-02BB-0424-409F-173EB38F2ACF}"/>
+              </a:ext>
+            </a:extLst>
+          </p:cNvPr>
+          <p:cNvSpPr/>
+          <p:nvPr/>
+        </p:nvSpPr>
+        <p:spPr>
+          <a:xfrm>
+            <a:off x="5786082" y="6293801"/>
+            <a:ext cx="572812" cy="411381"/>
+          </a:xfrm>
+          <a:prstGeom prst="can">
+            <a:avLst/>
+          </a:prstGeom>
+        </p:spPr>
+        <p:style>
+          <a:lnRef idx="2">
+            <a:schemeClr val="accent2"/>
+          </a:lnRef>
+          <a:fillRef idx="1">
+            <a:schemeClr val="lt1"/>
+          </a:fillRef>
+          <a:effectRef idx="0">
+            <a:schemeClr val="accent2"/>
+          </a:effectRef>
+          <a:fontRef idx="minor">
+            <a:schemeClr val="dk1"/>
+          </a:fontRef>
+        </p:style>
+        <p:txBody>
+          <a:bodyPr rtlCol="0" anchor="ctr"/>
+          <a:lstStyle/>
+          <a:p>
+            <a:pPr algn="ctr"/>
+            <a:r>
+              <a:rPr lang="fr-CA" sz="1400" noProof="1"/>
+              <a:t>Excel</a:t>
+            </a:r>
+          </a:p>
+        </p:txBody>
+      </p:sp>
+      <p:sp>
+        <p:nvSpPr>
+          <p:cNvPr id="19" name="Can 18">
+            <a:extLst>
+              <a:ext uri="{FF2B5EF4-FFF2-40B4-BE49-F238E27FC236}">
+                <a16:creationId xmlns:a16="http://schemas.microsoft.com/office/drawing/2014/main" id="{58B64E3F-5567-DFDC-A147-92E64274BBB5}"/>
+              </a:ext>
+            </a:extLst>
+          </p:cNvPr>
+          <p:cNvSpPr/>
+          <p:nvPr/>
+        </p:nvSpPr>
+        <p:spPr>
+          <a:xfrm>
+            <a:off x="3749316" y="6293801"/>
+            <a:ext cx="572812" cy="411381"/>
+          </a:xfrm>
+          <a:prstGeom prst="can">
+            <a:avLst/>
+          </a:prstGeom>
+        </p:spPr>
+        <p:style>
+          <a:lnRef idx="2">
+            <a:schemeClr val="accent2"/>
+          </a:lnRef>
+          <a:fillRef idx="1">
+            <a:schemeClr val="lt1"/>
+          </a:fillRef>
+          <a:effectRef idx="0">
+            <a:schemeClr val="accent2"/>
+          </a:effectRef>
+          <a:fontRef idx="minor">
+            <a:schemeClr val="dk1"/>
+          </a:fontRef>
+        </p:style>
+        <p:txBody>
+          <a:bodyPr rtlCol="0" anchor="ctr"/>
+          <a:lstStyle/>
+          <a:p>
+            <a:pPr algn="ctr"/>
+            <a:r>
+              <a:rPr lang="fr-CA" sz="1400" noProof="1"/>
+              <a:t>csv</a:t>
+            </a:r>
+          </a:p>
+        </p:txBody>
+      </p:sp>
+      <p:sp>
+        <p:nvSpPr>
+          <p:cNvPr id="20" name="Can 19">
+            <a:extLst>
+              <a:ext uri="{FF2B5EF4-FFF2-40B4-BE49-F238E27FC236}">
+                <a16:creationId xmlns:a16="http://schemas.microsoft.com/office/drawing/2014/main" id="{2729CFC4-8A07-D2C8-B08B-352FCFA3BAF1}"/>
+              </a:ext>
+            </a:extLst>
+          </p:cNvPr>
+          <p:cNvSpPr/>
+          <p:nvPr/>
+        </p:nvSpPr>
+        <p:spPr>
+          <a:xfrm>
+            <a:off x="4809378" y="6292323"/>
+            <a:ext cx="572812" cy="411381"/>
+          </a:xfrm>
+          <a:prstGeom prst="can">
+            <a:avLst/>
+          </a:prstGeom>
+        </p:spPr>
+        <p:style>
+          <a:lnRef idx="2">
+            <a:schemeClr val="accent2"/>
+          </a:lnRef>
+          <a:fillRef idx="1">
+            <a:schemeClr val="lt1"/>
+          </a:fillRef>
+          <a:effectRef idx="0">
+            <a:schemeClr val="accent2"/>
+          </a:effectRef>
+          <a:fontRef idx="minor">
+            <a:schemeClr val="dk1"/>
+          </a:fontRef>
+        </p:style>
+        <p:txBody>
+          <a:bodyPr rtlCol="0" anchor="ctr"/>
+          <a:lstStyle/>
+          <a:p>
+            <a:pPr algn="ctr"/>
+            <a:r>
+              <a:rPr lang="fr-CA" sz="1400" noProof="1"/>
+              <a:t>txt</a:t>
+            </a:r>
+          </a:p>
+        </p:txBody>
+      </p:sp>
+      <p:sp>
+        <p:nvSpPr>
+          <p:cNvPr id="21" name="Can 20">
+            <a:extLst>
+              <a:ext uri="{FF2B5EF4-FFF2-40B4-BE49-F238E27FC236}">
+                <a16:creationId xmlns:a16="http://schemas.microsoft.com/office/drawing/2014/main" id="{D9B0DE16-FD1E-172D-603B-626946D80495}"/>
+              </a:ext>
+            </a:extLst>
+          </p:cNvPr>
+          <p:cNvSpPr/>
+          <p:nvPr/>
+        </p:nvSpPr>
+        <p:spPr>
+          <a:xfrm>
+            <a:off x="6883613" y="6309045"/>
+            <a:ext cx="572812" cy="411381"/>
+          </a:xfrm>
+          <a:prstGeom prst="can">
+            <a:avLst/>
+          </a:prstGeom>
+        </p:spPr>
+        <p:style>
+          <a:lnRef idx="2">
+            <a:schemeClr val="accent2"/>
+          </a:lnRef>
+          <a:fillRef idx="1">
+            <a:schemeClr val="lt1"/>
+          </a:fillRef>
+          <a:effectRef idx="0">
+            <a:schemeClr val="accent2"/>
+          </a:effectRef>
+          <a:fontRef idx="minor">
+            <a:schemeClr val="dk1"/>
+          </a:fontRef>
+        </p:style>
+        <p:txBody>
+          <a:bodyPr rtlCol="0" anchor="ctr"/>
+          <a:lstStyle/>
+          <a:p>
+            <a:pPr algn="ctr"/>
+            <a:r>
+              <a:rPr lang="fr-CA" sz="1400" noProof="1"/>
+              <a:t>c3d</a:t>
+            </a:r>
+          </a:p>
+        </p:txBody>
+      </p:sp>
+      <p:sp>
+        <p:nvSpPr>
+          <p:cNvPr id="23" name="Can 22">
+            <a:extLst>
+              <a:ext uri="{FF2B5EF4-FFF2-40B4-BE49-F238E27FC236}">
+                <a16:creationId xmlns:a16="http://schemas.microsoft.com/office/drawing/2014/main" id="{961FC736-1822-89C8-B6A5-7C6B59D030DF}"/>
+              </a:ext>
+            </a:extLst>
+          </p:cNvPr>
+          <p:cNvSpPr/>
+          <p:nvPr/>
+        </p:nvSpPr>
+        <p:spPr>
+          <a:xfrm>
+            <a:off x="8492497" y="6292322"/>
+            <a:ext cx="688987" cy="411381"/>
+          </a:xfrm>
+          <a:prstGeom prst="can">
+            <a:avLst/>
+          </a:prstGeom>
+        </p:spPr>
+        <p:style>
+          <a:lnRef idx="2">
+            <a:schemeClr val="accent2"/>
+          </a:lnRef>
+          <a:fillRef idx="1">
+            <a:schemeClr val="lt1"/>
+          </a:fillRef>
+          <a:effectRef idx="0">
+            <a:schemeClr val="accent2"/>
+          </a:effectRef>
+          <a:fontRef idx="minor">
+            <a:schemeClr val="dk1"/>
+          </a:fontRef>
+        </p:style>
+        <p:txBody>
+          <a:bodyPr rtlCol="0" anchor="ctr"/>
+          <a:lstStyle/>
+          <a:p>
+            <a:pPr algn="ctr"/>
+            <a:r>
+              <a:rPr lang="fr-CA" sz="1400" noProof="1"/>
+              <a:t>ktk.zip</a:t>
+            </a:r>
+          </a:p>
+        </p:txBody>
+      </p:sp>
+      <p:sp>
+        <p:nvSpPr>
+          <p:cNvPr id="24" name="Rectangle 23">
+            <a:extLst>
+              <a:ext uri="{FF2B5EF4-FFF2-40B4-BE49-F238E27FC236}">
+                <a16:creationId xmlns:a16="http://schemas.microsoft.com/office/drawing/2014/main" id="{D6146D44-AA6B-1F60-66F0-D96D3507C6F1}"/>
+              </a:ext>
+            </a:extLst>
+          </p:cNvPr>
+          <p:cNvSpPr/>
+          <p:nvPr/>
+        </p:nvSpPr>
+        <p:spPr>
+          <a:xfrm>
+            <a:off x="3749317" y="5547282"/>
+            <a:ext cx="2676053" cy="411382"/>
+          </a:xfrm>
+          <a:prstGeom prst="rect">
+            <a:avLst/>
+          </a:prstGeom>
+        </p:spPr>
+        <p:style>
+          <a:lnRef idx="2">
+            <a:schemeClr val="accent2"/>
+          </a:lnRef>
+          <a:fillRef idx="1">
+            <a:schemeClr val="lt1"/>
+          </a:fillRef>
+          <a:effectRef idx="0">
+            <a:schemeClr val="accent2"/>
+          </a:effectRef>
+          <a:fontRef idx="minor">
+            <a:schemeClr val="dk1"/>
+          </a:fontRef>
+        </p:style>
+        <p:txBody>
+          <a:bodyPr rtlCol="0" anchor="ctr"/>
+          <a:lstStyle/>
+          <a:p>
+            <a:pPr marL="171450" indent="-171450">
+              <a:buFontTx/>
+              <a:buChar char="-"/>
+            </a:pPr>
+            <a:r>
+              <a:rPr lang="fr-CA" sz="1400" noProof="1"/>
+              <a:t>pd.DataFrame.to_csv()</a:t>
+            </a:r>
+          </a:p>
+          <a:p>
+            <a:pPr marL="171450" indent="-171450">
+              <a:buFontTx/>
+              <a:buChar char="-"/>
+            </a:pPr>
+            <a:r>
+              <a:rPr lang="fr-CA" sz="1400" noProof="1"/>
+              <a:t>pd.DataFrame.to_excel()</a:t>
+            </a:r>
+          </a:p>
+        </p:txBody>
+      </p:sp>
+      <p:sp>
+        <p:nvSpPr>
+          <p:cNvPr id="25" name="Rectangle 24">
+            <a:extLst>
+              <a:ext uri="{FF2B5EF4-FFF2-40B4-BE49-F238E27FC236}">
+                <a16:creationId xmlns:a16="http://schemas.microsoft.com/office/drawing/2014/main" id="{A3D5B599-F7E3-2640-C0DF-74F5078BE9D7}"/>
+              </a:ext>
+            </a:extLst>
+          </p:cNvPr>
+          <p:cNvSpPr/>
+          <p:nvPr/>
+        </p:nvSpPr>
+        <p:spPr>
+          <a:xfrm>
+            <a:off x="6341712" y="4084013"/>
+            <a:ext cx="1656614" cy="411381"/>
+          </a:xfrm>
+          <a:prstGeom prst="rect">
+            <a:avLst/>
+          </a:prstGeom>
+        </p:spPr>
+        <p:style>
+          <a:lnRef idx="2">
+            <a:schemeClr val="accent2"/>
+          </a:lnRef>
+          <a:fillRef idx="1">
+            <a:schemeClr val="lt1"/>
+          </a:fillRef>
+          <a:effectRef idx="0">
+            <a:schemeClr val="accent2"/>
+          </a:effectRef>
+          <a:fontRef idx="minor">
+            <a:schemeClr val="dk1"/>
+          </a:fontRef>
+        </p:style>
+        <p:txBody>
+          <a:bodyPr rtlCol="0" anchor="ctr"/>
+          <a:lstStyle/>
+          <a:p>
+            <a:pPr algn="ctr"/>
+            <a:r>
+              <a:rPr lang="fr-CA" sz="1400" noProof="1"/>
+              <a:t>ktk.write_c3d()</a:t>
+            </a:r>
+          </a:p>
+        </p:txBody>
+      </p:sp>
+      <p:sp>
+        <p:nvSpPr>
+          <p:cNvPr id="26" name="Rectangle 25">
+            <a:extLst>
+              <a:ext uri="{FF2B5EF4-FFF2-40B4-BE49-F238E27FC236}">
+                <a16:creationId xmlns:a16="http://schemas.microsoft.com/office/drawing/2014/main" id="{0862765E-1319-D885-9E12-A605253C9693}"/>
+              </a:ext>
+            </a:extLst>
+          </p:cNvPr>
+          <p:cNvSpPr/>
+          <p:nvPr/>
+        </p:nvSpPr>
+        <p:spPr>
+          <a:xfrm>
+            <a:off x="8360316" y="4081084"/>
+            <a:ext cx="962262" cy="410493"/>
+          </a:xfrm>
+          <a:prstGeom prst="rect">
+            <a:avLst/>
+          </a:prstGeom>
+        </p:spPr>
+        <p:style>
+          <a:lnRef idx="2">
+            <a:schemeClr val="accent2"/>
+          </a:lnRef>
+          <a:fillRef idx="1">
+            <a:schemeClr val="lt1"/>
+          </a:fillRef>
+          <a:effectRef idx="0">
+            <a:schemeClr val="accent2"/>
+          </a:effectRef>
+          <a:fontRef idx="minor">
+            <a:schemeClr val="dk1"/>
+          </a:fontRef>
+        </p:style>
+        <p:txBody>
+          <a:bodyPr rtlCol="0" anchor="ctr"/>
+          <a:lstStyle/>
+          <a:p>
+            <a:pPr algn="ctr"/>
+            <a:r>
+              <a:rPr lang="fr-CA" sz="1400" noProof="1"/>
+              <a:t>ktk.save()</a:t>
+            </a:r>
+          </a:p>
+        </p:txBody>
+      </p:sp>
+      <p:sp>
+        <p:nvSpPr>
+          <p:cNvPr id="27" name="Rectangle 26">
+            <a:extLst>
+              <a:ext uri="{FF2B5EF4-FFF2-40B4-BE49-F238E27FC236}">
+                <a16:creationId xmlns:a16="http://schemas.microsoft.com/office/drawing/2014/main" id="{5D9ED954-61A6-016E-95AB-47C2D6440924}"/>
+              </a:ext>
+            </a:extLst>
+          </p:cNvPr>
+          <p:cNvSpPr/>
+          <p:nvPr/>
+        </p:nvSpPr>
+        <p:spPr>
+          <a:xfrm>
+            <a:off x="3749317" y="4863870"/>
+            <a:ext cx="2676054" cy="414335"/>
+          </a:xfrm>
+          <a:prstGeom prst="rect">
+            <a:avLst/>
+          </a:prstGeom>
+        </p:spPr>
+        <p:style>
+          <a:lnRef idx="2">
+            <a:schemeClr val="accent2"/>
+          </a:lnRef>
+          <a:fillRef idx="1">
+            <a:schemeClr val="lt1"/>
+          </a:fillRef>
+          <a:effectRef idx="0">
+            <a:schemeClr val="accent2"/>
+          </a:effectRef>
+          <a:fontRef idx="minor">
+            <a:schemeClr val="dk1"/>
+          </a:fontRef>
+        </p:style>
+        <p:txBody>
+          <a:bodyPr rtlCol="0" anchor="ctr"/>
+          <a:lstStyle/>
+          <a:p>
+            <a:r>
+              <a:rPr lang="fr-CA" sz="1400" noProof="1"/>
+              <a:t>ktk.TimeSeries.to_dataframe()</a:t>
+            </a:r>
+          </a:p>
+        </p:txBody>
+      </p:sp>
+      <p:sp>
+        <p:nvSpPr>
+          <p:cNvPr id="28" name="Rectangle 27">
+            <a:extLst>
+              <a:ext uri="{FF2B5EF4-FFF2-40B4-BE49-F238E27FC236}">
+                <a16:creationId xmlns:a16="http://schemas.microsoft.com/office/drawing/2014/main" id="{DEA25544-80E3-ECBC-A5F4-ADBCD8A52805}"/>
+              </a:ext>
+            </a:extLst>
+          </p:cNvPr>
+          <p:cNvSpPr/>
+          <p:nvPr/>
+        </p:nvSpPr>
+        <p:spPr>
+          <a:xfrm>
+            <a:off x="169932" y="984716"/>
+            <a:ext cx="3182378" cy="3759161"/>
+          </a:xfrm>
+          <a:prstGeom prst="rect">
+            <a:avLst/>
+          </a:prstGeom>
+        </p:spPr>
+        <p:style>
+          <a:lnRef idx="2">
+            <a:schemeClr val="accent1"/>
+          </a:lnRef>
+          <a:fillRef idx="1">
+            <a:schemeClr val="lt1"/>
+          </a:fillRef>
+          <a:effectRef idx="0">
+            <a:schemeClr val="accent1"/>
+          </a:effectRef>
+          <a:fontRef idx="minor">
+            <a:schemeClr val="dk1"/>
+          </a:fontRef>
+        </p:style>
+        <p:txBody>
+          <a:bodyPr rtlCol="0" anchor="ctr"/>
+          <a:lstStyle/>
+          <a:p>
+            <a:r>
+              <a:rPr lang="fr-CA" sz="1400" b="1" noProof="1">
+                <a:solidFill>
+                  <a:schemeClr val="tx1"/>
+                </a:solidFill>
+              </a:rPr>
+              <a:t>Filtering:</a:t>
+            </a:r>
+          </a:p>
+          <a:p>
+            <a:pPr marL="171450" indent="-171450">
+              <a:buFontTx/>
+              <a:buChar char="-"/>
+            </a:pPr>
+            <a:r>
+              <a:rPr lang="fr-CA" sz="1400" noProof="1"/>
+              <a:t>ktk.filters.butter()</a:t>
+            </a:r>
+          </a:p>
+          <a:p>
+            <a:pPr marL="171450" indent="-171450">
+              <a:buFontTx/>
+              <a:buChar char="-"/>
+            </a:pPr>
+            <a:r>
+              <a:rPr lang="fr-CA" sz="1400" noProof="1"/>
+              <a:t>ktk.filters.smooth()</a:t>
+            </a:r>
+          </a:p>
+          <a:p>
+            <a:pPr marL="171450" indent="-171450">
+              <a:buFontTx/>
+              <a:buChar char="-"/>
+            </a:pPr>
+            <a:r>
+              <a:rPr lang="fr-CA" sz="1400" noProof="1"/>
+              <a:t>ktk.filters.deriv()</a:t>
+            </a:r>
+          </a:p>
+          <a:p>
+            <a:r>
+              <a:rPr lang="fr-CA" sz="1400" b="1" noProof="1">
+                <a:solidFill>
+                  <a:schemeClr val="tx1"/>
+                </a:solidFill>
+              </a:rPr>
+              <a:t>TimeSeries operations:</a:t>
+            </a:r>
+          </a:p>
+          <a:p>
+            <a:pPr marL="171450" indent="-171450">
+              <a:buFontTx/>
+              <a:buChar char="-"/>
+            </a:pPr>
+            <a:r>
+              <a:rPr lang="fr-CA" sz="1400" noProof="1"/>
+              <a:t>TimeSeries.add_event()</a:t>
+            </a:r>
+          </a:p>
+          <a:p>
+            <a:pPr marL="171450" indent="-171450">
+              <a:buFontTx/>
+              <a:buChar char="-"/>
+            </a:pPr>
+            <a:r>
+              <a:rPr lang="fr-CA" sz="1400" noProof="1"/>
+              <a:t>TimeSeries.merge()</a:t>
+            </a:r>
+          </a:p>
+          <a:p>
+            <a:pPr marL="171450" indent="-171450">
+              <a:buFontTx/>
+              <a:buChar char="-"/>
+            </a:pPr>
+            <a:r>
+              <a:rPr lang="fr-CA" sz="1400" noProof="1"/>
+              <a:t>TimeSeries.get_subset()</a:t>
+            </a:r>
+          </a:p>
+          <a:p>
+            <a:pPr marL="171450" indent="-171450">
+              <a:buFontTx/>
+              <a:buChar char="-"/>
+            </a:pPr>
+            <a:r>
+              <a:rPr lang="fr-CA" sz="1400" noProof="1"/>
+              <a:t>TimeSeries.get_ts_before_event()</a:t>
+            </a:r>
+          </a:p>
+          <a:p>
+            <a:pPr marL="171450" indent="-171450">
+              <a:buFontTx/>
+              <a:buChar char="-"/>
+            </a:pPr>
+            <a:r>
+              <a:rPr lang="fr-CA" sz="1400" noProof="1"/>
+              <a:t>TimeSeries.ui_edit_events()</a:t>
+            </a:r>
+          </a:p>
+          <a:p>
+            <a:r>
+              <a:rPr lang="fr-CA" sz="1400" b="1" noProof="1">
+                <a:solidFill>
+                  <a:schemeClr val="tx1"/>
+                </a:solidFill>
+              </a:rPr>
+              <a:t>Cycles:</a:t>
+            </a:r>
+          </a:p>
+          <a:p>
+            <a:pPr marL="171450" indent="-171450">
+              <a:buFontTx/>
+              <a:buChar char="-"/>
+            </a:pPr>
+            <a:r>
+              <a:rPr lang="fr-CA" sz="1400" noProof="1"/>
+              <a:t>ktk.cycles.detect_cycles()</a:t>
+            </a:r>
+          </a:p>
+          <a:p>
+            <a:pPr marL="171450" indent="-171450">
+              <a:buFontTx/>
+              <a:buChar char="-"/>
+            </a:pPr>
+            <a:r>
+              <a:rPr lang="fr-CA" sz="1400" noProof="1"/>
+              <a:t>ktk.cycles.time_normalize()</a:t>
+            </a:r>
+          </a:p>
+          <a:p>
+            <a:r>
+              <a:rPr lang="fr-CA" sz="1400" b="1" noProof="1">
+                <a:solidFill>
+                  <a:schemeClr val="tx1"/>
+                </a:solidFill>
+              </a:rPr>
+              <a:t>Kinematics:</a:t>
+            </a:r>
+          </a:p>
+          <a:p>
+            <a:pPr marL="171450" indent="-171450">
+              <a:buFontTx/>
+              <a:buChar char="-"/>
+            </a:pPr>
+            <a:r>
+              <a:rPr lang="fr-CA" sz="1400" noProof="1"/>
+              <a:t>ktk.kinematics.create_cluster()</a:t>
+            </a:r>
+          </a:p>
+          <a:p>
+            <a:pPr marL="171450" indent="-171450">
+              <a:buFontTx/>
+              <a:buChar char="-"/>
+            </a:pPr>
+            <a:r>
+              <a:rPr lang="fr-CA" sz="1400" noProof="1"/>
+              <a:t>ktk.kinematics.expand_cluster()</a:t>
+            </a:r>
+          </a:p>
+          <a:p>
+            <a:pPr marL="171450" indent="-171450">
+              <a:buFontTx/>
+              <a:buChar char="-"/>
+            </a:pPr>
+            <a:r>
+              <a:rPr lang="fr-CA" sz="1400" noProof="1"/>
+              <a:t>ktk.kinematics.track_cluster()</a:t>
+            </a:r>
+          </a:p>
+        </p:txBody>
+      </p:sp>
+      <p:sp>
+        <p:nvSpPr>
+          <p:cNvPr id="30" name="Rectangle 29">
+            <a:extLst>
+              <a:ext uri="{FF2B5EF4-FFF2-40B4-BE49-F238E27FC236}">
+                <a16:creationId xmlns:a16="http://schemas.microsoft.com/office/drawing/2014/main" id="{08CBDFFD-33A0-857D-A29B-2033A14B19B4}"/>
+              </a:ext>
+            </a:extLst>
+          </p:cNvPr>
+          <p:cNvSpPr/>
+          <p:nvPr/>
+        </p:nvSpPr>
+        <p:spPr>
+          <a:xfrm>
+            <a:off x="165900" y="5142919"/>
+            <a:ext cx="3186411" cy="1309704"/>
+          </a:xfrm>
+          <a:prstGeom prst="rect">
+            <a:avLst/>
+          </a:prstGeom>
+        </p:spPr>
+        <p:style>
+          <a:lnRef idx="2">
+            <a:schemeClr val="accent1"/>
+          </a:lnRef>
+          <a:fillRef idx="1">
+            <a:schemeClr val="lt1"/>
+          </a:fillRef>
+          <a:effectRef idx="0">
+            <a:schemeClr val="accent1"/>
+          </a:effectRef>
+          <a:fontRef idx="minor">
+            <a:schemeClr val="dk1"/>
+          </a:fontRef>
+        </p:style>
+        <p:txBody>
+          <a:bodyPr rtlCol="0" anchor="ctr"/>
+          <a:lstStyle/>
+          <a:p>
+            <a:r>
+              <a:rPr lang="fr-CA" sz="1400" b="1" noProof="1">
+                <a:solidFill>
+                  <a:schemeClr val="tx1"/>
+                </a:solidFill>
+              </a:rPr>
+              <a:t>Geometrical operations:</a:t>
+            </a:r>
+          </a:p>
+          <a:p>
+            <a:pPr marL="171450" indent="-171450">
+              <a:buFontTx/>
+              <a:buChar char="-"/>
+            </a:pPr>
+            <a:r>
+              <a:rPr lang="fr-CA" sz="1400" noProof="1"/>
+              <a:t>ktk.geometry.create_frames()</a:t>
+            </a:r>
+          </a:p>
+          <a:p>
+            <a:pPr marL="171450" indent="-171450">
+              <a:buFontTx/>
+              <a:buChar char="-"/>
+            </a:pPr>
+            <a:r>
+              <a:rPr lang="fr-CA" sz="1400" noProof="1"/>
+              <a:t>ktk.geometry.get_local_coordinates()</a:t>
+            </a:r>
+          </a:p>
+          <a:p>
+            <a:pPr marL="171450" indent="-171450">
+              <a:buFontTx/>
+              <a:buChar char="-"/>
+            </a:pPr>
+            <a:r>
+              <a:rPr lang="fr-CA" sz="1400" noProof="1"/>
+              <a:t>ktk.geometry.get_global_coordinates()</a:t>
+            </a:r>
+          </a:p>
+          <a:p>
+            <a:pPr marL="171450" indent="-171450">
+              <a:buFontTx/>
+              <a:buChar char="-"/>
+            </a:pPr>
+            <a:r>
+              <a:rPr lang="fr-CA" sz="1400" noProof="1"/>
+              <a:t>ktk.geometry.get_angles()</a:t>
+            </a:r>
+          </a:p>
+        </p:txBody>
+      </p:sp>
+      <p:sp>
+        <p:nvSpPr>
+          <p:cNvPr id="180" name="Rectangle 179">
+            <a:extLst>
+              <a:ext uri="{FF2B5EF4-FFF2-40B4-BE49-F238E27FC236}">
+                <a16:creationId xmlns:a16="http://schemas.microsoft.com/office/drawing/2014/main" id="{C2BB8645-98DA-B890-B980-D27F6C01FD33}"/>
+              </a:ext>
+            </a:extLst>
+          </p:cNvPr>
+          <p:cNvSpPr/>
+          <p:nvPr/>
+        </p:nvSpPr>
+        <p:spPr>
+          <a:xfrm>
+            <a:off x="169932" y="581428"/>
+            <a:ext cx="3182378" cy="411381"/>
+          </a:xfrm>
+          <a:prstGeom prst="rect">
+            <a:avLst/>
+          </a:prstGeom>
+          <a:ln/>
+        </p:spPr>
+        <p:style>
+          <a:lnRef idx="2">
+            <a:schemeClr val="accent1">
+              <a:shade val="50000"/>
+            </a:schemeClr>
+          </a:lnRef>
+          <a:fillRef idx="1">
+            <a:schemeClr val="accent1"/>
+          </a:fillRef>
+          <a:effectRef idx="0">
+            <a:schemeClr val="accent1"/>
+          </a:effectRef>
+          <a:fontRef idx="minor">
+            <a:schemeClr val="lt1"/>
+          </a:fontRef>
+        </p:style>
+        <p:txBody>
+          <a:bodyPr rtlCol="0" anchor="ctr"/>
+          <a:lstStyle/>
+          <a:p>
+            <a:pPr algn="ctr"/>
+            <a:r>
+              <a:rPr lang="fr-CA" sz="1400" noProof="1">
+                <a:solidFill>
+                  <a:schemeClr val="bg1"/>
+                </a:solidFill>
+              </a:rPr>
+              <a:t>Examples of operations on TimeSeries</a:t>
+            </a:r>
+          </a:p>
+        </p:txBody>
+      </p:sp>
+      <p:sp>
+        <p:nvSpPr>
+          <p:cNvPr id="183" name="Rectangle 182">
+            <a:extLst>
+              <a:ext uri="{FF2B5EF4-FFF2-40B4-BE49-F238E27FC236}">
+                <a16:creationId xmlns:a16="http://schemas.microsoft.com/office/drawing/2014/main" id="{6954DF3B-3132-C039-0C84-5F2FF7F1EEFF}"/>
+              </a:ext>
+            </a:extLst>
+          </p:cNvPr>
+          <p:cNvSpPr/>
+          <p:nvPr/>
+        </p:nvSpPr>
+        <p:spPr>
+          <a:xfrm>
+            <a:off x="169932" y="4743877"/>
+            <a:ext cx="3182379" cy="411381"/>
+          </a:xfrm>
+          <a:prstGeom prst="rect">
+            <a:avLst/>
+          </a:prstGeom>
+          <a:ln/>
+        </p:spPr>
+        <p:style>
+          <a:lnRef idx="2">
+            <a:schemeClr val="accent1">
+              <a:shade val="50000"/>
+            </a:schemeClr>
+          </a:lnRef>
+          <a:fillRef idx="1">
+            <a:schemeClr val="accent1"/>
+          </a:fillRef>
+          <a:effectRef idx="0">
+            <a:schemeClr val="accent1"/>
+          </a:effectRef>
+          <a:fontRef idx="minor">
+            <a:schemeClr val="lt1"/>
+          </a:fontRef>
+        </p:style>
+        <p:txBody>
+          <a:bodyPr rtlCol="0" anchor="ctr"/>
+          <a:lstStyle/>
+          <a:p>
+            <a:pPr algn="ctr"/>
+            <a:r>
+              <a:rPr lang="fr-CA" sz="1400" noProof="1">
+                <a:solidFill>
+                  <a:schemeClr val="bg1"/>
+                </a:solidFill>
+              </a:rPr>
+              <a:t>Examples of operations on TimeSeries' data attribute</a:t>
+            </a:r>
+          </a:p>
+        </p:txBody>
+      </p:sp>
+      <p:sp>
+        <p:nvSpPr>
+          <p:cNvPr id="31" name="Rectangle 30">
+            <a:extLst>
+              <a:ext uri="{FF2B5EF4-FFF2-40B4-BE49-F238E27FC236}">
+                <a16:creationId xmlns:a16="http://schemas.microsoft.com/office/drawing/2014/main" id="{27F6535F-3713-95D9-F890-474C7B6B46D2}"/>
+              </a:ext>
+            </a:extLst>
+          </p:cNvPr>
+          <p:cNvSpPr/>
+          <p:nvPr/>
+        </p:nvSpPr>
+        <p:spPr>
+          <a:xfrm>
+            <a:off x="9677863" y="2634546"/>
+            <a:ext cx="2330717" cy="2067748"/>
+          </a:xfrm>
+          <a:prstGeom prst="rect">
+            <a:avLst/>
+          </a:prstGeom>
+        </p:spPr>
+        <p:style>
+          <a:lnRef idx="2">
+            <a:schemeClr val="accent1"/>
+          </a:lnRef>
+          <a:fillRef idx="1">
+            <a:schemeClr val="lt1"/>
+          </a:fillRef>
+          <a:effectRef idx="0">
+            <a:schemeClr val="accent1"/>
+          </a:effectRef>
+          <a:fontRef idx="minor">
+            <a:schemeClr val="dk1"/>
+          </a:fontRef>
+        </p:style>
+        <p:txBody>
+          <a:bodyPr rtlCol="0" anchor="ctr"/>
+          <a:lstStyle/>
+          <a:p>
+            <a:r>
+              <a:rPr lang="fr-CA" sz="1400" b="1" noProof="1">
+                <a:solidFill>
+                  <a:schemeClr val="tx1"/>
+                </a:solidFill>
+              </a:rPr>
+              <a:t>Plot with events using Matplotlib:</a:t>
+            </a:r>
+          </a:p>
+          <a:p>
+            <a:pPr marL="171450" indent="-171450">
+              <a:buFontTx/>
+              <a:buChar char="-"/>
+            </a:pPr>
+            <a:r>
+              <a:rPr lang="fr-CA" sz="1400" noProof="1"/>
+              <a:t>ktk.TimeSeries.plot()</a:t>
+            </a:r>
+          </a:p>
+          <a:p>
+            <a:pPr marL="171450" indent="-171450">
+              <a:buFontTx/>
+              <a:buChar char="-"/>
+            </a:pPr>
+            <a:endParaRPr lang="fr-CA" sz="1400" noProof="1"/>
+          </a:p>
+          <a:p>
+            <a:r>
+              <a:rPr lang="fr-CA" sz="1400" b="1" noProof="1">
+                <a:solidFill>
+                  <a:schemeClr val="tx1"/>
+                </a:solidFill>
+              </a:rPr>
+              <a:t>Interconnected, animated markers in a 3D window:</a:t>
+            </a:r>
+          </a:p>
+          <a:p>
+            <a:pPr marL="171450" indent="-171450">
+              <a:buFontTx/>
+              <a:buChar char="-"/>
+            </a:pPr>
+            <a:r>
+              <a:rPr lang="fr-CA" sz="1400" noProof="1"/>
+              <a:t>ktk.Player()</a:t>
+            </a:r>
+          </a:p>
+        </p:txBody>
+      </p:sp>
+      <p:sp>
+        <p:nvSpPr>
+          <p:cNvPr id="185" name="Rectangle 184">
+            <a:extLst>
+              <a:ext uri="{FF2B5EF4-FFF2-40B4-BE49-F238E27FC236}">
+                <a16:creationId xmlns:a16="http://schemas.microsoft.com/office/drawing/2014/main" id="{219D6709-FB59-0256-B374-7252F93C8173}"/>
+              </a:ext>
+            </a:extLst>
+          </p:cNvPr>
+          <p:cNvSpPr/>
+          <p:nvPr/>
+        </p:nvSpPr>
+        <p:spPr>
+          <a:xfrm>
+            <a:off x="9677862" y="2223164"/>
+            <a:ext cx="2330718" cy="411381"/>
+          </a:xfrm>
+          <a:prstGeom prst="rect">
+            <a:avLst/>
+          </a:prstGeom>
+          <a:ln/>
+        </p:spPr>
+        <p:style>
+          <a:lnRef idx="2">
+            <a:schemeClr val="accent1">
+              <a:shade val="50000"/>
+            </a:schemeClr>
+          </a:lnRef>
+          <a:fillRef idx="1">
+            <a:schemeClr val="accent1"/>
+          </a:fillRef>
+          <a:effectRef idx="0">
+            <a:schemeClr val="accent1"/>
+          </a:effectRef>
+          <a:fontRef idx="minor">
+            <a:schemeClr val="lt1"/>
+          </a:fontRef>
+        </p:style>
+        <p:txBody>
+          <a:bodyPr rtlCol="0" anchor="ctr"/>
+          <a:lstStyle/>
+          <a:p>
+            <a:pPr algn="ctr"/>
+            <a:r>
+              <a:rPr lang="fr-CA" sz="1400" noProof="1">
+                <a:solidFill>
+                  <a:schemeClr val="bg1"/>
+                </a:solidFill>
+              </a:rPr>
+              <a:t>Visualizing TimeSeries</a:t>
+            </a:r>
+          </a:p>
+        </p:txBody>
+      </p:sp>
+      <p:sp>
+        <p:nvSpPr>
+          <p:cNvPr id="3" name="Left-Right Arrow 2">
+            <a:extLst>
+              <a:ext uri="{FF2B5EF4-FFF2-40B4-BE49-F238E27FC236}">
+                <a16:creationId xmlns:a16="http://schemas.microsoft.com/office/drawing/2014/main" id="{AC10CF36-4310-38C7-F868-8F43102AC988}"/>
+              </a:ext>
+            </a:extLst>
+          </p:cNvPr>
+          <p:cNvSpPr/>
+          <p:nvPr/>
+        </p:nvSpPr>
+        <p:spPr>
+          <a:xfrm>
+            <a:off x="3352311" y="3363514"/>
+            <a:ext cx="394641" cy="261718"/>
+          </a:xfrm>
+          <a:prstGeom prst="leftRightArrow">
+            <a:avLst/>
+          </a:prstGeom>
+          <a:solidFill>
+            <a:schemeClr val="accent1">
+              <a:lumMod val="60000"/>
+              <a:lumOff val="40000"/>
+            </a:schemeClr>
+          </a:solidFill>
+          <a:ln w="6350"/>
+        </p:spPr>
+        <p:style>
+          <a:lnRef idx="2">
+            <a:schemeClr val="accent1">
+              <a:shade val="50000"/>
+            </a:schemeClr>
+          </a:lnRef>
+          <a:fillRef idx="1">
+            <a:schemeClr val="accent1"/>
+          </a:fillRef>
+          <a:effectRef idx="0">
+            <a:schemeClr val="accent1"/>
+          </a:effectRef>
+          <a:fontRef idx="minor">
+            <a:schemeClr val="lt1"/>
+          </a:fontRef>
+        </p:style>
+        <p:txBody>
+          <a:bodyPr rtlCol="0" anchor="ctr"/>
+          <a:lstStyle/>
+          <a:p>
+            <a:pPr algn="ctr"/>
+            <a:endParaRPr lang="fr-CA"/>
+          </a:p>
+        </p:txBody>
+      </p:sp>
+      <p:sp>
+        <p:nvSpPr>
+          <p:cNvPr id="12" name="Right Arrow 11">
+            <a:extLst>
+              <a:ext uri="{FF2B5EF4-FFF2-40B4-BE49-F238E27FC236}">
+                <a16:creationId xmlns:a16="http://schemas.microsoft.com/office/drawing/2014/main" id="{12FC4CCF-0BA5-A411-2D34-DA335B557AE0}"/>
+              </a:ext>
+            </a:extLst>
+          </p:cNvPr>
+          <p:cNvSpPr/>
+          <p:nvPr/>
+        </p:nvSpPr>
+        <p:spPr>
+          <a:xfrm>
+            <a:off x="9313662" y="3363515"/>
+            <a:ext cx="355286" cy="261718"/>
+          </a:xfrm>
+          <a:prstGeom prst="rightArrow">
+            <a:avLst/>
+          </a:prstGeom>
+          <a:solidFill>
+            <a:schemeClr val="accent1">
+              <a:lumMod val="60000"/>
+              <a:lumOff val="40000"/>
+            </a:schemeClr>
+          </a:solidFill>
+          <a:ln w="6350"/>
+        </p:spPr>
+        <p:style>
+          <a:lnRef idx="2">
+            <a:schemeClr val="accent1">
+              <a:shade val="50000"/>
+            </a:schemeClr>
+          </a:lnRef>
+          <a:fillRef idx="1">
+            <a:schemeClr val="accent1"/>
+          </a:fillRef>
+          <a:effectRef idx="0">
+            <a:schemeClr val="accent1"/>
+          </a:effectRef>
+          <a:fontRef idx="minor">
+            <a:schemeClr val="lt1"/>
+          </a:fontRef>
+        </p:style>
+        <p:txBody>
+          <a:bodyPr rtlCol="0" anchor="ctr"/>
+          <a:lstStyle/>
+          <a:p>
+            <a:pPr algn="ctr"/>
+            <a:endParaRPr lang="fr-CA"/>
+          </a:p>
+        </p:txBody>
+      </p:sp>
+      <p:sp>
+        <p:nvSpPr>
+          <p:cNvPr id="16" name="Rectangle 15">
+            <a:extLst>
+              <a:ext uri="{FF2B5EF4-FFF2-40B4-BE49-F238E27FC236}">
+                <a16:creationId xmlns:a16="http://schemas.microsoft.com/office/drawing/2014/main" id="{34BF4377-791D-3C58-A020-3458B37C76C7}"/>
+              </a:ext>
+            </a:extLst>
+          </p:cNvPr>
+          <p:cNvSpPr/>
+          <p:nvPr/>
+        </p:nvSpPr>
+        <p:spPr>
+          <a:xfrm>
+            <a:off x="3746952" y="3310597"/>
+            <a:ext cx="5566710" cy="414335"/>
+          </a:xfrm>
+          <a:prstGeom prst="rect">
+            <a:avLst/>
+          </a:prstGeom>
+        </p:spPr>
+        <p:style>
+          <a:lnRef idx="2">
+            <a:schemeClr val="accent1"/>
+          </a:lnRef>
+          <a:fillRef idx="1">
+            <a:schemeClr val="lt1"/>
+          </a:fillRef>
+          <a:effectRef idx="0">
+            <a:schemeClr val="accent1"/>
+          </a:effectRef>
+          <a:fontRef idx="minor">
+            <a:schemeClr val="dk1"/>
+          </a:fontRef>
+        </p:style>
+        <p:txBody>
+          <a:bodyPr rtlCol="0" anchor="ctr"/>
+          <a:lstStyle/>
+          <a:p>
+            <a:pPr algn="ctr"/>
+            <a:r>
+              <a:rPr lang="fr-CA" sz="1400" noProof="1"/>
+              <a:t>Working variables</a:t>
+            </a:r>
+          </a:p>
+        </p:txBody>
+      </p:sp>
+    </p:spTree>
+    <p:extLst>
+      <p:ext uri="{BB962C8B-B14F-4D97-AF65-F5344CB8AC3E}">
+        <p14:creationId xmlns:p14="http://schemas.microsoft.com/office/powerpoint/2010/main" val="827150360"/>
       </p:ext>
     </p:extLst>
   </p:cSld>
@@ -33798,8 +36196,8 @@
           </a:p>
         </p:txBody>
       </p:sp>
-      <mc:AlternateContent xmlns:mc="http://schemas.openxmlformats.org/markup-compatibility/2006">
-        <mc:Choice xmlns:a14="http://schemas.microsoft.com/office/drawing/2010/main" Requires="a14">
+      <mc:AlternateContent xmlns:mc="http://schemas.openxmlformats.org/markup-compatibility/2006" xmlns:a14="http://schemas.microsoft.com/office/drawing/2010/main">
+        <mc:Choice Requires="a14">
           <p:sp>
             <p:nvSpPr>
               <p:cNvPr id="5" name="TextBox 4">
@@ -33834,6 +36232,7 @@
                 </a:r>
               </a:p>
               <a:p>
+                <a:pPr/>
                 <a14:m>
                   <m:oMathPara xmlns:m="http://schemas.openxmlformats.org/officeDocument/2006/math">
                     <m:oMathParaPr>
@@ -33866,7 +36265,7 @@
             </p:txBody>
           </p:sp>
         </mc:Choice>
-        <mc:Fallback>
+        <mc:Fallback xmlns="">
           <p:sp>
             <p:nvSpPr>
               <p:cNvPr id="5" name="TextBox 4">
@@ -33911,8 +36310,8 @@
           </p:sp>
         </mc:Fallback>
       </mc:AlternateContent>
-      <mc:AlternateContent xmlns:mc="http://schemas.openxmlformats.org/markup-compatibility/2006">
-        <mc:Choice xmlns:a14="http://schemas.microsoft.com/office/drawing/2010/main" Requires="a14">
+      <mc:AlternateContent xmlns:mc="http://schemas.openxmlformats.org/markup-compatibility/2006" xmlns:a14="http://schemas.microsoft.com/office/drawing/2010/main">
+        <mc:Choice Requires="a14">
           <p:sp>
             <p:nvSpPr>
               <p:cNvPr id="6" name="TextBox 5">
@@ -33947,6 +36346,7 @@
                 </a:r>
               </a:p>
               <a:p>
+                <a:pPr/>
                 <a14:m>
                   <m:oMathPara xmlns:m="http://schemas.openxmlformats.org/officeDocument/2006/math">
                     <m:oMathParaPr>
@@ -33967,7 +36367,7 @@
             </p:txBody>
           </p:sp>
         </mc:Choice>
-        <mc:Fallback>
+        <mc:Fallback xmlns="">
           <p:sp>
             <p:nvSpPr>
               <p:cNvPr id="6" name="TextBox 5">
@@ -34012,8 +36412,8 @@
           </p:sp>
         </mc:Fallback>
       </mc:AlternateContent>
-      <mc:AlternateContent xmlns:mc="http://schemas.openxmlformats.org/markup-compatibility/2006">
-        <mc:Choice xmlns:a14="http://schemas.microsoft.com/office/drawing/2010/main" Requires="a14">
+      <mc:AlternateContent xmlns:mc="http://schemas.openxmlformats.org/markup-compatibility/2006" xmlns:a14="http://schemas.microsoft.com/office/drawing/2010/main">
+        <mc:Choice Requires="a14">
           <p:sp>
             <p:nvSpPr>
               <p:cNvPr id="7" name="TextBox 6">
@@ -34048,6 +36448,7 @@
                 </a:r>
               </a:p>
               <a:p>
+                <a:pPr/>
                 <a14:m>
                   <m:oMathPara xmlns:m="http://schemas.openxmlformats.org/officeDocument/2006/math">
                     <m:oMathParaPr>
@@ -34068,7 +36469,7 @@
             </p:txBody>
           </p:sp>
         </mc:Choice>
-        <mc:Fallback>
+        <mc:Fallback xmlns="">
           <p:sp>
             <p:nvSpPr>
               <p:cNvPr id="7" name="TextBox 6">

--- a/src/images.pptx
+++ b/src/images.pptx
@@ -13158,7 +13158,7 @@
         </p:nvSpPr>
         <p:spPr>
           <a:xfrm>
-            <a:off x="5786082" y="6293801"/>
+            <a:off x="5852557" y="6293801"/>
             <a:ext cx="572812" cy="411381"/>
           </a:xfrm>
           <a:prstGeom prst="can">

--- a/src/images.pptx
+++ b/src/images.pptx
@@ -17,7 +17,8 @@
     <p:sldId id="263" r:id="rId11"/>
     <p:sldId id="264" r:id="rId12"/>
     <p:sldId id="265" r:id="rId13"/>
-    <p:sldId id="266" r:id="rId14"/>
+    <p:sldId id="269" r:id="rId14"/>
+    <p:sldId id="266" r:id="rId15"/>
   </p:sldIdLst>
   <p:sldSz cx="12192000" cy="6858000"/>
   <p:notesSz cx="6858000" cy="9144000"/>
@@ -273,7 +274,7 @@
           <a:p>
             <a:fld id="{35C3687D-91A5-7C4D-919D-428BCA0C637B}" type="datetimeFigureOut">
               <a:rPr lang="fr-CA" smtClean="0"/>
-              <a:t>2022-09-28</a:t>
+              <a:t>2022-11-03</a:t>
             </a:fld>
             <a:endParaRPr lang="fr-CA"/>
           </a:p>
@@ -473,7 +474,7 @@
           <a:p>
             <a:fld id="{35C3687D-91A5-7C4D-919D-428BCA0C637B}" type="datetimeFigureOut">
               <a:rPr lang="fr-CA" smtClean="0"/>
-              <a:t>2022-09-28</a:t>
+              <a:t>2022-11-03</a:t>
             </a:fld>
             <a:endParaRPr lang="fr-CA"/>
           </a:p>
@@ -683,7 +684,7 @@
           <a:p>
             <a:fld id="{35C3687D-91A5-7C4D-919D-428BCA0C637B}" type="datetimeFigureOut">
               <a:rPr lang="fr-CA" smtClean="0"/>
-              <a:t>2022-09-28</a:t>
+              <a:t>2022-11-03</a:t>
             </a:fld>
             <a:endParaRPr lang="fr-CA"/>
           </a:p>
@@ -883,7 +884,7 @@
           <a:p>
             <a:fld id="{35C3687D-91A5-7C4D-919D-428BCA0C637B}" type="datetimeFigureOut">
               <a:rPr lang="fr-CA" smtClean="0"/>
-              <a:t>2022-09-28</a:t>
+              <a:t>2022-11-03</a:t>
             </a:fld>
             <a:endParaRPr lang="fr-CA"/>
           </a:p>
@@ -1159,7 +1160,7 @@
           <a:p>
             <a:fld id="{35C3687D-91A5-7C4D-919D-428BCA0C637B}" type="datetimeFigureOut">
               <a:rPr lang="fr-CA" smtClean="0"/>
-              <a:t>2022-09-28</a:t>
+              <a:t>2022-11-03</a:t>
             </a:fld>
             <a:endParaRPr lang="fr-CA"/>
           </a:p>
@@ -1427,7 +1428,7 @@
           <a:p>
             <a:fld id="{35C3687D-91A5-7C4D-919D-428BCA0C637B}" type="datetimeFigureOut">
               <a:rPr lang="fr-CA" smtClean="0"/>
-              <a:t>2022-09-28</a:t>
+              <a:t>2022-11-03</a:t>
             </a:fld>
             <a:endParaRPr lang="fr-CA"/>
           </a:p>
@@ -1842,7 +1843,7 @@
           <a:p>
             <a:fld id="{35C3687D-91A5-7C4D-919D-428BCA0C637B}" type="datetimeFigureOut">
               <a:rPr lang="fr-CA" smtClean="0"/>
-              <a:t>2022-09-28</a:t>
+              <a:t>2022-11-03</a:t>
             </a:fld>
             <a:endParaRPr lang="fr-CA"/>
           </a:p>
@@ -1984,7 +1985,7 @@
           <a:p>
             <a:fld id="{35C3687D-91A5-7C4D-919D-428BCA0C637B}" type="datetimeFigureOut">
               <a:rPr lang="fr-CA" smtClean="0"/>
-              <a:t>2022-09-28</a:t>
+              <a:t>2022-11-03</a:t>
             </a:fld>
             <a:endParaRPr lang="fr-CA"/>
           </a:p>
@@ -2097,7 +2098,7 @@
           <a:p>
             <a:fld id="{35C3687D-91A5-7C4D-919D-428BCA0C637B}" type="datetimeFigureOut">
               <a:rPr lang="fr-CA" smtClean="0"/>
-              <a:t>2022-09-28</a:t>
+              <a:t>2022-11-03</a:t>
             </a:fld>
             <a:endParaRPr lang="fr-CA"/>
           </a:p>
@@ -2410,7 +2411,7 @@
           <a:p>
             <a:fld id="{35C3687D-91A5-7C4D-919D-428BCA0C637B}" type="datetimeFigureOut">
               <a:rPr lang="fr-CA" smtClean="0"/>
-              <a:t>2022-09-28</a:t>
+              <a:t>2022-11-03</a:t>
             </a:fld>
             <a:endParaRPr lang="fr-CA"/>
           </a:p>
@@ -2699,7 +2700,7 @@
           <a:p>
             <a:fld id="{35C3687D-91A5-7C4D-919D-428BCA0C637B}" type="datetimeFigureOut">
               <a:rPr lang="fr-CA" smtClean="0"/>
-              <a:t>2022-09-28</a:t>
+              <a:t>2022-11-03</a:t>
             </a:fld>
             <a:endParaRPr lang="fr-CA"/>
           </a:p>
@@ -2942,7 +2943,7 @@
           <a:p>
             <a:fld id="{35C3687D-91A5-7C4D-919D-428BCA0C637B}" type="datetimeFigureOut">
               <a:rPr lang="fr-CA" smtClean="0"/>
-              <a:t>2022-09-28</a:t>
+              <a:t>2022-11-03</a:t>
             </a:fld>
             <a:endParaRPr lang="fr-CA"/>
           </a:p>
@@ -10649,8 +10650,8 @@
             </a:fontRef>
           </p:style>
         </p:cxnSp>
-        <mc:AlternateContent xmlns:mc="http://schemas.openxmlformats.org/markup-compatibility/2006">
-          <mc:Choice xmlns:a14="http://schemas.microsoft.com/office/drawing/2010/main" Requires="a14">
+        <mc:AlternateContent xmlns:mc="http://schemas.openxmlformats.org/markup-compatibility/2006" xmlns:a14="http://schemas.microsoft.com/office/drawing/2010/main">
+          <mc:Choice Requires="a14">
             <p:sp>
               <p:nvSpPr>
                 <p:cNvPr id="159" name="TextBox 158">
@@ -10731,7 +10732,7 @@
               </p:txBody>
             </p:sp>
           </mc:Choice>
-          <mc:Fallback>
+          <mc:Fallback xmlns="">
             <p:sp>
               <p:nvSpPr>
                 <p:cNvPr id="159" name="TextBox 158">
@@ -10776,8 +10777,8 @@
             </p:sp>
           </mc:Fallback>
         </mc:AlternateContent>
-        <mc:AlternateContent xmlns:mc="http://schemas.openxmlformats.org/markup-compatibility/2006">
-          <mc:Choice xmlns:a14="http://schemas.microsoft.com/office/drawing/2010/main" Requires="a14">
+        <mc:AlternateContent xmlns:mc="http://schemas.openxmlformats.org/markup-compatibility/2006" xmlns:a14="http://schemas.microsoft.com/office/drawing/2010/main">
+          <mc:Choice Requires="a14">
             <p:sp>
               <p:nvSpPr>
                 <p:cNvPr id="164" name="TextBox 163">
@@ -10858,7 +10859,7 @@
               </p:txBody>
             </p:sp>
           </mc:Choice>
-          <mc:Fallback>
+          <mc:Fallback xmlns="">
             <p:sp>
               <p:nvSpPr>
                 <p:cNvPr id="164" name="TextBox 163">
@@ -13368,6 +13369,2139 @@
 </file>
 
 <file path=ppt/slides/slide13.xml><?xml version="1.0" encoding="utf-8"?>
+<p:sld xmlns:a="http://schemas.openxmlformats.org/drawingml/2006/main" xmlns:r="http://schemas.openxmlformats.org/officeDocument/2006/relationships" xmlns:p="http://schemas.openxmlformats.org/presentationml/2006/main">
+  <p:cSld>
+    <p:spTree>
+      <p:nvGrpSpPr>
+        <p:cNvPr id="1" name=""/>
+        <p:cNvGrpSpPr/>
+        <p:nvPr/>
+      </p:nvGrpSpPr>
+      <p:grpSpPr>
+        <a:xfrm>
+          <a:off x="0" y="0"/>
+          <a:ext cx="0" cy="0"/>
+          <a:chOff x="0" y="0"/>
+          <a:chExt cx="0" cy="0"/>
+        </a:xfrm>
+      </p:grpSpPr>
+      <p:sp>
+        <p:nvSpPr>
+          <p:cNvPr id="2" name="Rectangle 1">
+            <a:extLst>
+              <a:ext uri="{FF2B5EF4-FFF2-40B4-BE49-F238E27FC236}">
+                <a16:creationId xmlns:a16="http://schemas.microsoft.com/office/drawing/2014/main" id="{94200711-4C05-4588-6629-2C766DFC3530}"/>
+              </a:ext>
+            </a:extLst>
+          </p:cNvPr>
+          <p:cNvSpPr/>
+          <p:nvPr/>
+        </p:nvSpPr>
+        <p:spPr>
+          <a:xfrm>
+            <a:off x="965772" y="1715784"/>
+            <a:ext cx="10037851" cy="1356189"/>
+          </a:xfrm>
+          <a:prstGeom prst="rect">
+            <a:avLst/>
+          </a:prstGeom>
+        </p:spPr>
+        <p:style>
+          <a:lnRef idx="2">
+            <a:schemeClr val="dk1"/>
+          </a:lnRef>
+          <a:fillRef idx="1">
+            <a:schemeClr val="lt1"/>
+          </a:fillRef>
+          <a:effectRef idx="0">
+            <a:schemeClr val="dk1"/>
+          </a:effectRef>
+          <a:fontRef idx="minor">
+            <a:schemeClr val="dk1"/>
+          </a:fontRef>
+        </p:style>
+        <p:txBody>
+          <a:bodyPr rtlCol="0" anchor="ctr"/>
+          <a:lstStyle/>
+          <a:p>
+            <a:pPr algn="ctr"/>
+            <a:endParaRPr lang="fr-CA" noProof="1"/>
+          </a:p>
+        </p:txBody>
+      </p:sp>
+      <p:cxnSp>
+        <p:nvCxnSpPr>
+          <p:cNvPr id="4" name="Straight Arrow Connector 3">
+            <a:extLst>
+              <a:ext uri="{FF2B5EF4-FFF2-40B4-BE49-F238E27FC236}">
+                <a16:creationId xmlns:a16="http://schemas.microsoft.com/office/drawing/2014/main" id="{3DF19501-9165-47ED-87D3-CA2166BA5CE6}"/>
+              </a:ext>
+            </a:extLst>
+          </p:cNvPr>
+          <p:cNvCxnSpPr/>
+          <p:nvPr/>
+        </p:nvCxnSpPr>
+        <p:spPr>
+          <a:xfrm>
+            <a:off x="821933" y="1571945"/>
+            <a:ext cx="0" cy="821933"/>
+          </a:xfrm>
+          <a:prstGeom prst="straightConnector1">
+            <a:avLst/>
+          </a:prstGeom>
+          <a:ln>
+            <a:tailEnd type="triangle"/>
+          </a:ln>
+        </p:spPr>
+        <p:style>
+          <a:lnRef idx="1">
+            <a:schemeClr val="accent1"/>
+          </a:lnRef>
+          <a:fillRef idx="0">
+            <a:schemeClr val="accent1"/>
+          </a:fillRef>
+          <a:effectRef idx="0">
+            <a:schemeClr val="accent1"/>
+          </a:effectRef>
+          <a:fontRef idx="minor">
+            <a:schemeClr val="tx1"/>
+          </a:fontRef>
+        </p:style>
+      </p:cxnSp>
+      <p:cxnSp>
+        <p:nvCxnSpPr>
+          <p:cNvPr id="5" name="Straight Arrow Connector 4">
+            <a:extLst>
+              <a:ext uri="{FF2B5EF4-FFF2-40B4-BE49-F238E27FC236}">
+                <a16:creationId xmlns:a16="http://schemas.microsoft.com/office/drawing/2014/main" id="{FBFDB69E-2747-1648-AB3B-5A275A432FBB}"/>
+              </a:ext>
+            </a:extLst>
+          </p:cNvPr>
+          <p:cNvCxnSpPr>
+            <a:cxnSpLocks/>
+          </p:cNvCxnSpPr>
+          <p:nvPr/>
+        </p:nvCxnSpPr>
+        <p:spPr>
+          <a:xfrm flipV="1">
+            <a:off x="821933" y="1571945"/>
+            <a:ext cx="905838" cy="8561"/>
+          </a:xfrm>
+          <a:prstGeom prst="straightConnector1">
+            <a:avLst/>
+          </a:prstGeom>
+          <a:ln>
+            <a:tailEnd type="triangle"/>
+          </a:ln>
+        </p:spPr>
+        <p:style>
+          <a:lnRef idx="1">
+            <a:schemeClr val="accent1"/>
+          </a:lnRef>
+          <a:fillRef idx="0">
+            <a:schemeClr val="accent1"/>
+          </a:fillRef>
+          <a:effectRef idx="0">
+            <a:schemeClr val="accent1"/>
+          </a:effectRef>
+          <a:fontRef idx="minor">
+            <a:schemeClr val="tx1"/>
+          </a:fontRef>
+        </p:style>
+      </p:cxnSp>
+      <p:sp>
+        <p:nvSpPr>
+          <p:cNvPr id="7" name="TextBox 6">
+            <a:extLst>
+              <a:ext uri="{FF2B5EF4-FFF2-40B4-BE49-F238E27FC236}">
+                <a16:creationId xmlns:a16="http://schemas.microsoft.com/office/drawing/2014/main" id="{F0A4C27B-7A3E-F641-7A1B-73238E40001F}"/>
+              </a:ext>
+            </a:extLst>
+          </p:cNvPr>
+          <p:cNvSpPr txBox="1"/>
+          <p:nvPr/>
+        </p:nvSpPr>
+        <p:spPr>
+          <a:xfrm>
+            <a:off x="537881" y="2209212"/>
+            <a:ext cx="284052" cy="369332"/>
+          </a:xfrm>
+          <a:prstGeom prst="rect">
+            <a:avLst/>
+          </a:prstGeom>
+          <a:noFill/>
+        </p:spPr>
+        <p:txBody>
+          <a:bodyPr wrap="none" rtlCol="0">
+            <a:spAutoFit/>
+          </a:bodyPr>
+          <a:lstStyle/>
+          <a:p>
+            <a:r>
+              <a:rPr lang="fr-CA" noProof="1"/>
+              <a:t>x</a:t>
+            </a:r>
+          </a:p>
+        </p:txBody>
+      </p:sp>
+      <p:sp>
+        <p:nvSpPr>
+          <p:cNvPr id="8" name="TextBox 7">
+            <a:extLst>
+              <a:ext uri="{FF2B5EF4-FFF2-40B4-BE49-F238E27FC236}">
+                <a16:creationId xmlns:a16="http://schemas.microsoft.com/office/drawing/2014/main" id="{8F907A15-8290-95CF-B053-5A39BDC924A1}"/>
+              </a:ext>
+            </a:extLst>
+          </p:cNvPr>
+          <p:cNvSpPr txBox="1"/>
+          <p:nvPr/>
+        </p:nvSpPr>
+        <p:spPr>
+          <a:xfrm>
+            <a:off x="1443719" y="1211174"/>
+            <a:ext cx="288862" cy="369332"/>
+          </a:xfrm>
+          <a:prstGeom prst="rect">
+            <a:avLst/>
+          </a:prstGeom>
+          <a:noFill/>
+        </p:spPr>
+        <p:txBody>
+          <a:bodyPr wrap="none" rtlCol="0">
+            <a:spAutoFit/>
+          </a:bodyPr>
+          <a:lstStyle/>
+          <a:p>
+            <a:r>
+              <a:rPr lang="fr-CA" noProof="1"/>
+              <a:t>y</a:t>
+            </a:r>
+          </a:p>
+        </p:txBody>
+      </p:sp>
+      <p:grpSp>
+        <p:nvGrpSpPr>
+          <p:cNvPr id="20" name="Group 19">
+            <a:extLst>
+              <a:ext uri="{FF2B5EF4-FFF2-40B4-BE49-F238E27FC236}">
+                <a16:creationId xmlns:a16="http://schemas.microsoft.com/office/drawing/2014/main" id="{12280046-B62F-7785-648A-91BF50AD285A}"/>
+              </a:ext>
+            </a:extLst>
+          </p:cNvPr>
+          <p:cNvGrpSpPr/>
+          <p:nvPr/>
+        </p:nvGrpSpPr>
+        <p:grpSpPr>
+          <a:xfrm>
+            <a:off x="1167629" y="2088184"/>
+            <a:ext cx="9826105" cy="611388"/>
+            <a:chOff x="1072959" y="2178623"/>
+            <a:chExt cx="9826105" cy="611388"/>
+          </a:xfrm>
+        </p:grpSpPr>
+        <p:pic>
+          <p:nvPicPr>
+            <p:cNvPr id="1028" name="Picture 4">
+              <a:extLst>
+                <a:ext uri="{FF2B5EF4-FFF2-40B4-BE49-F238E27FC236}">
+                  <a16:creationId xmlns:a16="http://schemas.microsoft.com/office/drawing/2014/main" id="{61B128BB-2E7D-70BF-8C9E-16E000CF589D}"/>
+                </a:ext>
+              </a:extLst>
+            </p:cNvPr>
+            <p:cNvPicPr>
+              <a:picLocks noChangeAspect="1" noChangeArrowheads="1"/>
+            </p:cNvPicPr>
+            <p:nvPr/>
+          </p:nvPicPr>
+          <p:blipFill rotWithShape="1">
+            <a:blip r:embed="rId2">
+              <a:extLst>
+                <a:ext uri="{28A0092B-C50C-407E-A947-70E740481C1C}">
+                  <a14:useLocalDpi xmlns:a14="http://schemas.microsoft.com/office/drawing/2010/main" val="0"/>
+                </a:ext>
+              </a:extLst>
+            </a:blip>
+            <a:srcRect l="19159" t="4394" r="19545" b="10387"/>
+            <a:stretch/>
+          </p:blipFill>
+          <p:spPr bwMode="auto">
+            <a:xfrm rot="5979331">
+              <a:off x="1202537" y="2373492"/>
+              <a:ext cx="226029" cy="485185"/>
+            </a:xfrm>
+            <a:prstGeom prst="rect">
+              <a:avLst/>
+            </a:prstGeom>
+            <a:noFill/>
+            <a:extLst>
+              <a:ext uri="{909E8E84-426E-40DD-AFC4-6F175D3DCCD1}">
+                <a14:hiddenFill xmlns:a14="http://schemas.microsoft.com/office/drawing/2010/main">
+                  <a:solidFill>
+                    <a:srgbClr val="FFFFFF"/>
+                  </a:solidFill>
+                </a14:hiddenFill>
+              </a:ext>
+            </a:extLst>
+          </p:spPr>
+        </p:pic>
+        <p:pic>
+          <p:nvPicPr>
+            <p:cNvPr id="9" name="Picture 4">
+              <a:extLst>
+                <a:ext uri="{FF2B5EF4-FFF2-40B4-BE49-F238E27FC236}">
+                  <a16:creationId xmlns:a16="http://schemas.microsoft.com/office/drawing/2014/main" id="{1DEFBA04-0C37-F6CC-7036-406E365B175D}"/>
+                </a:ext>
+              </a:extLst>
+            </p:cNvPr>
+            <p:cNvPicPr>
+              <a:picLocks noChangeAspect="1" noChangeArrowheads="1"/>
+            </p:cNvPicPr>
+            <p:nvPr/>
+          </p:nvPicPr>
+          <p:blipFill rotWithShape="1">
+            <a:blip r:embed="rId2">
+              <a:extLst>
+                <a:ext uri="{28A0092B-C50C-407E-A947-70E740481C1C}">
+                  <a14:useLocalDpi xmlns:a14="http://schemas.microsoft.com/office/drawing/2010/main" val="0"/>
+                </a:ext>
+              </a:extLst>
+            </a:blip>
+            <a:srcRect l="19159" t="4394" r="19545" b="10387"/>
+            <a:stretch/>
+          </p:blipFill>
+          <p:spPr bwMode="auto">
+            <a:xfrm rot="4955710" flipH="1">
+              <a:off x="2145592" y="2049045"/>
+              <a:ext cx="226029" cy="485185"/>
+            </a:xfrm>
+            <a:prstGeom prst="rect">
+              <a:avLst/>
+            </a:prstGeom>
+            <a:noFill/>
+            <a:extLst>
+              <a:ext uri="{909E8E84-426E-40DD-AFC4-6F175D3DCCD1}">
+                <a14:hiddenFill xmlns:a14="http://schemas.microsoft.com/office/drawing/2010/main">
+                  <a:solidFill>
+                    <a:srgbClr val="FFFFFF"/>
+                  </a:solidFill>
+                </a14:hiddenFill>
+              </a:ext>
+            </a:extLst>
+          </p:spPr>
+        </p:pic>
+        <p:pic>
+          <p:nvPicPr>
+            <p:cNvPr id="10" name="Picture 4">
+              <a:extLst>
+                <a:ext uri="{FF2B5EF4-FFF2-40B4-BE49-F238E27FC236}">
+                  <a16:creationId xmlns:a16="http://schemas.microsoft.com/office/drawing/2014/main" id="{648A3E6A-449E-7403-FC59-7FEA33B18B11}"/>
+                </a:ext>
+              </a:extLst>
+            </p:cNvPr>
+            <p:cNvPicPr>
+              <a:picLocks noChangeAspect="1" noChangeArrowheads="1"/>
+            </p:cNvPicPr>
+            <p:nvPr/>
+          </p:nvPicPr>
+          <p:blipFill rotWithShape="1">
+            <a:blip r:embed="rId2">
+              <a:extLst>
+                <a:ext uri="{28A0092B-C50C-407E-A947-70E740481C1C}">
+                  <a14:useLocalDpi xmlns:a14="http://schemas.microsoft.com/office/drawing/2010/main" val="0"/>
+                </a:ext>
+              </a:extLst>
+            </a:blip>
+            <a:srcRect l="19159" t="4394" r="19545" b="10387"/>
+            <a:stretch/>
+          </p:blipFill>
+          <p:spPr bwMode="auto">
+            <a:xfrm rot="5979331">
+              <a:off x="3070721" y="2373492"/>
+              <a:ext cx="226029" cy="485185"/>
+            </a:xfrm>
+            <a:prstGeom prst="rect">
+              <a:avLst/>
+            </a:prstGeom>
+            <a:noFill/>
+            <a:extLst>
+              <a:ext uri="{909E8E84-426E-40DD-AFC4-6F175D3DCCD1}">
+                <a14:hiddenFill xmlns:a14="http://schemas.microsoft.com/office/drawing/2010/main">
+                  <a:solidFill>
+                    <a:srgbClr val="FFFFFF"/>
+                  </a:solidFill>
+                </a14:hiddenFill>
+              </a:ext>
+            </a:extLst>
+          </p:spPr>
+        </p:pic>
+        <p:pic>
+          <p:nvPicPr>
+            <p:cNvPr id="11" name="Picture 4">
+              <a:extLst>
+                <a:ext uri="{FF2B5EF4-FFF2-40B4-BE49-F238E27FC236}">
+                  <a16:creationId xmlns:a16="http://schemas.microsoft.com/office/drawing/2014/main" id="{E1D1AAFE-B888-5325-CA3B-5233824C6D24}"/>
+                </a:ext>
+              </a:extLst>
+            </p:cNvPr>
+            <p:cNvPicPr>
+              <a:picLocks noChangeAspect="1" noChangeArrowheads="1"/>
+            </p:cNvPicPr>
+            <p:nvPr/>
+          </p:nvPicPr>
+          <p:blipFill rotWithShape="1">
+            <a:blip r:embed="rId2">
+              <a:extLst>
+                <a:ext uri="{28A0092B-C50C-407E-A947-70E740481C1C}">
+                  <a14:useLocalDpi xmlns:a14="http://schemas.microsoft.com/office/drawing/2010/main" val="0"/>
+                </a:ext>
+              </a:extLst>
+            </a:blip>
+            <a:srcRect l="19159" t="4394" r="19545" b="10387"/>
+            <a:stretch/>
+          </p:blipFill>
+          <p:spPr bwMode="auto">
+            <a:xfrm rot="4955710" flipH="1">
+              <a:off x="4013776" y="2049045"/>
+              <a:ext cx="226029" cy="485185"/>
+            </a:xfrm>
+            <a:prstGeom prst="rect">
+              <a:avLst/>
+            </a:prstGeom>
+            <a:noFill/>
+            <a:extLst>
+              <a:ext uri="{909E8E84-426E-40DD-AFC4-6F175D3DCCD1}">
+                <a14:hiddenFill xmlns:a14="http://schemas.microsoft.com/office/drawing/2010/main">
+                  <a:solidFill>
+                    <a:srgbClr val="FFFFFF"/>
+                  </a:solidFill>
+                </a14:hiddenFill>
+              </a:ext>
+            </a:extLst>
+          </p:spPr>
+        </p:pic>
+        <p:pic>
+          <p:nvPicPr>
+            <p:cNvPr id="12" name="Picture 4">
+              <a:extLst>
+                <a:ext uri="{FF2B5EF4-FFF2-40B4-BE49-F238E27FC236}">
+                  <a16:creationId xmlns:a16="http://schemas.microsoft.com/office/drawing/2014/main" id="{5F40BFFE-D08B-DC44-CC4D-160EB26D5924}"/>
+                </a:ext>
+              </a:extLst>
+            </p:cNvPr>
+            <p:cNvPicPr>
+              <a:picLocks noChangeAspect="1" noChangeArrowheads="1"/>
+            </p:cNvPicPr>
+            <p:nvPr/>
+          </p:nvPicPr>
+          <p:blipFill rotWithShape="1">
+            <a:blip r:embed="rId2">
+              <a:extLst>
+                <a:ext uri="{28A0092B-C50C-407E-A947-70E740481C1C}">
+                  <a14:useLocalDpi xmlns:a14="http://schemas.microsoft.com/office/drawing/2010/main" val="0"/>
+                </a:ext>
+              </a:extLst>
+            </a:blip>
+            <a:srcRect l="19159" t="4394" r="19545" b="10387"/>
+            <a:stretch/>
+          </p:blipFill>
+          <p:spPr bwMode="auto">
+            <a:xfrm rot="5979331">
+              <a:off x="4938905" y="2434404"/>
+              <a:ext cx="226029" cy="485185"/>
+            </a:xfrm>
+            <a:prstGeom prst="rect">
+              <a:avLst/>
+            </a:prstGeom>
+            <a:noFill/>
+            <a:extLst>
+              <a:ext uri="{909E8E84-426E-40DD-AFC4-6F175D3DCCD1}">
+                <a14:hiddenFill xmlns:a14="http://schemas.microsoft.com/office/drawing/2010/main">
+                  <a:solidFill>
+                    <a:srgbClr val="FFFFFF"/>
+                  </a:solidFill>
+                </a14:hiddenFill>
+              </a:ext>
+            </a:extLst>
+          </p:spPr>
+        </p:pic>
+        <p:pic>
+          <p:nvPicPr>
+            <p:cNvPr id="13" name="Picture 4">
+              <a:extLst>
+                <a:ext uri="{FF2B5EF4-FFF2-40B4-BE49-F238E27FC236}">
+                  <a16:creationId xmlns:a16="http://schemas.microsoft.com/office/drawing/2014/main" id="{927E03BB-378D-766C-B875-1C0972D7EEBA}"/>
+                </a:ext>
+              </a:extLst>
+            </p:cNvPr>
+            <p:cNvPicPr>
+              <a:picLocks noChangeAspect="1" noChangeArrowheads="1"/>
+            </p:cNvPicPr>
+            <p:nvPr/>
+          </p:nvPicPr>
+          <p:blipFill rotWithShape="1">
+            <a:blip r:embed="rId2">
+              <a:extLst>
+                <a:ext uri="{28A0092B-C50C-407E-A947-70E740481C1C}">
+                  <a14:useLocalDpi xmlns:a14="http://schemas.microsoft.com/office/drawing/2010/main" val="0"/>
+                </a:ext>
+              </a:extLst>
+            </a:blip>
+            <a:srcRect l="19159" t="4394" r="19545" b="10387"/>
+            <a:stretch/>
+          </p:blipFill>
+          <p:spPr bwMode="auto">
+            <a:xfrm rot="4955710" flipH="1">
+              <a:off x="5881960" y="2109957"/>
+              <a:ext cx="226029" cy="485185"/>
+            </a:xfrm>
+            <a:prstGeom prst="rect">
+              <a:avLst/>
+            </a:prstGeom>
+            <a:noFill/>
+            <a:extLst>
+              <a:ext uri="{909E8E84-426E-40DD-AFC4-6F175D3DCCD1}">
+                <a14:hiddenFill xmlns:a14="http://schemas.microsoft.com/office/drawing/2010/main">
+                  <a:solidFill>
+                    <a:srgbClr val="FFFFFF"/>
+                  </a:solidFill>
+                </a14:hiddenFill>
+              </a:ext>
+            </a:extLst>
+          </p:spPr>
+        </p:pic>
+        <p:pic>
+          <p:nvPicPr>
+            <p:cNvPr id="14" name="Picture 4">
+              <a:extLst>
+                <a:ext uri="{FF2B5EF4-FFF2-40B4-BE49-F238E27FC236}">
+                  <a16:creationId xmlns:a16="http://schemas.microsoft.com/office/drawing/2014/main" id="{1105C062-1597-4A37-6143-264F0D2620CB}"/>
+                </a:ext>
+              </a:extLst>
+            </p:cNvPr>
+            <p:cNvPicPr>
+              <a:picLocks noChangeAspect="1" noChangeArrowheads="1"/>
+            </p:cNvPicPr>
+            <p:nvPr/>
+          </p:nvPicPr>
+          <p:blipFill rotWithShape="1">
+            <a:blip r:embed="rId2">
+              <a:extLst>
+                <a:ext uri="{28A0092B-C50C-407E-A947-70E740481C1C}">
+                  <a14:useLocalDpi xmlns:a14="http://schemas.microsoft.com/office/drawing/2010/main" val="0"/>
+                </a:ext>
+              </a:extLst>
+            </a:blip>
+            <a:srcRect l="19159" t="4394" r="19545" b="10387"/>
+            <a:stretch/>
+          </p:blipFill>
+          <p:spPr bwMode="auto">
+            <a:xfrm rot="5979331">
+              <a:off x="6807089" y="2434404"/>
+              <a:ext cx="226029" cy="485185"/>
+            </a:xfrm>
+            <a:prstGeom prst="rect">
+              <a:avLst/>
+            </a:prstGeom>
+            <a:noFill/>
+            <a:extLst>
+              <a:ext uri="{909E8E84-426E-40DD-AFC4-6F175D3DCCD1}">
+                <a14:hiddenFill xmlns:a14="http://schemas.microsoft.com/office/drawing/2010/main">
+                  <a:solidFill>
+                    <a:srgbClr val="FFFFFF"/>
+                  </a:solidFill>
+                </a14:hiddenFill>
+              </a:ext>
+            </a:extLst>
+          </p:spPr>
+        </p:pic>
+        <p:pic>
+          <p:nvPicPr>
+            <p:cNvPr id="15" name="Picture 4">
+              <a:extLst>
+                <a:ext uri="{FF2B5EF4-FFF2-40B4-BE49-F238E27FC236}">
+                  <a16:creationId xmlns:a16="http://schemas.microsoft.com/office/drawing/2014/main" id="{4F155F31-3EE7-51D8-9616-1ACBDD6E34BE}"/>
+                </a:ext>
+              </a:extLst>
+            </p:cNvPr>
+            <p:cNvPicPr>
+              <a:picLocks noChangeAspect="1" noChangeArrowheads="1"/>
+            </p:cNvPicPr>
+            <p:nvPr/>
+          </p:nvPicPr>
+          <p:blipFill rotWithShape="1">
+            <a:blip r:embed="rId2">
+              <a:extLst>
+                <a:ext uri="{28A0092B-C50C-407E-A947-70E740481C1C}">
+                  <a14:useLocalDpi xmlns:a14="http://schemas.microsoft.com/office/drawing/2010/main" val="0"/>
+                </a:ext>
+              </a:extLst>
+            </a:blip>
+            <a:srcRect l="19159" t="4394" r="19545" b="10387"/>
+            <a:stretch/>
+          </p:blipFill>
+          <p:spPr bwMode="auto">
+            <a:xfrm rot="4955710" flipH="1">
+              <a:off x="7750144" y="2109957"/>
+              <a:ext cx="226029" cy="485185"/>
+            </a:xfrm>
+            <a:prstGeom prst="rect">
+              <a:avLst/>
+            </a:prstGeom>
+            <a:noFill/>
+            <a:extLst>
+              <a:ext uri="{909E8E84-426E-40DD-AFC4-6F175D3DCCD1}">
+                <a14:hiddenFill xmlns:a14="http://schemas.microsoft.com/office/drawing/2010/main">
+                  <a:solidFill>
+                    <a:srgbClr val="FFFFFF"/>
+                  </a:solidFill>
+                </a14:hiddenFill>
+              </a:ext>
+            </a:extLst>
+          </p:spPr>
+        </p:pic>
+        <p:pic>
+          <p:nvPicPr>
+            <p:cNvPr id="16" name="Picture 4">
+              <a:extLst>
+                <a:ext uri="{FF2B5EF4-FFF2-40B4-BE49-F238E27FC236}">
+                  <a16:creationId xmlns:a16="http://schemas.microsoft.com/office/drawing/2014/main" id="{3838AC80-41A0-3158-CBFE-B8A89737AEDF}"/>
+                </a:ext>
+              </a:extLst>
+            </p:cNvPr>
+            <p:cNvPicPr>
+              <a:picLocks noChangeAspect="1" noChangeArrowheads="1"/>
+            </p:cNvPicPr>
+            <p:nvPr/>
+          </p:nvPicPr>
+          <p:blipFill rotWithShape="1">
+            <a:blip r:embed="rId2">
+              <a:extLst>
+                <a:ext uri="{28A0092B-C50C-407E-A947-70E740481C1C}">
+                  <a14:useLocalDpi xmlns:a14="http://schemas.microsoft.com/office/drawing/2010/main" val="0"/>
+                </a:ext>
+              </a:extLst>
+            </a:blip>
+            <a:srcRect l="19159" t="4394" r="19545" b="10387"/>
+            <a:stretch/>
+          </p:blipFill>
+          <p:spPr bwMode="auto">
+            <a:xfrm rot="5979331">
+              <a:off x="8675273" y="2434404"/>
+              <a:ext cx="226029" cy="485185"/>
+            </a:xfrm>
+            <a:prstGeom prst="rect">
+              <a:avLst/>
+            </a:prstGeom>
+            <a:noFill/>
+            <a:extLst>
+              <a:ext uri="{909E8E84-426E-40DD-AFC4-6F175D3DCCD1}">
+                <a14:hiddenFill xmlns:a14="http://schemas.microsoft.com/office/drawing/2010/main">
+                  <a:solidFill>
+                    <a:srgbClr val="FFFFFF"/>
+                  </a:solidFill>
+                </a14:hiddenFill>
+              </a:ext>
+            </a:extLst>
+          </p:spPr>
+        </p:pic>
+        <p:pic>
+          <p:nvPicPr>
+            <p:cNvPr id="17" name="Picture 4">
+              <a:extLst>
+                <a:ext uri="{FF2B5EF4-FFF2-40B4-BE49-F238E27FC236}">
+                  <a16:creationId xmlns:a16="http://schemas.microsoft.com/office/drawing/2014/main" id="{5BD81163-BC7A-981B-ACC3-9A0270A5514F}"/>
+                </a:ext>
+              </a:extLst>
+            </p:cNvPr>
+            <p:cNvPicPr>
+              <a:picLocks noChangeAspect="1" noChangeArrowheads="1"/>
+            </p:cNvPicPr>
+            <p:nvPr/>
+          </p:nvPicPr>
+          <p:blipFill rotWithShape="1">
+            <a:blip r:embed="rId2">
+              <a:extLst>
+                <a:ext uri="{28A0092B-C50C-407E-A947-70E740481C1C}">
+                  <a14:useLocalDpi xmlns:a14="http://schemas.microsoft.com/office/drawing/2010/main" val="0"/>
+                </a:ext>
+              </a:extLst>
+            </a:blip>
+            <a:srcRect l="19159" t="4394" r="19545" b="10387"/>
+            <a:stretch/>
+          </p:blipFill>
+          <p:spPr bwMode="auto">
+            <a:xfrm rot="4955710" flipH="1">
+              <a:off x="9618328" y="2109957"/>
+              <a:ext cx="226029" cy="485185"/>
+            </a:xfrm>
+            <a:prstGeom prst="rect">
+              <a:avLst/>
+            </a:prstGeom>
+            <a:noFill/>
+            <a:extLst>
+              <a:ext uri="{909E8E84-426E-40DD-AFC4-6F175D3DCCD1}">
+                <a14:hiddenFill xmlns:a14="http://schemas.microsoft.com/office/drawing/2010/main">
+                  <a:solidFill>
+                    <a:srgbClr val="FFFFFF"/>
+                  </a:solidFill>
+                </a14:hiddenFill>
+              </a:ext>
+            </a:extLst>
+          </p:spPr>
+        </p:pic>
+        <p:pic>
+          <p:nvPicPr>
+            <p:cNvPr id="18" name="Picture 4">
+              <a:extLst>
+                <a:ext uri="{FF2B5EF4-FFF2-40B4-BE49-F238E27FC236}">
+                  <a16:creationId xmlns:a16="http://schemas.microsoft.com/office/drawing/2014/main" id="{0695FC0E-E4AD-FCA1-C2EC-813C93C82F14}"/>
+                </a:ext>
+              </a:extLst>
+            </p:cNvPr>
+            <p:cNvPicPr>
+              <a:picLocks noChangeAspect="1" noChangeArrowheads="1"/>
+            </p:cNvPicPr>
+            <p:nvPr/>
+          </p:nvPicPr>
+          <p:blipFill rotWithShape="1">
+            <a:blip r:embed="rId2">
+              <a:extLst>
+                <a:ext uri="{28A0092B-C50C-407E-A947-70E740481C1C}">
+                  <a14:useLocalDpi xmlns:a14="http://schemas.microsoft.com/office/drawing/2010/main" val="0"/>
+                </a:ext>
+              </a:extLst>
+            </a:blip>
+            <a:srcRect l="19159" t="4394" r="19545" b="10387"/>
+            <a:stretch/>
+          </p:blipFill>
+          <p:spPr bwMode="auto">
+            <a:xfrm rot="5979331">
+              <a:off x="10543457" y="2434404"/>
+              <a:ext cx="226029" cy="485185"/>
+            </a:xfrm>
+            <a:prstGeom prst="rect">
+              <a:avLst/>
+            </a:prstGeom>
+            <a:noFill/>
+            <a:extLst>
+              <a:ext uri="{909E8E84-426E-40DD-AFC4-6F175D3DCCD1}">
+                <a14:hiddenFill xmlns:a14="http://schemas.microsoft.com/office/drawing/2010/main">
+                  <a:solidFill>
+                    <a:srgbClr val="FFFFFF"/>
+                  </a:solidFill>
+                </a14:hiddenFill>
+              </a:ext>
+            </a:extLst>
+          </p:spPr>
+        </p:pic>
+      </p:grpSp>
+      <p:cxnSp>
+        <p:nvCxnSpPr>
+          <p:cNvPr id="22" name="Straight Arrow Connector 21">
+            <a:extLst>
+              <a:ext uri="{FF2B5EF4-FFF2-40B4-BE49-F238E27FC236}">
+                <a16:creationId xmlns:a16="http://schemas.microsoft.com/office/drawing/2014/main" id="{7218C89A-82CC-A57D-6B09-C8C7CEC08C01}"/>
+              </a:ext>
+            </a:extLst>
+          </p:cNvPr>
+          <p:cNvCxnSpPr>
+            <a:cxnSpLocks/>
+          </p:cNvCxnSpPr>
+          <p:nvPr/>
+        </p:nvCxnSpPr>
+        <p:spPr>
+          <a:xfrm>
+            <a:off x="965772" y="4489807"/>
+            <a:ext cx="206886" cy="0"/>
+          </a:xfrm>
+          <a:prstGeom prst="straightConnector1">
+            <a:avLst/>
+          </a:prstGeom>
+          <a:ln>
+            <a:headEnd type="triangle"/>
+            <a:tailEnd type="triangle"/>
+          </a:ln>
+        </p:spPr>
+        <p:style>
+          <a:lnRef idx="1">
+            <a:schemeClr val="accent1"/>
+          </a:lnRef>
+          <a:fillRef idx="0">
+            <a:schemeClr val="accent1"/>
+          </a:fillRef>
+          <a:effectRef idx="0">
+            <a:schemeClr val="accent1"/>
+          </a:effectRef>
+          <a:fontRef idx="minor">
+            <a:schemeClr val="tx1"/>
+          </a:fontRef>
+        </p:style>
+      </p:cxnSp>
+      <p:cxnSp>
+        <p:nvCxnSpPr>
+          <p:cNvPr id="23" name="Straight Arrow Connector 22">
+            <a:extLst>
+              <a:ext uri="{FF2B5EF4-FFF2-40B4-BE49-F238E27FC236}">
+                <a16:creationId xmlns:a16="http://schemas.microsoft.com/office/drawing/2014/main" id="{C03D2A5E-19EB-F185-25E9-C339E6F57BA5}"/>
+              </a:ext>
+            </a:extLst>
+          </p:cNvPr>
+          <p:cNvCxnSpPr>
+            <a:cxnSpLocks/>
+          </p:cNvCxnSpPr>
+          <p:nvPr/>
+        </p:nvCxnSpPr>
+        <p:spPr>
+          <a:xfrm>
+            <a:off x="965771" y="4639638"/>
+            <a:ext cx="1132370" cy="0"/>
+          </a:xfrm>
+          <a:prstGeom prst="straightConnector1">
+            <a:avLst/>
+          </a:prstGeom>
+          <a:ln>
+            <a:headEnd type="triangle"/>
+            <a:tailEnd type="triangle"/>
+          </a:ln>
+        </p:spPr>
+        <p:style>
+          <a:lnRef idx="1">
+            <a:schemeClr val="accent1"/>
+          </a:lnRef>
+          <a:fillRef idx="0">
+            <a:schemeClr val="accent1"/>
+          </a:fillRef>
+          <a:effectRef idx="0">
+            <a:schemeClr val="accent1"/>
+          </a:effectRef>
+          <a:fontRef idx="minor">
+            <a:schemeClr val="tx1"/>
+          </a:fontRef>
+        </p:style>
+      </p:cxnSp>
+      <p:cxnSp>
+        <p:nvCxnSpPr>
+          <p:cNvPr id="25" name="Straight Arrow Connector 24">
+            <a:extLst>
+              <a:ext uri="{FF2B5EF4-FFF2-40B4-BE49-F238E27FC236}">
+                <a16:creationId xmlns:a16="http://schemas.microsoft.com/office/drawing/2014/main" id="{4C35F6D4-AEA4-B25B-D679-2F2C67FFA181}"/>
+              </a:ext>
+            </a:extLst>
+          </p:cNvPr>
+          <p:cNvCxnSpPr>
+            <a:cxnSpLocks/>
+          </p:cNvCxnSpPr>
+          <p:nvPr/>
+        </p:nvCxnSpPr>
+        <p:spPr>
+          <a:xfrm>
+            <a:off x="965770" y="4812587"/>
+            <a:ext cx="2054524" cy="0"/>
+          </a:xfrm>
+          <a:prstGeom prst="straightConnector1">
+            <a:avLst/>
+          </a:prstGeom>
+          <a:ln>
+            <a:headEnd type="triangle"/>
+            <a:tailEnd type="triangle"/>
+          </a:ln>
+        </p:spPr>
+        <p:style>
+          <a:lnRef idx="1">
+            <a:schemeClr val="accent1"/>
+          </a:lnRef>
+          <a:fillRef idx="0">
+            <a:schemeClr val="accent1"/>
+          </a:fillRef>
+          <a:effectRef idx="0">
+            <a:schemeClr val="accent1"/>
+          </a:effectRef>
+          <a:fontRef idx="minor">
+            <a:schemeClr val="tx1"/>
+          </a:fontRef>
+        </p:style>
+      </p:cxnSp>
+      <p:cxnSp>
+        <p:nvCxnSpPr>
+          <p:cNvPr id="27" name="Straight Arrow Connector 26">
+            <a:extLst>
+              <a:ext uri="{FF2B5EF4-FFF2-40B4-BE49-F238E27FC236}">
+                <a16:creationId xmlns:a16="http://schemas.microsoft.com/office/drawing/2014/main" id="{CF7CA6CA-2815-3CFB-30E0-97EE1B1C3D0B}"/>
+              </a:ext>
+            </a:extLst>
+          </p:cNvPr>
+          <p:cNvCxnSpPr>
+            <a:cxnSpLocks/>
+          </p:cNvCxnSpPr>
+          <p:nvPr/>
+        </p:nvCxnSpPr>
+        <p:spPr>
+          <a:xfrm>
+            <a:off x="965770" y="4964987"/>
+            <a:ext cx="3000555" cy="0"/>
+          </a:xfrm>
+          <a:prstGeom prst="straightConnector1">
+            <a:avLst/>
+          </a:prstGeom>
+          <a:ln>
+            <a:headEnd type="triangle"/>
+            <a:tailEnd type="triangle"/>
+          </a:ln>
+        </p:spPr>
+        <p:style>
+          <a:lnRef idx="1">
+            <a:schemeClr val="accent1"/>
+          </a:lnRef>
+          <a:fillRef idx="0">
+            <a:schemeClr val="accent1"/>
+          </a:fillRef>
+          <a:effectRef idx="0">
+            <a:schemeClr val="accent1"/>
+          </a:effectRef>
+          <a:fontRef idx="minor">
+            <a:schemeClr val="tx1"/>
+          </a:fontRef>
+        </p:style>
+      </p:cxnSp>
+      <p:sp>
+        <p:nvSpPr>
+          <p:cNvPr id="29" name="TextBox 28">
+            <a:extLst>
+              <a:ext uri="{FF2B5EF4-FFF2-40B4-BE49-F238E27FC236}">
+                <a16:creationId xmlns:a16="http://schemas.microsoft.com/office/drawing/2014/main" id="{4C10B5B8-040C-8AF5-5144-0C895FF5649B}"/>
+              </a:ext>
+            </a:extLst>
+          </p:cNvPr>
+          <p:cNvSpPr txBox="1"/>
+          <p:nvPr/>
+        </p:nvSpPr>
+        <p:spPr>
+          <a:xfrm>
+            <a:off x="902363" y="1688529"/>
+            <a:ext cx="670376" cy="369332"/>
+          </a:xfrm>
+          <a:prstGeom prst="rect">
+            <a:avLst/>
+          </a:prstGeom>
+          <a:noFill/>
+        </p:spPr>
+        <p:txBody>
+          <a:bodyPr wrap="none" rtlCol="0">
+            <a:spAutoFit/>
+          </a:bodyPr>
+          <a:lstStyle/>
+          <a:p>
+            <a:r>
+              <a:rPr lang="fr-CA" noProof="1"/>
+              <a:t>(0, 0)</a:t>
+            </a:r>
+          </a:p>
+        </p:txBody>
+      </p:sp>
+      <p:sp>
+        <p:nvSpPr>
+          <p:cNvPr id="30" name="Oval 29">
+            <a:extLst>
+              <a:ext uri="{FF2B5EF4-FFF2-40B4-BE49-F238E27FC236}">
+                <a16:creationId xmlns:a16="http://schemas.microsoft.com/office/drawing/2014/main" id="{A1523AF1-6FA6-508B-B1D3-336CBAC2F747}"/>
+              </a:ext>
+            </a:extLst>
+          </p:cNvPr>
+          <p:cNvSpPr/>
+          <p:nvPr/>
+        </p:nvSpPr>
+        <p:spPr>
+          <a:xfrm>
+            <a:off x="938588" y="1685568"/>
+            <a:ext cx="74127" cy="74127"/>
+          </a:xfrm>
+          <a:prstGeom prst="ellipse">
+            <a:avLst/>
+          </a:prstGeom>
+        </p:spPr>
+        <p:style>
+          <a:lnRef idx="2">
+            <a:schemeClr val="dk1">
+              <a:shade val="50000"/>
+            </a:schemeClr>
+          </a:lnRef>
+          <a:fillRef idx="1">
+            <a:schemeClr val="dk1"/>
+          </a:fillRef>
+          <a:effectRef idx="0">
+            <a:schemeClr val="dk1"/>
+          </a:effectRef>
+          <a:fontRef idx="minor">
+            <a:schemeClr val="lt1"/>
+          </a:fontRef>
+        </p:style>
+        <p:txBody>
+          <a:bodyPr rtlCol="0" anchor="ctr"/>
+          <a:lstStyle/>
+          <a:p>
+            <a:pPr algn="ctr"/>
+            <a:endParaRPr lang="fr-CA" noProof="1"/>
+          </a:p>
+        </p:txBody>
+      </p:sp>
+      <p:cxnSp>
+        <p:nvCxnSpPr>
+          <p:cNvPr id="42" name="Straight Connector 41">
+            <a:extLst>
+              <a:ext uri="{FF2B5EF4-FFF2-40B4-BE49-F238E27FC236}">
+                <a16:creationId xmlns:a16="http://schemas.microsoft.com/office/drawing/2014/main" id="{93BB9CDE-C32A-2CC5-EAC0-C1D55F7775E4}"/>
+              </a:ext>
+            </a:extLst>
+          </p:cNvPr>
+          <p:cNvCxnSpPr>
+            <a:cxnSpLocks/>
+          </p:cNvCxnSpPr>
+          <p:nvPr/>
+        </p:nvCxnSpPr>
+        <p:spPr>
+          <a:xfrm>
+            <a:off x="965462" y="3071973"/>
+            <a:ext cx="0" cy="2214065"/>
+          </a:xfrm>
+          <a:prstGeom prst="line">
+            <a:avLst/>
+          </a:prstGeom>
+          <a:ln w="9525" cap="flat" cmpd="sng" algn="ctr">
+            <a:solidFill>
+              <a:schemeClr val="accent1"/>
+            </a:solidFill>
+            <a:prstDash val="dash"/>
+            <a:round/>
+            <a:headEnd type="none" w="med" len="med"/>
+            <a:tailEnd type="none" w="med" len="med"/>
+          </a:ln>
+        </p:spPr>
+        <p:style>
+          <a:lnRef idx="0">
+            <a:scrgbClr r="0" g="0" b="0"/>
+          </a:lnRef>
+          <a:fillRef idx="0">
+            <a:scrgbClr r="0" g="0" b="0"/>
+          </a:fillRef>
+          <a:effectRef idx="0">
+            <a:scrgbClr r="0" g="0" b="0"/>
+          </a:effectRef>
+          <a:fontRef idx="minor">
+            <a:schemeClr val="tx1"/>
+          </a:fontRef>
+        </p:style>
+      </p:cxnSp>
+      <p:sp>
+        <p:nvSpPr>
+          <p:cNvPr id="56" name="Left-Right Arrow 55">
+            <a:extLst>
+              <a:ext uri="{FF2B5EF4-FFF2-40B4-BE49-F238E27FC236}">
+                <a16:creationId xmlns:a16="http://schemas.microsoft.com/office/drawing/2014/main" id="{839B3B26-D8DB-068E-5587-A4815A60851C}"/>
+              </a:ext>
+            </a:extLst>
+          </p:cNvPr>
+          <p:cNvSpPr/>
+          <p:nvPr/>
+        </p:nvSpPr>
+        <p:spPr>
+          <a:xfrm>
+            <a:off x="1172658" y="3238612"/>
+            <a:ext cx="935757" cy="261394"/>
+          </a:xfrm>
+          <a:prstGeom prst="leftRightArrow">
+            <a:avLst/>
+          </a:prstGeom>
+        </p:spPr>
+        <p:style>
+          <a:lnRef idx="2">
+            <a:schemeClr val="accent2"/>
+          </a:lnRef>
+          <a:fillRef idx="1">
+            <a:schemeClr val="lt1"/>
+          </a:fillRef>
+          <a:effectRef idx="0">
+            <a:schemeClr val="accent2"/>
+          </a:effectRef>
+          <a:fontRef idx="minor">
+            <a:schemeClr val="dk1"/>
+          </a:fontRef>
+        </p:style>
+        <p:txBody>
+          <a:bodyPr rtlCol="0" anchor="ctr"/>
+          <a:lstStyle/>
+          <a:p>
+            <a:pPr algn="ctr"/>
+            <a:r>
+              <a:rPr lang="fr-CA" sz="1200" noProof="1"/>
+              <a:t>left step</a:t>
+            </a:r>
+          </a:p>
+        </p:txBody>
+      </p:sp>
+      <p:sp>
+        <p:nvSpPr>
+          <p:cNvPr id="57" name="Left-Right Arrow 56">
+            <a:extLst>
+              <a:ext uri="{FF2B5EF4-FFF2-40B4-BE49-F238E27FC236}">
+                <a16:creationId xmlns:a16="http://schemas.microsoft.com/office/drawing/2014/main" id="{5746E0EA-6C95-33F6-393C-9C95C966FA81}"/>
+              </a:ext>
+            </a:extLst>
+          </p:cNvPr>
+          <p:cNvSpPr/>
+          <p:nvPr/>
+        </p:nvSpPr>
+        <p:spPr>
+          <a:xfrm>
+            <a:off x="2104778" y="3241113"/>
+            <a:ext cx="935757" cy="261394"/>
+          </a:xfrm>
+          <a:prstGeom prst="leftRightArrow">
+            <a:avLst/>
+          </a:prstGeom>
+        </p:spPr>
+        <p:style>
+          <a:lnRef idx="2">
+            <a:schemeClr val="accent2">
+              <a:shade val="50000"/>
+            </a:schemeClr>
+          </a:lnRef>
+          <a:fillRef idx="1">
+            <a:schemeClr val="accent2"/>
+          </a:fillRef>
+          <a:effectRef idx="0">
+            <a:schemeClr val="accent2"/>
+          </a:effectRef>
+          <a:fontRef idx="minor">
+            <a:schemeClr val="lt1"/>
+          </a:fontRef>
+        </p:style>
+        <p:txBody>
+          <a:bodyPr rtlCol="0" anchor="ctr"/>
+          <a:lstStyle/>
+          <a:p>
+            <a:pPr algn="ctr"/>
+            <a:r>
+              <a:rPr lang="fr-CA" sz="1200" noProof="1"/>
+              <a:t>right step</a:t>
+            </a:r>
+          </a:p>
+        </p:txBody>
+      </p:sp>
+      <p:grpSp>
+        <p:nvGrpSpPr>
+          <p:cNvPr id="1027" name="Group 1026">
+            <a:extLst>
+              <a:ext uri="{FF2B5EF4-FFF2-40B4-BE49-F238E27FC236}">
+                <a16:creationId xmlns:a16="http://schemas.microsoft.com/office/drawing/2014/main" id="{534C33C6-65DC-CEAB-E53F-247A51005461}"/>
+              </a:ext>
+            </a:extLst>
+          </p:cNvPr>
+          <p:cNvGrpSpPr/>
+          <p:nvPr/>
+        </p:nvGrpSpPr>
+        <p:grpSpPr>
+          <a:xfrm>
+            <a:off x="1172658" y="2201197"/>
+            <a:ext cx="9342823" cy="3084841"/>
+            <a:chOff x="1172658" y="2201198"/>
+            <a:chExt cx="9342823" cy="2103674"/>
+          </a:xfrm>
+        </p:grpSpPr>
+        <p:cxnSp>
+          <p:nvCxnSpPr>
+            <p:cNvPr id="32" name="Straight Connector 31">
+              <a:extLst>
+                <a:ext uri="{FF2B5EF4-FFF2-40B4-BE49-F238E27FC236}">
+                  <a16:creationId xmlns:a16="http://schemas.microsoft.com/office/drawing/2014/main" id="{6DDF7550-951A-57CF-2DDC-CFF7B907E8B2}"/>
+                </a:ext>
+              </a:extLst>
+            </p:cNvPr>
+            <p:cNvCxnSpPr>
+              <a:cxnSpLocks/>
+            </p:cNvCxnSpPr>
+            <p:nvPr/>
+          </p:nvCxnSpPr>
+          <p:spPr>
+            <a:xfrm>
+              <a:off x="1172658" y="2201198"/>
+              <a:ext cx="0" cy="2103674"/>
+            </a:xfrm>
+            <a:prstGeom prst="line">
+              <a:avLst/>
+            </a:prstGeom>
+            <a:ln w="9525" cap="flat" cmpd="sng" algn="ctr">
+              <a:solidFill>
+                <a:schemeClr val="accent1"/>
+              </a:solidFill>
+              <a:prstDash val="dash"/>
+              <a:round/>
+              <a:headEnd type="none" w="med" len="med"/>
+              <a:tailEnd type="none" w="med" len="med"/>
+            </a:ln>
+          </p:spPr>
+          <p:style>
+            <a:lnRef idx="0">
+              <a:scrgbClr r="0" g="0" b="0"/>
+            </a:lnRef>
+            <a:fillRef idx="0">
+              <a:scrgbClr r="0" g="0" b="0"/>
+            </a:fillRef>
+            <a:effectRef idx="0">
+              <a:scrgbClr r="0" g="0" b="0"/>
+            </a:effectRef>
+            <a:fontRef idx="minor">
+              <a:schemeClr val="tx1"/>
+            </a:fontRef>
+          </p:style>
+        </p:cxnSp>
+        <p:cxnSp>
+          <p:nvCxnSpPr>
+            <p:cNvPr id="34" name="Straight Connector 33">
+              <a:extLst>
+                <a:ext uri="{FF2B5EF4-FFF2-40B4-BE49-F238E27FC236}">
+                  <a16:creationId xmlns:a16="http://schemas.microsoft.com/office/drawing/2014/main" id="{5C5312B7-4893-13D2-152E-4438DADD3BD3}"/>
+                </a:ext>
+              </a:extLst>
+            </p:cNvPr>
+            <p:cNvCxnSpPr>
+              <a:cxnSpLocks/>
+            </p:cNvCxnSpPr>
+            <p:nvPr/>
+          </p:nvCxnSpPr>
+          <p:spPr>
+            <a:xfrm>
+              <a:off x="2108415" y="2201198"/>
+              <a:ext cx="0" cy="2103674"/>
+            </a:xfrm>
+            <a:prstGeom prst="line">
+              <a:avLst/>
+            </a:prstGeom>
+            <a:ln w="9525" cap="flat" cmpd="sng" algn="ctr">
+              <a:solidFill>
+                <a:schemeClr val="accent1"/>
+              </a:solidFill>
+              <a:prstDash val="dash"/>
+              <a:round/>
+              <a:headEnd type="none" w="med" len="med"/>
+              <a:tailEnd type="none" w="med" len="med"/>
+            </a:ln>
+          </p:spPr>
+          <p:style>
+            <a:lnRef idx="0">
+              <a:scrgbClr r="0" g="0" b="0"/>
+            </a:lnRef>
+            <a:fillRef idx="0">
+              <a:scrgbClr r="0" g="0" b="0"/>
+            </a:fillRef>
+            <a:effectRef idx="0">
+              <a:scrgbClr r="0" g="0" b="0"/>
+            </a:effectRef>
+            <a:fontRef idx="minor">
+              <a:schemeClr val="tx1"/>
+            </a:fontRef>
+          </p:style>
+        </p:cxnSp>
+        <p:cxnSp>
+          <p:nvCxnSpPr>
+            <p:cNvPr id="35" name="Straight Connector 34">
+              <a:extLst>
+                <a:ext uri="{FF2B5EF4-FFF2-40B4-BE49-F238E27FC236}">
+                  <a16:creationId xmlns:a16="http://schemas.microsoft.com/office/drawing/2014/main" id="{C169E4A1-C892-6DEE-5838-A1E146B14AAC}"/>
+                </a:ext>
+              </a:extLst>
+            </p:cNvPr>
+            <p:cNvCxnSpPr>
+              <a:cxnSpLocks/>
+            </p:cNvCxnSpPr>
+            <p:nvPr/>
+          </p:nvCxnSpPr>
+          <p:spPr>
+            <a:xfrm>
+              <a:off x="3040535" y="2201198"/>
+              <a:ext cx="0" cy="2103674"/>
+            </a:xfrm>
+            <a:prstGeom prst="line">
+              <a:avLst/>
+            </a:prstGeom>
+            <a:ln w="9525" cap="flat" cmpd="sng" algn="ctr">
+              <a:solidFill>
+                <a:schemeClr val="accent1"/>
+              </a:solidFill>
+              <a:prstDash val="dash"/>
+              <a:round/>
+              <a:headEnd type="none" w="med" len="med"/>
+              <a:tailEnd type="none" w="med" len="med"/>
+            </a:ln>
+          </p:spPr>
+          <p:style>
+            <a:lnRef idx="0">
+              <a:scrgbClr r="0" g="0" b="0"/>
+            </a:lnRef>
+            <a:fillRef idx="0">
+              <a:scrgbClr r="0" g="0" b="0"/>
+            </a:fillRef>
+            <a:effectRef idx="0">
+              <a:scrgbClr r="0" g="0" b="0"/>
+            </a:effectRef>
+            <a:fontRef idx="minor">
+              <a:schemeClr val="tx1"/>
+            </a:fontRef>
+          </p:style>
+        </p:cxnSp>
+        <p:cxnSp>
+          <p:nvCxnSpPr>
+            <p:cNvPr id="36" name="Straight Connector 35">
+              <a:extLst>
+                <a:ext uri="{FF2B5EF4-FFF2-40B4-BE49-F238E27FC236}">
+                  <a16:creationId xmlns:a16="http://schemas.microsoft.com/office/drawing/2014/main" id="{71B7BFB1-6F23-8828-3B98-7EA35B420C7D}"/>
+                </a:ext>
+              </a:extLst>
+            </p:cNvPr>
+            <p:cNvCxnSpPr>
+              <a:cxnSpLocks/>
+            </p:cNvCxnSpPr>
+            <p:nvPr/>
+          </p:nvCxnSpPr>
+          <p:spPr>
+            <a:xfrm>
+              <a:off x="3976599" y="2201198"/>
+              <a:ext cx="0" cy="2103674"/>
+            </a:xfrm>
+            <a:prstGeom prst="line">
+              <a:avLst/>
+            </a:prstGeom>
+            <a:ln w="9525" cap="flat" cmpd="sng" algn="ctr">
+              <a:solidFill>
+                <a:schemeClr val="accent1"/>
+              </a:solidFill>
+              <a:prstDash val="dash"/>
+              <a:round/>
+              <a:headEnd type="none" w="med" len="med"/>
+              <a:tailEnd type="none" w="med" len="med"/>
+            </a:ln>
+          </p:spPr>
+          <p:style>
+            <a:lnRef idx="0">
+              <a:scrgbClr r="0" g="0" b="0"/>
+            </a:lnRef>
+            <a:fillRef idx="0">
+              <a:scrgbClr r="0" g="0" b="0"/>
+            </a:fillRef>
+            <a:effectRef idx="0">
+              <a:scrgbClr r="0" g="0" b="0"/>
+            </a:effectRef>
+            <a:fontRef idx="minor">
+              <a:schemeClr val="tx1"/>
+            </a:fontRef>
+          </p:style>
+        </p:cxnSp>
+        <p:cxnSp>
+          <p:nvCxnSpPr>
+            <p:cNvPr id="59" name="Straight Connector 58">
+              <a:extLst>
+                <a:ext uri="{FF2B5EF4-FFF2-40B4-BE49-F238E27FC236}">
+                  <a16:creationId xmlns:a16="http://schemas.microsoft.com/office/drawing/2014/main" id="{B0F5AFA1-2804-56C6-76BC-2B358D79EDA0}"/>
+                </a:ext>
+              </a:extLst>
+            </p:cNvPr>
+            <p:cNvCxnSpPr>
+              <a:cxnSpLocks/>
+            </p:cNvCxnSpPr>
+            <p:nvPr/>
+          </p:nvCxnSpPr>
+          <p:spPr>
+            <a:xfrm>
+              <a:off x="4897540" y="2201198"/>
+              <a:ext cx="0" cy="2103674"/>
+            </a:xfrm>
+            <a:prstGeom prst="line">
+              <a:avLst/>
+            </a:prstGeom>
+            <a:ln w="9525" cap="flat" cmpd="sng" algn="ctr">
+              <a:solidFill>
+                <a:schemeClr val="accent1"/>
+              </a:solidFill>
+              <a:prstDash val="dash"/>
+              <a:round/>
+              <a:headEnd type="none" w="med" len="med"/>
+              <a:tailEnd type="none" w="med" len="med"/>
+            </a:ln>
+          </p:spPr>
+          <p:style>
+            <a:lnRef idx="0">
+              <a:scrgbClr r="0" g="0" b="0"/>
+            </a:lnRef>
+            <a:fillRef idx="0">
+              <a:scrgbClr r="0" g="0" b="0"/>
+            </a:fillRef>
+            <a:effectRef idx="0">
+              <a:scrgbClr r="0" g="0" b="0"/>
+            </a:effectRef>
+            <a:fontRef idx="minor">
+              <a:schemeClr val="tx1"/>
+            </a:fontRef>
+          </p:style>
+        </p:cxnSp>
+        <p:cxnSp>
+          <p:nvCxnSpPr>
+            <p:cNvPr id="60" name="Straight Connector 59">
+              <a:extLst>
+                <a:ext uri="{FF2B5EF4-FFF2-40B4-BE49-F238E27FC236}">
+                  <a16:creationId xmlns:a16="http://schemas.microsoft.com/office/drawing/2014/main" id="{D9B5B23D-125A-C97D-C4A1-3B4FAEE1DCBD}"/>
+                </a:ext>
+              </a:extLst>
+            </p:cNvPr>
+            <p:cNvCxnSpPr>
+              <a:cxnSpLocks/>
+            </p:cNvCxnSpPr>
+            <p:nvPr/>
+          </p:nvCxnSpPr>
+          <p:spPr>
+            <a:xfrm>
+              <a:off x="5844783" y="2201198"/>
+              <a:ext cx="0" cy="2103674"/>
+            </a:xfrm>
+            <a:prstGeom prst="line">
+              <a:avLst/>
+            </a:prstGeom>
+            <a:ln w="9525" cap="flat" cmpd="sng" algn="ctr">
+              <a:solidFill>
+                <a:schemeClr val="accent1"/>
+              </a:solidFill>
+              <a:prstDash val="dash"/>
+              <a:round/>
+              <a:headEnd type="none" w="med" len="med"/>
+              <a:tailEnd type="none" w="med" len="med"/>
+            </a:ln>
+          </p:spPr>
+          <p:style>
+            <a:lnRef idx="0">
+              <a:scrgbClr r="0" g="0" b="0"/>
+            </a:lnRef>
+            <a:fillRef idx="0">
+              <a:scrgbClr r="0" g="0" b="0"/>
+            </a:fillRef>
+            <a:effectRef idx="0">
+              <a:scrgbClr r="0" g="0" b="0"/>
+            </a:effectRef>
+            <a:fontRef idx="minor">
+              <a:schemeClr val="tx1"/>
+            </a:fontRef>
+          </p:style>
+        </p:cxnSp>
+        <p:cxnSp>
+          <p:nvCxnSpPr>
+            <p:cNvPr id="61" name="Straight Connector 60">
+              <a:extLst>
+                <a:ext uri="{FF2B5EF4-FFF2-40B4-BE49-F238E27FC236}">
+                  <a16:creationId xmlns:a16="http://schemas.microsoft.com/office/drawing/2014/main" id="{FFD72DE0-16B8-583C-90DE-B08BAA228D9A}"/>
+                </a:ext>
+              </a:extLst>
+            </p:cNvPr>
+            <p:cNvCxnSpPr>
+              <a:cxnSpLocks/>
+            </p:cNvCxnSpPr>
+            <p:nvPr/>
+          </p:nvCxnSpPr>
+          <p:spPr>
+            <a:xfrm>
+              <a:off x="6774882" y="2201198"/>
+              <a:ext cx="0" cy="2103674"/>
+            </a:xfrm>
+            <a:prstGeom prst="line">
+              <a:avLst/>
+            </a:prstGeom>
+            <a:ln w="9525" cap="flat" cmpd="sng" algn="ctr">
+              <a:solidFill>
+                <a:schemeClr val="accent1"/>
+              </a:solidFill>
+              <a:prstDash val="dash"/>
+              <a:round/>
+              <a:headEnd type="none" w="med" len="med"/>
+              <a:tailEnd type="none" w="med" len="med"/>
+            </a:ln>
+          </p:spPr>
+          <p:style>
+            <a:lnRef idx="0">
+              <a:scrgbClr r="0" g="0" b="0"/>
+            </a:lnRef>
+            <a:fillRef idx="0">
+              <a:scrgbClr r="0" g="0" b="0"/>
+            </a:fillRef>
+            <a:effectRef idx="0">
+              <a:scrgbClr r="0" g="0" b="0"/>
+            </a:effectRef>
+            <a:fontRef idx="minor">
+              <a:schemeClr val="tx1"/>
+            </a:fontRef>
+          </p:style>
+        </p:cxnSp>
+        <p:cxnSp>
+          <p:nvCxnSpPr>
+            <p:cNvPr id="62" name="Straight Connector 61">
+              <a:extLst>
+                <a:ext uri="{FF2B5EF4-FFF2-40B4-BE49-F238E27FC236}">
+                  <a16:creationId xmlns:a16="http://schemas.microsoft.com/office/drawing/2014/main" id="{FA2C15F4-9D7F-B86A-4067-814F32C9B161}"/>
+                </a:ext>
+              </a:extLst>
+            </p:cNvPr>
+            <p:cNvCxnSpPr>
+              <a:cxnSpLocks/>
+            </p:cNvCxnSpPr>
+            <p:nvPr/>
+          </p:nvCxnSpPr>
+          <p:spPr>
+            <a:xfrm>
+              <a:off x="7700672" y="2201198"/>
+              <a:ext cx="0" cy="2103674"/>
+            </a:xfrm>
+            <a:prstGeom prst="line">
+              <a:avLst/>
+            </a:prstGeom>
+            <a:ln w="9525" cap="flat" cmpd="sng" algn="ctr">
+              <a:solidFill>
+                <a:schemeClr val="accent1"/>
+              </a:solidFill>
+              <a:prstDash val="dash"/>
+              <a:round/>
+              <a:headEnd type="none" w="med" len="med"/>
+              <a:tailEnd type="none" w="med" len="med"/>
+            </a:ln>
+          </p:spPr>
+          <p:style>
+            <a:lnRef idx="0">
+              <a:scrgbClr r="0" g="0" b="0"/>
+            </a:lnRef>
+            <a:fillRef idx="0">
+              <a:scrgbClr r="0" g="0" b="0"/>
+            </a:fillRef>
+            <a:effectRef idx="0">
+              <a:scrgbClr r="0" g="0" b="0"/>
+            </a:effectRef>
+            <a:fontRef idx="minor">
+              <a:schemeClr val="tx1"/>
+            </a:fontRef>
+          </p:style>
+        </p:cxnSp>
+        <p:cxnSp>
+          <p:nvCxnSpPr>
+            <p:cNvPr id="63" name="Straight Connector 62">
+              <a:extLst>
+                <a:ext uri="{FF2B5EF4-FFF2-40B4-BE49-F238E27FC236}">
+                  <a16:creationId xmlns:a16="http://schemas.microsoft.com/office/drawing/2014/main" id="{F07964C0-9804-E777-74DC-47B075701592}"/>
+                </a:ext>
+              </a:extLst>
+            </p:cNvPr>
+            <p:cNvCxnSpPr>
+              <a:cxnSpLocks/>
+            </p:cNvCxnSpPr>
+            <p:nvPr/>
+          </p:nvCxnSpPr>
+          <p:spPr>
+            <a:xfrm>
+              <a:off x="8642161" y="2201198"/>
+              <a:ext cx="0" cy="2103674"/>
+            </a:xfrm>
+            <a:prstGeom prst="line">
+              <a:avLst/>
+            </a:prstGeom>
+            <a:ln w="9525" cap="flat" cmpd="sng" algn="ctr">
+              <a:solidFill>
+                <a:schemeClr val="accent1"/>
+              </a:solidFill>
+              <a:prstDash val="dash"/>
+              <a:round/>
+              <a:headEnd type="none" w="med" len="med"/>
+              <a:tailEnd type="none" w="med" len="med"/>
+            </a:ln>
+          </p:spPr>
+          <p:style>
+            <a:lnRef idx="0">
+              <a:scrgbClr r="0" g="0" b="0"/>
+            </a:lnRef>
+            <a:fillRef idx="0">
+              <a:scrgbClr r="0" g="0" b="0"/>
+            </a:fillRef>
+            <a:effectRef idx="0">
+              <a:scrgbClr r="0" g="0" b="0"/>
+            </a:effectRef>
+            <a:fontRef idx="minor">
+              <a:schemeClr val="tx1"/>
+            </a:fontRef>
+          </p:style>
+        </p:cxnSp>
+        <p:cxnSp>
+          <p:nvCxnSpPr>
+            <p:cNvPr id="1024" name="Straight Connector 1023">
+              <a:extLst>
+                <a:ext uri="{FF2B5EF4-FFF2-40B4-BE49-F238E27FC236}">
+                  <a16:creationId xmlns:a16="http://schemas.microsoft.com/office/drawing/2014/main" id="{F8F215E0-2293-19B8-697A-13859F601753}"/>
+                </a:ext>
+              </a:extLst>
+            </p:cNvPr>
+            <p:cNvCxnSpPr>
+              <a:cxnSpLocks/>
+            </p:cNvCxnSpPr>
+            <p:nvPr/>
+          </p:nvCxnSpPr>
+          <p:spPr>
+            <a:xfrm>
+              <a:off x="9579130" y="2201198"/>
+              <a:ext cx="0" cy="2103674"/>
+            </a:xfrm>
+            <a:prstGeom prst="line">
+              <a:avLst/>
+            </a:prstGeom>
+            <a:ln w="9525" cap="flat" cmpd="sng" algn="ctr">
+              <a:solidFill>
+                <a:schemeClr val="accent1"/>
+              </a:solidFill>
+              <a:prstDash val="dash"/>
+              <a:round/>
+              <a:headEnd type="none" w="med" len="med"/>
+              <a:tailEnd type="none" w="med" len="med"/>
+            </a:ln>
+          </p:spPr>
+          <p:style>
+            <a:lnRef idx="0">
+              <a:scrgbClr r="0" g="0" b="0"/>
+            </a:lnRef>
+            <a:fillRef idx="0">
+              <a:scrgbClr r="0" g="0" b="0"/>
+            </a:fillRef>
+            <a:effectRef idx="0">
+              <a:scrgbClr r="0" g="0" b="0"/>
+            </a:effectRef>
+            <a:fontRef idx="minor">
+              <a:schemeClr val="tx1"/>
+            </a:fontRef>
+          </p:style>
+        </p:cxnSp>
+        <p:cxnSp>
+          <p:nvCxnSpPr>
+            <p:cNvPr id="1025" name="Straight Connector 1024">
+              <a:extLst>
+                <a:ext uri="{FF2B5EF4-FFF2-40B4-BE49-F238E27FC236}">
+                  <a16:creationId xmlns:a16="http://schemas.microsoft.com/office/drawing/2014/main" id="{D6E2B8B3-DAE8-2382-0B91-2E63A4460EE4}"/>
+                </a:ext>
+              </a:extLst>
+            </p:cNvPr>
+            <p:cNvCxnSpPr>
+              <a:cxnSpLocks/>
+            </p:cNvCxnSpPr>
+            <p:nvPr/>
+          </p:nvCxnSpPr>
+          <p:spPr>
+            <a:xfrm>
+              <a:off x="10515481" y="2201198"/>
+              <a:ext cx="0" cy="2103674"/>
+            </a:xfrm>
+            <a:prstGeom prst="line">
+              <a:avLst/>
+            </a:prstGeom>
+            <a:ln w="9525" cap="flat" cmpd="sng" algn="ctr">
+              <a:solidFill>
+                <a:schemeClr val="accent1"/>
+              </a:solidFill>
+              <a:prstDash val="dash"/>
+              <a:round/>
+              <a:headEnd type="none" w="med" len="med"/>
+              <a:tailEnd type="none" w="med" len="med"/>
+            </a:ln>
+          </p:spPr>
+          <p:style>
+            <a:lnRef idx="0">
+              <a:scrgbClr r="0" g="0" b="0"/>
+            </a:lnRef>
+            <a:fillRef idx="0">
+              <a:scrgbClr r="0" g="0" b="0"/>
+            </a:fillRef>
+            <a:effectRef idx="0">
+              <a:scrgbClr r="0" g="0" b="0"/>
+            </a:effectRef>
+            <a:fontRef idx="minor">
+              <a:schemeClr val="tx1"/>
+            </a:fontRef>
+          </p:style>
+        </p:cxnSp>
+      </p:grpSp>
+      <p:sp>
+        <p:nvSpPr>
+          <p:cNvPr id="1029" name="Left-Right Arrow 1028">
+            <a:extLst>
+              <a:ext uri="{FF2B5EF4-FFF2-40B4-BE49-F238E27FC236}">
+                <a16:creationId xmlns:a16="http://schemas.microsoft.com/office/drawing/2014/main" id="{FD32D668-8942-2D18-63C8-CA0A4F927DD2}"/>
+              </a:ext>
+            </a:extLst>
+          </p:cNvPr>
+          <p:cNvSpPr/>
+          <p:nvPr/>
+        </p:nvSpPr>
+        <p:spPr>
+          <a:xfrm>
+            <a:off x="3052032" y="3236332"/>
+            <a:ext cx="935757" cy="261394"/>
+          </a:xfrm>
+          <a:prstGeom prst="leftRightArrow">
+            <a:avLst/>
+          </a:prstGeom>
+        </p:spPr>
+        <p:style>
+          <a:lnRef idx="2">
+            <a:schemeClr val="accent2"/>
+          </a:lnRef>
+          <a:fillRef idx="1">
+            <a:schemeClr val="lt1"/>
+          </a:fillRef>
+          <a:effectRef idx="0">
+            <a:schemeClr val="accent2"/>
+          </a:effectRef>
+          <a:fontRef idx="minor">
+            <a:schemeClr val="dk1"/>
+          </a:fontRef>
+        </p:style>
+        <p:txBody>
+          <a:bodyPr rtlCol="0" anchor="ctr"/>
+          <a:lstStyle/>
+          <a:p>
+            <a:pPr algn="ctr"/>
+            <a:r>
+              <a:rPr lang="fr-CA" sz="1200" noProof="1"/>
+              <a:t>left step</a:t>
+            </a:r>
+          </a:p>
+        </p:txBody>
+      </p:sp>
+      <p:sp>
+        <p:nvSpPr>
+          <p:cNvPr id="1030" name="Left-Right Arrow 1029">
+            <a:extLst>
+              <a:ext uri="{FF2B5EF4-FFF2-40B4-BE49-F238E27FC236}">
+                <a16:creationId xmlns:a16="http://schemas.microsoft.com/office/drawing/2014/main" id="{DA834BD3-8A3C-5190-93FF-42D0C75B6A47}"/>
+              </a:ext>
+            </a:extLst>
+          </p:cNvPr>
+          <p:cNvSpPr/>
+          <p:nvPr/>
+        </p:nvSpPr>
+        <p:spPr>
+          <a:xfrm>
+            <a:off x="3976906" y="3236229"/>
+            <a:ext cx="935757" cy="261394"/>
+          </a:xfrm>
+          <a:prstGeom prst="leftRightArrow">
+            <a:avLst/>
+          </a:prstGeom>
+        </p:spPr>
+        <p:style>
+          <a:lnRef idx="2">
+            <a:schemeClr val="accent2">
+              <a:shade val="50000"/>
+            </a:schemeClr>
+          </a:lnRef>
+          <a:fillRef idx="1">
+            <a:schemeClr val="accent2"/>
+          </a:fillRef>
+          <a:effectRef idx="0">
+            <a:schemeClr val="accent2"/>
+          </a:effectRef>
+          <a:fontRef idx="minor">
+            <a:schemeClr val="lt1"/>
+          </a:fontRef>
+        </p:style>
+        <p:txBody>
+          <a:bodyPr rtlCol="0" anchor="ctr"/>
+          <a:lstStyle/>
+          <a:p>
+            <a:pPr algn="ctr"/>
+            <a:r>
+              <a:rPr lang="fr-CA" sz="1200" noProof="1"/>
+              <a:t>right step</a:t>
+            </a:r>
+          </a:p>
+        </p:txBody>
+      </p:sp>
+      <p:sp>
+        <p:nvSpPr>
+          <p:cNvPr id="1031" name="Left-Right Arrow 1030">
+            <a:extLst>
+              <a:ext uri="{FF2B5EF4-FFF2-40B4-BE49-F238E27FC236}">
+                <a16:creationId xmlns:a16="http://schemas.microsoft.com/office/drawing/2014/main" id="{F867D11B-155F-60AE-491F-A17ECE7DFC5E}"/>
+              </a:ext>
+            </a:extLst>
+          </p:cNvPr>
+          <p:cNvSpPr/>
+          <p:nvPr/>
+        </p:nvSpPr>
+        <p:spPr>
+          <a:xfrm>
+            <a:off x="1172657" y="3544758"/>
+            <a:ext cx="1866974" cy="261394"/>
+          </a:xfrm>
+          <a:prstGeom prst="leftRightArrow">
+            <a:avLst/>
+          </a:prstGeom>
+        </p:spPr>
+        <p:style>
+          <a:lnRef idx="2">
+            <a:schemeClr val="accent2">
+              <a:shade val="50000"/>
+            </a:schemeClr>
+          </a:lnRef>
+          <a:fillRef idx="1">
+            <a:schemeClr val="accent2"/>
+          </a:fillRef>
+          <a:effectRef idx="0">
+            <a:schemeClr val="accent2"/>
+          </a:effectRef>
+          <a:fontRef idx="minor">
+            <a:schemeClr val="lt1"/>
+          </a:fontRef>
+        </p:style>
+        <p:txBody>
+          <a:bodyPr rtlCol="0" anchor="ctr"/>
+          <a:lstStyle/>
+          <a:p>
+            <a:pPr algn="ctr"/>
+            <a:r>
+              <a:rPr lang="fr-CA" sz="1200" noProof="1"/>
+              <a:t>right stride</a:t>
+            </a:r>
+          </a:p>
+        </p:txBody>
+      </p:sp>
+      <p:sp>
+        <p:nvSpPr>
+          <p:cNvPr id="1032" name="Left-Right Arrow 1031">
+            <a:extLst>
+              <a:ext uri="{FF2B5EF4-FFF2-40B4-BE49-F238E27FC236}">
+                <a16:creationId xmlns:a16="http://schemas.microsoft.com/office/drawing/2014/main" id="{3A0B591B-7882-8949-69B8-97C630CAE47F}"/>
+              </a:ext>
+            </a:extLst>
+          </p:cNvPr>
+          <p:cNvSpPr/>
+          <p:nvPr/>
+        </p:nvSpPr>
+        <p:spPr>
+          <a:xfrm>
+            <a:off x="3052032" y="3544209"/>
+            <a:ext cx="1866974" cy="261394"/>
+          </a:xfrm>
+          <a:prstGeom prst="leftRightArrow">
+            <a:avLst/>
+          </a:prstGeom>
+        </p:spPr>
+        <p:style>
+          <a:lnRef idx="2">
+            <a:schemeClr val="accent2">
+              <a:shade val="50000"/>
+            </a:schemeClr>
+          </a:lnRef>
+          <a:fillRef idx="1">
+            <a:schemeClr val="accent2"/>
+          </a:fillRef>
+          <a:effectRef idx="0">
+            <a:schemeClr val="accent2"/>
+          </a:effectRef>
+          <a:fontRef idx="minor">
+            <a:schemeClr val="lt1"/>
+          </a:fontRef>
+        </p:style>
+        <p:txBody>
+          <a:bodyPr rtlCol="0" anchor="ctr"/>
+          <a:lstStyle/>
+          <a:p>
+            <a:pPr algn="ctr"/>
+            <a:r>
+              <a:rPr lang="fr-CA" sz="1200" noProof="1"/>
+              <a:t>right stride</a:t>
+            </a:r>
+          </a:p>
+        </p:txBody>
+      </p:sp>
+      <p:sp>
+        <p:nvSpPr>
+          <p:cNvPr id="1033" name="Left-Right Arrow 1032">
+            <a:extLst>
+              <a:ext uri="{FF2B5EF4-FFF2-40B4-BE49-F238E27FC236}">
+                <a16:creationId xmlns:a16="http://schemas.microsoft.com/office/drawing/2014/main" id="{41C5EF04-73A9-B51F-3012-252BCD47512A}"/>
+              </a:ext>
+            </a:extLst>
+          </p:cNvPr>
+          <p:cNvSpPr/>
+          <p:nvPr/>
+        </p:nvSpPr>
+        <p:spPr>
+          <a:xfrm>
+            <a:off x="2117390" y="3857224"/>
+            <a:ext cx="1866974" cy="261394"/>
+          </a:xfrm>
+          <a:prstGeom prst="leftRightArrow">
+            <a:avLst/>
+          </a:prstGeom>
+        </p:spPr>
+        <p:style>
+          <a:lnRef idx="2">
+            <a:schemeClr val="accent2"/>
+          </a:lnRef>
+          <a:fillRef idx="1">
+            <a:schemeClr val="lt1"/>
+          </a:fillRef>
+          <a:effectRef idx="0">
+            <a:schemeClr val="accent2"/>
+          </a:effectRef>
+          <a:fontRef idx="minor">
+            <a:schemeClr val="dk1"/>
+          </a:fontRef>
+        </p:style>
+        <p:txBody>
+          <a:bodyPr rtlCol="0" anchor="ctr"/>
+          <a:lstStyle/>
+          <a:p>
+            <a:pPr algn="ctr"/>
+            <a:r>
+              <a:rPr lang="fr-CA" sz="1200" noProof="1"/>
+              <a:t>left stride</a:t>
+            </a:r>
+          </a:p>
+        </p:txBody>
+      </p:sp>
+      <p:sp>
+        <p:nvSpPr>
+          <p:cNvPr id="1034" name="Left-Right Arrow 1033">
+            <a:extLst>
+              <a:ext uri="{FF2B5EF4-FFF2-40B4-BE49-F238E27FC236}">
+                <a16:creationId xmlns:a16="http://schemas.microsoft.com/office/drawing/2014/main" id="{14F601FA-D33D-8E19-D478-DF0F2C8B758D}"/>
+              </a:ext>
+            </a:extLst>
+          </p:cNvPr>
+          <p:cNvSpPr/>
+          <p:nvPr/>
+        </p:nvSpPr>
+        <p:spPr>
+          <a:xfrm>
+            <a:off x="3996765" y="3856675"/>
+            <a:ext cx="1866974" cy="261394"/>
+          </a:xfrm>
+          <a:prstGeom prst="leftRightArrow">
+            <a:avLst/>
+          </a:prstGeom>
+        </p:spPr>
+        <p:style>
+          <a:lnRef idx="2">
+            <a:schemeClr val="accent2"/>
+          </a:lnRef>
+          <a:fillRef idx="1">
+            <a:schemeClr val="lt1"/>
+          </a:fillRef>
+          <a:effectRef idx="0">
+            <a:schemeClr val="accent2"/>
+          </a:effectRef>
+          <a:fontRef idx="minor">
+            <a:schemeClr val="dk1"/>
+          </a:fontRef>
+        </p:style>
+        <p:txBody>
+          <a:bodyPr rtlCol="0" anchor="ctr"/>
+          <a:lstStyle/>
+          <a:p>
+            <a:pPr algn="ctr"/>
+            <a:r>
+              <a:rPr lang="fr-CA" sz="1200" noProof="1"/>
+              <a:t>left stride</a:t>
+            </a:r>
+          </a:p>
+        </p:txBody>
+      </p:sp>
+      <p:sp>
+        <p:nvSpPr>
+          <p:cNvPr id="1036" name="TextBox 1035">
+            <a:extLst>
+              <a:ext uri="{FF2B5EF4-FFF2-40B4-BE49-F238E27FC236}">
+                <a16:creationId xmlns:a16="http://schemas.microsoft.com/office/drawing/2014/main" id="{D04C4494-6A76-2EBF-FDE8-EDDAEE92E1D4}"/>
+              </a:ext>
+            </a:extLst>
+          </p:cNvPr>
+          <p:cNvSpPr txBox="1"/>
+          <p:nvPr/>
+        </p:nvSpPr>
+        <p:spPr>
+          <a:xfrm>
+            <a:off x="618191" y="4364521"/>
+            <a:ext cx="407484" cy="261610"/>
+          </a:xfrm>
+          <a:prstGeom prst="rect">
+            <a:avLst/>
+          </a:prstGeom>
+          <a:noFill/>
+        </p:spPr>
+        <p:txBody>
+          <a:bodyPr wrap="none" rtlCol="0">
+            <a:spAutoFit/>
+          </a:bodyPr>
+          <a:lstStyle/>
+          <a:p>
+            <a:r>
+              <a:rPr lang="fr-CA" sz="1100" dirty="0"/>
+              <a:t>y[0]</a:t>
+            </a:r>
+          </a:p>
+        </p:txBody>
+      </p:sp>
+      <p:sp>
+        <p:nvSpPr>
+          <p:cNvPr id="1037" name="TextBox 1036">
+            <a:extLst>
+              <a:ext uri="{FF2B5EF4-FFF2-40B4-BE49-F238E27FC236}">
+                <a16:creationId xmlns:a16="http://schemas.microsoft.com/office/drawing/2014/main" id="{CD1C367A-5612-367A-0752-0655F1BB0DE7}"/>
+              </a:ext>
+            </a:extLst>
+          </p:cNvPr>
+          <p:cNvSpPr txBox="1"/>
+          <p:nvPr/>
+        </p:nvSpPr>
+        <p:spPr>
+          <a:xfrm>
+            <a:off x="616171" y="4521075"/>
+            <a:ext cx="407484" cy="261610"/>
+          </a:xfrm>
+          <a:prstGeom prst="rect">
+            <a:avLst/>
+          </a:prstGeom>
+          <a:noFill/>
+        </p:spPr>
+        <p:txBody>
+          <a:bodyPr wrap="none" rtlCol="0">
+            <a:spAutoFit/>
+          </a:bodyPr>
+          <a:lstStyle/>
+          <a:p>
+            <a:r>
+              <a:rPr lang="fr-CA" sz="1100" dirty="0"/>
+              <a:t>y[1]</a:t>
+            </a:r>
+          </a:p>
+        </p:txBody>
+      </p:sp>
+      <p:sp>
+        <p:nvSpPr>
+          <p:cNvPr id="1038" name="TextBox 1037">
+            <a:extLst>
+              <a:ext uri="{FF2B5EF4-FFF2-40B4-BE49-F238E27FC236}">
+                <a16:creationId xmlns:a16="http://schemas.microsoft.com/office/drawing/2014/main" id="{BFFA8703-B901-D6F7-D0A3-AB3BB617C4FD}"/>
+              </a:ext>
+            </a:extLst>
+          </p:cNvPr>
+          <p:cNvSpPr txBox="1"/>
+          <p:nvPr/>
+        </p:nvSpPr>
+        <p:spPr>
+          <a:xfrm>
+            <a:off x="616171" y="4677629"/>
+            <a:ext cx="407484" cy="261610"/>
+          </a:xfrm>
+          <a:prstGeom prst="rect">
+            <a:avLst/>
+          </a:prstGeom>
+          <a:noFill/>
+        </p:spPr>
+        <p:txBody>
+          <a:bodyPr wrap="none" rtlCol="0">
+            <a:spAutoFit/>
+          </a:bodyPr>
+          <a:lstStyle/>
+          <a:p>
+            <a:r>
+              <a:rPr lang="fr-CA" sz="1100" dirty="0"/>
+              <a:t>y[2]</a:t>
+            </a:r>
+          </a:p>
+        </p:txBody>
+      </p:sp>
+      <p:sp>
+        <p:nvSpPr>
+          <p:cNvPr id="1039" name="TextBox 1038">
+            <a:extLst>
+              <a:ext uri="{FF2B5EF4-FFF2-40B4-BE49-F238E27FC236}">
+                <a16:creationId xmlns:a16="http://schemas.microsoft.com/office/drawing/2014/main" id="{48CBAA77-27B4-532A-E621-19D42C50D864}"/>
+              </a:ext>
+            </a:extLst>
+          </p:cNvPr>
+          <p:cNvSpPr txBox="1"/>
+          <p:nvPr/>
+        </p:nvSpPr>
+        <p:spPr>
+          <a:xfrm>
+            <a:off x="616560" y="4834183"/>
+            <a:ext cx="407484" cy="261610"/>
+          </a:xfrm>
+          <a:prstGeom prst="rect">
+            <a:avLst/>
+          </a:prstGeom>
+          <a:noFill/>
+        </p:spPr>
+        <p:txBody>
+          <a:bodyPr wrap="none" rtlCol="0">
+            <a:spAutoFit/>
+          </a:bodyPr>
+          <a:lstStyle/>
+          <a:p>
+            <a:r>
+              <a:rPr lang="fr-CA" sz="1100" dirty="0"/>
+              <a:t>y[3]</a:t>
+            </a:r>
+          </a:p>
+        </p:txBody>
+      </p:sp>
+      <p:sp>
+        <p:nvSpPr>
+          <p:cNvPr id="1040" name="TextBox 1039">
+            <a:extLst>
+              <a:ext uri="{FF2B5EF4-FFF2-40B4-BE49-F238E27FC236}">
+                <a16:creationId xmlns:a16="http://schemas.microsoft.com/office/drawing/2014/main" id="{5227FCED-926B-95BB-F13B-276DB9575A13}"/>
+              </a:ext>
+            </a:extLst>
+          </p:cNvPr>
+          <p:cNvSpPr txBox="1"/>
+          <p:nvPr/>
+        </p:nvSpPr>
+        <p:spPr>
+          <a:xfrm>
+            <a:off x="655636" y="4986582"/>
+            <a:ext cx="290464" cy="261610"/>
+          </a:xfrm>
+          <a:prstGeom prst="rect">
+            <a:avLst/>
+          </a:prstGeom>
+          <a:noFill/>
+        </p:spPr>
+        <p:txBody>
+          <a:bodyPr wrap="none" rtlCol="0">
+            <a:spAutoFit/>
+          </a:bodyPr>
+          <a:lstStyle/>
+          <a:p>
+            <a:r>
+              <a:rPr lang="fr-CA" sz="1100" dirty="0"/>
+              <a:t>...</a:t>
+            </a:r>
+          </a:p>
+        </p:txBody>
+      </p:sp>
+    </p:spTree>
+    <p:extLst>
+      <p:ext uri="{BB962C8B-B14F-4D97-AF65-F5344CB8AC3E}">
+        <p14:creationId xmlns:p14="http://schemas.microsoft.com/office/powerpoint/2010/main" val="3705695440"/>
+      </p:ext>
+    </p:extLst>
+  </p:cSld>
+  <p:clrMapOvr>
+    <a:masterClrMapping/>
+  </p:clrMapOvr>
+</p:sld>
+</file>
+
+<file path=ppt/slides/slide14.xml><?xml version="1.0" encoding="utf-8"?>
 <p:sld xmlns:a="http://schemas.openxmlformats.org/drawingml/2006/main" xmlns:r="http://schemas.openxmlformats.org/officeDocument/2006/relationships" xmlns:p="http://schemas.openxmlformats.org/presentationml/2006/main">
   <p:cSld>
     <p:spTree>
@@ -17495,8 +19629,8 @@
           </p:txBody>
         </p:sp>
       </p:grpSp>
-      <mc:AlternateContent xmlns:mc="http://schemas.openxmlformats.org/markup-compatibility/2006">
-        <mc:Choice xmlns:a14="http://schemas.microsoft.com/office/drawing/2010/main" Requires="a14">
+      <mc:AlternateContent xmlns:mc="http://schemas.openxmlformats.org/markup-compatibility/2006" xmlns:a14="http://schemas.microsoft.com/office/drawing/2010/main">
+        <mc:Choice Requires="a14">
           <p:sp>
             <p:nvSpPr>
               <p:cNvPr id="217" name="TextBox 216">
@@ -17577,7 +19711,7 @@
             </p:txBody>
           </p:sp>
         </mc:Choice>
-        <mc:Fallback>
+        <mc:Fallback xmlns="">
           <p:sp>
             <p:nvSpPr>
               <p:cNvPr id="217" name="TextBox 216">
@@ -19946,8 +22080,8 @@
             </a:fontRef>
           </p:style>
         </p:cxnSp>
-        <mc:AlternateContent xmlns:mc="http://schemas.openxmlformats.org/markup-compatibility/2006">
-          <mc:Choice xmlns:a14="http://schemas.microsoft.com/office/drawing/2010/main" Requires="a14">
+        <mc:AlternateContent xmlns:mc="http://schemas.openxmlformats.org/markup-compatibility/2006" xmlns:a14="http://schemas.microsoft.com/office/drawing/2010/main">
+          <mc:Choice Requires="a14">
             <p:sp>
               <p:nvSpPr>
                 <p:cNvPr id="173" name="TextBox 172">
@@ -20016,7 +22150,7 @@
               </p:txBody>
             </p:sp>
           </mc:Choice>
-          <mc:Fallback>
+          <mc:Fallback xmlns="">
             <p:sp>
               <p:nvSpPr>
                 <p:cNvPr id="173" name="TextBox 172">
@@ -22568,8 +24702,8 @@
           </p:txBody>
         </p:sp>
       </p:grpSp>
-      <mc:AlternateContent xmlns:mc="http://schemas.openxmlformats.org/markup-compatibility/2006">
-        <mc:Choice xmlns:a14="http://schemas.microsoft.com/office/drawing/2010/main" Requires="a14">
+      <mc:AlternateContent xmlns:mc="http://schemas.openxmlformats.org/markup-compatibility/2006" xmlns:a14="http://schemas.microsoft.com/office/drawing/2010/main">
+        <mc:Choice Requires="a14">
           <p:sp>
             <p:nvSpPr>
               <p:cNvPr id="72" name="TextBox 71">
@@ -22638,7 +24772,7 @@
             </p:txBody>
           </p:sp>
         </mc:Choice>
-        <mc:Fallback>
+        <mc:Fallback xmlns="">
           <p:sp>
             <p:nvSpPr>
               <p:cNvPr id="72" name="TextBox 71">
@@ -25487,8 +27621,8 @@
             </a:fontRef>
           </p:style>
         </p:cxnSp>
-        <mc:AlternateContent xmlns:mc="http://schemas.openxmlformats.org/markup-compatibility/2006">
-          <mc:Choice xmlns:a14="http://schemas.microsoft.com/office/drawing/2010/main" Requires="a14">
+        <mc:AlternateContent xmlns:mc="http://schemas.openxmlformats.org/markup-compatibility/2006" xmlns:a14="http://schemas.microsoft.com/office/drawing/2010/main">
+          <mc:Choice Requires="a14">
             <p:sp>
               <p:nvSpPr>
                 <p:cNvPr id="48" name="TextBox 47">
@@ -25538,7 +27672,7 @@
               </p:txBody>
             </p:sp>
           </mc:Choice>
-          <mc:Fallback>
+          <mc:Fallback xmlns="">
             <p:sp>
               <p:nvSpPr>
                 <p:cNvPr id="48" name="TextBox 47">
@@ -26108,8 +28242,8 @@
             </p:txBody>
           </p:sp>
         </p:grpSp>
-        <mc:AlternateContent xmlns:mc="http://schemas.openxmlformats.org/markup-compatibility/2006">
-          <mc:Choice xmlns:a14="http://schemas.microsoft.com/office/drawing/2010/main" Requires="a14">
+        <mc:AlternateContent xmlns:mc="http://schemas.openxmlformats.org/markup-compatibility/2006" xmlns:a14="http://schemas.microsoft.com/office/drawing/2010/main">
+          <mc:Choice Requires="a14">
             <p:sp>
               <p:nvSpPr>
                 <p:cNvPr id="8" name="TextBox 7">
@@ -26159,7 +28293,7 @@
               </p:txBody>
             </p:sp>
           </mc:Choice>
-          <mc:Fallback>
+          <mc:Fallback xmlns="">
             <p:sp>
               <p:nvSpPr>
                 <p:cNvPr id="8" name="TextBox 7">
@@ -27115,8 +29249,8 @@
               </p:txBody>
             </p:sp>
           </p:grpSp>
-          <mc:AlternateContent xmlns:mc="http://schemas.openxmlformats.org/markup-compatibility/2006">
-            <mc:Choice xmlns:a14="http://schemas.microsoft.com/office/drawing/2010/main" Requires="a14">
+          <mc:AlternateContent xmlns:mc="http://schemas.openxmlformats.org/markup-compatibility/2006" xmlns:a14="http://schemas.microsoft.com/office/drawing/2010/main">
+            <mc:Choice Requires="a14">
               <p:sp>
                 <p:nvSpPr>
                   <p:cNvPr id="92" name="TextBox 91">
@@ -27166,7 +29300,7 @@
                 </p:txBody>
               </p:sp>
             </mc:Choice>
-            <mc:Fallback>
+            <mc:Fallback xmlns="">
               <p:sp>
                 <p:nvSpPr>
                   <p:cNvPr id="92" name="TextBox 91">

--- a/src/images.pptx
+++ b/src/images.pptx
@@ -19,6 +19,7 @@
     <p:sldId id="265" r:id="rId13"/>
     <p:sldId id="269" r:id="rId14"/>
     <p:sldId id="266" r:id="rId15"/>
+    <p:sldId id="270" r:id="rId16"/>
   </p:sldIdLst>
   <p:sldSz cx="12192000" cy="6858000"/>
   <p:notesSz cx="6858000" cy="9144000"/>
@@ -274,7 +275,7 @@
           <a:p>
             <a:fld id="{35C3687D-91A5-7C4D-919D-428BCA0C637B}" type="datetimeFigureOut">
               <a:rPr lang="fr-CA" smtClean="0"/>
-              <a:t>2022-11-03</a:t>
+              <a:t>2022-12-13</a:t>
             </a:fld>
             <a:endParaRPr lang="fr-CA"/>
           </a:p>
@@ -474,7 +475,7 @@
           <a:p>
             <a:fld id="{35C3687D-91A5-7C4D-919D-428BCA0C637B}" type="datetimeFigureOut">
               <a:rPr lang="fr-CA" smtClean="0"/>
-              <a:t>2022-11-03</a:t>
+              <a:t>2022-12-13</a:t>
             </a:fld>
             <a:endParaRPr lang="fr-CA"/>
           </a:p>
@@ -684,7 +685,7 @@
           <a:p>
             <a:fld id="{35C3687D-91A5-7C4D-919D-428BCA0C637B}" type="datetimeFigureOut">
               <a:rPr lang="fr-CA" smtClean="0"/>
-              <a:t>2022-11-03</a:t>
+              <a:t>2022-12-13</a:t>
             </a:fld>
             <a:endParaRPr lang="fr-CA"/>
           </a:p>
@@ -884,7 +885,7 @@
           <a:p>
             <a:fld id="{35C3687D-91A5-7C4D-919D-428BCA0C637B}" type="datetimeFigureOut">
               <a:rPr lang="fr-CA" smtClean="0"/>
-              <a:t>2022-11-03</a:t>
+              <a:t>2022-12-13</a:t>
             </a:fld>
             <a:endParaRPr lang="fr-CA"/>
           </a:p>
@@ -1160,7 +1161,7 @@
           <a:p>
             <a:fld id="{35C3687D-91A5-7C4D-919D-428BCA0C637B}" type="datetimeFigureOut">
               <a:rPr lang="fr-CA" smtClean="0"/>
-              <a:t>2022-11-03</a:t>
+              <a:t>2022-12-13</a:t>
             </a:fld>
             <a:endParaRPr lang="fr-CA"/>
           </a:p>
@@ -1428,7 +1429,7 @@
           <a:p>
             <a:fld id="{35C3687D-91A5-7C4D-919D-428BCA0C637B}" type="datetimeFigureOut">
               <a:rPr lang="fr-CA" smtClean="0"/>
-              <a:t>2022-11-03</a:t>
+              <a:t>2022-12-13</a:t>
             </a:fld>
             <a:endParaRPr lang="fr-CA"/>
           </a:p>
@@ -1843,7 +1844,7 @@
           <a:p>
             <a:fld id="{35C3687D-91A5-7C4D-919D-428BCA0C637B}" type="datetimeFigureOut">
               <a:rPr lang="fr-CA" smtClean="0"/>
-              <a:t>2022-11-03</a:t>
+              <a:t>2022-12-13</a:t>
             </a:fld>
             <a:endParaRPr lang="fr-CA"/>
           </a:p>
@@ -1985,7 +1986,7 @@
           <a:p>
             <a:fld id="{35C3687D-91A5-7C4D-919D-428BCA0C637B}" type="datetimeFigureOut">
               <a:rPr lang="fr-CA" smtClean="0"/>
-              <a:t>2022-11-03</a:t>
+              <a:t>2022-12-13</a:t>
             </a:fld>
             <a:endParaRPr lang="fr-CA"/>
           </a:p>
@@ -2098,7 +2099,7 @@
           <a:p>
             <a:fld id="{35C3687D-91A5-7C4D-919D-428BCA0C637B}" type="datetimeFigureOut">
               <a:rPr lang="fr-CA" smtClean="0"/>
-              <a:t>2022-11-03</a:t>
+              <a:t>2022-12-13</a:t>
             </a:fld>
             <a:endParaRPr lang="fr-CA"/>
           </a:p>
@@ -2411,7 +2412,7 @@
           <a:p>
             <a:fld id="{35C3687D-91A5-7C4D-919D-428BCA0C637B}" type="datetimeFigureOut">
               <a:rPr lang="fr-CA" smtClean="0"/>
-              <a:t>2022-11-03</a:t>
+              <a:t>2022-12-13</a:t>
             </a:fld>
             <a:endParaRPr lang="fr-CA"/>
           </a:p>
@@ -2700,7 +2701,7 @@
           <a:p>
             <a:fld id="{35C3687D-91A5-7C4D-919D-428BCA0C637B}" type="datetimeFigureOut">
               <a:rPr lang="fr-CA" smtClean="0"/>
-              <a:t>2022-11-03</a:t>
+              <a:t>2022-12-13</a:t>
             </a:fld>
             <a:endParaRPr lang="fr-CA"/>
           </a:p>
@@ -2943,7 +2944,7 @@
           <a:p>
             <a:fld id="{35C3687D-91A5-7C4D-919D-428BCA0C637B}" type="datetimeFigureOut">
               <a:rPr lang="fr-CA" smtClean="0"/>
-              <a:t>2022-11-03</a:t>
+              <a:t>2022-12-13</a:t>
             </a:fld>
             <a:endParaRPr lang="fr-CA"/>
           </a:p>
@@ -17895,6 +17896,5892 @@
 </p:sld>
 </file>
 
+<file path=ppt/slides/slide15.xml><?xml version="1.0" encoding="utf-8"?>
+<p:sld xmlns:a="http://schemas.openxmlformats.org/drawingml/2006/main" xmlns:r="http://schemas.openxmlformats.org/officeDocument/2006/relationships" xmlns:p="http://schemas.openxmlformats.org/presentationml/2006/main">
+  <p:cSld>
+    <p:spTree>
+      <p:nvGrpSpPr>
+        <p:cNvPr id="1" name=""/>
+        <p:cNvGrpSpPr/>
+        <p:nvPr/>
+      </p:nvGrpSpPr>
+      <p:grpSpPr>
+        <a:xfrm>
+          <a:off x="0" y="0"/>
+          <a:ext cx="0" cy="0"/>
+          <a:chOff x="0" y="0"/>
+          <a:chExt cx="0" cy="0"/>
+        </a:xfrm>
+      </p:grpSpPr>
+      <p:grpSp>
+        <p:nvGrpSpPr>
+          <p:cNvPr id="15" name="Group 14">
+            <a:extLst>
+              <a:ext uri="{FF2B5EF4-FFF2-40B4-BE49-F238E27FC236}">
+                <a16:creationId xmlns:a16="http://schemas.microsoft.com/office/drawing/2014/main" id="{E3C7B9B2-C0F1-766D-A44B-E9436D248172}"/>
+              </a:ext>
+            </a:extLst>
+          </p:cNvPr>
+          <p:cNvGrpSpPr/>
+          <p:nvPr/>
+        </p:nvGrpSpPr>
+        <p:grpSpPr>
+          <a:xfrm>
+            <a:off x="1175286" y="541900"/>
+            <a:ext cx="998104" cy="3289106"/>
+            <a:chOff x="2747232" y="418610"/>
+            <a:chExt cx="998104" cy="3289106"/>
+          </a:xfrm>
+        </p:grpSpPr>
+        <p:sp>
+          <p:nvSpPr>
+            <p:cNvPr id="2" name="Forme libre 13">
+              <a:extLst>
+                <a:ext uri="{FF2B5EF4-FFF2-40B4-BE49-F238E27FC236}">
+                  <a16:creationId xmlns:a16="http://schemas.microsoft.com/office/drawing/2014/main" id="{7A0F7346-F958-FE26-A35A-FD215D08AC12}"/>
+                </a:ext>
+              </a:extLst>
+            </p:cNvPr>
+            <p:cNvSpPr/>
+            <p:nvPr/>
+          </p:nvSpPr>
+          <p:spPr>
+            <a:xfrm>
+              <a:off x="2747232" y="1250616"/>
+              <a:ext cx="998104" cy="2457100"/>
+            </a:xfrm>
+            <a:custGeom>
+              <a:avLst/>
+              <a:gdLst>
+                <a:gd name="connsiteX0" fmla="*/ 226786 w 938520"/>
+                <a:gd name="connsiteY0" fmla="*/ 36286 h 2307006"/>
+                <a:gd name="connsiteX1" fmla="*/ 81643 w 938520"/>
+                <a:gd name="connsiteY1" fmla="*/ 235857 h 2307006"/>
+                <a:gd name="connsiteX2" fmla="*/ 0 w 938520"/>
+                <a:gd name="connsiteY2" fmla="*/ 653143 h 2307006"/>
+                <a:gd name="connsiteX3" fmla="*/ 81643 w 938520"/>
+                <a:gd name="connsiteY3" fmla="*/ 916215 h 2307006"/>
+                <a:gd name="connsiteX4" fmla="*/ 154215 w 938520"/>
+                <a:gd name="connsiteY4" fmla="*/ 1587500 h 2307006"/>
+                <a:gd name="connsiteX5" fmla="*/ 54429 w 938520"/>
+                <a:gd name="connsiteY5" fmla="*/ 1805215 h 2307006"/>
+                <a:gd name="connsiteX6" fmla="*/ 63500 w 938520"/>
+                <a:gd name="connsiteY6" fmla="*/ 2104572 h 2307006"/>
+                <a:gd name="connsiteX7" fmla="*/ 254000 w 938520"/>
+                <a:gd name="connsiteY7" fmla="*/ 2276929 h 2307006"/>
+                <a:gd name="connsiteX8" fmla="*/ 644072 w 938520"/>
+                <a:gd name="connsiteY8" fmla="*/ 2295072 h 2307006"/>
+                <a:gd name="connsiteX9" fmla="*/ 743858 w 938520"/>
+                <a:gd name="connsiteY9" fmla="*/ 2149929 h 2307006"/>
+                <a:gd name="connsiteX10" fmla="*/ 762000 w 938520"/>
+                <a:gd name="connsiteY10" fmla="*/ 1850572 h 2307006"/>
+                <a:gd name="connsiteX11" fmla="*/ 861786 w 938520"/>
+                <a:gd name="connsiteY11" fmla="*/ 1496786 h 2307006"/>
+                <a:gd name="connsiteX12" fmla="*/ 934358 w 938520"/>
+                <a:gd name="connsiteY12" fmla="*/ 734786 h 2307006"/>
+                <a:gd name="connsiteX13" fmla="*/ 734786 w 938520"/>
+                <a:gd name="connsiteY13" fmla="*/ 226786 h 2307006"/>
+                <a:gd name="connsiteX14" fmla="*/ 562429 w 938520"/>
+                <a:gd name="connsiteY14" fmla="*/ 0 h 2307006"/>
+                <a:gd name="connsiteX0" fmla="*/ 226786 w 938520"/>
+                <a:gd name="connsiteY0" fmla="*/ 36286 h 2307006"/>
+                <a:gd name="connsiteX1" fmla="*/ 81643 w 938520"/>
+                <a:gd name="connsiteY1" fmla="*/ 235857 h 2307006"/>
+                <a:gd name="connsiteX2" fmla="*/ 0 w 938520"/>
+                <a:gd name="connsiteY2" fmla="*/ 653143 h 2307006"/>
+                <a:gd name="connsiteX3" fmla="*/ 81643 w 938520"/>
+                <a:gd name="connsiteY3" fmla="*/ 916215 h 2307006"/>
+                <a:gd name="connsiteX4" fmla="*/ 154215 w 938520"/>
+                <a:gd name="connsiteY4" fmla="*/ 1587500 h 2307006"/>
+                <a:gd name="connsiteX5" fmla="*/ 54429 w 938520"/>
+                <a:gd name="connsiteY5" fmla="*/ 1805215 h 2307006"/>
+                <a:gd name="connsiteX6" fmla="*/ 63500 w 938520"/>
+                <a:gd name="connsiteY6" fmla="*/ 2104572 h 2307006"/>
+                <a:gd name="connsiteX7" fmla="*/ 254000 w 938520"/>
+                <a:gd name="connsiteY7" fmla="*/ 2276929 h 2307006"/>
+                <a:gd name="connsiteX8" fmla="*/ 644072 w 938520"/>
+                <a:gd name="connsiteY8" fmla="*/ 2295072 h 2307006"/>
+                <a:gd name="connsiteX9" fmla="*/ 743858 w 938520"/>
+                <a:gd name="connsiteY9" fmla="*/ 2149929 h 2307006"/>
+                <a:gd name="connsiteX10" fmla="*/ 762000 w 938520"/>
+                <a:gd name="connsiteY10" fmla="*/ 1850572 h 2307006"/>
+                <a:gd name="connsiteX11" fmla="*/ 861786 w 938520"/>
+                <a:gd name="connsiteY11" fmla="*/ 1496786 h 2307006"/>
+                <a:gd name="connsiteX12" fmla="*/ 934358 w 938520"/>
+                <a:gd name="connsiteY12" fmla="*/ 734786 h 2307006"/>
+                <a:gd name="connsiteX13" fmla="*/ 734786 w 938520"/>
+                <a:gd name="connsiteY13" fmla="*/ 226786 h 2307006"/>
+                <a:gd name="connsiteX14" fmla="*/ 562429 w 938520"/>
+                <a:gd name="connsiteY14" fmla="*/ 0 h 2307006"/>
+                <a:gd name="connsiteX15" fmla="*/ 226786 w 938520"/>
+                <a:gd name="connsiteY15" fmla="*/ 36286 h 2307006"/>
+                <a:gd name="connsiteX0" fmla="*/ 226786 w 938520"/>
+                <a:gd name="connsiteY0" fmla="*/ 37152 h 2307872"/>
+                <a:gd name="connsiteX1" fmla="*/ 81643 w 938520"/>
+                <a:gd name="connsiteY1" fmla="*/ 236723 h 2307872"/>
+                <a:gd name="connsiteX2" fmla="*/ 0 w 938520"/>
+                <a:gd name="connsiteY2" fmla="*/ 654009 h 2307872"/>
+                <a:gd name="connsiteX3" fmla="*/ 81643 w 938520"/>
+                <a:gd name="connsiteY3" fmla="*/ 917081 h 2307872"/>
+                <a:gd name="connsiteX4" fmla="*/ 154215 w 938520"/>
+                <a:gd name="connsiteY4" fmla="*/ 1588366 h 2307872"/>
+                <a:gd name="connsiteX5" fmla="*/ 54429 w 938520"/>
+                <a:gd name="connsiteY5" fmla="*/ 1806081 h 2307872"/>
+                <a:gd name="connsiteX6" fmla="*/ 63500 w 938520"/>
+                <a:gd name="connsiteY6" fmla="*/ 2105438 h 2307872"/>
+                <a:gd name="connsiteX7" fmla="*/ 254000 w 938520"/>
+                <a:gd name="connsiteY7" fmla="*/ 2277795 h 2307872"/>
+                <a:gd name="connsiteX8" fmla="*/ 644072 w 938520"/>
+                <a:gd name="connsiteY8" fmla="*/ 2295938 h 2307872"/>
+                <a:gd name="connsiteX9" fmla="*/ 743858 w 938520"/>
+                <a:gd name="connsiteY9" fmla="*/ 2150795 h 2307872"/>
+                <a:gd name="connsiteX10" fmla="*/ 762000 w 938520"/>
+                <a:gd name="connsiteY10" fmla="*/ 1851438 h 2307872"/>
+                <a:gd name="connsiteX11" fmla="*/ 861786 w 938520"/>
+                <a:gd name="connsiteY11" fmla="*/ 1497652 h 2307872"/>
+                <a:gd name="connsiteX12" fmla="*/ 934358 w 938520"/>
+                <a:gd name="connsiteY12" fmla="*/ 735652 h 2307872"/>
+                <a:gd name="connsiteX13" fmla="*/ 734786 w 938520"/>
+                <a:gd name="connsiteY13" fmla="*/ 227652 h 2307872"/>
+                <a:gd name="connsiteX14" fmla="*/ 562429 w 938520"/>
+                <a:gd name="connsiteY14" fmla="*/ 866 h 2307872"/>
+                <a:gd name="connsiteX15" fmla="*/ 226786 w 938520"/>
+                <a:gd name="connsiteY15" fmla="*/ 37152 h 2307872"/>
+                <a:gd name="connsiteX0" fmla="*/ 226786 w 938520"/>
+                <a:gd name="connsiteY0" fmla="*/ 39698 h 2310418"/>
+                <a:gd name="connsiteX1" fmla="*/ 81643 w 938520"/>
+                <a:gd name="connsiteY1" fmla="*/ 239269 h 2310418"/>
+                <a:gd name="connsiteX2" fmla="*/ 0 w 938520"/>
+                <a:gd name="connsiteY2" fmla="*/ 656555 h 2310418"/>
+                <a:gd name="connsiteX3" fmla="*/ 81643 w 938520"/>
+                <a:gd name="connsiteY3" fmla="*/ 919627 h 2310418"/>
+                <a:gd name="connsiteX4" fmla="*/ 154215 w 938520"/>
+                <a:gd name="connsiteY4" fmla="*/ 1590912 h 2310418"/>
+                <a:gd name="connsiteX5" fmla="*/ 54429 w 938520"/>
+                <a:gd name="connsiteY5" fmla="*/ 1808627 h 2310418"/>
+                <a:gd name="connsiteX6" fmla="*/ 63500 w 938520"/>
+                <a:gd name="connsiteY6" fmla="*/ 2107984 h 2310418"/>
+                <a:gd name="connsiteX7" fmla="*/ 254000 w 938520"/>
+                <a:gd name="connsiteY7" fmla="*/ 2280341 h 2310418"/>
+                <a:gd name="connsiteX8" fmla="*/ 644072 w 938520"/>
+                <a:gd name="connsiteY8" fmla="*/ 2298484 h 2310418"/>
+                <a:gd name="connsiteX9" fmla="*/ 743858 w 938520"/>
+                <a:gd name="connsiteY9" fmla="*/ 2153341 h 2310418"/>
+                <a:gd name="connsiteX10" fmla="*/ 762000 w 938520"/>
+                <a:gd name="connsiteY10" fmla="*/ 1853984 h 2310418"/>
+                <a:gd name="connsiteX11" fmla="*/ 861786 w 938520"/>
+                <a:gd name="connsiteY11" fmla="*/ 1500198 h 2310418"/>
+                <a:gd name="connsiteX12" fmla="*/ 934358 w 938520"/>
+                <a:gd name="connsiteY12" fmla="*/ 738198 h 2310418"/>
+                <a:gd name="connsiteX13" fmla="*/ 734786 w 938520"/>
+                <a:gd name="connsiteY13" fmla="*/ 230198 h 2310418"/>
+                <a:gd name="connsiteX14" fmla="*/ 562429 w 938520"/>
+                <a:gd name="connsiteY14" fmla="*/ 3412 h 2310418"/>
+                <a:gd name="connsiteX15" fmla="*/ 226786 w 938520"/>
+                <a:gd name="connsiteY15" fmla="*/ 39698 h 2310418"/>
+                <a:gd name="connsiteX0" fmla="*/ 226786 w 938520"/>
+                <a:gd name="connsiteY0" fmla="*/ 39698 h 2310418"/>
+                <a:gd name="connsiteX1" fmla="*/ 81643 w 938520"/>
+                <a:gd name="connsiteY1" fmla="*/ 239269 h 2310418"/>
+                <a:gd name="connsiteX2" fmla="*/ 0 w 938520"/>
+                <a:gd name="connsiteY2" fmla="*/ 656555 h 2310418"/>
+                <a:gd name="connsiteX3" fmla="*/ 81643 w 938520"/>
+                <a:gd name="connsiteY3" fmla="*/ 919627 h 2310418"/>
+                <a:gd name="connsiteX4" fmla="*/ 177868 w 938520"/>
+                <a:gd name="connsiteY4" fmla="*/ 1484474 h 2310418"/>
+                <a:gd name="connsiteX5" fmla="*/ 54429 w 938520"/>
+                <a:gd name="connsiteY5" fmla="*/ 1808627 h 2310418"/>
+                <a:gd name="connsiteX6" fmla="*/ 63500 w 938520"/>
+                <a:gd name="connsiteY6" fmla="*/ 2107984 h 2310418"/>
+                <a:gd name="connsiteX7" fmla="*/ 254000 w 938520"/>
+                <a:gd name="connsiteY7" fmla="*/ 2280341 h 2310418"/>
+                <a:gd name="connsiteX8" fmla="*/ 644072 w 938520"/>
+                <a:gd name="connsiteY8" fmla="*/ 2298484 h 2310418"/>
+                <a:gd name="connsiteX9" fmla="*/ 743858 w 938520"/>
+                <a:gd name="connsiteY9" fmla="*/ 2153341 h 2310418"/>
+                <a:gd name="connsiteX10" fmla="*/ 762000 w 938520"/>
+                <a:gd name="connsiteY10" fmla="*/ 1853984 h 2310418"/>
+                <a:gd name="connsiteX11" fmla="*/ 861786 w 938520"/>
+                <a:gd name="connsiteY11" fmla="*/ 1500198 h 2310418"/>
+                <a:gd name="connsiteX12" fmla="*/ 934358 w 938520"/>
+                <a:gd name="connsiteY12" fmla="*/ 738198 h 2310418"/>
+                <a:gd name="connsiteX13" fmla="*/ 734786 w 938520"/>
+                <a:gd name="connsiteY13" fmla="*/ 230198 h 2310418"/>
+                <a:gd name="connsiteX14" fmla="*/ 562429 w 938520"/>
+                <a:gd name="connsiteY14" fmla="*/ 3412 h 2310418"/>
+                <a:gd name="connsiteX15" fmla="*/ 226786 w 938520"/>
+                <a:gd name="connsiteY15" fmla="*/ 39698 h 2310418"/>
+                <a:gd name="connsiteX0" fmla="*/ 226786 w 938520"/>
+                <a:gd name="connsiteY0" fmla="*/ 39698 h 2310418"/>
+                <a:gd name="connsiteX1" fmla="*/ 81643 w 938520"/>
+                <a:gd name="connsiteY1" fmla="*/ 239269 h 2310418"/>
+                <a:gd name="connsiteX2" fmla="*/ 0 w 938520"/>
+                <a:gd name="connsiteY2" fmla="*/ 656555 h 2310418"/>
+                <a:gd name="connsiteX3" fmla="*/ 81643 w 938520"/>
+                <a:gd name="connsiteY3" fmla="*/ 919627 h 2310418"/>
+                <a:gd name="connsiteX4" fmla="*/ 118733 w 938520"/>
+                <a:gd name="connsiteY4" fmla="*/ 1496299 h 2310418"/>
+                <a:gd name="connsiteX5" fmla="*/ 54429 w 938520"/>
+                <a:gd name="connsiteY5" fmla="*/ 1808627 h 2310418"/>
+                <a:gd name="connsiteX6" fmla="*/ 63500 w 938520"/>
+                <a:gd name="connsiteY6" fmla="*/ 2107984 h 2310418"/>
+                <a:gd name="connsiteX7" fmla="*/ 254000 w 938520"/>
+                <a:gd name="connsiteY7" fmla="*/ 2280341 h 2310418"/>
+                <a:gd name="connsiteX8" fmla="*/ 644072 w 938520"/>
+                <a:gd name="connsiteY8" fmla="*/ 2298484 h 2310418"/>
+                <a:gd name="connsiteX9" fmla="*/ 743858 w 938520"/>
+                <a:gd name="connsiteY9" fmla="*/ 2153341 h 2310418"/>
+                <a:gd name="connsiteX10" fmla="*/ 762000 w 938520"/>
+                <a:gd name="connsiteY10" fmla="*/ 1853984 h 2310418"/>
+                <a:gd name="connsiteX11" fmla="*/ 861786 w 938520"/>
+                <a:gd name="connsiteY11" fmla="*/ 1500198 h 2310418"/>
+                <a:gd name="connsiteX12" fmla="*/ 934358 w 938520"/>
+                <a:gd name="connsiteY12" fmla="*/ 738198 h 2310418"/>
+                <a:gd name="connsiteX13" fmla="*/ 734786 w 938520"/>
+                <a:gd name="connsiteY13" fmla="*/ 230198 h 2310418"/>
+                <a:gd name="connsiteX14" fmla="*/ 562429 w 938520"/>
+                <a:gd name="connsiteY14" fmla="*/ 3412 h 2310418"/>
+                <a:gd name="connsiteX15" fmla="*/ 226786 w 938520"/>
+                <a:gd name="connsiteY15" fmla="*/ 39698 h 2310418"/>
+                <a:gd name="connsiteX0" fmla="*/ 226786 w 938520"/>
+                <a:gd name="connsiteY0" fmla="*/ 39698 h 2310418"/>
+                <a:gd name="connsiteX1" fmla="*/ 81643 w 938520"/>
+                <a:gd name="connsiteY1" fmla="*/ 239269 h 2310418"/>
+                <a:gd name="connsiteX2" fmla="*/ 0 w 938520"/>
+                <a:gd name="connsiteY2" fmla="*/ 656555 h 2310418"/>
+                <a:gd name="connsiteX3" fmla="*/ 81643 w 938520"/>
+                <a:gd name="connsiteY3" fmla="*/ 1049718 h 2310418"/>
+                <a:gd name="connsiteX4" fmla="*/ 118733 w 938520"/>
+                <a:gd name="connsiteY4" fmla="*/ 1496299 h 2310418"/>
+                <a:gd name="connsiteX5" fmla="*/ 54429 w 938520"/>
+                <a:gd name="connsiteY5" fmla="*/ 1808627 h 2310418"/>
+                <a:gd name="connsiteX6" fmla="*/ 63500 w 938520"/>
+                <a:gd name="connsiteY6" fmla="*/ 2107984 h 2310418"/>
+                <a:gd name="connsiteX7" fmla="*/ 254000 w 938520"/>
+                <a:gd name="connsiteY7" fmla="*/ 2280341 h 2310418"/>
+                <a:gd name="connsiteX8" fmla="*/ 644072 w 938520"/>
+                <a:gd name="connsiteY8" fmla="*/ 2298484 h 2310418"/>
+                <a:gd name="connsiteX9" fmla="*/ 743858 w 938520"/>
+                <a:gd name="connsiteY9" fmla="*/ 2153341 h 2310418"/>
+                <a:gd name="connsiteX10" fmla="*/ 762000 w 938520"/>
+                <a:gd name="connsiteY10" fmla="*/ 1853984 h 2310418"/>
+                <a:gd name="connsiteX11" fmla="*/ 861786 w 938520"/>
+                <a:gd name="connsiteY11" fmla="*/ 1500198 h 2310418"/>
+                <a:gd name="connsiteX12" fmla="*/ 934358 w 938520"/>
+                <a:gd name="connsiteY12" fmla="*/ 738198 h 2310418"/>
+                <a:gd name="connsiteX13" fmla="*/ 734786 w 938520"/>
+                <a:gd name="connsiteY13" fmla="*/ 230198 h 2310418"/>
+                <a:gd name="connsiteX14" fmla="*/ 562429 w 938520"/>
+                <a:gd name="connsiteY14" fmla="*/ 3412 h 2310418"/>
+                <a:gd name="connsiteX15" fmla="*/ 226786 w 938520"/>
+                <a:gd name="connsiteY15" fmla="*/ 39698 h 2310418"/>
+              </a:gdLst>
+              <a:ahLst/>
+              <a:cxnLst>
+                <a:cxn ang="0">
+                  <a:pos x="connsiteX0" y="connsiteY0"/>
+                </a:cxn>
+                <a:cxn ang="0">
+                  <a:pos x="connsiteX1" y="connsiteY1"/>
+                </a:cxn>
+                <a:cxn ang="0">
+                  <a:pos x="connsiteX2" y="connsiteY2"/>
+                </a:cxn>
+                <a:cxn ang="0">
+                  <a:pos x="connsiteX3" y="connsiteY3"/>
+                </a:cxn>
+                <a:cxn ang="0">
+                  <a:pos x="connsiteX4" y="connsiteY4"/>
+                </a:cxn>
+                <a:cxn ang="0">
+                  <a:pos x="connsiteX5" y="connsiteY5"/>
+                </a:cxn>
+                <a:cxn ang="0">
+                  <a:pos x="connsiteX6" y="connsiteY6"/>
+                </a:cxn>
+                <a:cxn ang="0">
+                  <a:pos x="connsiteX7" y="connsiteY7"/>
+                </a:cxn>
+                <a:cxn ang="0">
+                  <a:pos x="connsiteX8" y="connsiteY8"/>
+                </a:cxn>
+                <a:cxn ang="0">
+                  <a:pos x="connsiteX9" y="connsiteY9"/>
+                </a:cxn>
+                <a:cxn ang="0">
+                  <a:pos x="connsiteX10" y="connsiteY10"/>
+                </a:cxn>
+                <a:cxn ang="0">
+                  <a:pos x="connsiteX11" y="connsiteY11"/>
+                </a:cxn>
+                <a:cxn ang="0">
+                  <a:pos x="connsiteX12" y="connsiteY12"/>
+                </a:cxn>
+                <a:cxn ang="0">
+                  <a:pos x="connsiteX13" y="connsiteY13"/>
+                </a:cxn>
+                <a:cxn ang="0">
+                  <a:pos x="connsiteX14" y="connsiteY14"/>
+                </a:cxn>
+                <a:cxn ang="0">
+                  <a:pos x="connsiteX15" y="connsiteY15"/>
+                </a:cxn>
+              </a:cxnLst>
+              <a:rect l="l" t="t" r="r" b="b"/>
+              <a:pathLst>
+                <a:path w="938520" h="2310418">
+                  <a:moveTo>
+                    <a:pt x="226786" y="39698"/>
+                  </a:moveTo>
+                  <a:cubicBezTo>
+                    <a:pt x="173113" y="88079"/>
+                    <a:pt x="119441" y="136460"/>
+                    <a:pt x="81643" y="239269"/>
+                  </a:cubicBezTo>
+                  <a:cubicBezTo>
+                    <a:pt x="43845" y="342078"/>
+                    <a:pt x="0" y="521480"/>
+                    <a:pt x="0" y="656555"/>
+                  </a:cubicBezTo>
+                  <a:cubicBezTo>
+                    <a:pt x="0" y="791630"/>
+                    <a:pt x="61854" y="909761"/>
+                    <a:pt x="81643" y="1049718"/>
+                  </a:cubicBezTo>
+                  <a:cubicBezTo>
+                    <a:pt x="101432" y="1189675"/>
+                    <a:pt x="123269" y="1369814"/>
+                    <a:pt x="118733" y="1496299"/>
+                  </a:cubicBezTo>
+                  <a:cubicBezTo>
+                    <a:pt x="114197" y="1622784"/>
+                    <a:pt x="63634" y="1706680"/>
+                    <a:pt x="54429" y="1808627"/>
+                  </a:cubicBezTo>
+                  <a:cubicBezTo>
+                    <a:pt x="45224" y="1910574"/>
+                    <a:pt x="30238" y="2029365"/>
+                    <a:pt x="63500" y="2107984"/>
+                  </a:cubicBezTo>
+                  <a:cubicBezTo>
+                    <a:pt x="96762" y="2186603"/>
+                    <a:pt x="157238" y="2248591"/>
+                    <a:pt x="254000" y="2280341"/>
+                  </a:cubicBezTo>
+                  <a:cubicBezTo>
+                    <a:pt x="350762" y="2312091"/>
+                    <a:pt x="562429" y="2319651"/>
+                    <a:pt x="644072" y="2298484"/>
+                  </a:cubicBezTo>
+                  <a:cubicBezTo>
+                    <a:pt x="725715" y="2277317"/>
+                    <a:pt x="724203" y="2227424"/>
+                    <a:pt x="743858" y="2153341"/>
+                  </a:cubicBezTo>
+                  <a:cubicBezTo>
+                    <a:pt x="763513" y="2079258"/>
+                    <a:pt x="742345" y="1962841"/>
+                    <a:pt x="762000" y="1853984"/>
+                  </a:cubicBezTo>
+                  <a:cubicBezTo>
+                    <a:pt x="781655" y="1745127"/>
+                    <a:pt x="833060" y="1686162"/>
+                    <a:pt x="861786" y="1500198"/>
+                  </a:cubicBezTo>
+                  <a:cubicBezTo>
+                    <a:pt x="890512" y="1314234"/>
+                    <a:pt x="955525" y="949865"/>
+                    <a:pt x="934358" y="738198"/>
+                  </a:cubicBezTo>
+                  <a:cubicBezTo>
+                    <a:pt x="913191" y="526531"/>
+                    <a:pt x="796774" y="352662"/>
+                    <a:pt x="734786" y="230198"/>
+                  </a:cubicBezTo>
+                  <a:cubicBezTo>
+                    <a:pt x="672798" y="107734"/>
+                    <a:pt x="674310" y="18531"/>
+                    <a:pt x="562429" y="3412"/>
+                  </a:cubicBezTo>
+                  <a:cubicBezTo>
+                    <a:pt x="450548" y="-11707"/>
+                    <a:pt x="338667" y="27603"/>
+                    <a:pt x="226786" y="39698"/>
+                  </a:cubicBezTo>
+                  <a:close/>
+                </a:path>
+              </a:pathLst>
+            </a:custGeom>
+            <a:ln>
+              <a:solidFill>
+                <a:schemeClr val="accent6">
+                  <a:lumMod val="50000"/>
+                </a:schemeClr>
+              </a:solidFill>
+            </a:ln>
+          </p:spPr>
+          <p:style>
+            <a:lnRef idx="1">
+              <a:schemeClr val="accent6"/>
+            </a:lnRef>
+            <a:fillRef idx="2">
+              <a:schemeClr val="accent6"/>
+            </a:fillRef>
+            <a:effectRef idx="1">
+              <a:schemeClr val="accent6"/>
+            </a:effectRef>
+            <a:fontRef idx="minor">
+              <a:schemeClr val="dk1"/>
+            </a:fontRef>
+          </p:style>
+          <p:txBody>
+            <a:bodyPr rtlCol="0" anchor="ctr"/>
+            <a:lstStyle/>
+            <a:p>
+              <a:pPr algn="ctr"/>
+              <a:endParaRPr lang="fr-FR" sz="1400" b="1" noProof="1"/>
+            </a:p>
+          </p:txBody>
+        </p:sp>
+        <p:grpSp>
+          <p:nvGrpSpPr>
+            <p:cNvPr id="10" name="Grouper 19">
+              <a:extLst>
+                <a:ext uri="{FF2B5EF4-FFF2-40B4-BE49-F238E27FC236}">
+                  <a16:creationId xmlns:a16="http://schemas.microsoft.com/office/drawing/2014/main" id="{1B5B9B20-457C-936B-A58F-FC5420EDE9B6}"/>
+                </a:ext>
+              </a:extLst>
+            </p:cNvPr>
+            <p:cNvGrpSpPr/>
+            <p:nvPr/>
+          </p:nvGrpSpPr>
+          <p:grpSpPr>
+            <a:xfrm>
+              <a:off x="2823463" y="418610"/>
+              <a:ext cx="763122" cy="971872"/>
+              <a:chOff x="3954251" y="130464"/>
+              <a:chExt cx="717566" cy="913854"/>
+            </a:xfrm>
+          </p:grpSpPr>
+          <p:sp>
+            <p:nvSpPr>
+              <p:cNvPr id="11" name="Forme libre 20">
+                <a:extLst>
+                  <a:ext uri="{FF2B5EF4-FFF2-40B4-BE49-F238E27FC236}">
+                    <a16:creationId xmlns:a16="http://schemas.microsoft.com/office/drawing/2014/main" id="{F8FABA3B-9FF6-E38F-ACAF-7A9BC682D1A6}"/>
+                  </a:ext>
+                </a:extLst>
+              </p:cNvPr>
+              <p:cNvSpPr/>
+              <p:nvPr/>
+            </p:nvSpPr>
+            <p:spPr>
+              <a:xfrm>
+                <a:off x="3954251" y="130464"/>
+                <a:ext cx="717566" cy="913854"/>
+              </a:xfrm>
+              <a:custGeom>
+                <a:avLst/>
+                <a:gdLst>
+                  <a:gd name="connsiteX0" fmla="*/ 146035 w 717566"/>
+                  <a:gd name="connsiteY0" fmla="*/ 713180 h 860087"/>
+                  <a:gd name="connsiteX1" fmla="*/ 300249 w 717566"/>
+                  <a:gd name="connsiteY1" fmla="*/ 858323 h 860087"/>
+                  <a:gd name="connsiteX2" fmla="*/ 545178 w 717566"/>
+                  <a:gd name="connsiteY2" fmla="*/ 785751 h 860087"/>
+                  <a:gd name="connsiteX3" fmla="*/ 545178 w 717566"/>
+                  <a:gd name="connsiteY3" fmla="*/ 667823 h 860087"/>
+                  <a:gd name="connsiteX4" fmla="*/ 654035 w 717566"/>
+                  <a:gd name="connsiteY4" fmla="*/ 667823 h 860087"/>
+                  <a:gd name="connsiteX5" fmla="*/ 699392 w 717566"/>
+                  <a:gd name="connsiteY5" fmla="*/ 586180 h 860087"/>
+                  <a:gd name="connsiteX6" fmla="*/ 663106 w 717566"/>
+                  <a:gd name="connsiteY6" fmla="*/ 459180 h 860087"/>
+                  <a:gd name="connsiteX7" fmla="*/ 717535 w 717566"/>
+                  <a:gd name="connsiteY7" fmla="*/ 422894 h 860087"/>
+                  <a:gd name="connsiteX8" fmla="*/ 654035 w 717566"/>
+                  <a:gd name="connsiteY8" fmla="*/ 314037 h 860087"/>
+                  <a:gd name="connsiteX9" fmla="*/ 608678 w 717566"/>
+                  <a:gd name="connsiteY9" fmla="*/ 241466 h 860087"/>
+                  <a:gd name="connsiteX10" fmla="*/ 599606 w 717566"/>
+                  <a:gd name="connsiteY10" fmla="*/ 132608 h 860087"/>
+                  <a:gd name="connsiteX11" fmla="*/ 454463 w 717566"/>
+                  <a:gd name="connsiteY11" fmla="*/ 5608 h 860087"/>
+                  <a:gd name="connsiteX12" fmla="*/ 109749 w 717566"/>
+                  <a:gd name="connsiteY12" fmla="*/ 60037 h 860087"/>
+                  <a:gd name="connsiteX13" fmla="*/ 892 w 717566"/>
+                  <a:gd name="connsiteY13" fmla="*/ 386608 h 860087"/>
+                  <a:gd name="connsiteX14" fmla="*/ 155106 w 717566"/>
+                  <a:gd name="connsiteY14" fmla="*/ 568037 h 860087"/>
+                  <a:gd name="connsiteX15" fmla="*/ 146035 w 717566"/>
+                  <a:gd name="connsiteY15" fmla="*/ 713180 h 860087"/>
+                  <a:gd name="connsiteX0" fmla="*/ 155106 w 717566"/>
+                  <a:gd name="connsiteY0" fmla="*/ 831109 h 866021"/>
+                  <a:gd name="connsiteX1" fmla="*/ 300249 w 717566"/>
+                  <a:gd name="connsiteY1" fmla="*/ 858323 h 866021"/>
+                  <a:gd name="connsiteX2" fmla="*/ 545178 w 717566"/>
+                  <a:gd name="connsiteY2" fmla="*/ 785751 h 866021"/>
+                  <a:gd name="connsiteX3" fmla="*/ 545178 w 717566"/>
+                  <a:gd name="connsiteY3" fmla="*/ 667823 h 866021"/>
+                  <a:gd name="connsiteX4" fmla="*/ 654035 w 717566"/>
+                  <a:gd name="connsiteY4" fmla="*/ 667823 h 866021"/>
+                  <a:gd name="connsiteX5" fmla="*/ 699392 w 717566"/>
+                  <a:gd name="connsiteY5" fmla="*/ 586180 h 866021"/>
+                  <a:gd name="connsiteX6" fmla="*/ 663106 w 717566"/>
+                  <a:gd name="connsiteY6" fmla="*/ 459180 h 866021"/>
+                  <a:gd name="connsiteX7" fmla="*/ 717535 w 717566"/>
+                  <a:gd name="connsiteY7" fmla="*/ 422894 h 866021"/>
+                  <a:gd name="connsiteX8" fmla="*/ 654035 w 717566"/>
+                  <a:gd name="connsiteY8" fmla="*/ 314037 h 866021"/>
+                  <a:gd name="connsiteX9" fmla="*/ 608678 w 717566"/>
+                  <a:gd name="connsiteY9" fmla="*/ 241466 h 866021"/>
+                  <a:gd name="connsiteX10" fmla="*/ 599606 w 717566"/>
+                  <a:gd name="connsiteY10" fmla="*/ 132608 h 866021"/>
+                  <a:gd name="connsiteX11" fmla="*/ 454463 w 717566"/>
+                  <a:gd name="connsiteY11" fmla="*/ 5608 h 866021"/>
+                  <a:gd name="connsiteX12" fmla="*/ 109749 w 717566"/>
+                  <a:gd name="connsiteY12" fmla="*/ 60037 h 866021"/>
+                  <a:gd name="connsiteX13" fmla="*/ 892 w 717566"/>
+                  <a:gd name="connsiteY13" fmla="*/ 386608 h 866021"/>
+                  <a:gd name="connsiteX14" fmla="*/ 155106 w 717566"/>
+                  <a:gd name="connsiteY14" fmla="*/ 568037 h 866021"/>
+                  <a:gd name="connsiteX15" fmla="*/ 155106 w 717566"/>
+                  <a:gd name="connsiteY15" fmla="*/ 831109 h 866021"/>
+                  <a:gd name="connsiteX0" fmla="*/ 155106 w 717566"/>
+                  <a:gd name="connsiteY0" fmla="*/ 831109 h 913854"/>
+                  <a:gd name="connsiteX1" fmla="*/ 372820 w 717566"/>
+                  <a:gd name="connsiteY1" fmla="*/ 912752 h 913854"/>
+                  <a:gd name="connsiteX2" fmla="*/ 545178 w 717566"/>
+                  <a:gd name="connsiteY2" fmla="*/ 785751 h 913854"/>
+                  <a:gd name="connsiteX3" fmla="*/ 545178 w 717566"/>
+                  <a:gd name="connsiteY3" fmla="*/ 667823 h 913854"/>
+                  <a:gd name="connsiteX4" fmla="*/ 654035 w 717566"/>
+                  <a:gd name="connsiteY4" fmla="*/ 667823 h 913854"/>
+                  <a:gd name="connsiteX5" fmla="*/ 699392 w 717566"/>
+                  <a:gd name="connsiteY5" fmla="*/ 586180 h 913854"/>
+                  <a:gd name="connsiteX6" fmla="*/ 663106 w 717566"/>
+                  <a:gd name="connsiteY6" fmla="*/ 459180 h 913854"/>
+                  <a:gd name="connsiteX7" fmla="*/ 717535 w 717566"/>
+                  <a:gd name="connsiteY7" fmla="*/ 422894 h 913854"/>
+                  <a:gd name="connsiteX8" fmla="*/ 654035 w 717566"/>
+                  <a:gd name="connsiteY8" fmla="*/ 314037 h 913854"/>
+                  <a:gd name="connsiteX9" fmla="*/ 608678 w 717566"/>
+                  <a:gd name="connsiteY9" fmla="*/ 241466 h 913854"/>
+                  <a:gd name="connsiteX10" fmla="*/ 599606 w 717566"/>
+                  <a:gd name="connsiteY10" fmla="*/ 132608 h 913854"/>
+                  <a:gd name="connsiteX11" fmla="*/ 454463 w 717566"/>
+                  <a:gd name="connsiteY11" fmla="*/ 5608 h 913854"/>
+                  <a:gd name="connsiteX12" fmla="*/ 109749 w 717566"/>
+                  <a:gd name="connsiteY12" fmla="*/ 60037 h 913854"/>
+                  <a:gd name="connsiteX13" fmla="*/ 892 w 717566"/>
+                  <a:gd name="connsiteY13" fmla="*/ 386608 h 913854"/>
+                  <a:gd name="connsiteX14" fmla="*/ 155106 w 717566"/>
+                  <a:gd name="connsiteY14" fmla="*/ 568037 h 913854"/>
+                  <a:gd name="connsiteX15" fmla="*/ 155106 w 717566"/>
+                  <a:gd name="connsiteY15" fmla="*/ 831109 h 913854"/>
+                </a:gdLst>
+                <a:ahLst/>
+                <a:cxnLst>
+                  <a:cxn ang="0">
+                    <a:pos x="connsiteX0" y="connsiteY0"/>
+                  </a:cxn>
+                  <a:cxn ang="0">
+                    <a:pos x="connsiteX1" y="connsiteY1"/>
+                  </a:cxn>
+                  <a:cxn ang="0">
+                    <a:pos x="connsiteX2" y="connsiteY2"/>
+                  </a:cxn>
+                  <a:cxn ang="0">
+                    <a:pos x="connsiteX3" y="connsiteY3"/>
+                  </a:cxn>
+                  <a:cxn ang="0">
+                    <a:pos x="connsiteX4" y="connsiteY4"/>
+                  </a:cxn>
+                  <a:cxn ang="0">
+                    <a:pos x="connsiteX5" y="connsiteY5"/>
+                  </a:cxn>
+                  <a:cxn ang="0">
+                    <a:pos x="connsiteX6" y="connsiteY6"/>
+                  </a:cxn>
+                  <a:cxn ang="0">
+                    <a:pos x="connsiteX7" y="connsiteY7"/>
+                  </a:cxn>
+                  <a:cxn ang="0">
+                    <a:pos x="connsiteX8" y="connsiteY8"/>
+                  </a:cxn>
+                  <a:cxn ang="0">
+                    <a:pos x="connsiteX9" y="connsiteY9"/>
+                  </a:cxn>
+                  <a:cxn ang="0">
+                    <a:pos x="connsiteX10" y="connsiteY10"/>
+                  </a:cxn>
+                  <a:cxn ang="0">
+                    <a:pos x="connsiteX11" y="connsiteY11"/>
+                  </a:cxn>
+                  <a:cxn ang="0">
+                    <a:pos x="connsiteX12" y="connsiteY12"/>
+                  </a:cxn>
+                  <a:cxn ang="0">
+                    <a:pos x="connsiteX13" y="connsiteY13"/>
+                  </a:cxn>
+                  <a:cxn ang="0">
+                    <a:pos x="connsiteX14" y="connsiteY14"/>
+                  </a:cxn>
+                  <a:cxn ang="0">
+                    <a:pos x="connsiteX15" y="connsiteY15"/>
+                  </a:cxn>
+                </a:cxnLst>
+                <a:rect l="l" t="t" r="r" b="b"/>
+                <a:pathLst>
+                  <a:path w="717566" h="913854">
+                    <a:moveTo>
+                      <a:pt x="155106" y="831109"/>
+                    </a:moveTo>
+                    <a:cubicBezTo>
+                      <a:pt x="191392" y="888561"/>
+                      <a:pt x="307808" y="920312"/>
+                      <a:pt x="372820" y="912752"/>
+                    </a:cubicBezTo>
+                    <a:cubicBezTo>
+                      <a:pt x="437832" y="905192"/>
+                      <a:pt x="516452" y="826572"/>
+                      <a:pt x="545178" y="785751"/>
+                    </a:cubicBezTo>
+                    <a:cubicBezTo>
+                      <a:pt x="573904" y="744930"/>
+                      <a:pt x="527035" y="687478"/>
+                      <a:pt x="545178" y="667823"/>
+                    </a:cubicBezTo>
+                    <a:cubicBezTo>
+                      <a:pt x="563321" y="648168"/>
+                      <a:pt x="628333" y="681430"/>
+                      <a:pt x="654035" y="667823"/>
+                    </a:cubicBezTo>
+                    <a:cubicBezTo>
+                      <a:pt x="679737" y="654216"/>
+                      <a:pt x="697880" y="620954"/>
+                      <a:pt x="699392" y="586180"/>
+                    </a:cubicBezTo>
+                    <a:cubicBezTo>
+                      <a:pt x="700904" y="551406"/>
+                      <a:pt x="660082" y="486394"/>
+                      <a:pt x="663106" y="459180"/>
+                    </a:cubicBezTo>
+                    <a:cubicBezTo>
+                      <a:pt x="666130" y="431966"/>
+                      <a:pt x="719047" y="447084"/>
+                      <a:pt x="717535" y="422894"/>
+                    </a:cubicBezTo>
+                    <a:cubicBezTo>
+                      <a:pt x="716023" y="398703"/>
+                      <a:pt x="672178" y="344275"/>
+                      <a:pt x="654035" y="314037"/>
+                    </a:cubicBezTo>
+                    <a:cubicBezTo>
+                      <a:pt x="635892" y="283799"/>
+                      <a:pt x="617750" y="271704"/>
+                      <a:pt x="608678" y="241466"/>
+                    </a:cubicBezTo>
+                    <a:cubicBezTo>
+                      <a:pt x="599607" y="211228"/>
+                      <a:pt x="625308" y="171918"/>
+                      <a:pt x="599606" y="132608"/>
+                    </a:cubicBezTo>
+                    <a:cubicBezTo>
+                      <a:pt x="573904" y="93298"/>
+                      <a:pt x="536106" y="17703"/>
+                      <a:pt x="454463" y="5608"/>
+                    </a:cubicBezTo>
+                    <a:cubicBezTo>
+                      <a:pt x="372820" y="-6487"/>
+                      <a:pt x="185344" y="-3463"/>
+                      <a:pt x="109749" y="60037"/>
+                    </a:cubicBezTo>
+                    <a:cubicBezTo>
+                      <a:pt x="34154" y="123537"/>
+                      <a:pt x="-6668" y="301941"/>
+                      <a:pt x="892" y="386608"/>
+                    </a:cubicBezTo>
+                    <a:cubicBezTo>
+                      <a:pt x="8451" y="471275"/>
+                      <a:pt x="129404" y="493954"/>
+                      <a:pt x="155106" y="568037"/>
+                    </a:cubicBezTo>
+                    <a:cubicBezTo>
+                      <a:pt x="180808" y="642120"/>
+                      <a:pt x="118820" y="773657"/>
+                      <a:pt x="155106" y="831109"/>
+                    </a:cubicBezTo>
+                    <a:close/>
+                  </a:path>
+                </a:pathLst>
+              </a:custGeom>
+              <a:ln>
+                <a:solidFill>
+                  <a:schemeClr val="accent6">
+                    <a:lumMod val="50000"/>
+                  </a:schemeClr>
+                </a:solidFill>
+              </a:ln>
+            </p:spPr>
+            <p:style>
+              <a:lnRef idx="1">
+                <a:schemeClr val="accent6"/>
+              </a:lnRef>
+              <a:fillRef idx="2">
+                <a:schemeClr val="accent6"/>
+              </a:fillRef>
+              <a:effectRef idx="1">
+                <a:schemeClr val="accent6"/>
+              </a:effectRef>
+              <a:fontRef idx="minor">
+                <a:schemeClr val="dk1"/>
+              </a:fontRef>
+            </p:style>
+            <p:txBody>
+              <a:bodyPr rtlCol="0" anchor="ctr"/>
+              <a:lstStyle/>
+              <a:p>
+                <a:pPr algn="ctr"/>
+                <a:endParaRPr lang="fr-FR" sz="1400" b="1" noProof="1"/>
+              </a:p>
+            </p:txBody>
+          </p:sp>
+          <p:sp>
+            <p:nvSpPr>
+              <p:cNvPr id="12" name="Ellipse 21">
+                <a:extLst>
+                  <a:ext uri="{FF2B5EF4-FFF2-40B4-BE49-F238E27FC236}">
+                    <a16:creationId xmlns:a16="http://schemas.microsoft.com/office/drawing/2014/main" id="{9DD84379-97F6-2FC1-FE46-207AD94A1286}"/>
+                  </a:ext>
+                </a:extLst>
+              </p:cNvPr>
+              <p:cNvSpPr/>
+              <p:nvPr/>
+            </p:nvSpPr>
+            <p:spPr>
+              <a:xfrm>
+                <a:off x="4219701" y="856949"/>
+                <a:ext cx="79174" cy="79174"/>
+              </a:xfrm>
+              <a:prstGeom prst="ellipse">
+                <a:avLst/>
+              </a:prstGeom>
+              <a:ln>
+                <a:solidFill>
+                  <a:schemeClr val="accent6">
+                    <a:lumMod val="50000"/>
+                  </a:schemeClr>
+                </a:solidFill>
+              </a:ln>
+            </p:spPr>
+            <p:style>
+              <a:lnRef idx="1">
+                <a:schemeClr val="accent6"/>
+              </a:lnRef>
+              <a:fillRef idx="2">
+                <a:schemeClr val="accent6"/>
+              </a:fillRef>
+              <a:effectRef idx="1">
+                <a:schemeClr val="accent6"/>
+              </a:effectRef>
+              <a:fontRef idx="minor">
+                <a:schemeClr val="dk1"/>
+              </a:fontRef>
+            </p:style>
+            <p:txBody>
+              <a:bodyPr rtlCol="0" anchor="ctr"/>
+              <a:lstStyle/>
+              <a:p>
+                <a:pPr algn="ctr"/>
+                <a:endParaRPr lang="fr-FR" sz="1400" b="1" noProof="1"/>
+              </a:p>
+            </p:txBody>
+          </p:sp>
+        </p:grpSp>
+      </p:grpSp>
+      <p:grpSp>
+        <p:nvGrpSpPr>
+          <p:cNvPr id="14" name="Group 13">
+            <a:extLst>
+              <a:ext uri="{FF2B5EF4-FFF2-40B4-BE49-F238E27FC236}">
+                <a16:creationId xmlns:a16="http://schemas.microsoft.com/office/drawing/2014/main" id="{4293F7EE-4109-C6C0-D418-B90153C747E2}"/>
+              </a:ext>
+            </a:extLst>
+          </p:cNvPr>
+          <p:cNvGrpSpPr/>
+          <p:nvPr/>
+        </p:nvGrpSpPr>
+        <p:grpSpPr>
+          <a:xfrm rot="2035054">
+            <a:off x="1033476" y="1749023"/>
+            <a:ext cx="1199204" cy="2321188"/>
+            <a:chOff x="3427910" y="1924040"/>
+            <a:chExt cx="1199204" cy="2321188"/>
+          </a:xfrm>
+        </p:grpSpPr>
+        <p:grpSp>
+          <p:nvGrpSpPr>
+            <p:cNvPr id="3" name="Grouper 15">
+              <a:extLst>
+                <a:ext uri="{FF2B5EF4-FFF2-40B4-BE49-F238E27FC236}">
+                  <a16:creationId xmlns:a16="http://schemas.microsoft.com/office/drawing/2014/main" id="{A05B0186-3456-9B6B-F7AC-7BADE6FFD3EA}"/>
+                </a:ext>
+              </a:extLst>
+            </p:cNvPr>
+            <p:cNvGrpSpPr/>
+            <p:nvPr/>
+          </p:nvGrpSpPr>
+          <p:grpSpPr>
+            <a:xfrm rot="19465764">
+              <a:off x="3427910" y="1924040"/>
+              <a:ext cx="452003" cy="1240137"/>
+              <a:chOff x="4028723" y="1113217"/>
+              <a:chExt cx="425020" cy="1166104"/>
+            </a:xfrm>
+          </p:grpSpPr>
+          <p:sp>
+            <p:nvSpPr>
+              <p:cNvPr id="4" name="Forme libre 29">
+                <a:extLst>
+                  <a:ext uri="{FF2B5EF4-FFF2-40B4-BE49-F238E27FC236}">
+                    <a16:creationId xmlns:a16="http://schemas.microsoft.com/office/drawing/2014/main" id="{42591B90-5AB8-4CEB-9AF9-D1764F9ED73C}"/>
+                  </a:ext>
+                </a:extLst>
+              </p:cNvPr>
+              <p:cNvSpPr/>
+              <p:nvPr/>
+            </p:nvSpPr>
+            <p:spPr>
+              <a:xfrm>
+                <a:off x="4028723" y="1113217"/>
+                <a:ext cx="425020" cy="1166104"/>
+              </a:xfrm>
+              <a:custGeom>
+                <a:avLst/>
+                <a:gdLst>
+                  <a:gd name="connsiteX0" fmla="*/ 116920 w 425020"/>
+                  <a:gd name="connsiteY0" fmla="*/ 47926 h 1166104"/>
+                  <a:gd name="connsiteX1" fmla="*/ 289277 w 425020"/>
+                  <a:gd name="connsiteY1" fmla="*/ 29783 h 1166104"/>
+                  <a:gd name="connsiteX2" fmla="*/ 416277 w 425020"/>
+                  <a:gd name="connsiteY2" fmla="*/ 301926 h 1166104"/>
+                  <a:gd name="connsiteX3" fmla="*/ 407206 w 425020"/>
+                  <a:gd name="connsiteY3" fmla="*/ 809926 h 1166104"/>
+                  <a:gd name="connsiteX4" fmla="*/ 352777 w 425020"/>
+                  <a:gd name="connsiteY4" fmla="*/ 1082069 h 1166104"/>
+                  <a:gd name="connsiteX5" fmla="*/ 153206 w 425020"/>
+                  <a:gd name="connsiteY5" fmla="*/ 1163712 h 1166104"/>
+                  <a:gd name="connsiteX6" fmla="*/ 26206 w 425020"/>
+                  <a:gd name="connsiteY6" fmla="*/ 1009497 h 1166104"/>
+                  <a:gd name="connsiteX7" fmla="*/ 8063 w 425020"/>
+                  <a:gd name="connsiteY7" fmla="*/ 392640 h 1166104"/>
+                  <a:gd name="connsiteX8" fmla="*/ 116920 w 425020"/>
+                  <a:gd name="connsiteY8" fmla="*/ 47926 h 1166104"/>
+                </a:gdLst>
+                <a:ahLst/>
+                <a:cxnLst>
+                  <a:cxn ang="0">
+                    <a:pos x="connsiteX0" y="connsiteY0"/>
+                  </a:cxn>
+                  <a:cxn ang="0">
+                    <a:pos x="connsiteX1" y="connsiteY1"/>
+                  </a:cxn>
+                  <a:cxn ang="0">
+                    <a:pos x="connsiteX2" y="connsiteY2"/>
+                  </a:cxn>
+                  <a:cxn ang="0">
+                    <a:pos x="connsiteX3" y="connsiteY3"/>
+                  </a:cxn>
+                  <a:cxn ang="0">
+                    <a:pos x="connsiteX4" y="connsiteY4"/>
+                  </a:cxn>
+                  <a:cxn ang="0">
+                    <a:pos x="connsiteX5" y="connsiteY5"/>
+                  </a:cxn>
+                  <a:cxn ang="0">
+                    <a:pos x="connsiteX6" y="connsiteY6"/>
+                  </a:cxn>
+                  <a:cxn ang="0">
+                    <a:pos x="connsiteX7" y="connsiteY7"/>
+                  </a:cxn>
+                  <a:cxn ang="0">
+                    <a:pos x="connsiteX8" y="connsiteY8"/>
+                  </a:cxn>
+                </a:cxnLst>
+                <a:rect l="l" t="t" r="r" b="b"/>
+                <a:pathLst>
+                  <a:path w="425020" h="1166104">
+                    <a:moveTo>
+                      <a:pt x="116920" y="47926"/>
+                    </a:moveTo>
+                    <a:cubicBezTo>
+                      <a:pt x="163789" y="-12550"/>
+                      <a:pt x="239384" y="-12550"/>
+                      <a:pt x="289277" y="29783"/>
+                    </a:cubicBezTo>
+                    <a:cubicBezTo>
+                      <a:pt x="339170" y="72116"/>
+                      <a:pt x="396622" y="171902"/>
+                      <a:pt x="416277" y="301926"/>
+                    </a:cubicBezTo>
+                    <a:cubicBezTo>
+                      <a:pt x="435932" y="431950"/>
+                      <a:pt x="417789" y="679902"/>
+                      <a:pt x="407206" y="809926"/>
+                    </a:cubicBezTo>
+                    <a:cubicBezTo>
+                      <a:pt x="396623" y="939950"/>
+                      <a:pt x="395110" y="1023105"/>
+                      <a:pt x="352777" y="1082069"/>
+                    </a:cubicBezTo>
+                    <a:cubicBezTo>
+                      <a:pt x="310444" y="1141033"/>
+                      <a:pt x="207634" y="1175807"/>
+                      <a:pt x="153206" y="1163712"/>
+                    </a:cubicBezTo>
+                    <a:cubicBezTo>
+                      <a:pt x="98778" y="1151617"/>
+                      <a:pt x="50396" y="1138009"/>
+                      <a:pt x="26206" y="1009497"/>
+                    </a:cubicBezTo>
+                    <a:cubicBezTo>
+                      <a:pt x="2015" y="880985"/>
+                      <a:pt x="-8568" y="555926"/>
+                      <a:pt x="8063" y="392640"/>
+                    </a:cubicBezTo>
+                    <a:cubicBezTo>
+                      <a:pt x="24694" y="229354"/>
+                      <a:pt x="70051" y="108402"/>
+                      <a:pt x="116920" y="47926"/>
+                    </a:cubicBezTo>
+                    <a:close/>
+                  </a:path>
+                </a:pathLst>
+              </a:custGeom>
+              <a:ln>
+                <a:solidFill>
+                  <a:schemeClr val="accent6">
+                    <a:lumMod val="50000"/>
+                  </a:schemeClr>
+                </a:solidFill>
+              </a:ln>
+            </p:spPr>
+            <p:style>
+              <a:lnRef idx="1">
+                <a:schemeClr val="accent6"/>
+              </a:lnRef>
+              <a:fillRef idx="2">
+                <a:schemeClr val="accent6"/>
+              </a:fillRef>
+              <a:effectRef idx="1">
+                <a:schemeClr val="accent6"/>
+              </a:effectRef>
+              <a:fontRef idx="minor">
+                <a:schemeClr val="dk1"/>
+              </a:fontRef>
+            </p:style>
+            <p:txBody>
+              <a:bodyPr rtlCol="0" anchor="ctr"/>
+              <a:lstStyle/>
+              <a:p>
+                <a:pPr algn="ctr"/>
+                <a:endParaRPr lang="fr-FR" sz="1400" b="1" noProof="1"/>
+              </a:p>
+            </p:txBody>
+          </p:sp>
+          <p:sp>
+            <p:nvSpPr>
+              <p:cNvPr id="5" name="Ellipse 30">
+                <a:extLst>
+                  <a:ext uri="{FF2B5EF4-FFF2-40B4-BE49-F238E27FC236}">
+                    <a16:creationId xmlns:a16="http://schemas.microsoft.com/office/drawing/2014/main" id="{50E2645D-7BC0-7E39-CF72-2AA559DFD399}"/>
+                  </a:ext>
+                </a:extLst>
+              </p:cNvPr>
+              <p:cNvSpPr/>
+              <p:nvPr/>
+            </p:nvSpPr>
+            <p:spPr>
+              <a:xfrm>
+                <a:off x="4172529" y="1162629"/>
+                <a:ext cx="79174" cy="79174"/>
+              </a:xfrm>
+              <a:prstGeom prst="ellipse">
+                <a:avLst/>
+              </a:prstGeom>
+              <a:ln>
+                <a:solidFill>
+                  <a:schemeClr val="accent6">
+                    <a:lumMod val="50000"/>
+                  </a:schemeClr>
+                </a:solidFill>
+              </a:ln>
+            </p:spPr>
+            <p:style>
+              <a:lnRef idx="1">
+                <a:schemeClr val="accent6"/>
+              </a:lnRef>
+              <a:fillRef idx="2">
+                <a:schemeClr val="accent6"/>
+              </a:fillRef>
+              <a:effectRef idx="1">
+                <a:schemeClr val="accent6"/>
+              </a:effectRef>
+              <a:fontRef idx="minor">
+                <a:schemeClr val="dk1"/>
+              </a:fontRef>
+            </p:style>
+            <p:txBody>
+              <a:bodyPr rtlCol="0" anchor="ctr"/>
+              <a:lstStyle/>
+              <a:p>
+                <a:pPr algn="ctr"/>
+                <a:endParaRPr lang="fr-FR" sz="1400" b="1" noProof="1"/>
+              </a:p>
+            </p:txBody>
+          </p:sp>
+        </p:grpSp>
+        <p:grpSp>
+          <p:nvGrpSpPr>
+            <p:cNvPr id="6" name="Grouper 16">
+              <a:extLst>
+                <a:ext uri="{FF2B5EF4-FFF2-40B4-BE49-F238E27FC236}">
+                  <a16:creationId xmlns:a16="http://schemas.microsoft.com/office/drawing/2014/main" id="{158BB47C-EAE3-524C-9AB2-47A56C06ED73}"/>
+                </a:ext>
+              </a:extLst>
+            </p:cNvPr>
+            <p:cNvGrpSpPr/>
+            <p:nvPr/>
+          </p:nvGrpSpPr>
+          <p:grpSpPr>
+            <a:xfrm rot="19632586">
+              <a:off x="4138161" y="2671471"/>
+              <a:ext cx="488953" cy="1573757"/>
+              <a:chOff x="4103478" y="1986644"/>
+              <a:chExt cx="459764" cy="1479808"/>
+            </a:xfrm>
+          </p:grpSpPr>
+          <p:sp>
+            <p:nvSpPr>
+              <p:cNvPr id="7" name="Forme libre 26">
+                <a:extLst>
+                  <a:ext uri="{FF2B5EF4-FFF2-40B4-BE49-F238E27FC236}">
+                    <a16:creationId xmlns:a16="http://schemas.microsoft.com/office/drawing/2014/main" id="{6897AE79-3AE6-4BF4-90B0-D85BC5966F8F}"/>
+                  </a:ext>
+                </a:extLst>
+              </p:cNvPr>
+              <p:cNvSpPr/>
+              <p:nvPr/>
+            </p:nvSpPr>
+            <p:spPr>
+              <a:xfrm>
+                <a:off x="4103478" y="1986644"/>
+                <a:ext cx="459764" cy="1479808"/>
+              </a:xfrm>
+              <a:custGeom>
+                <a:avLst/>
+                <a:gdLst>
+                  <a:gd name="connsiteX0" fmla="*/ 132607 w 459492"/>
+                  <a:gd name="connsiteY0" fmla="*/ 4180 h 1338845"/>
+                  <a:gd name="connsiteX1" fmla="*/ 250536 w 459492"/>
+                  <a:gd name="connsiteY1" fmla="*/ 67680 h 1338845"/>
+                  <a:gd name="connsiteX2" fmla="*/ 259607 w 459492"/>
+                  <a:gd name="connsiteY2" fmla="*/ 385180 h 1338845"/>
+                  <a:gd name="connsiteX3" fmla="*/ 268679 w 459492"/>
+                  <a:gd name="connsiteY3" fmla="*/ 829680 h 1338845"/>
+                  <a:gd name="connsiteX4" fmla="*/ 350321 w 459492"/>
+                  <a:gd name="connsiteY4" fmla="*/ 929465 h 1338845"/>
+                  <a:gd name="connsiteX5" fmla="*/ 459179 w 459492"/>
+                  <a:gd name="connsiteY5" fmla="*/ 1119965 h 1338845"/>
+                  <a:gd name="connsiteX6" fmla="*/ 314036 w 459492"/>
+                  <a:gd name="connsiteY6" fmla="*/ 1002037 h 1338845"/>
+                  <a:gd name="connsiteX7" fmla="*/ 304964 w 459492"/>
+                  <a:gd name="connsiteY7" fmla="*/ 1228823 h 1338845"/>
+                  <a:gd name="connsiteX8" fmla="*/ 159821 w 459492"/>
+                  <a:gd name="connsiteY8" fmla="*/ 1337680 h 1338845"/>
+                  <a:gd name="connsiteX9" fmla="*/ 5607 w 459492"/>
+                  <a:gd name="connsiteY9" fmla="*/ 1165323 h 1338845"/>
+                  <a:gd name="connsiteX10" fmla="*/ 32821 w 459492"/>
+                  <a:gd name="connsiteY10" fmla="*/ 893180 h 1338845"/>
+                  <a:gd name="connsiteX11" fmla="*/ 23750 w 459492"/>
+                  <a:gd name="connsiteY11" fmla="*/ 757108 h 1338845"/>
+                  <a:gd name="connsiteX12" fmla="*/ 41893 w 459492"/>
+                  <a:gd name="connsiteY12" fmla="*/ 702680 h 1338845"/>
+                  <a:gd name="connsiteX13" fmla="*/ 5607 w 459492"/>
+                  <a:gd name="connsiteY13" fmla="*/ 140251 h 1338845"/>
+                  <a:gd name="connsiteX14" fmla="*/ 132607 w 459492"/>
+                  <a:gd name="connsiteY14" fmla="*/ 4180 h 1338845"/>
+                  <a:gd name="connsiteX0" fmla="*/ 132879 w 459764"/>
+                  <a:gd name="connsiteY0" fmla="*/ 4180 h 1338845"/>
+                  <a:gd name="connsiteX1" fmla="*/ 250808 w 459764"/>
+                  <a:gd name="connsiteY1" fmla="*/ 67680 h 1338845"/>
+                  <a:gd name="connsiteX2" fmla="*/ 259879 w 459764"/>
+                  <a:gd name="connsiteY2" fmla="*/ 385180 h 1338845"/>
+                  <a:gd name="connsiteX3" fmla="*/ 268951 w 459764"/>
+                  <a:gd name="connsiteY3" fmla="*/ 829680 h 1338845"/>
+                  <a:gd name="connsiteX4" fmla="*/ 350593 w 459764"/>
+                  <a:gd name="connsiteY4" fmla="*/ 929465 h 1338845"/>
+                  <a:gd name="connsiteX5" fmla="*/ 459451 w 459764"/>
+                  <a:gd name="connsiteY5" fmla="*/ 1119965 h 1338845"/>
+                  <a:gd name="connsiteX6" fmla="*/ 314308 w 459764"/>
+                  <a:gd name="connsiteY6" fmla="*/ 1002037 h 1338845"/>
+                  <a:gd name="connsiteX7" fmla="*/ 305236 w 459764"/>
+                  <a:gd name="connsiteY7" fmla="*/ 1228823 h 1338845"/>
+                  <a:gd name="connsiteX8" fmla="*/ 160093 w 459764"/>
+                  <a:gd name="connsiteY8" fmla="*/ 1337680 h 1338845"/>
+                  <a:gd name="connsiteX9" fmla="*/ 5879 w 459764"/>
+                  <a:gd name="connsiteY9" fmla="*/ 1165323 h 1338845"/>
+                  <a:gd name="connsiteX10" fmla="*/ 33093 w 459764"/>
+                  <a:gd name="connsiteY10" fmla="*/ 893180 h 1338845"/>
+                  <a:gd name="connsiteX11" fmla="*/ 42165 w 459764"/>
+                  <a:gd name="connsiteY11" fmla="*/ 702680 h 1338845"/>
+                  <a:gd name="connsiteX12" fmla="*/ 5879 w 459764"/>
+                  <a:gd name="connsiteY12" fmla="*/ 140251 h 1338845"/>
+                  <a:gd name="connsiteX13" fmla="*/ 132879 w 459764"/>
+                  <a:gd name="connsiteY13" fmla="*/ 4180 h 1338845"/>
+                </a:gdLst>
+                <a:ahLst/>
+                <a:cxnLst>
+                  <a:cxn ang="0">
+                    <a:pos x="connsiteX0" y="connsiteY0"/>
+                  </a:cxn>
+                  <a:cxn ang="0">
+                    <a:pos x="connsiteX1" y="connsiteY1"/>
+                  </a:cxn>
+                  <a:cxn ang="0">
+                    <a:pos x="connsiteX2" y="connsiteY2"/>
+                  </a:cxn>
+                  <a:cxn ang="0">
+                    <a:pos x="connsiteX3" y="connsiteY3"/>
+                  </a:cxn>
+                  <a:cxn ang="0">
+                    <a:pos x="connsiteX4" y="connsiteY4"/>
+                  </a:cxn>
+                  <a:cxn ang="0">
+                    <a:pos x="connsiteX5" y="connsiteY5"/>
+                  </a:cxn>
+                  <a:cxn ang="0">
+                    <a:pos x="connsiteX6" y="connsiteY6"/>
+                  </a:cxn>
+                  <a:cxn ang="0">
+                    <a:pos x="connsiteX7" y="connsiteY7"/>
+                  </a:cxn>
+                  <a:cxn ang="0">
+                    <a:pos x="connsiteX8" y="connsiteY8"/>
+                  </a:cxn>
+                  <a:cxn ang="0">
+                    <a:pos x="connsiteX9" y="connsiteY9"/>
+                  </a:cxn>
+                  <a:cxn ang="0">
+                    <a:pos x="connsiteX10" y="connsiteY10"/>
+                  </a:cxn>
+                  <a:cxn ang="0">
+                    <a:pos x="connsiteX11" y="connsiteY11"/>
+                  </a:cxn>
+                  <a:cxn ang="0">
+                    <a:pos x="connsiteX12" y="connsiteY12"/>
+                  </a:cxn>
+                  <a:cxn ang="0">
+                    <a:pos x="connsiteX13" y="connsiteY13"/>
+                  </a:cxn>
+                </a:cxnLst>
+                <a:rect l="l" t="t" r="r" b="b"/>
+                <a:pathLst>
+                  <a:path w="459764" h="1338845">
+                    <a:moveTo>
+                      <a:pt x="132879" y="4180"/>
+                    </a:moveTo>
+                    <a:cubicBezTo>
+                      <a:pt x="173700" y="-7915"/>
+                      <a:pt x="229641" y="4180"/>
+                      <a:pt x="250808" y="67680"/>
+                    </a:cubicBezTo>
+                    <a:cubicBezTo>
+                      <a:pt x="271975" y="131180"/>
+                      <a:pt x="256855" y="258180"/>
+                      <a:pt x="259879" y="385180"/>
+                    </a:cubicBezTo>
+                    <a:cubicBezTo>
+                      <a:pt x="262903" y="512180"/>
+                      <a:pt x="253832" y="738966"/>
+                      <a:pt x="268951" y="829680"/>
+                    </a:cubicBezTo>
+                    <a:cubicBezTo>
+                      <a:pt x="284070" y="920394"/>
+                      <a:pt x="318843" y="881084"/>
+                      <a:pt x="350593" y="929465"/>
+                    </a:cubicBezTo>
+                    <a:cubicBezTo>
+                      <a:pt x="382343" y="977846"/>
+                      <a:pt x="465498" y="1107870"/>
+                      <a:pt x="459451" y="1119965"/>
+                    </a:cubicBezTo>
+                    <a:cubicBezTo>
+                      <a:pt x="453404" y="1132060"/>
+                      <a:pt x="340011" y="983894"/>
+                      <a:pt x="314308" y="1002037"/>
+                    </a:cubicBezTo>
+                    <a:cubicBezTo>
+                      <a:pt x="288605" y="1020180"/>
+                      <a:pt x="330938" y="1172883"/>
+                      <a:pt x="305236" y="1228823"/>
+                    </a:cubicBezTo>
+                    <a:cubicBezTo>
+                      <a:pt x="279534" y="1284763"/>
+                      <a:pt x="209986" y="1348263"/>
+                      <a:pt x="160093" y="1337680"/>
+                    </a:cubicBezTo>
+                    <a:cubicBezTo>
+                      <a:pt x="110200" y="1327097"/>
+                      <a:pt x="27046" y="1239406"/>
+                      <a:pt x="5879" y="1165323"/>
+                    </a:cubicBezTo>
+                    <a:cubicBezTo>
+                      <a:pt x="-15288" y="1091240"/>
+                      <a:pt x="27045" y="970287"/>
+                      <a:pt x="33093" y="893180"/>
+                    </a:cubicBezTo>
+                    <a:cubicBezTo>
+                      <a:pt x="39141" y="816073"/>
+                      <a:pt x="46701" y="828168"/>
+                      <a:pt x="42165" y="702680"/>
+                    </a:cubicBezTo>
+                    <a:cubicBezTo>
+                      <a:pt x="37629" y="577192"/>
+                      <a:pt x="-9240" y="259692"/>
+                      <a:pt x="5879" y="140251"/>
+                    </a:cubicBezTo>
+                    <a:cubicBezTo>
+                      <a:pt x="20998" y="20811"/>
+                      <a:pt x="92058" y="16275"/>
+                      <a:pt x="132879" y="4180"/>
+                    </a:cubicBezTo>
+                    <a:close/>
+                  </a:path>
+                </a:pathLst>
+              </a:custGeom>
+              <a:ln>
+                <a:solidFill>
+                  <a:schemeClr val="accent6">
+                    <a:lumMod val="50000"/>
+                  </a:schemeClr>
+                </a:solidFill>
+              </a:ln>
+            </p:spPr>
+            <p:style>
+              <a:lnRef idx="1">
+                <a:schemeClr val="accent6"/>
+              </a:lnRef>
+              <a:fillRef idx="2">
+                <a:schemeClr val="accent6"/>
+              </a:fillRef>
+              <a:effectRef idx="1">
+                <a:schemeClr val="accent6"/>
+              </a:effectRef>
+              <a:fontRef idx="minor">
+                <a:schemeClr val="dk1"/>
+              </a:fontRef>
+            </p:style>
+            <p:txBody>
+              <a:bodyPr rtlCol="0" anchor="ctr"/>
+              <a:lstStyle/>
+              <a:p>
+                <a:pPr algn="ctr"/>
+                <a:endParaRPr lang="fr-FR" sz="1400" b="1" noProof="1"/>
+              </a:p>
+            </p:txBody>
+          </p:sp>
+          <p:sp>
+            <p:nvSpPr>
+              <p:cNvPr id="8" name="Ellipse 27">
+                <a:extLst>
+                  <a:ext uri="{FF2B5EF4-FFF2-40B4-BE49-F238E27FC236}">
+                    <a16:creationId xmlns:a16="http://schemas.microsoft.com/office/drawing/2014/main" id="{899F5C8F-582B-9C83-DB0F-B9C0C12518B2}"/>
+                  </a:ext>
+                </a:extLst>
+              </p:cNvPr>
+              <p:cNvSpPr/>
+              <p:nvPr/>
+            </p:nvSpPr>
+            <p:spPr>
+              <a:xfrm>
+                <a:off x="4180114" y="2104571"/>
+                <a:ext cx="79174" cy="79174"/>
+              </a:xfrm>
+              <a:prstGeom prst="ellipse">
+                <a:avLst/>
+              </a:prstGeom>
+              <a:ln>
+                <a:solidFill>
+                  <a:schemeClr val="accent6">
+                    <a:lumMod val="50000"/>
+                  </a:schemeClr>
+                </a:solidFill>
+              </a:ln>
+            </p:spPr>
+            <p:style>
+              <a:lnRef idx="1">
+                <a:schemeClr val="accent6"/>
+              </a:lnRef>
+              <a:fillRef idx="2">
+                <a:schemeClr val="accent6"/>
+              </a:fillRef>
+              <a:effectRef idx="1">
+                <a:schemeClr val="accent6"/>
+              </a:effectRef>
+              <a:fontRef idx="minor">
+                <a:schemeClr val="dk1"/>
+              </a:fontRef>
+            </p:style>
+            <p:txBody>
+              <a:bodyPr rtlCol="0" anchor="ctr"/>
+              <a:lstStyle/>
+              <a:p>
+                <a:pPr algn="ctr"/>
+                <a:endParaRPr lang="fr-FR" sz="1400" b="1" noProof="1"/>
+              </a:p>
+            </p:txBody>
+          </p:sp>
+          <p:sp>
+            <p:nvSpPr>
+              <p:cNvPr id="9" name="Ellipse 28">
+                <a:extLst>
+                  <a:ext uri="{FF2B5EF4-FFF2-40B4-BE49-F238E27FC236}">
+                    <a16:creationId xmlns:a16="http://schemas.microsoft.com/office/drawing/2014/main" id="{BB70E97D-9594-271C-8998-662DF147E5A1}"/>
+                  </a:ext>
+                </a:extLst>
+              </p:cNvPr>
+              <p:cNvSpPr/>
+              <p:nvPr/>
+            </p:nvSpPr>
+            <p:spPr>
+              <a:xfrm>
+                <a:off x="4219701" y="2902856"/>
+                <a:ext cx="79174" cy="79174"/>
+              </a:xfrm>
+              <a:prstGeom prst="ellipse">
+                <a:avLst/>
+              </a:prstGeom>
+              <a:ln>
+                <a:solidFill>
+                  <a:schemeClr val="accent6">
+                    <a:lumMod val="50000"/>
+                  </a:schemeClr>
+                </a:solidFill>
+              </a:ln>
+            </p:spPr>
+            <p:style>
+              <a:lnRef idx="1">
+                <a:schemeClr val="accent6"/>
+              </a:lnRef>
+              <a:fillRef idx="2">
+                <a:schemeClr val="accent6"/>
+              </a:fillRef>
+              <a:effectRef idx="1">
+                <a:schemeClr val="accent6"/>
+              </a:effectRef>
+              <a:fontRef idx="minor">
+                <a:schemeClr val="dk1"/>
+              </a:fontRef>
+            </p:style>
+            <p:txBody>
+              <a:bodyPr rtlCol="0" anchor="ctr"/>
+              <a:lstStyle/>
+              <a:p>
+                <a:pPr algn="ctr"/>
+                <a:endParaRPr lang="fr-FR" sz="1400" b="1" noProof="1"/>
+              </a:p>
+            </p:txBody>
+          </p:sp>
+        </p:grpSp>
+        <p:sp>
+          <p:nvSpPr>
+            <p:cNvPr id="13" name="Rectangle 12">
+              <a:extLst>
+                <a:ext uri="{FF2B5EF4-FFF2-40B4-BE49-F238E27FC236}">
+                  <a16:creationId xmlns:a16="http://schemas.microsoft.com/office/drawing/2014/main" id="{D14F7866-2DE5-8115-C805-F1883E9BA656}"/>
+                </a:ext>
+              </a:extLst>
+            </p:cNvPr>
+            <p:cNvSpPr/>
+            <p:nvPr/>
+          </p:nvSpPr>
+          <p:spPr>
+            <a:xfrm rot="19626046">
+              <a:off x="3514036" y="2278858"/>
+              <a:ext cx="184935" cy="358964"/>
+            </a:xfrm>
+            <a:prstGeom prst="rect">
+              <a:avLst/>
+            </a:prstGeom>
+          </p:spPr>
+          <p:style>
+            <a:lnRef idx="2">
+              <a:schemeClr val="accent1">
+                <a:shade val="50000"/>
+              </a:schemeClr>
+            </a:lnRef>
+            <a:fillRef idx="1">
+              <a:schemeClr val="accent1"/>
+            </a:fillRef>
+            <a:effectRef idx="0">
+              <a:schemeClr val="accent1"/>
+            </a:effectRef>
+            <a:fontRef idx="minor">
+              <a:schemeClr val="lt1"/>
+            </a:fontRef>
+          </p:style>
+          <p:txBody>
+            <a:bodyPr rtlCol="0" anchor="ctr"/>
+            <a:lstStyle/>
+            <a:p>
+              <a:pPr algn="ctr"/>
+              <a:endParaRPr lang="fr-CA" noProof="1"/>
+            </a:p>
+          </p:txBody>
+        </p:sp>
+      </p:grpSp>
+      <p:grpSp>
+        <p:nvGrpSpPr>
+          <p:cNvPr id="16" name="Group 15">
+            <a:extLst>
+              <a:ext uri="{FF2B5EF4-FFF2-40B4-BE49-F238E27FC236}">
+                <a16:creationId xmlns:a16="http://schemas.microsoft.com/office/drawing/2014/main" id="{58206BA4-AF4C-419A-27EF-9E5CFD6817BB}"/>
+              </a:ext>
+            </a:extLst>
+          </p:cNvPr>
+          <p:cNvGrpSpPr/>
+          <p:nvPr/>
+        </p:nvGrpSpPr>
+        <p:grpSpPr>
+          <a:xfrm>
+            <a:off x="2930227" y="541900"/>
+            <a:ext cx="998104" cy="3289106"/>
+            <a:chOff x="2747232" y="418610"/>
+            <a:chExt cx="998104" cy="3289106"/>
+          </a:xfrm>
+        </p:grpSpPr>
+        <p:sp>
+          <p:nvSpPr>
+            <p:cNvPr id="17" name="Forme libre 13">
+              <a:extLst>
+                <a:ext uri="{FF2B5EF4-FFF2-40B4-BE49-F238E27FC236}">
+                  <a16:creationId xmlns:a16="http://schemas.microsoft.com/office/drawing/2014/main" id="{AF2DDAC6-51F1-EDF1-EFDE-5BC59D03F81D}"/>
+                </a:ext>
+              </a:extLst>
+            </p:cNvPr>
+            <p:cNvSpPr/>
+            <p:nvPr/>
+          </p:nvSpPr>
+          <p:spPr>
+            <a:xfrm>
+              <a:off x="2747232" y="1250616"/>
+              <a:ext cx="998104" cy="2457100"/>
+            </a:xfrm>
+            <a:custGeom>
+              <a:avLst/>
+              <a:gdLst>
+                <a:gd name="connsiteX0" fmla="*/ 226786 w 938520"/>
+                <a:gd name="connsiteY0" fmla="*/ 36286 h 2307006"/>
+                <a:gd name="connsiteX1" fmla="*/ 81643 w 938520"/>
+                <a:gd name="connsiteY1" fmla="*/ 235857 h 2307006"/>
+                <a:gd name="connsiteX2" fmla="*/ 0 w 938520"/>
+                <a:gd name="connsiteY2" fmla="*/ 653143 h 2307006"/>
+                <a:gd name="connsiteX3" fmla="*/ 81643 w 938520"/>
+                <a:gd name="connsiteY3" fmla="*/ 916215 h 2307006"/>
+                <a:gd name="connsiteX4" fmla="*/ 154215 w 938520"/>
+                <a:gd name="connsiteY4" fmla="*/ 1587500 h 2307006"/>
+                <a:gd name="connsiteX5" fmla="*/ 54429 w 938520"/>
+                <a:gd name="connsiteY5" fmla="*/ 1805215 h 2307006"/>
+                <a:gd name="connsiteX6" fmla="*/ 63500 w 938520"/>
+                <a:gd name="connsiteY6" fmla="*/ 2104572 h 2307006"/>
+                <a:gd name="connsiteX7" fmla="*/ 254000 w 938520"/>
+                <a:gd name="connsiteY7" fmla="*/ 2276929 h 2307006"/>
+                <a:gd name="connsiteX8" fmla="*/ 644072 w 938520"/>
+                <a:gd name="connsiteY8" fmla="*/ 2295072 h 2307006"/>
+                <a:gd name="connsiteX9" fmla="*/ 743858 w 938520"/>
+                <a:gd name="connsiteY9" fmla="*/ 2149929 h 2307006"/>
+                <a:gd name="connsiteX10" fmla="*/ 762000 w 938520"/>
+                <a:gd name="connsiteY10" fmla="*/ 1850572 h 2307006"/>
+                <a:gd name="connsiteX11" fmla="*/ 861786 w 938520"/>
+                <a:gd name="connsiteY11" fmla="*/ 1496786 h 2307006"/>
+                <a:gd name="connsiteX12" fmla="*/ 934358 w 938520"/>
+                <a:gd name="connsiteY12" fmla="*/ 734786 h 2307006"/>
+                <a:gd name="connsiteX13" fmla="*/ 734786 w 938520"/>
+                <a:gd name="connsiteY13" fmla="*/ 226786 h 2307006"/>
+                <a:gd name="connsiteX14" fmla="*/ 562429 w 938520"/>
+                <a:gd name="connsiteY14" fmla="*/ 0 h 2307006"/>
+                <a:gd name="connsiteX0" fmla="*/ 226786 w 938520"/>
+                <a:gd name="connsiteY0" fmla="*/ 36286 h 2307006"/>
+                <a:gd name="connsiteX1" fmla="*/ 81643 w 938520"/>
+                <a:gd name="connsiteY1" fmla="*/ 235857 h 2307006"/>
+                <a:gd name="connsiteX2" fmla="*/ 0 w 938520"/>
+                <a:gd name="connsiteY2" fmla="*/ 653143 h 2307006"/>
+                <a:gd name="connsiteX3" fmla="*/ 81643 w 938520"/>
+                <a:gd name="connsiteY3" fmla="*/ 916215 h 2307006"/>
+                <a:gd name="connsiteX4" fmla="*/ 154215 w 938520"/>
+                <a:gd name="connsiteY4" fmla="*/ 1587500 h 2307006"/>
+                <a:gd name="connsiteX5" fmla="*/ 54429 w 938520"/>
+                <a:gd name="connsiteY5" fmla="*/ 1805215 h 2307006"/>
+                <a:gd name="connsiteX6" fmla="*/ 63500 w 938520"/>
+                <a:gd name="connsiteY6" fmla="*/ 2104572 h 2307006"/>
+                <a:gd name="connsiteX7" fmla="*/ 254000 w 938520"/>
+                <a:gd name="connsiteY7" fmla="*/ 2276929 h 2307006"/>
+                <a:gd name="connsiteX8" fmla="*/ 644072 w 938520"/>
+                <a:gd name="connsiteY8" fmla="*/ 2295072 h 2307006"/>
+                <a:gd name="connsiteX9" fmla="*/ 743858 w 938520"/>
+                <a:gd name="connsiteY9" fmla="*/ 2149929 h 2307006"/>
+                <a:gd name="connsiteX10" fmla="*/ 762000 w 938520"/>
+                <a:gd name="connsiteY10" fmla="*/ 1850572 h 2307006"/>
+                <a:gd name="connsiteX11" fmla="*/ 861786 w 938520"/>
+                <a:gd name="connsiteY11" fmla="*/ 1496786 h 2307006"/>
+                <a:gd name="connsiteX12" fmla="*/ 934358 w 938520"/>
+                <a:gd name="connsiteY12" fmla="*/ 734786 h 2307006"/>
+                <a:gd name="connsiteX13" fmla="*/ 734786 w 938520"/>
+                <a:gd name="connsiteY13" fmla="*/ 226786 h 2307006"/>
+                <a:gd name="connsiteX14" fmla="*/ 562429 w 938520"/>
+                <a:gd name="connsiteY14" fmla="*/ 0 h 2307006"/>
+                <a:gd name="connsiteX15" fmla="*/ 226786 w 938520"/>
+                <a:gd name="connsiteY15" fmla="*/ 36286 h 2307006"/>
+                <a:gd name="connsiteX0" fmla="*/ 226786 w 938520"/>
+                <a:gd name="connsiteY0" fmla="*/ 37152 h 2307872"/>
+                <a:gd name="connsiteX1" fmla="*/ 81643 w 938520"/>
+                <a:gd name="connsiteY1" fmla="*/ 236723 h 2307872"/>
+                <a:gd name="connsiteX2" fmla="*/ 0 w 938520"/>
+                <a:gd name="connsiteY2" fmla="*/ 654009 h 2307872"/>
+                <a:gd name="connsiteX3" fmla="*/ 81643 w 938520"/>
+                <a:gd name="connsiteY3" fmla="*/ 917081 h 2307872"/>
+                <a:gd name="connsiteX4" fmla="*/ 154215 w 938520"/>
+                <a:gd name="connsiteY4" fmla="*/ 1588366 h 2307872"/>
+                <a:gd name="connsiteX5" fmla="*/ 54429 w 938520"/>
+                <a:gd name="connsiteY5" fmla="*/ 1806081 h 2307872"/>
+                <a:gd name="connsiteX6" fmla="*/ 63500 w 938520"/>
+                <a:gd name="connsiteY6" fmla="*/ 2105438 h 2307872"/>
+                <a:gd name="connsiteX7" fmla="*/ 254000 w 938520"/>
+                <a:gd name="connsiteY7" fmla="*/ 2277795 h 2307872"/>
+                <a:gd name="connsiteX8" fmla="*/ 644072 w 938520"/>
+                <a:gd name="connsiteY8" fmla="*/ 2295938 h 2307872"/>
+                <a:gd name="connsiteX9" fmla="*/ 743858 w 938520"/>
+                <a:gd name="connsiteY9" fmla="*/ 2150795 h 2307872"/>
+                <a:gd name="connsiteX10" fmla="*/ 762000 w 938520"/>
+                <a:gd name="connsiteY10" fmla="*/ 1851438 h 2307872"/>
+                <a:gd name="connsiteX11" fmla="*/ 861786 w 938520"/>
+                <a:gd name="connsiteY11" fmla="*/ 1497652 h 2307872"/>
+                <a:gd name="connsiteX12" fmla="*/ 934358 w 938520"/>
+                <a:gd name="connsiteY12" fmla="*/ 735652 h 2307872"/>
+                <a:gd name="connsiteX13" fmla="*/ 734786 w 938520"/>
+                <a:gd name="connsiteY13" fmla="*/ 227652 h 2307872"/>
+                <a:gd name="connsiteX14" fmla="*/ 562429 w 938520"/>
+                <a:gd name="connsiteY14" fmla="*/ 866 h 2307872"/>
+                <a:gd name="connsiteX15" fmla="*/ 226786 w 938520"/>
+                <a:gd name="connsiteY15" fmla="*/ 37152 h 2307872"/>
+                <a:gd name="connsiteX0" fmla="*/ 226786 w 938520"/>
+                <a:gd name="connsiteY0" fmla="*/ 39698 h 2310418"/>
+                <a:gd name="connsiteX1" fmla="*/ 81643 w 938520"/>
+                <a:gd name="connsiteY1" fmla="*/ 239269 h 2310418"/>
+                <a:gd name="connsiteX2" fmla="*/ 0 w 938520"/>
+                <a:gd name="connsiteY2" fmla="*/ 656555 h 2310418"/>
+                <a:gd name="connsiteX3" fmla="*/ 81643 w 938520"/>
+                <a:gd name="connsiteY3" fmla="*/ 919627 h 2310418"/>
+                <a:gd name="connsiteX4" fmla="*/ 154215 w 938520"/>
+                <a:gd name="connsiteY4" fmla="*/ 1590912 h 2310418"/>
+                <a:gd name="connsiteX5" fmla="*/ 54429 w 938520"/>
+                <a:gd name="connsiteY5" fmla="*/ 1808627 h 2310418"/>
+                <a:gd name="connsiteX6" fmla="*/ 63500 w 938520"/>
+                <a:gd name="connsiteY6" fmla="*/ 2107984 h 2310418"/>
+                <a:gd name="connsiteX7" fmla="*/ 254000 w 938520"/>
+                <a:gd name="connsiteY7" fmla="*/ 2280341 h 2310418"/>
+                <a:gd name="connsiteX8" fmla="*/ 644072 w 938520"/>
+                <a:gd name="connsiteY8" fmla="*/ 2298484 h 2310418"/>
+                <a:gd name="connsiteX9" fmla="*/ 743858 w 938520"/>
+                <a:gd name="connsiteY9" fmla="*/ 2153341 h 2310418"/>
+                <a:gd name="connsiteX10" fmla="*/ 762000 w 938520"/>
+                <a:gd name="connsiteY10" fmla="*/ 1853984 h 2310418"/>
+                <a:gd name="connsiteX11" fmla="*/ 861786 w 938520"/>
+                <a:gd name="connsiteY11" fmla="*/ 1500198 h 2310418"/>
+                <a:gd name="connsiteX12" fmla="*/ 934358 w 938520"/>
+                <a:gd name="connsiteY12" fmla="*/ 738198 h 2310418"/>
+                <a:gd name="connsiteX13" fmla="*/ 734786 w 938520"/>
+                <a:gd name="connsiteY13" fmla="*/ 230198 h 2310418"/>
+                <a:gd name="connsiteX14" fmla="*/ 562429 w 938520"/>
+                <a:gd name="connsiteY14" fmla="*/ 3412 h 2310418"/>
+                <a:gd name="connsiteX15" fmla="*/ 226786 w 938520"/>
+                <a:gd name="connsiteY15" fmla="*/ 39698 h 2310418"/>
+                <a:gd name="connsiteX0" fmla="*/ 226786 w 938520"/>
+                <a:gd name="connsiteY0" fmla="*/ 39698 h 2310418"/>
+                <a:gd name="connsiteX1" fmla="*/ 81643 w 938520"/>
+                <a:gd name="connsiteY1" fmla="*/ 239269 h 2310418"/>
+                <a:gd name="connsiteX2" fmla="*/ 0 w 938520"/>
+                <a:gd name="connsiteY2" fmla="*/ 656555 h 2310418"/>
+                <a:gd name="connsiteX3" fmla="*/ 81643 w 938520"/>
+                <a:gd name="connsiteY3" fmla="*/ 919627 h 2310418"/>
+                <a:gd name="connsiteX4" fmla="*/ 177868 w 938520"/>
+                <a:gd name="connsiteY4" fmla="*/ 1484474 h 2310418"/>
+                <a:gd name="connsiteX5" fmla="*/ 54429 w 938520"/>
+                <a:gd name="connsiteY5" fmla="*/ 1808627 h 2310418"/>
+                <a:gd name="connsiteX6" fmla="*/ 63500 w 938520"/>
+                <a:gd name="connsiteY6" fmla="*/ 2107984 h 2310418"/>
+                <a:gd name="connsiteX7" fmla="*/ 254000 w 938520"/>
+                <a:gd name="connsiteY7" fmla="*/ 2280341 h 2310418"/>
+                <a:gd name="connsiteX8" fmla="*/ 644072 w 938520"/>
+                <a:gd name="connsiteY8" fmla="*/ 2298484 h 2310418"/>
+                <a:gd name="connsiteX9" fmla="*/ 743858 w 938520"/>
+                <a:gd name="connsiteY9" fmla="*/ 2153341 h 2310418"/>
+                <a:gd name="connsiteX10" fmla="*/ 762000 w 938520"/>
+                <a:gd name="connsiteY10" fmla="*/ 1853984 h 2310418"/>
+                <a:gd name="connsiteX11" fmla="*/ 861786 w 938520"/>
+                <a:gd name="connsiteY11" fmla="*/ 1500198 h 2310418"/>
+                <a:gd name="connsiteX12" fmla="*/ 934358 w 938520"/>
+                <a:gd name="connsiteY12" fmla="*/ 738198 h 2310418"/>
+                <a:gd name="connsiteX13" fmla="*/ 734786 w 938520"/>
+                <a:gd name="connsiteY13" fmla="*/ 230198 h 2310418"/>
+                <a:gd name="connsiteX14" fmla="*/ 562429 w 938520"/>
+                <a:gd name="connsiteY14" fmla="*/ 3412 h 2310418"/>
+                <a:gd name="connsiteX15" fmla="*/ 226786 w 938520"/>
+                <a:gd name="connsiteY15" fmla="*/ 39698 h 2310418"/>
+                <a:gd name="connsiteX0" fmla="*/ 226786 w 938520"/>
+                <a:gd name="connsiteY0" fmla="*/ 39698 h 2310418"/>
+                <a:gd name="connsiteX1" fmla="*/ 81643 w 938520"/>
+                <a:gd name="connsiteY1" fmla="*/ 239269 h 2310418"/>
+                <a:gd name="connsiteX2" fmla="*/ 0 w 938520"/>
+                <a:gd name="connsiteY2" fmla="*/ 656555 h 2310418"/>
+                <a:gd name="connsiteX3" fmla="*/ 81643 w 938520"/>
+                <a:gd name="connsiteY3" fmla="*/ 919627 h 2310418"/>
+                <a:gd name="connsiteX4" fmla="*/ 118733 w 938520"/>
+                <a:gd name="connsiteY4" fmla="*/ 1496299 h 2310418"/>
+                <a:gd name="connsiteX5" fmla="*/ 54429 w 938520"/>
+                <a:gd name="connsiteY5" fmla="*/ 1808627 h 2310418"/>
+                <a:gd name="connsiteX6" fmla="*/ 63500 w 938520"/>
+                <a:gd name="connsiteY6" fmla="*/ 2107984 h 2310418"/>
+                <a:gd name="connsiteX7" fmla="*/ 254000 w 938520"/>
+                <a:gd name="connsiteY7" fmla="*/ 2280341 h 2310418"/>
+                <a:gd name="connsiteX8" fmla="*/ 644072 w 938520"/>
+                <a:gd name="connsiteY8" fmla="*/ 2298484 h 2310418"/>
+                <a:gd name="connsiteX9" fmla="*/ 743858 w 938520"/>
+                <a:gd name="connsiteY9" fmla="*/ 2153341 h 2310418"/>
+                <a:gd name="connsiteX10" fmla="*/ 762000 w 938520"/>
+                <a:gd name="connsiteY10" fmla="*/ 1853984 h 2310418"/>
+                <a:gd name="connsiteX11" fmla="*/ 861786 w 938520"/>
+                <a:gd name="connsiteY11" fmla="*/ 1500198 h 2310418"/>
+                <a:gd name="connsiteX12" fmla="*/ 934358 w 938520"/>
+                <a:gd name="connsiteY12" fmla="*/ 738198 h 2310418"/>
+                <a:gd name="connsiteX13" fmla="*/ 734786 w 938520"/>
+                <a:gd name="connsiteY13" fmla="*/ 230198 h 2310418"/>
+                <a:gd name="connsiteX14" fmla="*/ 562429 w 938520"/>
+                <a:gd name="connsiteY14" fmla="*/ 3412 h 2310418"/>
+                <a:gd name="connsiteX15" fmla="*/ 226786 w 938520"/>
+                <a:gd name="connsiteY15" fmla="*/ 39698 h 2310418"/>
+                <a:gd name="connsiteX0" fmla="*/ 226786 w 938520"/>
+                <a:gd name="connsiteY0" fmla="*/ 39698 h 2310418"/>
+                <a:gd name="connsiteX1" fmla="*/ 81643 w 938520"/>
+                <a:gd name="connsiteY1" fmla="*/ 239269 h 2310418"/>
+                <a:gd name="connsiteX2" fmla="*/ 0 w 938520"/>
+                <a:gd name="connsiteY2" fmla="*/ 656555 h 2310418"/>
+                <a:gd name="connsiteX3" fmla="*/ 81643 w 938520"/>
+                <a:gd name="connsiteY3" fmla="*/ 1049718 h 2310418"/>
+                <a:gd name="connsiteX4" fmla="*/ 118733 w 938520"/>
+                <a:gd name="connsiteY4" fmla="*/ 1496299 h 2310418"/>
+                <a:gd name="connsiteX5" fmla="*/ 54429 w 938520"/>
+                <a:gd name="connsiteY5" fmla="*/ 1808627 h 2310418"/>
+                <a:gd name="connsiteX6" fmla="*/ 63500 w 938520"/>
+                <a:gd name="connsiteY6" fmla="*/ 2107984 h 2310418"/>
+                <a:gd name="connsiteX7" fmla="*/ 254000 w 938520"/>
+                <a:gd name="connsiteY7" fmla="*/ 2280341 h 2310418"/>
+                <a:gd name="connsiteX8" fmla="*/ 644072 w 938520"/>
+                <a:gd name="connsiteY8" fmla="*/ 2298484 h 2310418"/>
+                <a:gd name="connsiteX9" fmla="*/ 743858 w 938520"/>
+                <a:gd name="connsiteY9" fmla="*/ 2153341 h 2310418"/>
+                <a:gd name="connsiteX10" fmla="*/ 762000 w 938520"/>
+                <a:gd name="connsiteY10" fmla="*/ 1853984 h 2310418"/>
+                <a:gd name="connsiteX11" fmla="*/ 861786 w 938520"/>
+                <a:gd name="connsiteY11" fmla="*/ 1500198 h 2310418"/>
+                <a:gd name="connsiteX12" fmla="*/ 934358 w 938520"/>
+                <a:gd name="connsiteY12" fmla="*/ 738198 h 2310418"/>
+                <a:gd name="connsiteX13" fmla="*/ 734786 w 938520"/>
+                <a:gd name="connsiteY13" fmla="*/ 230198 h 2310418"/>
+                <a:gd name="connsiteX14" fmla="*/ 562429 w 938520"/>
+                <a:gd name="connsiteY14" fmla="*/ 3412 h 2310418"/>
+                <a:gd name="connsiteX15" fmla="*/ 226786 w 938520"/>
+                <a:gd name="connsiteY15" fmla="*/ 39698 h 2310418"/>
+              </a:gdLst>
+              <a:ahLst/>
+              <a:cxnLst>
+                <a:cxn ang="0">
+                  <a:pos x="connsiteX0" y="connsiteY0"/>
+                </a:cxn>
+                <a:cxn ang="0">
+                  <a:pos x="connsiteX1" y="connsiteY1"/>
+                </a:cxn>
+                <a:cxn ang="0">
+                  <a:pos x="connsiteX2" y="connsiteY2"/>
+                </a:cxn>
+                <a:cxn ang="0">
+                  <a:pos x="connsiteX3" y="connsiteY3"/>
+                </a:cxn>
+                <a:cxn ang="0">
+                  <a:pos x="connsiteX4" y="connsiteY4"/>
+                </a:cxn>
+                <a:cxn ang="0">
+                  <a:pos x="connsiteX5" y="connsiteY5"/>
+                </a:cxn>
+                <a:cxn ang="0">
+                  <a:pos x="connsiteX6" y="connsiteY6"/>
+                </a:cxn>
+                <a:cxn ang="0">
+                  <a:pos x="connsiteX7" y="connsiteY7"/>
+                </a:cxn>
+                <a:cxn ang="0">
+                  <a:pos x="connsiteX8" y="connsiteY8"/>
+                </a:cxn>
+                <a:cxn ang="0">
+                  <a:pos x="connsiteX9" y="connsiteY9"/>
+                </a:cxn>
+                <a:cxn ang="0">
+                  <a:pos x="connsiteX10" y="connsiteY10"/>
+                </a:cxn>
+                <a:cxn ang="0">
+                  <a:pos x="connsiteX11" y="connsiteY11"/>
+                </a:cxn>
+                <a:cxn ang="0">
+                  <a:pos x="connsiteX12" y="connsiteY12"/>
+                </a:cxn>
+                <a:cxn ang="0">
+                  <a:pos x="connsiteX13" y="connsiteY13"/>
+                </a:cxn>
+                <a:cxn ang="0">
+                  <a:pos x="connsiteX14" y="connsiteY14"/>
+                </a:cxn>
+                <a:cxn ang="0">
+                  <a:pos x="connsiteX15" y="connsiteY15"/>
+                </a:cxn>
+              </a:cxnLst>
+              <a:rect l="l" t="t" r="r" b="b"/>
+              <a:pathLst>
+                <a:path w="938520" h="2310418">
+                  <a:moveTo>
+                    <a:pt x="226786" y="39698"/>
+                  </a:moveTo>
+                  <a:cubicBezTo>
+                    <a:pt x="173113" y="88079"/>
+                    <a:pt x="119441" y="136460"/>
+                    <a:pt x="81643" y="239269"/>
+                  </a:cubicBezTo>
+                  <a:cubicBezTo>
+                    <a:pt x="43845" y="342078"/>
+                    <a:pt x="0" y="521480"/>
+                    <a:pt x="0" y="656555"/>
+                  </a:cubicBezTo>
+                  <a:cubicBezTo>
+                    <a:pt x="0" y="791630"/>
+                    <a:pt x="61854" y="909761"/>
+                    <a:pt x="81643" y="1049718"/>
+                  </a:cubicBezTo>
+                  <a:cubicBezTo>
+                    <a:pt x="101432" y="1189675"/>
+                    <a:pt x="123269" y="1369814"/>
+                    <a:pt x="118733" y="1496299"/>
+                  </a:cubicBezTo>
+                  <a:cubicBezTo>
+                    <a:pt x="114197" y="1622784"/>
+                    <a:pt x="63634" y="1706680"/>
+                    <a:pt x="54429" y="1808627"/>
+                  </a:cubicBezTo>
+                  <a:cubicBezTo>
+                    <a:pt x="45224" y="1910574"/>
+                    <a:pt x="30238" y="2029365"/>
+                    <a:pt x="63500" y="2107984"/>
+                  </a:cubicBezTo>
+                  <a:cubicBezTo>
+                    <a:pt x="96762" y="2186603"/>
+                    <a:pt x="157238" y="2248591"/>
+                    <a:pt x="254000" y="2280341"/>
+                  </a:cubicBezTo>
+                  <a:cubicBezTo>
+                    <a:pt x="350762" y="2312091"/>
+                    <a:pt x="562429" y="2319651"/>
+                    <a:pt x="644072" y="2298484"/>
+                  </a:cubicBezTo>
+                  <a:cubicBezTo>
+                    <a:pt x="725715" y="2277317"/>
+                    <a:pt x="724203" y="2227424"/>
+                    <a:pt x="743858" y="2153341"/>
+                  </a:cubicBezTo>
+                  <a:cubicBezTo>
+                    <a:pt x="763513" y="2079258"/>
+                    <a:pt x="742345" y="1962841"/>
+                    <a:pt x="762000" y="1853984"/>
+                  </a:cubicBezTo>
+                  <a:cubicBezTo>
+                    <a:pt x="781655" y="1745127"/>
+                    <a:pt x="833060" y="1686162"/>
+                    <a:pt x="861786" y="1500198"/>
+                  </a:cubicBezTo>
+                  <a:cubicBezTo>
+                    <a:pt x="890512" y="1314234"/>
+                    <a:pt x="955525" y="949865"/>
+                    <a:pt x="934358" y="738198"/>
+                  </a:cubicBezTo>
+                  <a:cubicBezTo>
+                    <a:pt x="913191" y="526531"/>
+                    <a:pt x="796774" y="352662"/>
+                    <a:pt x="734786" y="230198"/>
+                  </a:cubicBezTo>
+                  <a:cubicBezTo>
+                    <a:pt x="672798" y="107734"/>
+                    <a:pt x="674310" y="18531"/>
+                    <a:pt x="562429" y="3412"/>
+                  </a:cubicBezTo>
+                  <a:cubicBezTo>
+                    <a:pt x="450548" y="-11707"/>
+                    <a:pt x="338667" y="27603"/>
+                    <a:pt x="226786" y="39698"/>
+                  </a:cubicBezTo>
+                  <a:close/>
+                </a:path>
+              </a:pathLst>
+            </a:custGeom>
+            <a:ln>
+              <a:solidFill>
+                <a:schemeClr val="accent6">
+                  <a:lumMod val="50000"/>
+                </a:schemeClr>
+              </a:solidFill>
+            </a:ln>
+          </p:spPr>
+          <p:style>
+            <a:lnRef idx="1">
+              <a:schemeClr val="accent6"/>
+            </a:lnRef>
+            <a:fillRef idx="2">
+              <a:schemeClr val="accent6"/>
+            </a:fillRef>
+            <a:effectRef idx="1">
+              <a:schemeClr val="accent6"/>
+            </a:effectRef>
+            <a:fontRef idx="minor">
+              <a:schemeClr val="dk1"/>
+            </a:fontRef>
+          </p:style>
+          <p:txBody>
+            <a:bodyPr rtlCol="0" anchor="ctr"/>
+            <a:lstStyle/>
+            <a:p>
+              <a:pPr algn="ctr"/>
+              <a:endParaRPr lang="fr-FR" sz="1400" b="1" noProof="1"/>
+            </a:p>
+          </p:txBody>
+        </p:sp>
+        <p:grpSp>
+          <p:nvGrpSpPr>
+            <p:cNvPr id="18" name="Grouper 19">
+              <a:extLst>
+                <a:ext uri="{FF2B5EF4-FFF2-40B4-BE49-F238E27FC236}">
+                  <a16:creationId xmlns:a16="http://schemas.microsoft.com/office/drawing/2014/main" id="{7AC0B3AE-1E1E-4019-8B6E-A208D24212C4}"/>
+                </a:ext>
+              </a:extLst>
+            </p:cNvPr>
+            <p:cNvGrpSpPr/>
+            <p:nvPr/>
+          </p:nvGrpSpPr>
+          <p:grpSpPr>
+            <a:xfrm>
+              <a:off x="2823463" y="418610"/>
+              <a:ext cx="763122" cy="971872"/>
+              <a:chOff x="3954251" y="130464"/>
+              <a:chExt cx="717566" cy="913854"/>
+            </a:xfrm>
+          </p:grpSpPr>
+          <p:sp>
+            <p:nvSpPr>
+              <p:cNvPr id="19" name="Forme libre 20">
+                <a:extLst>
+                  <a:ext uri="{FF2B5EF4-FFF2-40B4-BE49-F238E27FC236}">
+                    <a16:creationId xmlns:a16="http://schemas.microsoft.com/office/drawing/2014/main" id="{ED5962B3-BFA0-8CC4-6A5C-F51E3F63757C}"/>
+                  </a:ext>
+                </a:extLst>
+              </p:cNvPr>
+              <p:cNvSpPr/>
+              <p:nvPr/>
+            </p:nvSpPr>
+            <p:spPr>
+              <a:xfrm>
+                <a:off x="3954251" y="130464"/>
+                <a:ext cx="717566" cy="913854"/>
+              </a:xfrm>
+              <a:custGeom>
+                <a:avLst/>
+                <a:gdLst>
+                  <a:gd name="connsiteX0" fmla="*/ 146035 w 717566"/>
+                  <a:gd name="connsiteY0" fmla="*/ 713180 h 860087"/>
+                  <a:gd name="connsiteX1" fmla="*/ 300249 w 717566"/>
+                  <a:gd name="connsiteY1" fmla="*/ 858323 h 860087"/>
+                  <a:gd name="connsiteX2" fmla="*/ 545178 w 717566"/>
+                  <a:gd name="connsiteY2" fmla="*/ 785751 h 860087"/>
+                  <a:gd name="connsiteX3" fmla="*/ 545178 w 717566"/>
+                  <a:gd name="connsiteY3" fmla="*/ 667823 h 860087"/>
+                  <a:gd name="connsiteX4" fmla="*/ 654035 w 717566"/>
+                  <a:gd name="connsiteY4" fmla="*/ 667823 h 860087"/>
+                  <a:gd name="connsiteX5" fmla="*/ 699392 w 717566"/>
+                  <a:gd name="connsiteY5" fmla="*/ 586180 h 860087"/>
+                  <a:gd name="connsiteX6" fmla="*/ 663106 w 717566"/>
+                  <a:gd name="connsiteY6" fmla="*/ 459180 h 860087"/>
+                  <a:gd name="connsiteX7" fmla="*/ 717535 w 717566"/>
+                  <a:gd name="connsiteY7" fmla="*/ 422894 h 860087"/>
+                  <a:gd name="connsiteX8" fmla="*/ 654035 w 717566"/>
+                  <a:gd name="connsiteY8" fmla="*/ 314037 h 860087"/>
+                  <a:gd name="connsiteX9" fmla="*/ 608678 w 717566"/>
+                  <a:gd name="connsiteY9" fmla="*/ 241466 h 860087"/>
+                  <a:gd name="connsiteX10" fmla="*/ 599606 w 717566"/>
+                  <a:gd name="connsiteY10" fmla="*/ 132608 h 860087"/>
+                  <a:gd name="connsiteX11" fmla="*/ 454463 w 717566"/>
+                  <a:gd name="connsiteY11" fmla="*/ 5608 h 860087"/>
+                  <a:gd name="connsiteX12" fmla="*/ 109749 w 717566"/>
+                  <a:gd name="connsiteY12" fmla="*/ 60037 h 860087"/>
+                  <a:gd name="connsiteX13" fmla="*/ 892 w 717566"/>
+                  <a:gd name="connsiteY13" fmla="*/ 386608 h 860087"/>
+                  <a:gd name="connsiteX14" fmla="*/ 155106 w 717566"/>
+                  <a:gd name="connsiteY14" fmla="*/ 568037 h 860087"/>
+                  <a:gd name="connsiteX15" fmla="*/ 146035 w 717566"/>
+                  <a:gd name="connsiteY15" fmla="*/ 713180 h 860087"/>
+                  <a:gd name="connsiteX0" fmla="*/ 155106 w 717566"/>
+                  <a:gd name="connsiteY0" fmla="*/ 831109 h 866021"/>
+                  <a:gd name="connsiteX1" fmla="*/ 300249 w 717566"/>
+                  <a:gd name="connsiteY1" fmla="*/ 858323 h 866021"/>
+                  <a:gd name="connsiteX2" fmla="*/ 545178 w 717566"/>
+                  <a:gd name="connsiteY2" fmla="*/ 785751 h 866021"/>
+                  <a:gd name="connsiteX3" fmla="*/ 545178 w 717566"/>
+                  <a:gd name="connsiteY3" fmla="*/ 667823 h 866021"/>
+                  <a:gd name="connsiteX4" fmla="*/ 654035 w 717566"/>
+                  <a:gd name="connsiteY4" fmla="*/ 667823 h 866021"/>
+                  <a:gd name="connsiteX5" fmla="*/ 699392 w 717566"/>
+                  <a:gd name="connsiteY5" fmla="*/ 586180 h 866021"/>
+                  <a:gd name="connsiteX6" fmla="*/ 663106 w 717566"/>
+                  <a:gd name="connsiteY6" fmla="*/ 459180 h 866021"/>
+                  <a:gd name="connsiteX7" fmla="*/ 717535 w 717566"/>
+                  <a:gd name="connsiteY7" fmla="*/ 422894 h 866021"/>
+                  <a:gd name="connsiteX8" fmla="*/ 654035 w 717566"/>
+                  <a:gd name="connsiteY8" fmla="*/ 314037 h 866021"/>
+                  <a:gd name="connsiteX9" fmla="*/ 608678 w 717566"/>
+                  <a:gd name="connsiteY9" fmla="*/ 241466 h 866021"/>
+                  <a:gd name="connsiteX10" fmla="*/ 599606 w 717566"/>
+                  <a:gd name="connsiteY10" fmla="*/ 132608 h 866021"/>
+                  <a:gd name="connsiteX11" fmla="*/ 454463 w 717566"/>
+                  <a:gd name="connsiteY11" fmla="*/ 5608 h 866021"/>
+                  <a:gd name="connsiteX12" fmla="*/ 109749 w 717566"/>
+                  <a:gd name="connsiteY12" fmla="*/ 60037 h 866021"/>
+                  <a:gd name="connsiteX13" fmla="*/ 892 w 717566"/>
+                  <a:gd name="connsiteY13" fmla="*/ 386608 h 866021"/>
+                  <a:gd name="connsiteX14" fmla="*/ 155106 w 717566"/>
+                  <a:gd name="connsiteY14" fmla="*/ 568037 h 866021"/>
+                  <a:gd name="connsiteX15" fmla="*/ 155106 w 717566"/>
+                  <a:gd name="connsiteY15" fmla="*/ 831109 h 866021"/>
+                  <a:gd name="connsiteX0" fmla="*/ 155106 w 717566"/>
+                  <a:gd name="connsiteY0" fmla="*/ 831109 h 913854"/>
+                  <a:gd name="connsiteX1" fmla="*/ 372820 w 717566"/>
+                  <a:gd name="connsiteY1" fmla="*/ 912752 h 913854"/>
+                  <a:gd name="connsiteX2" fmla="*/ 545178 w 717566"/>
+                  <a:gd name="connsiteY2" fmla="*/ 785751 h 913854"/>
+                  <a:gd name="connsiteX3" fmla="*/ 545178 w 717566"/>
+                  <a:gd name="connsiteY3" fmla="*/ 667823 h 913854"/>
+                  <a:gd name="connsiteX4" fmla="*/ 654035 w 717566"/>
+                  <a:gd name="connsiteY4" fmla="*/ 667823 h 913854"/>
+                  <a:gd name="connsiteX5" fmla="*/ 699392 w 717566"/>
+                  <a:gd name="connsiteY5" fmla="*/ 586180 h 913854"/>
+                  <a:gd name="connsiteX6" fmla="*/ 663106 w 717566"/>
+                  <a:gd name="connsiteY6" fmla="*/ 459180 h 913854"/>
+                  <a:gd name="connsiteX7" fmla="*/ 717535 w 717566"/>
+                  <a:gd name="connsiteY7" fmla="*/ 422894 h 913854"/>
+                  <a:gd name="connsiteX8" fmla="*/ 654035 w 717566"/>
+                  <a:gd name="connsiteY8" fmla="*/ 314037 h 913854"/>
+                  <a:gd name="connsiteX9" fmla="*/ 608678 w 717566"/>
+                  <a:gd name="connsiteY9" fmla="*/ 241466 h 913854"/>
+                  <a:gd name="connsiteX10" fmla="*/ 599606 w 717566"/>
+                  <a:gd name="connsiteY10" fmla="*/ 132608 h 913854"/>
+                  <a:gd name="connsiteX11" fmla="*/ 454463 w 717566"/>
+                  <a:gd name="connsiteY11" fmla="*/ 5608 h 913854"/>
+                  <a:gd name="connsiteX12" fmla="*/ 109749 w 717566"/>
+                  <a:gd name="connsiteY12" fmla="*/ 60037 h 913854"/>
+                  <a:gd name="connsiteX13" fmla="*/ 892 w 717566"/>
+                  <a:gd name="connsiteY13" fmla="*/ 386608 h 913854"/>
+                  <a:gd name="connsiteX14" fmla="*/ 155106 w 717566"/>
+                  <a:gd name="connsiteY14" fmla="*/ 568037 h 913854"/>
+                  <a:gd name="connsiteX15" fmla="*/ 155106 w 717566"/>
+                  <a:gd name="connsiteY15" fmla="*/ 831109 h 913854"/>
+                </a:gdLst>
+                <a:ahLst/>
+                <a:cxnLst>
+                  <a:cxn ang="0">
+                    <a:pos x="connsiteX0" y="connsiteY0"/>
+                  </a:cxn>
+                  <a:cxn ang="0">
+                    <a:pos x="connsiteX1" y="connsiteY1"/>
+                  </a:cxn>
+                  <a:cxn ang="0">
+                    <a:pos x="connsiteX2" y="connsiteY2"/>
+                  </a:cxn>
+                  <a:cxn ang="0">
+                    <a:pos x="connsiteX3" y="connsiteY3"/>
+                  </a:cxn>
+                  <a:cxn ang="0">
+                    <a:pos x="connsiteX4" y="connsiteY4"/>
+                  </a:cxn>
+                  <a:cxn ang="0">
+                    <a:pos x="connsiteX5" y="connsiteY5"/>
+                  </a:cxn>
+                  <a:cxn ang="0">
+                    <a:pos x="connsiteX6" y="connsiteY6"/>
+                  </a:cxn>
+                  <a:cxn ang="0">
+                    <a:pos x="connsiteX7" y="connsiteY7"/>
+                  </a:cxn>
+                  <a:cxn ang="0">
+                    <a:pos x="connsiteX8" y="connsiteY8"/>
+                  </a:cxn>
+                  <a:cxn ang="0">
+                    <a:pos x="connsiteX9" y="connsiteY9"/>
+                  </a:cxn>
+                  <a:cxn ang="0">
+                    <a:pos x="connsiteX10" y="connsiteY10"/>
+                  </a:cxn>
+                  <a:cxn ang="0">
+                    <a:pos x="connsiteX11" y="connsiteY11"/>
+                  </a:cxn>
+                  <a:cxn ang="0">
+                    <a:pos x="connsiteX12" y="connsiteY12"/>
+                  </a:cxn>
+                  <a:cxn ang="0">
+                    <a:pos x="connsiteX13" y="connsiteY13"/>
+                  </a:cxn>
+                  <a:cxn ang="0">
+                    <a:pos x="connsiteX14" y="connsiteY14"/>
+                  </a:cxn>
+                  <a:cxn ang="0">
+                    <a:pos x="connsiteX15" y="connsiteY15"/>
+                  </a:cxn>
+                </a:cxnLst>
+                <a:rect l="l" t="t" r="r" b="b"/>
+                <a:pathLst>
+                  <a:path w="717566" h="913854">
+                    <a:moveTo>
+                      <a:pt x="155106" y="831109"/>
+                    </a:moveTo>
+                    <a:cubicBezTo>
+                      <a:pt x="191392" y="888561"/>
+                      <a:pt x="307808" y="920312"/>
+                      <a:pt x="372820" y="912752"/>
+                    </a:cubicBezTo>
+                    <a:cubicBezTo>
+                      <a:pt x="437832" y="905192"/>
+                      <a:pt x="516452" y="826572"/>
+                      <a:pt x="545178" y="785751"/>
+                    </a:cubicBezTo>
+                    <a:cubicBezTo>
+                      <a:pt x="573904" y="744930"/>
+                      <a:pt x="527035" y="687478"/>
+                      <a:pt x="545178" y="667823"/>
+                    </a:cubicBezTo>
+                    <a:cubicBezTo>
+                      <a:pt x="563321" y="648168"/>
+                      <a:pt x="628333" y="681430"/>
+                      <a:pt x="654035" y="667823"/>
+                    </a:cubicBezTo>
+                    <a:cubicBezTo>
+                      <a:pt x="679737" y="654216"/>
+                      <a:pt x="697880" y="620954"/>
+                      <a:pt x="699392" y="586180"/>
+                    </a:cubicBezTo>
+                    <a:cubicBezTo>
+                      <a:pt x="700904" y="551406"/>
+                      <a:pt x="660082" y="486394"/>
+                      <a:pt x="663106" y="459180"/>
+                    </a:cubicBezTo>
+                    <a:cubicBezTo>
+                      <a:pt x="666130" y="431966"/>
+                      <a:pt x="719047" y="447084"/>
+                      <a:pt x="717535" y="422894"/>
+                    </a:cubicBezTo>
+                    <a:cubicBezTo>
+                      <a:pt x="716023" y="398703"/>
+                      <a:pt x="672178" y="344275"/>
+                      <a:pt x="654035" y="314037"/>
+                    </a:cubicBezTo>
+                    <a:cubicBezTo>
+                      <a:pt x="635892" y="283799"/>
+                      <a:pt x="617750" y="271704"/>
+                      <a:pt x="608678" y="241466"/>
+                    </a:cubicBezTo>
+                    <a:cubicBezTo>
+                      <a:pt x="599607" y="211228"/>
+                      <a:pt x="625308" y="171918"/>
+                      <a:pt x="599606" y="132608"/>
+                    </a:cubicBezTo>
+                    <a:cubicBezTo>
+                      <a:pt x="573904" y="93298"/>
+                      <a:pt x="536106" y="17703"/>
+                      <a:pt x="454463" y="5608"/>
+                    </a:cubicBezTo>
+                    <a:cubicBezTo>
+                      <a:pt x="372820" y="-6487"/>
+                      <a:pt x="185344" y="-3463"/>
+                      <a:pt x="109749" y="60037"/>
+                    </a:cubicBezTo>
+                    <a:cubicBezTo>
+                      <a:pt x="34154" y="123537"/>
+                      <a:pt x="-6668" y="301941"/>
+                      <a:pt x="892" y="386608"/>
+                    </a:cubicBezTo>
+                    <a:cubicBezTo>
+                      <a:pt x="8451" y="471275"/>
+                      <a:pt x="129404" y="493954"/>
+                      <a:pt x="155106" y="568037"/>
+                    </a:cubicBezTo>
+                    <a:cubicBezTo>
+                      <a:pt x="180808" y="642120"/>
+                      <a:pt x="118820" y="773657"/>
+                      <a:pt x="155106" y="831109"/>
+                    </a:cubicBezTo>
+                    <a:close/>
+                  </a:path>
+                </a:pathLst>
+              </a:custGeom>
+              <a:ln>
+                <a:solidFill>
+                  <a:schemeClr val="accent6">
+                    <a:lumMod val="50000"/>
+                  </a:schemeClr>
+                </a:solidFill>
+              </a:ln>
+            </p:spPr>
+            <p:style>
+              <a:lnRef idx="1">
+                <a:schemeClr val="accent6"/>
+              </a:lnRef>
+              <a:fillRef idx="2">
+                <a:schemeClr val="accent6"/>
+              </a:fillRef>
+              <a:effectRef idx="1">
+                <a:schemeClr val="accent6"/>
+              </a:effectRef>
+              <a:fontRef idx="minor">
+                <a:schemeClr val="dk1"/>
+              </a:fontRef>
+            </p:style>
+            <p:txBody>
+              <a:bodyPr rtlCol="0" anchor="ctr"/>
+              <a:lstStyle/>
+              <a:p>
+                <a:pPr algn="ctr"/>
+                <a:endParaRPr lang="fr-FR" sz="1400" b="1" noProof="1"/>
+              </a:p>
+            </p:txBody>
+          </p:sp>
+          <p:sp>
+            <p:nvSpPr>
+              <p:cNvPr id="20" name="Ellipse 21">
+                <a:extLst>
+                  <a:ext uri="{FF2B5EF4-FFF2-40B4-BE49-F238E27FC236}">
+                    <a16:creationId xmlns:a16="http://schemas.microsoft.com/office/drawing/2014/main" id="{4A5E76A1-895A-AF5D-A1F1-80FD66AAED64}"/>
+                  </a:ext>
+                </a:extLst>
+              </p:cNvPr>
+              <p:cNvSpPr/>
+              <p:nvPr/>
+            </p:nvSpPr>
+            <p:spPr>
+              <a:xfrm>
+                <a:off x="4219701" y="856949"/>
+                <a:ext cx="79174" cy="79174"/>
+              </a:xfrm>
+              <a:prstGeom prst="ellipse">
+                <a:avLst/>
+              </a:prstGeom>
+              <a:ln>
+                <a:solidFill>
+                  <a:schemeClr val="accent6">
+                    <a:lumMod val="50000"/>
+                  </a:schemeClr>
+                </a:solidFill>
+              </a:ln>
+            </p:spPr>
+            <p:style>
+              <a:lnRef idx="1">
+                <a:schemeClr val="accent6"/>
+              </a:lnRef>
+              <a:fillRef idx="2">
+                <a:schemeClr val="accent6"/>
+              </a:fillRef>
+              <a:effectRef idx="1">
+                <a:schemeClr val="accent6"/>
+              </a:effectRef>
+              <a:fontRef idx="minor">
+                <a:schemeClr val="dk1"/>
+              </a:fontRef>
+            </p:style>
+            <p:txBody>
+              <a:bodyPr rtlCol="0" anchor="ctr"/>
+              <a:lstStyle/>
+              <a:p>
+                <a:pPr algn="ctr"/>
+                <a:endParaRPr lang="fr-FR" sz="1400" b="1" noProof="1"/>
+              </a:p>
+            </p:txBody>
+          </p:sp>
+        </p:grpSp>
+      </p:grpSp>
+      <p:grpSp>
+        <p:nvGrpSpPr>
+          <p:cNvPr id="21" name="Group 20">
+            <a:extLst>
+              <a:ext uri="{FF2B5EF4-FFF2-40B4-BE49-F238E27FC236}">
+                <a16:creationId xmlns:a16="http://schemas.microsoft.com/office/drawing/2014/main" id="{44D1D744-0831-08E4-FD81-EDAF0CB164B7}"/>
+              </a:ext>
+            </a:extLst>
+          </p:cNvPr>
+          <p:cNvGrpSpPr/>
+          <p:nvPr/>
+        </p:nvGrpSpPr>
+        <p:grpSpPr>
+          <a:xfrm>
+            <a:off x="3446519" y="1502800"/>
+            <a:ext cx="1199204" cy="2321188"/>
+            <a:chOff x="3427910" y="1924040"/>
+            <a:chExt cx="1199204" cy="2321188"/>
+          </a:xfrm>
+        </p:grpSpPr>
+        <p:grpSp>
+          <p:nvGrpSpPr>
+            <p:cNvPr id="22" name="Grouper 15">
+              <a:extLst>
+                <a:ext uri="{FF2B5EF4-FFF2-40B4-BE49-F238E27FC236}">
+                  <a16:creationId xmlns:a16="http://schemas.microsoft.com/office/drawing/2014/main" id="{3D13CA8D-F08F-E241-3A86-6E6975BF97DB}"/>
+                </a:ext>
+              </a:extLst>
+            </p:cNvPr>
+            <p:cNvGrpSpPr/>
+            <p:nvPr/>
+          </p:nvGrpSpPr>
+          <p:grpSpPr>
+            <a:xfrm rot="19465764">
+              <a:off x="3427910" y="1924040"/>
+              <a:ext cx="452003" cy="1240137"/>
+              <a:chOff x="4028723" y="1113217"/>
+              <a:chExt cx="425020" cy="1166104"/>
+            </a:xfrm>
+          </p:grpSpPr>
+          <p:sp>
+            <p:nvSpPr>
+              <p:cNvPr id="28" name="Forme libre 29">
+                <a:extLst>
+                  <a:ext uri="{FF2B5EF4-FFF2-40B4-BE49-F238E27FC236}">
+                    <a16:creationId xmlns:a16="http://schemas.microsoft.com/office/drawing/2014/main" id="{679A606E-2EEB-CB25-BD4E-7590C5F973E5}"/>
+                  </a:ext>
+                </a:extLst>
+              </p:cNvPr>
+              <p:cNvSpPr/>
+              <p:nvPr/>
+            </p:nvSpPr>
+            <p:spPr>
+              <a:xfrm>
+                <a:off x="4028723" y="1113217"/>
+                <a:ext cx="425020" cy="1166104"/>
+              </a:xfrm>
+              <a:custGeom>
+                <a:avLst/>
+                <a:gdLst>
+                  <a:gd name="connsiteX0" fmla="*/ 116920 w 425020"/>
+                  <a:gd name="connsiteY0" fmla="*/ 47926 h 1166104"/>
+                  <a:gd name="connsiteX1" fmla="*/ 289277 w 425020"/>
+                  <a:gd name="connsiteY1" fmla="*/ 29783 h 1166104"/>
+                  <a:gd name="connsiteX2" fmla="*/ 416277 w 425020"/>
+                  <a:gd name="connsiteY2" fmla="*/ 301926 h 1166104"/>
+                  <a:gd name="connsiteX3" fmla="*/ 407206 w 425020"/>
+                  <a:gd name="connsiteY3" fmla="*/ 809926 h 1166104"/>
+                  <a:gd name="connsiteX4" fmla="*/ 352777 w 425020"/>
+                  <a:gd name="connsiteY4" fmla="*/ 1082069 h 1166104"/>
+                  <a:gd name="connsiteX5" fmla="*/ 153206 w 425020"/>
+                  <a:gd name="connsiteY5" fmla="*/ 1163712 h 1166104"/>
+                  <a:gd name="connsiteX6" fmla="*/ 26206 w 425020"/>
+                  <a:gd name="connsiteY6" fmla="*/ 1009497 h 1166104"/>
+                  <a:gd name="connsiteX7" fmla="*/ 8063 w 425020"/>
+                  <a:gd name="connsiteY7" fmla="*/ 392640 h 1166104"/>
+                  <a:gd name="connsiteX8" fmla="*/ 116920 w 425020"/>
+                  <a:gd name="connsiteY8" fmla="*/ 47926 h 1166104"/>
+                </a:gdLst>
+                <a:ahLst/>
+                <a:cxnLst>
+                  <a:cxn ang="0">
+                    <a:pos x="connsiteX0" y="connsiteY0"/>
+                  </a:cxn>
+                  <a:cxn ang="0">
+                    <a:pos x="connsiteX1" y="connsiteY1"/>
+                  </a:cxn>
+                  <a:cxn ang="0">
+                    <a:pos x="connsiteX2" y="connsiteY2"/>
+                  </a:cxn>
+                  <a:cxn ang="0">
+                    <a:pos x="connsiteX3" y="connsiteY3"/>
+                  </a:cxn>
+                  <a:cxn ang="0">
+                    <a:pos x="connsiteX4" y="connsiteY4"/>
+                  </a:cxn>
+                  <a:cxn ang="0">
+                    <a:pos x="connsiteX5" y="connsiteY5"/>
+                  </a:cxn>
+                  <a:cxn ang="0">
+                    <a:pos x="connsiteX6" y="connsiteY6"/>
+                  </a:cxn>
+                  <a:cxn ang="0">
+                    <a:pos x="connsiteX7" y="connsiteY7"/>
+                  </a:cxn>
+                  <a:cxn ang="0">
+                    <a:pos x="connsiteX8" y="connsiteY8"/>
+                  </a:cxn>
+                </a:cxnLst>
+                <a:rect l="l" t="t" r="r" b="b"/>
+                <a:pathLst>
+                  <a:path w="425020" h="1166104">
+                    <a:moveTo>
+                      <a:pt x="116920" y="47926"/>
+                    </a:moveTo>
+                    <a:cubicBezTo>
+                      <a:pt x="163789" y="-12550"/>
+                      <a:pt x="239384" y="-12550"/>
+                      <a:pt x="289277" y="29783"/>
+                    </a:cubicBezTo>
+                    <a:cubicBezTo>
+                      <a:pt x="339170" y="72116"/>
+                      <a:pt x="396622" y="171902"/>
+                      <a:pt x="416277" y="301926"/>
+                    </a:cubicBezTo>
+                    <a:cubicBezTo>
+                      <a:pt x="435932" y="431950"/>
+                      <a:pt x="417789" y="679902"/>
+                      <a:pt x="407206" y="809926"/>
+                    </a:cubicBezTo>
+                    <a:cubicBezTo>
+                      <a:pt x="396623" y="939950"/>
+                      <a:pt x="395110" y="1023105"/>
+                      <a:pt x="352777" y="1082069"/>
+                    </a:cubicBezTo>
+                    <a:cubicBezTo>
+                      <a:pt x="310444" y="1141033"/>
+                      <a:pt x="207634" y="1175807"/>
+                      <a:pt x="153206" y="1163712"/>
+                    </a:cubicBezTo>
+                    <a:cubicBezTo>
+                      <a:pt x="98778" y="1151617"/>
+                      <a:pt x="50396" y="1138009"/>
+                      <a:pt x="26206" y="1009497"/>
+                    </a:cubicBezTo>
+                    <a:cubicBezTo>
+                      <a:pt x="2015" y="880985"/>
+                      <a:pt x="-8568" y="555926"/>
+                      <a:pt x="8063" y="392640"/>
+                    </a:cubicBezTo>
+                    <a:cubicBezTo>
+                      <a:pt x="24694" y="229354"/>
+                      <a:pt x="70051" y="108402"/>
+                      <a:pt x="116920" y="47926"/>
+                    </a:cubicBezTo>
+                    <a:close/>
+                  </a:path>
+                </a:pathLst>
+              </a:custGeom>
+              <a:ln>
+                <a:solidFill>
+                  <a:schemeClr val="accent6">
+                    <a:lumMod val="50000"/>
+                  </a:schemeClr>
+                </a:solidFill>
+              </a:ln>
+            </p:spPr>
+            <p:style>
+              <a:lnRef idx="1">
+                <a:schemeClr val="accent6"/>
+              </a:lnRef>
+              <a:fillRef idx="2">
+                <a:schemeClr val="accent6"/>
+              </a:fillRef>
+              <a:effectRef idx="1">
+                <a:schemeClr val="accent6"/>
+              </a:effectRef>
+              <a:fontRef idx="minor">
+                <a:schemeClr val="dk1"/>
+              </a:fontRef>
+            </p:style>
+            <p:txBody>
+              <a:bodyPr rtlCol="0" anchor="ctr"/>
+              <a:lstStyle/>
+              <a:p>
+                <a:pPr algn="ctr"/>
+                <a:endParaRPr lang="fr-FR" sz="1400" b="1" noProof="1"/>
+              </a:p>
+            </p:txBody>
+          </p:sp>
+          <p:sp>
+            <p:nvSpPr>
+              <p:cNvPr id="29" name="Ellipse 30">
+                <a:extLst>
+                  <a:ext uri="{FF2B5EF4-FFF2-40B4-BE49-F238E27FC236}">
+                    <a16:creationId xmlns:a16="http://schemas.microsoft.com/office/drawing/2014/main" id="{AA6B6424-B615-C52A-BD36-0719E72B8F9A}"/>
+                  </a:ext>
+                </a:extLst>
+              </p:cNvPr>
+              <p:cNvSpPr/>
+              <p:nvPr/>
+            </p:nvSpPr>
+            <p:spPr>
+              <a:xfrm>
+                <a:off x="4172529" y="1162629"/>
+                <a:ext cx="79174" cy="79174"/>
+              </a:xfrm>
+              <a:prstGeom prst="ellipse">
+                <a:avLst/>
+              </a:prstGeom>
+              <a:ln>
+                <a:solidFill>
+                  <a:schemeClr val="accent6">
+                    <a:lumMod val="50000"/>
+                  </a:schemeClr>
+                </a:solidFill>
+              </a:ln>
+            </p:spPr>
+            <p:style>
+              <a:lnRef idx="1">
+                <a:schemeClr val="accent6"/>
+              </a:lnRef>
+              <a:fillRef idx="2">
+                <a:schemeClr val="accent6"/>
+              </a:fillRef>
+              <a:effectRef idx="1">
+                <a:schemeClr val="accent6"/>
+              </a:effectRef>
+              <a:fontRef idx="minor">
+                <a:schemeClr val="dk1"/>
+              </a:fontRef>
+            </p:style>
+            <p:txBody>
+              <a:bodyPr rtlCol="0" anchor="ctr"/>
+              <a:lstStyle/>
+              <a:p>
+                <a:pPr algn="ctr"/>
+                <a:endParaRPr lang="fr-FR" sz="1400" b="1" noProof="1"/>
+              </a:p>
+            </p:txBody>
+          </p:sp>
+        </p:grpSp>
+        <p:grpSp>
+          <p:nvGrpSpPr>
+            <p:cNvPr id="23" name="Grouper 16">
+              <a:extLst>
+                <a:ext uri="{FF2B5EF4-FFF2-40B4-BE49-F238E27FC236}">
+                  <a16:creationId xmlns:a16="http://schemas.microsoft.com/office/drawing/2014/main" id="{84E6C52D-1564-50F0-29F9-EEF26391B991}"/>
+                </a:ext>
+              </a:extLst>
+            </p:cNvPr>
+            <p:cNvGrpSpPr/>
+            <p:nvPr/>
+          </p:nvGrpSpPr>
+          <p:grpSpPr>
+            <a:xfrm rot="19632586">
+              <a:off x="4138161" y="2671471"/>
+              <a:ext cx="488953" cy="1573757"/>
+              <a:chOff x="4103478" y="1986644"/>
+              <a:chExt cx="459764" cy="1479808"/>
+            </a:xfrm>
+          </p:grpSpPr>
+          <p:sp>
+            <p:nvSpPr>
+              <p:cNvPr id="25" name="Forme libre 26">
+                <a:extLst>
+                  <a:ext uri="{FF2B5EF4-FFF2-40B4-BE49-F238E27FC236}">
+                    <a16:creationId xmlns:a16="http://schemas.microsoft.com/office/drawing/2014/main" id="{A71D6F04-AD36-C4FD-93C7-8584BA95DCA0}"/>
+                  </a:ext>
+                </a:extLst>
+              </p:cNvPr>
+              <p:cNvSpPr/>
+              <p:nvPr/>
+            </p:nvSpPr>
+            <p:spPr>
+              <a:xfrm>
+                <a:off x="4103478" y="1986644"/>
+                <a:ext cx="459764" cy="1479808"/>
+              </a:xfrm>
+              <a:custGeom>
+                <a:avLst/>
+                <a:gdLst>
+                  <a:gd name="connsiteX0" fmla="*/ 132607 w 459492"/>
+                  <a:gd name="connsiteY0" fmla="*/ 4180 h 1338845"/>
+                  <a:gd name="connsiteX1" fmla="*/ 250536 w 459492"/>
+                  <a:gd name="connsiteY1" fmla="*/ 67680 h 1338845"/>
+                  <a:gd name="connsiteX2" fmla="*/ 259607 w 459492"/>
+                  <a:gd name="connsiteY2" fmla="*/ 385180 h 1338845"/>
+                  <a:gd name="connsiteX3" fmla="*/ 268679 w 459492"/>
+                  <a:gd name="connsiteY3" fmla="*/ 829680 h 1338845"/>
+                  <a:gd name="connsiteX4" fmla="*/ 350321 w 459492"/>
+                  <a:gd name="connsiteY4" fmla="*/ 929465 h 1338845"/>
+                  <a:gd name="connsiteX5" fmla="*/ 459179 w 459492"/>
+                  <a:gd name="connsiteY5" fmla="*/ 1119965 h 1338845"/>
+                  <a:gd name="connsiteX6" fmla="*/ 314036 w 459492"/>
+                  <a:gd name="connsiteY6" fmla="*/ 1002037 h 1338845"/>
+                  <a:gd name="connsiteX7" fmla="*/ 304964 w 459492"/>
+                  <a:gd name="connsiteY7" fmla="*/ 1228823 h 1338845"/>
+                  <a:gd name="connsiteX8" fmla="*/ 159821 w 459492"/>
+                  <a:gd name="connsiteY8" fmla="*/ 1337680 h 1338845"/>
+                  <a:gd name="connsiteX9" fmla="*/ 5607 w 459492"/>
+                  <a:gd name="connsiteY9" fmla="*/ 1165323 h 1338845"/>
+                  <a:gd name="connsiteX10" fmla="*/ 32821 w 459492"/>
+                  <a:gd name="connsiteY10" fmla="*/ 893180 h 1338845"/>
+                  <a:gd name="connsiteX11" fmla="*/ 23750 w 459492"/>
+                  <a:gd name="connsiteY11" fmla="*/ 757108 h 1338845"/>
+                  <a:gd name="connsiteX12" fmla="*/ 41893 w 459492"/>
+                  <a:gd name="connsiteY12" fmla="*/ 702680 h 1338845"/>
+                  <a:gd name="connsiteX13" fmla="*/ 5607 w 459492"/>
+                  <a:gd name="connsiteY13" fmla="*/ 140251 h 1338845"/>
+                  <a:gd name="connsiteX14" fmla="*/ 132607 w 459492"/>
+                  <a:gd name="connsiteY14" fmla="*/ 4180 h 1338845"/>
+                  <a:gd name="connsiteX0" fmla="*/ 132879 w 459764"/>
+                  <a:gd name="connsiteY0" fmla="*/ 4180 h 1338845"/>
+                  <a:gd name="connsiteX1" fmla="*/ 250808 w 459764"/>
+                  <a:gd name="connsiteY1" fmla="*/ 67680 h 1338845"/>
+                  <a:gd name="connsiteX2" fmla="*/ 259879 w 459764"/>
+                  <a:gd name="connsiteY2" fmla="*/ 385180 h 1338845"/>
+                  <a:gd name="connsiteX3" fmla="*/ 268951 w 459764"/>
+                  <a:gd name="connsiteY3" fmla="*/ 829680 h 1338845"/>
+                  <a:gd name="connsiteX4" fmla="*/ 350593 w 459764"/>
+                  <a:gd name="connsiteY4" fmla="*/ 929465 h 1338845"/>
+                  <a:gd name="connsiteX5" fmla="*/ 459451 w 459764"/>
+                  <a:gd name="connsiteY5" fmla="*/ 1119965 h 1338845"/>
+                  <a:gd name="connsiteX6" fmla="*/ 314308 w 459764"/>
+                  <a:gd name="connsiteY6" fmla="*/ 1002037 h 1338845"/>
+                  <a:gd name="connsiteX7" fmla="*/ 305236 w 459764"/>
+                  <a:gd name="connsiteY7" fmla="*/ 1228823 h 1338845"/>
+                  <a:gd name="connsiteX8" fmla="*/ 160093 w 459764"/>
+                  <a:gd name="connsiteY8" fmla="*/ 1337680 h 1338845"/>
+                  <a:gd name="connsiteX9" fmla="*/ 5879 w 459764"/>
+                  <a:gd name="connsiteY9" fmla="*/ 1165323 h 1338845"/>
+                  <a:gd name="connsiteX10" fmla="*/ 33093 w 459764"/>
+                  <a:gd name="connsiteY10" fmla="*/ 893180 h 1338845"/>
+                  <a:gd name="connsiteX11" fmla="*/ 42165 w 459764"/>
+                  <a:gd name="connsiteY11" fmla="*/ 702680 h 1338845"/>
+                  <a:gd name="connsiteX12" fmla="*/ 5879 w 459764"/>
+                  <a:gd name="connsiteY12" fmla="*/ 140251 h 1338845"/>
+                  <a:gd name="connsiteX13" fmla="*/ 132879 w 459764"/>
+                  <a:gd name="connsiteY13" fmla="*/ 4180 h 1338845"/>
+                </a:gdLst>
+                <a:ahLst/>
+                <a:cxnLst>
+                  <a:cxn ang="0">
+                    <a:pos x="connsiteX0" y="connsiteY0"/>
+                  </a:cxn>
+                  <a:cxn ang="0">
+                    <a:pos x="connsiteX1" y="connsiteY1"/>
+                  </a:cxn>
+                  <a:cxn ang="0">
+                    <a:pos x="connsiteX2" y="connsiteY2"/>
+                  </a:cxn>
+                  <a:cxn ang="0">
+                    <a:pos x="connsiteX3" y="connsiteY3"/>
+                  </a:cxn>
+                  <a:cxn ang="0">
+                    <a:pos x="connsiteX4" y="connsiteY4"/>
+                  </a:cxn>
+                  <a:cxn ang="0">
+                    <a:pos x="connsiteX5" y="connsiteY5"/>
+                  </a:cxn>
+                  <a:cxn ang="0">
+                    <a:pos x="connsiteX6" y="connsiteY6"/>
+                  </a:cxn>
+                  <a:cxn ang="0">
+                    <a:pos x="connsiteX7" y="connsiteY7"/>
+                  </a:cxn>
+                  <a:cxn ang="0">
+                    <a:pos x="connsiteX8" y="connsiteY8"/>
+                  </a:cxn>
+                  <a:cxn ang="0">
+                    <a:pos x="connsiteX9" y="connsiteY9"/>
+                  </a:cxn>
+                  <a:cxn ang="0">
+                    <a:pos x="connsiteX10" y="connsiteY10"/>
+                  </a:cxn>
+                  <a:cxn ang="0">
+                    <a:pos x="connsiteX11" y="connsiteY11"/>
+                  </a:cxn>
+                  <a:cxn ang="0">
+                    <a:pos x="connsiteX12" y="connsiteY12"/>
+                  </a:cxn>
+                  <a:cxn ang="0">
+                    <a:pos x="connsiteX13" y="connsiteY13"/>
+                  </a:cxn>
+                </a:cxnLst>
+                <a:rect l="l" t="t" r="r" b="b"/>
+                <a:pathLst>
+                  <a:path w="459764" h="1338845">
+                    <a:moveTo>
+                      <a:pt x="132879" y="4180"/>
+                    </a:moveTo>
+                    <a:cubicBezTo>
+                      <a:pt x="173700" y="-7915"/>
+                      <a:pt x="229641" y="4180"/>
+                      <a:pt x="250808" y="67680"/>
+                    </a:cubicBezTo>
+                    <a:cubicBezTo>
+                      <a:pt x="271975" y="131180"/>
+                      <a:pt x="256855" y="258180"/>
+                      <a:pt x="259879" y="385180"/>
+                    </a:cubicBezTo>
+                    <a:cubicBezTo>
+                      <a:pt x="262903" y="512180"/>
+                      <a:pt x="253832" y="738966"/>
+                      <a:pt x="268951" y="829680"/>
+                    </a:cubicBezTo>
+                    <a:cubicBezTo>
+                      <a:pt x="284070" y="920394"/>
+                      <a:pt x="318843" y="881084"/>
+                      <a:pt x="350593" y="929465"/>
+                    </a:cubicBezTo>
+                    <a:cubicBezTo>
+                      <a:pt x="382343" y="977846"/>
+                      <a:pt x="465498" y="1107870"/>
+                      <a:pt x="459451" y="1119965"/>
+                    </a:cubicBezTo>
+                    <a:cubicBezTo>
+                      <a:pt x="453404" y="1132060"/>
+                      <a:pt x="340011" y="983894"/>
+                      <a:pt x="314308" y="1002037"/>
+                    </a:cubicBezTo>
+                    <a:cubicBezTo>
+                      <a:pt x="288605" y="1020180"/>
+                      <a:pt x="330938" y="1172883"/>
+                      <a:pt x="305236" y="1228823"/>
+                    </a:cubicBezTo>
+                    <a:cubicBezTo>
+                      <a:pt x="279534" y="1284763"/>
+                      <a:pt x="209986" y="1348263"/>
+                      <a:pt x="160093" y="1337680"/>
+                    </a:cubicBezTo>
+                    <a:cubicBezTo>
+                      <a:pt x="110200" y="1327097"/>
+                      <a:pt x="27046" y="1239406"/>
+                      <a:pt x="5879" y="1165323"/>
+                    </a:cubicBezTo>
+                    <a:cubicBezTo>
+                      <a:pt x="-15288" y="1091240"/>
+                      <a:pt x="27045" y="970287"/>
+                      <a:pt x="33093" y="893180"/>
+                    </a:cubicBezTo>
+                    <a:cubicBezTo>
+                      <a:pt x="39141" y="816073"/>
+                      <a:pt x="46701" y="828168"/>
+                      <a:pt x="42165" y="702680"/>
+                    </a:cubicBezTo>
+                    <a:cubicBezTo>
+                      <a:pt x="37629" y="577192"/>
+                      <a:pt x="-9240" y="259692"/>
+                      <a:pt x="5879" y="140251"/>
+                    </a:cubicBezTo>
+                    <a:cubicBezTo>
+                      <a:pt x="20998" y="20811"/>
+                      <a:pt x="92058" y="16275"/>
+                      <a:pt x="132879" y="4180"/>
+                    </a:cubicBezTo>
+                    <a:close/>
+                  </a:path>
+                </a:pathLst>
+              </a:custGeom>
+              <a:ln>
+                <a:solidFill>
+                  <a:schemeClr val="accent6">
+                    <a:lumMod val="50000"/>
+                  </a:schemeClr>
+                </a:solidFill>
+              </a:ln>
+            </p:spPr>
+            <p:style>
+              <a:lnRef idx="1">
+                <a:schemeClr val="accent6"/>
+              </a:lnRef>
+              <a:fillRef idx="2">
+                <a:schemeClr val="accent6"/>
+              </a:fillRef>
+              <a:effectRef idx="1">
+                <a:schemeClr val="accent6"/>
+              </a:effectRef>
+              <a:fontRef idx="minor">
+                <a:schemeClr val="dk1"/>
+              </a:fontRef>
+            </p:style>
+            <p:txBody>
+              <a:bodyPr rtlCol="0" anchor="ctr"/>
+              <a:lstStyle/>
+              <a:p>
+                <a:pPr algn="ctr"/>
+                <a:endParaRPr lang="fr-FR" sz="1400" b="1" noProof="1"/>
+              </a:p>
+            </p:txBody>
+          </p:sp>
+          <p:sp>
+            <p:nvSpPr>
+              <p:cNvPr id="26" name="Ellipse 27">
+                <a:extLst>
+                  <a:ext uri="{FF2B5EF4-FFF2-40B4-BE49-F238E27FC236}">
+                    <a16:creationId xmlns:a16="http://schemas.microsoft.com/office/drawing/2014/main" id="{FFF3C18A-1F65-8AAD-5A35-8FCE622933E6}"/>
+                  </a:ext>
+                </a:extLst>
+              </p:cNvPr>
+              <p:cNvSpPr/>
+              <p:nvPr/>
+            </p:nvSpPr>
+            <p:spPr>
+              <a:xfrm>
+                <a:off x="4180114" y="2104571"/>
+                <a:ext cx="79174" cy="79174"/>
+              </a:xfrm>
+              <a:prstGeom prst="ellipse">
+                <a:avLst/>
+              </a:prstGeom>
+              <a:ln>
+                <a:solidFill>
+                  <a:schemeClr val="accent6">
+                    <a:lumMod val="50000"/>
+                  </a:schemeClr>
+                </a:solidFill>
+              </a:ln>
+            </p:spPr>
+            <p:style>
+              <a:lnRef idx="1">
+                <a:schemeClr val="accent6"/>
+              </a:lnRef>
+              <a:fillRef idx="2">
+                <a:schemeClr val="accent6"/>
+              </a:fillRef>
+              <a:effectRef idx="1">
+                <a:schemeClr val="accent6"/>
+              </a:effectRef>
+              <a:fontRef idx="minor">
+                <a:schemeClr val="dk1"/>
+              </a:fontRef>
+            </p:style>
+            <p:txBody>
+              <a:bodyPr rtlCol="0" anchor="ctr"/>
+              <a:lstStyle/>
+              <a:p>
+                <a:pPr algn="ctr"/>
+                <a:endParaRPr lang="fr-FR" sz="1400" b="1" noProof="1"/>
+              </a:p>
+            </p:txBody>
+          </p:sp>
+          <p:sp>
+            <p:nvSpPr>
+              <p:cNvPr id="27" name="Ellipse 28">
+                <a:extLst>
+                  <a:ext uri="{FF2B5EF4-FFF2-40B4-BE49-F238E27FC236}">
+                    <a16:creationId xmlns:a16="http://schemas.microsoft.com/office/drawing/2014/main" id="{E4227006-E23C-E098-448A-90FFE0216C67}"/>
+                  </a:ext>
+                </a:extLst>
+              </p:cNvPr>
+              <p:cNvSpPr/>
+              <p:nvPr/>
+            </p:nvSpPr>
+            <p:spPr>
+              <a:xfrm>
+                <a:off x="4219701" y="2902856"/>
+                <a:ext cx="79174" cy="79174"/>
+              </a:xfrm>
+              <a:prstGeom prst="ellipse">
+                <a:avLst/>
+              </a:prstGeom>
+              <a:ln>
+                <a:solidFill>
+                  <a:schemeClr val="accent6">
+                    <a:lumMod val="50000"/>
+                  </a:schemeClr>
+                </a:solidFill>
+              </a:ln>
+            </p:spPr>
+            <p:style>
+              <a:lnRef idx="1">
+                <a:schemeClr val="accent6"/>
+              </a:lnRef>
+              <a:fillRef idx="2">
+                <a:schemeClr val="accent6"/>
+              </a:fillRef>
+              <a:effectRef idx="1">
+                <a:schemeClr val="accent6"/>
+              </a:effectRef>
+              <a:fontRef idx="minor">
+                <a:schemeClr val="dk1"/>
+              </a:fontRef>
+            </p:style>
+            <p:txBody>
+              <a:bodyPr rtlCol="0" anchor="ctr"/>
+              <a:lstStyle/>
+              <a:p>
+                <a:pPr algn="ctr"/>
+                <a:endParaRPr lang="fr-FR" sz="1400" b="1" noProof="1"/>
+              </a:p>
+            </p:txBody>
+          </p:sp>
+        </p:grpSp>
+        <p:sp>
+          <p:nvSpPr>
+            <p:cNvPr id="24" name="Rectangle 23">
+              <a:extLst>
+                <a:ext uri="{FF2B5EF4-FFF2-40B4-BE49-F238E27FC236}">
+                  <a16:creationId xmlns:a16="http://schemas.microsoft.com/office/drawing/2014/main" id="{288A881D-7528-A43F-1628-4ADCB8C89E83}"/>
+                </a:ext>
+              </a:extLst>
+            </p:cNvPr>
+            <p:cNvSpPr/>
+            <p:nvPr/>
+          </p:nvSpPr>
+          <p:spPr>
+            <a:xfrm rot="19626046">
+              <a:off x="3514036" y="2278858"/>
+              <a:ext cx="184935" cy="358964"/>
+            </a:xfrm>
+            <a:prstGeom prst="rect">
+              <a:avLst/>
+            </a:prstGeom>
+          </p:spPr>
+          <p:style>
+            <a:lnRef idx="2">
+              <a:schemeClr val="accent1">
+                <a:shade val="50000"/>
+              </a:schemeClr>
+            </a:lnRef>
+            <a:fillRef idx="1">
+              <a:schemeClr val="accent1"/>
+            </a:fillRef>
+            <a:effectRef idx="0">
+              <a:schemeClr val="accent1"/>
+            </a:effectRef>
+            <a:fontRef idx="minor">
+              <a:schemeClr val="lt1"/>
+            </a:fontRef>
+          </p:style>
+          <p:txBody>
+            <a:bodyPr rtlCol="0" anchor="ctr"/>
+            <a:lstStyle/>
+            <a:p>
+              <a:pPr algn="ctr"/>
+              <a:endParaRPr lang="fr-CA" noProof="1"/>
+            </a:p>
+          </p:txBody>
+        </p:sp>
+      </p:grpSp>
+      <p:grpSp>
+        <p:nvGrpSpPr>
+          <p:cNvPr id="30" name="Group 29">
+            <a:extLst>
+              <a:ext uri="{FF2B5EF4-FFF2-40B4-BE49-F238E27FC236}">
+                <a16:creationId xmlns:a16="http://schemas.microsoft.com/office/drawing/2014/main" id="{5DDCE40B-49C5-7816-1388-3F868663F19E}"/>
+              </a:ext>
+            </a:extLst>
+          </p:cNvPr>
+          <p:cNvGrpSpPr/>
+          <p:nvPr/>
+        </p:nvGrpSpPr>
+        <p:grpSpPr>
+          <a:xfrm>
+            <a:off x="5398862" y="541900"/>
+            <a:ext cx="998104" cy="3289106"/>
+            <a:chOff x="2747232" y="418610"/>
+            <a:chExt cx="998104" cy="3289106"/>
+          </a:xfrm>
+        </p:grpSpPr>
+        <p:sp>
+          <p:nvSpPr>
+            <p:cNvPr id="31" name="Forme libre 13">
+              <a:extLst>
+                <a:ext uri="{FF2B5EF4-FFF2-40B4-BE49-F238E27FC236}">
+                  <a16:creationId xmlns:a16="http://schemas.microsoft.com/office/drawing/2014/main" id="{5B5FAB77-5923-CA7F-1A6C-77E2B835F948}"/>
+                </a:ext>
+              </a:extLst>
+            </p:cNvPr>
+            <p:cNvSpPr/>
+            <p:nvPr/>
+          </p:nvSpPr>
+          <p:spPr>
+            <a:xfrm>
+              <a:off x="2747232" y="1250616"/>
+              <a:ext cx="998104" cy="2457100"/>
+            </a:xfrm>
+            <a:custGeom>
+              <a:avLst/>
+              <a:gdLst>
+                <a:gd name="connsiteX0" fmla="*/ 226786 w 938520"/>
+                <a:gd name="connsiteY0" fmla="*/ 36286 h 2307006"/>
+                <a:gd name="connsiteX1" fmla="*/ 81643 w 938520"/>
+                <a:gd name="connsiteY1" fmla="*/ 235857 h 2307006"/>
+                <a:gd name="connsiteX2" fmla="*/ 0 w 938520"/>
+                <a:gd name="connsiteY2" fmla="*/ 653143 h 2307006"/>
+                <a:gd name="connsiteX3" fmla="*/ 81643 w 938520"/>
+                <a:gd name="connsiteY3" fmla="*/ 916215 h 2307006"/>
+                <a:gd name="connsiteX4" fmla="*/ 154215 w 938520"/>
+                <a:gd name="connsiteY4" fmla="*/ 1587500 h 2307006"/>
+                <a:gd name="connsiteX5" fmla="*/ 54429 w 938520"/>
+                <a:gd name="connsiteY5" fmla="*/ 1805215 h 2307006"/>
+                <a:gd name="connsiteX6" fmla="*/ 63500 w 938520"/>
+                <a:gd name="connsiteY6" fmla="*/ 2104572 h 2307006"/>
+                <a:gd name="connsiteX7" fmla="*/ 254000 w 938520"/>
+                <a:gd name="connsiteY7" fmla="*/ 2276929 h 2307006"/>
+                <a:gd name="connsiteX8" fmla="*/ 644072 w 938520"/>
+                <a:gd name="connsiteY8" fmla="*/ 2295072 h 2307006"/>
+                <a:gd name="connsiteX9" fmla="*/ 743858 w 938520"/>
+                <a:gd name="connsiteY9" fmla="*/ 2149929 h 2307006"/>
+                <a:gd name="connsiteX10" fmla="*/ 762000 w 938520"/>
+                <a:gd name="connsiteY10" fmla="*/ 1850572 h 2307006"/>
+                <a:gd name="connsiteX11" fmla="*/ 861786 w 938520"/>
+                <a:gd name="connsiteY11" fmla="*/ 1496786 h 2307006"/>
+                <a:gd name="connsiteX12" fmla="*/ 934358 w 938520"/>
+                <a:gd name="connsiteY12" fmla="*/ 734786 h 2307006"/>
+                <a:gd name="connsiteX13" fmla="*/ 734786 w 938520"/>
+                <a:gd name="connsiteY13" fmla="*/ 226786 h 2307006"/>
+                <a:gd name="connsiteX14" fmla="*/ 562429 w 938520"/>
+                <a:gd name="connsiteY14" fmla="*/ 0 h 2307006"/>
+                <a:gd name="connsiteX0" fmla="*/ 226786 w 938520"/>
+                <a:gd name="connsiteY0" fmla="*/ 36286 h 2307006"/>
+                <a:gd name="connsiteX1" fmla="*/ 81643 w 938520"/>
+                <a:gd name="connsiteY1" fmla="*/ 235857 h 2307006"/>
+                <a:gd name="connsiteX2" fmla="*/ 0 w 938520"/>
+                <a:gd name="connsiteY2" fmla="*/ 653143 h 2307006"/>
+                <a:gd name="connsiteX3" fmla="*/ 81643 w 938520"/>
+                <a:gd name="connsiteY3" fmla="*/ 916215 h 2307006"/>
+                <a:gd name="connsiteX4" fmla="*/ 154215 w 938520"/>
+                <a:gd name="connsiteY4" fmla="*/ 1587500 h 2307006"/>
+                <a:gd name="connsiteX5" fmla="*/ 54429 w 938520"/>
+                <a:gd name="connsiteY5" fmla="*/ 1805215 h 2307006"/>
+                <a:gd name="connsiteX6" fmla="*/ 63500 w 938520"/>
+                <a:gd name="connsiteY6" fmla="*/ 2104572 h 2307006"/>
+                <a:gd name="connsiteX7" fmla="*/ 254000 w 938520"/>
+                <a:gd name="connsiteY7" fmla="*/ 2276929 h 2307006"/>
+                <a:gd name="connsiteX8" fmla="*/ 644072 w 938520"/>
+                <a:gd name="connsiteY8" fmla="*/ 2295072 h 2307006"/>
+                <a:gd name="connsiteX9" fmla="*/ 743858 w 938520"/>
+                <a:gd name="connsiteY9" fmla="*/ 2149929 h 2307006"/>
+                <a:gd name="connsiteX10" fmla="*/ 762000 w 938520"/>
+                <a:gd name="connsiteY10" fmla="*/ 1850572 h 2307006"/>
+                <a:gd name="connsiteX11" fmla="*/ 861786 w 938520"/>
+                <a:gd name="connsiteY11" fmla="*/ 1496786 h 2307006"/>
+                <a:gd name="connsiteX12" fmla="*/ 934358 w 938520"/>
+                <a:gd name="connsiteY12" fmla="*/ 734786 h 2307006"/>
+                <a:gd name="connsiteX13" fmla="*/ 734786 w 938520"/>
+                <a:gd name="connsiteY13" fmla="*/ 226786 h 2307006"/>
+                <a:gd name="connsiteX14" fmla="*/ 562429 w 938520"/>
+                <a:gd name="connsiteY14" fmla="*/ 0 h 2307006"/>
+                <a:gd name="connsiteX15" fmla="*/ 226786 w 938520"/>
+                <a:gd name="connsiteY15" fmla="*/ 36286 h 2307006"/>
+                <a:gd name="connsiteX0" fmla="*/ 226786 w 938520"/>
+                <a:gd name="connsiteY0" fmla="*/ 37152 h 2307872"/>
+                <a:gd name="connsiteX1" fmla="*/ 81643 w 938520"/>
+                <a:gd name="connsiteY1" fmla="*/ 236723 h 2307872"/>
+                <a:gd name="connsiteX2" fmla="*/ 0 w 938520"/>
+                <a:gd name="connsiteY2" fmla="*/ 654009 h 2307872"/>
+                <a:gd name="connsiteX3" fmla="*/ 81643 w 938520"/>
+                <a:gd name="connsiteY3" fmla="*/ 917081 h 2307872"/>
+                <a:gd name="connsiteX4" fmla="*/ 154215 w 938520"/>
+                <a:gd name="connsiteY4" fmla="*/ 1588366 h 2307872"/>
+                <a:gd name="connsiteX5" fmla="*/ 54429 w 938520"/>
+                <a:gd name="connsiteY5" fmla="*/ 1806081 h 2307872"/>
+                <a:gd name="connsiteX6" fmla="*/ 63500 w 938520"/>
+                <a:gd name="connsiteY6" fmla="*/ 2105438 h 2307872"/>
+                <a:gd name="connsiteX7" fmla="*/ 254000 w 938520"/>
+                <a:gd name="connsiteY7" fmla="*/ 2277795 h 2307872"/>
+                <a:gd name="connsiteX8" fmla="*/ 644072 w 938520"/>
+                <a:gd name="connsiteY8" fmla="*/ 2295938 h 2307872"/>
+                <a:gd name="connsiteX9" fmla="*/ 743858 w 938520"/>
+                <a:gd name="connsiteY9" fmla="*/ 2150795 h 2307872"/>
+                <a:gd name="connsiteX10" fmla="*/ 762000 w 938520"/>
+                <a:gd name="connsiteY10" fmla="*/ 1851438 h 2307872"/>
+                <a:gd name="connsiteX11" fmla="*/ 861786 w 938520"/>
+                <a:gd name="connsiteY11" fmla="*/ 1497652 h 2307872"/>
+                <a:gd name="connsiteX12" fmla="*/ 934358 w 938520"/>
+                <a:gd name="connsiteY12" fmla="*/ 735652 h 2307872"/>
+                <a:gd name="connsiteX13" fmla="*/ 734786 w 938520"/>
+                <a:gd name="connsiteY13" fmla="*/ 227652 h 2307872"/>
+                <a:gd name="connsiteX14" fmla="*/ 562429 w 938520"/>
+                <a:gd name="connsiteY14" fmla="*/ 866 h 2307872"/>
+                <a:gd name="connsiteX15" fmla="*/ 226786 w 938520"/>
+                <a:gd name="connsiteY15" fmla="*/ 37152 h 2307872"/>
+                <a:gd name="connsiteX0" fmla="*/ 226786 w 938520"/>
+                <a:gd name="connsiteY0" fmla="*/ 39698 h 2310418"/>
+                <a:gd name="connsiteX1" fmla="*/ 81643 w 938520"/>
+                <a:gd name="connsiteY1" fmla="*/ 239269 h 2310418"/>
+                <a:gd name="connsiteX2" fmla="*/ 0 w 938520"/>
+                <a:gd name="connsiteY2" fmla="*/ 656555 h 2310418"/>
+                <a:gd name="connsiteX3" fmla="*/ 81643 w 938520"/>
+                <a:gd name="connsiteY3" fmla="*/ 919627 h 2310418"/>
+                <a:gd name="connsiteX4" fmla="*/ 154215 w 938520"/>
+                <a:gd name="connsiteY4" fmla="*/ 1590912 h 2310418"/>
+                <a:gd name="connsiteX5" fmla="*/ 54429 w 938520"/>
+                <a:gd name="connsiteY5" fmla="*/ 1808627 h 2310418"/>
+                <a:gd name="connsiteX6" fmla="*/ 63500 w 938520"/>
+                <a:gd name="connsiteY6" fmla="*/ 2107984 h 2310418"/>
+                <a:gd name="connsiteX7" fmla="*/ 254000 w 938520"/>
+                <a:gd name="connsiteY7" fmla="*/ 2280341 h 2310418"/>
+                <a:gd name="connsiteX8" fmla="*/ 644072 w 938520"/>
+                <a:gd name="connsiteY8" fmla="*/ 2298484 h 2310418"/>
+                <a:gd name="connsiteX9" fmla="*/ 743858 w 938520"/>
+                <a:gd name="connsiteY9" fmla="*/ 2153341 h 2310418"/>
+                <a:gd name="connsiteX10" fmla="*/ 762000 w 938520"/>
+                <a:gd name="connsiteY10" fmla="*/ 1853984 h 2310418"/>
+                <a:gd name="connsiteX11" fmla="*/ 861786 w 938520"/>
+                <a:gd name="connsiteY11" fmla="*/ 1500198 h 2310418"/>
+                <a:gd name="connsiteX12" fmla="*/ 934358 w 938520"/>
+                <a:gd name="connsiteY12" fmla="*/ 738198 h 2310418"/>
+                <a:gd name="connsiteX13" fmla="*/ 734786 w 938520"/>
+                <a:gd name="connsiteY13" fmla="*/ 230198 h 2310418"/>
+                <a:gd name="connsiteX14" fmla="*/ 562429 w 938520"/>
+                <a:gd name="connsiteY14" fmla="*/ 3412 h 2310418"/>
+                <a:gd name="connsiteX15" fmla="*/ 226786 w 938520"/>
+                <a:gd name="connsiteY15" fmla="*/ 39698 h 2310418"/>
+                <a:gd name="connsiteX0" fmla="*/ 226786 w 938520"/>
+                <a:gd name="connsiteY0" fmla="*/ 39698 h 2310418"/>
+                <a:gd name="connsiteX1" fmla="*/ 81643 w 938520"/>
+                <a:gd name="connsiteY1" fmla="*/ 239269 h 2310418"/>
+                <a:gd name="connsiteX2" fmla="*/ 0 w 938520"/>
+                <a:gd name="connsiteY2" fmla="*/ 656555 h 2310418"/>
+                <a:gd name="connsiteX3" fmla="*/ 81643 w 938520"/>
+                <a:gd name="connsiteY3" fmla="*/ 919627 h 2310418"/>
+                <a:gd name="connsiteX4" fmla="*/ 177868 w 938520"/>
+                <a:gd name="connsiteY4" fmla="*/ 1484474 h 2310418"/>
+                <a:gd name="connsiteX5" fmla="*/ 54429 w 938520"/>
+                <a:gd name="connsiteY5" fmla="*/ 1808627 h 2310418"/>
+                <a:gd name="connsiteX6" fmla="*/ 63500 w 938520"/>
+                <a:gd name="connsiteY6" fmla="*/ 2107984 h 2310418"/>
+                <a:gd name="connsiteX7" fmla="*/ 254000 w 938520"/>
+                <a:gd name="connsiteY7" fmla="*/ 2280341 h 2310418"/>
+                <a:gd name="connsiteX8" fmla="*/ 644072 w 938520"/>
+                <a:gd name="connsiteY8" fmla="*/ 2298484 h 2310418"/>
+                <a:gd name="connsiteX9" fmla="*/ 743858 w 938520"/>
+                <a:gd name="connsiteY9" fmla="*/ 2153341 h 2310418"/>
+                <a:gd name="connsiteX10" fmla="*/ 762000 w 938520"/>
+                <a:gd name="connsiteY10" fmla="*/ 1853984 h 2310418"/>
+                <a:gd name="connsiteX11" fmla="*/ 861786 w 938520"/>
+                <a:gd name="connsiteY11" fmla="*/ 1500198 h 2310418"/>
+                <a:gd name="connsiteX12" fmla="*/ 934358 w 938520"/>
+                <a:gd name="connsiteY12" fmla="*/ 738198 h 2310418"/>
+                <a:gd name="connsiteX13" fmla="*/ 734786 w 938520"/>
+                <a:gd name="connsiteY13" fmla="*/ 230198 h 2310418"/>
+                <a:gd name="connsiteX14" fmla="*/ 562429 w 938520"/>
+                <a:gd name="connsiteY14" fmla="*/ 3412 h 2310418"/>
+                <a:gd name="connsiteX15" fmla="*/ 226786 w 938520"/>
+                <a:gd name="connsiteY15" fmla="*/ 39698 h 2310418"/>
+                <a:gd name="connsiteX0" fmla="*/ 226786 w 938520"/>
+                <a:gd name="connsiteY0" fmla="*/ 39698 h 2310418"/>
+                <a:gd name="connsiteX1" fmla="*/ 81643 w 938520"/>
+                <a:gd name="connsiteY1" fmla="*/ 239269 h 2310418"/>
+                <a:gd name="connsiteX2" fmla="*/ 0 w 938520"/>
+                <a:gd name="connsiteY2" fmla="*/ 656555 h 2310418"/>
+                <a:gd name="connsiteX3" fmla="*/ 81643 w 938520"/>
+                <a:gd name="connsiteY3" fmla="*/ 919627 h 2310418"/>
+                <a:gd name="connsiteX4" fmla="*/ 118733 w 938520"/>
+                <a:gd name="connsiteY4" fmla="*/ 1496299 h 2310418"/>
+                <a:gd name="connsiteX5" fmla="*/ 54429 w 938520"/>
+                <a:gd name="connsiteY5" fmla="*/ 1808627 h 2310418"/>
+                <a:gd name="connsiteX6" fmla="*/ 63500 w 938520"/>
+                <a:gd name="connsiteY6" fmla="*/ 2107984 h 2310418"/>
+                <a:gd name="connsiteX7" fmla="*/ 254000 w 938520"/>
+                <a:gd name="connsiteY7" fmla="*/ 2280341 h 2310418"/>
+                <a:gd name="connsiteX8" fmla="*/ 644072 w 938520"/>
+                <a:gd name="connsiteY8" fmla="*/ 2298484 h 2310418"/>
+                <a:gd name="connsiteX9" fmla="*/ 743858 w 938520"/>
+                <a:gd name="connsiteY9" fmla="*/ 2153341 h 2310418"/>
+                <a:gd name="connsiteX10" fmla="*/ 762000 w 938520"/>
+                <a:gd name="connsiteY10" fmla="*/ 1853984 h 2310418"/>
+                <a:gd name="connsiteX11" fmla="*/ 861786 w 938520"/>
+                <a:gd name="connsiteY11" fmla="*/ 1500198 h 2310418"/>
+                <a:gd name="connsiteX12" fmla="*/ 934358 w 938520"/>
+                <a:gd name="connsiteY12" fmla="*/ 738198 h 2310418"/>
+                <a:gd name="connsiteX13" fmla="*/ 734786 w 938520"/>
+                <a:gd name="connsiteY13" fmla="*/ 230198 h 2310418"/>
+                <a:gd name="connsiteX14" fmla="*/ 562429 w 938520"/>
+                <a:gd name="connsiteY14" fmla="*/ 3412 h 2310418"/>
+                <a:gd name="connsiteX15" fmla="*/ 226786 w 938520"/>
+                <a:gd name="connsiteY15" fmla="*/ 39698 h 2310418"/>
+                <a:gd name="connsiteX0" fmla="*/ 226786 w 938520"/>
+                <a:gd name="connsiteY0" fmla="*/ 39698 h 2310418"/>
+                <a:gd name="connsiteX1" fmla="*/ 81643 w 938520"/>
+                <a:gd name="connsiteY1" fmla="*/ 239269 h 2310418"/>
+                <a:gd name="connsiteX2" fmla="*/ 0 w 938520"/>
+                <a:gd name="connsiteY2" fmla="*/ 656555 h 2310418"/>
+                <a:gd name="connsiteX3" fmla="*/ 81643 w 938520"/>
+                <a:gd name="connsiteY3" fmla="*/ 1049718 h 2310418"/>
+                <a:gd name="connsiteX4" fmla="*/ 118733 w 938520"/>
+                <a:gd name="connsiteY4" fmla="*/ 1496299 h 2310418"/>
+                <a:gd name="connsiteX5" fmla="*/ 54429 w 938520"/>
+                <a:gd name="connsiteY5" fmla="*/ 1808627 h 2310418"/>
+                <a:gd name="connsiteX6" fmla="*/ 63500 w 938520"/>
+                <a:gd name="connsiteY6" fmla="*/ 2107984 h 2310418"/>
+                <a:gd name="connsiteX7" fmla="*/ 254000 w 938520"/>
+                <a:gd name="connsiteY7" fmla="*/ 2280341 h 2310418"/>
+                <a:gd name="connsiteX8" fmla="*/ 644072 w 938520"/>
+                <a:gd name="connsiteY8" fmla="*/ 2298484 h 2310418"/>
+                <a:gd name="connsiteX9" fmla="*/ 743858 w 938520"/>
+                <a:gd name="connsiteY9" fmla="*/ 2153341 h 2310418"/>
+                <a:gd name="connsiteX10" fmla="*/ 762000 w 938520"/>
+                <a:gd name="connsiteY10" fmla="*/ 1853984 h 2310418"/>
+                <a:gd name="connsiteX11" fmla="*/ 861786 w 938520"/>
+                <a:gd name="connsiteY11" fmla="*/ 1500198 h 2310418"/>
+                <a:gd name="connsiteX12" fmla="*/ 934358 w 938520"/>
+                <a:gd name="connsiteY12" fmla="*/ 738198 h 2310418"/>
+                <a:gd name="connsiteX13" fmla="*/ 734786 w 938520"/>
+                <a:gd name="connsiteY13" fmla="*/ 230198 h 2310418"/>
+                <a:gd name="connsiteX14" fmla="*/ 562429 w 938520"/>
+                <a:gd name="connsiteY14" fmla="*/ 3412 h 2310418"/>
+                <a:gd name="connsiteX15" fmla="*/ 226786 w 938520"/>
+                <a:gd name="connsiteY15" fmla="*/ 39698 h 2310418"/>
+              </a:gdLst>
+              <a:ahLst/>
+              <a:cxnLst>
+                <a:cxn ang="0">
+                  <a:pos x="connsiteX0" y="connsiteY0"/>
+                </a:cxn>
+                <a:cxn ang="0">
+                  <a:pos x="connsiteX1" y="connsiteY1"/>
+                </a:cxn>
+                <a:cxn ang="0">
+                  <a:pos x="connsiteX2" y="connsiteY2"/>
+                </a:cxn>
+                <a:cxn ang="0">
+                  <a:pos x="connsiteX3" y="connsiteY3"/>
+                </a:cxn>
+                <a:cxn ang="0">
+                  <a:pos x="connsiteX4" y="connsiteY4"/>
+                </a:cxn>
+                <a:cxn ang="0">
+                  <a:pos x="connsiteX5" y="connsiteY5"/>
+                </a:cxn>
+                <a:cxn ang="0">
+                  <a:pos x="connsiteX6" y="connsiteY6"/>
+                </a:cxn>
+                <a:cxn ang="0">
+                  <a:pos x="connsiteX7" y="connsiteY7"/>
+                </a:cxn>
+                <a:cxn ang="0">
+                  <a:pos x="connsiteX8" y="connsiteY8"/>
+                </a:cxn>
+                <a:cxn ang="0">
+                  <a:pos x="connsiteX9" y="connsiteY9"/>
+                </a:cxn>
+                <a:cxn ang="0">
+                  <a:pos x="connsiteX10" y="connsiteY10"/>
+                </a:cxn>
+                <a:cxn ang="0">
+                  <a:pos x="connsiteX11" y="connsiteY11"/>
+                </a:cxn>
+                <a:cxn ang="0">
+                  <a:pos x="connsiteX12" y="connsiteY12"/>
+                </a:cxn>
+                <a:cxn ang="0">
+                  <a:pos x="connsiteX13" y="connsiteY13"/>
+                </a:cxn>
+                <a:cxn ang="0">
+                  <a:pos x="connsiteX14" y="connsiteY14"/>
+                </a:cxn>
+                <a:cxn ang="0">
+                  <a:pos x="connsiteX15" y="connsiteY15"/>
+                </a:cxn>
+              </a:cxnLst>
+              <a:rect l="l" t="t" r="r" b="b"/>
+              <a:pathLst>
+                <a:path w="938520" h="2310418">
+                  <a:moveTo>
+                    <a:pt x="226786" y="39698"/>
+                  </a:moveTo>
+                  <a:cubicBezTo>
+                    <a:pt x="173113" y="88079"/>
+                    <a:pt x="119441" y="136460"/>
+                    <a:pt x="81643" y="239269"/>
+                  </a:cubicBezTo>
+                  <a:cubicBezTo>
+                    <a:pt x="43845" y="342078"/>
+                    <a:pt x="0" y="521480"/>
+                    <a:pt x="0" y="656555"/>
+                  </a:cubicBezTo>
+                  <a:cubicBezTo>
+                    <a:pt x="0" y="791630"/>
+                    <a:pt x="61854" y="909761"/>
+                    <a:pt x="81643" y="1049718"/>
+                  </a:cubicBezTo>
+                  <a:cubicBezTo>
+                    <a:pt x="101432" y="1189675"/>
+                    <a:pt x="123269" y="1369814"/>
+                    <a:pt x="118733" y="1496299"/>
+                  </a:cubicBezTo>
+                  <a:cubicBezTo>
+                    <a:pt x="114197" y="1622784"/>
+                    <a:pt x="63634" y="1706680"/>
+                    <a:pt x="54429" y="1808627"/>
+                  </a:cubicBezTo>
+                  <a:cubicBezTo>
+                    <a:pt x="45224" y="1910574"/>
+                    <a:pt x="30238" y="2029365"/>
+                    <a:pt x="63500" y="2107984"/>
+                  </a:cubicBezTo>
+                  <a:cubicBezTo>
+                    <a:pt x="96762" y="2186603"/>
+                    <a:pt x="157238" y="2248591"/>
+                    <a:pt x="254000" y="2280341"/>
+                  </a:cubicBezTo>
+                  <a:cubicBezTo>
+                    <a:pt x="350762" y="2312091"/>
+                    <a:pt x="562429" y="2319651"/>
+                    <a:pt x="644072" y="2298484"/>
+                  </a:cubicBezTo>
+                  <a:cubicBezTo>
+                    <a:pt x="725715" y="2277317"/>
+                    <a:pt x="724203" y="2227424"/>
+                    <a:pt x="743858" y="2153341"/>
+                  </a:cubicBezTo>
+                  <a:cubicBezTo>
+                    <a:pt x="763513" y="2079258"/>
+                    <a:pt x="742345" y="1962841"/>
+                    <a:pt x="762000" y="1853984"/>
+                  </a:cubicBezTo>
+                  <a:cubicBezTo>
+                    <a:pt x="781655" y="1745127"/>
+                    <a:pt x="833060" y="1686162"/>
+                    <a:pt x="861786" y="1500198"/>
+                  </a:cubicBezTo>
+                  <a:cubicBezTo>
+                    <a:pt x="890512" y="1314234"/>
+                    <a:pt x="955525" y="949865"/>
+                    <a:pt x="934358" y="738198"/>
+                  </a:cubicBezTo>
+                  <a:cubicBezTo>
+                    <a:pt x="913191" y="526531"/>
+                    <a:pt x="796774" y="352662"/>
+                    <a:pt x="734786" y="230198"/>
+                  </a:cubicBezTo>
+                  <a:cubicBezTo>
+                    <a:pt x="672798" y="107734"/>
+                    <a:pt x="674310" y="18531"/>
+                    <a:pt x="562429" y="3412"/>
+                  </a:cubicBezTo>
+                  <a:cubicBezTo>
+                    <a:pt x="450548" y="-11707"/>
+                    <a:pt x="338667" y="27603"/>
+                    <a:pt x="226786" y="39698"/>
+                  </a:cubicBezTo>
+                  <a:close/>
+                </a:path>
+              </a:pathLst>
+            </a:custGeom>
+            <a:ln>
+              <a:solidFill>
+                <a:schemeClr val="accent6">
+                  <a:lumMod val="50000"/>
+                </a:schemeClr>
+              </a:solidFill>
+            </a:ln>
+          </p:spPr>
+          <p:style>
+            <a:lnRef idx="1">
+              <a:schemeClr val="accent6"/>
+            </a:lnRef>
+            <a:fillRef idx="2">
+              <a:schemeClr val="accent6"/>
+            </a:fillRef>
+            <a:effectRef idx="1">
+              <a:schemeClr val="accent6"/>
+            </a:effectRef>
+            <a:fontRef idx="minor">
+              <a:schemeClr val="dk1"/>
+            </a:fontRef>
+          </p:style>
+          <p:txBody>
+            <a:bodyPr rtlCol="0" anchor="ctr"/>
+            <a:lstStyle/>
+            <a:p>
+              <a:pPr algn="ctr"/>
+              <a:endParaRPr lang="fr-FR" sz="1400" b="1" noProof="1"/>
+            </a:p>
+          </p:txBody>
+        </p:sp>
+        <p:grpSp>
+          <p:nvGrpSpPr>
+            <p:cNvPr id="32" name="Grouper 19">
+              <a:extLst>
+                <a:ext uri="{FF2B5EF4-FFF2-40B4-BE49-F238E27FC236}">
+                  <a16:creationId xmlns:a16="http://schemas.microsoft.com/office/drawing/2014/main" id="{DF1B6E5B-CD68-D222-3CBA-2A43057CABE7}"/>
+                </a:ext>
+              </a:extLst>
+            </p:cNvPr>
+            <p:cNvGrpSpPr/>
+            <p:nvPr/>
+          </p:nvGrpSpPr>
+          <p:grpSpPr>
+            <a:xfrm>
+              <a:off x="2823463" y="418610"/>
+              <a:ext cx="763122" cy="971872"/>
+              <a:chOff x="3954251" y="130464"/>
+              <a:chExt cx="717566" cy="913854"/>
+            </a:xfrm>
+          </p:grpSpPr>
+          <p:sp>
+            <p:nvSpPr>
+              <p:cNvPr id="33" name="Forme libre 20">
+                <a:extLst>
+                  <a:ext uri="{FF2B5EF4-FFF2-40B4-BE49-F238E27FC236}">
+                    <a16:creationId xmlns:a16="http://schemas.microsoft.com/office/drawing/2014/main" id="{7F32D3C6-E625-4022-7210-821D9301DE99}"/>
+                  </a:ext>
+                </a:extLst>
+              </p:cNvPr>
+              <p:cNvSpPr/>
+              <p:nvPr/>
+            </p:nvSpPr>
+            <p:spPr>
+              <a:xfrm>
+                <a:off x="3954251" y="130464"/>
+                <a:ext cx="717566" cy="913854"/>
+              </a:xfrm>
+              <a:custGeom>
+                <a:avLst/>
+                <a:gdLst>
+                  <a:gd name="connsiteX0" fmla="*/ 146035 w 717566"/>
+                  <a:gd name="connsiteY0" fmla="*/ 713180 h 860087"/>
+                  <a:gd name="connsiteX1" fmla="*/ 300249 w 717566"/>
+                  <a:gd name="connsiteY1" fmla="*/ 858323 h 860087"/>
+                  <a:gd name="connsiteX2" fmla="*/ 545178 w 717566"/>
+                  <a:gd name="connsiteY2" fmla="*/ 785751 h 860087"/>
+                  <a:gd name="connsiteX3" fmla="*/ 545178 w 717566"/>
+                  <a:gd name="connsiteY3" fmla="*/ 667823 h 860087"/>
+                  <a:gd name="connsiteX4" fmla="*/ 654035 w 717566"/>
+                  <a:gd name="connsiteY4" fmla="*/ 667823 h 860087"/>
+                  <a:gd name="connsiteX5" fmla="*/ 699392 w 717566"/>
+                  <a:gd name="connsiteY5" fmla="*/ 586180 h 860087"/>
+                  <a:gd name="connsiteX6" fmla="*/ 663106 w 717566"/>
+                  <a:gd name="connsiteY6" fmla="*/ 459180 h 860087"/>
+                  <a:gd name="connsiteX7" fmla="*/ 717535 w 717566"/>
+                  <a:gd name="connsiteY7" fmla="*/ 422894 h 860087"/>
+                  <a:gd name="connsiteX8" fmla="*/ 654035 w 717566"/>
+                  <a:gd name="connsiteY8" fmla="*/ 314037 h 860087"/>
+                  <a:gd name="connsiteX9" fmla="*/ 608678 w 717566"/>
+                  <a:gd name="connsiteY9" fmla="*/ 241466 h 860087"/>
+                  <a:gd name="connsiteX10" fmla="*/ 599606 w 717566"/>
+                  <a:gd name="connsiteY10" fmla="*/ 132608 h 860087"/>
+                  <a:gd name="connsiteX11" fmla="*/ 454463 w 717566"/>
+                  <a:gd name="connsiteY11" fmla="*/ 5608 h 860087"/>
+                  <a:gd name="connsiteX12" fmla="*/ 109749 w 717566"/>
+                  <a:gd name="connsiteY12" fmla="*/ 60037 h 860087"/>
+                  <a:gd name="connsiteX13" fmla="*/ 892 w 717566"/>
+                  <a:gd name="connsiteY13" fmla="*/ 386608 h 860087"/>
+                  <a:gd name="connsiteX14" fmla="*/ 155106 w 717566"/>
+                  <a:gd name="connsiteY14" fmla="*/ 568037 h 860087"/>
+                  <a:gd name="connsiteX15" fmla="*/ 146035 w 717566"/>
+                  <a:gd name="connsiteY15" fmla="*/ 713180 h 860087"/>
+                  <a:gd name="connsiteX0" fmla="*/ 155106 w 717566"/>
+                  <a:gd name="connsiteY0" fmla="*/ 831109 h 866021"/>
+                  <a:gd name="connsiteX1" fmla="*/ 300249 w 717566"/>
+                  <a:gd name="connsiteY1" fmla="*/ 858323 h 866021"/>
+                  <a:gd name="connsiteX2" fmla="*/ 545178 w 717566"/>
+                  <a:gd name="connsiteY2" fmla="*/ 785751 h 866021"/>
+                  <a:gd name="connsiteX3" fmla="*/ 545178 w 717566"/>
+                  <a:gd name="connsiteY3" fmla="*/ 667823 h 866021"/>
+                  <a:gd name="connsiteX4" fmla="*/ 654035 w 717566"/>
+                  <a:gd name="connsiteY4" fmla="*/ 667823 h 866021"/>
+                  <a:gd name="connsiteX5" fmla="*/ 699392 w 717566"/>
+                  <a:gd name="connsiteY5" fmla="*/ 586180 h 866021"/>
+                  <a:gd name="connsiteX6" fmla="*/ 663106 w 717566"/>
+                  <a:gd name="connsiteY6" fmla="*/ 459180 h 866021"/>
+                  <a:gd name="connsiteX7" fmla="*/ 717535 w 717566"/>
+                  <a:gd name="connsiteY7" fmla="*/ 422894 h 866021"/>
+                  <a:gd name="connsiteX8" fmla="*/ 654035 w 717566"/>
+                  <a:gd name="connsiteY8" fmla="*/ 314037 h 866021"/>
+                  <a:gd name="connsiteX9" fmla="*/ 608678 w 717566"/>
+                  <a:gd name="connsiteY9" fmla="*/ 241466 h 866021"/>
+                  <a:gd name="connsiteX10" fmla="*/ 599606 w 717566"/>
+                  <a:gd name="connsiteY10" fmla="*/ 132608 h 866021"/>
+                  <a:gd name="connsiteX11" fmla="*/ 454463 w 717566"/>
+                  <a:gd name="connsiteY11" fmla="*/ 5608 h 866021"/>
+                  <a:gd name="connsiteX12" fmla="*/ 109749 w 717566"/>
+                  <a:gd name="connsiteY12" fmla="*/ 60037 h 866021"/>
+                  <a:gd name="connsiteX13" fmla="*/ 892 w 717566"/>
+                  <a:gd name="connsiteY13" fmla="*/ 386608 h 866021"/>
+                  <a:gd name="connsiteX14" fmla="*/ 155106 w 717566"/>
+                  <a:gd name="connsiteY14" fmla="*/ 568037 h 866021"/>
+                  <a:gd name="connsiteX15" fmla="*/ 155106 w 717566"/>
+                  <a:gd name="connsiteY15" fmla="*/ 831109 h 866021"/>
+                  <a:gd name="connsiteX0" fmla="*/ 155106 w 717566"/>
+                  <a:gd name="connsiteY0" fmla="*/ 831109 h 913854"/>
+                  <a:gd name="connsiteX1" fmla="*/ 372820 w 717566"/>
+                  <a:gd name="connsiteY1" fmla="*/ 912752 h 913854"/>
+                  <a:gd name="connsiteX2" fmla="*/ 545178 w 717566"/>
+                  <a:gd name="connsiteY2" fmla="*/ 785751 h 913854"/>
+                  <a:gd name="connsiteX3" fmla="*/ 545178 w 717566"/>
+                  <a:gd name="connsiteY3" fmla="*/ 667823 h 913854"/>
+                  <a:gd name="connsiteX4" fmla="*/ 654035 w 717566"/>
+                  <a:gd name="connsiteY4" fmla="*/ 667823 h 913854"/>
+                  <a:gd name="connsiteX5" fmla="*/ 699392 w 717566"/>
+                  <a:gd name="connsiteY5" fmla="*/ 586180 h 913854"/>
+                  <a:gd name="connsiteX6" fmla="*/ 663106 w 717566"/>
+                  <a:gd name="connsiteY6" fmla="*/ 459180 h 913854"/>
+                  <a:gd name="connsiteX7" fmla="*/ 717535 w 717566"/>
+                  <a:gd name="connsiteY7" fmla="*/ 422894 h 913854"/>
+                  <a:gd name="connsiteX8" fmla="*/ 654035 w 717566"/>
+                  <a:gd name="connsiteY8" fmla="*/ 314037 h 913854"/>
+                  <a:gd name="connsiteX9" fmla="*/ 608678 w 717566"/>
+                  <a:gd name="connsiteY9" fmla="*/ 241466 h 913854"/>
+                  <a:gd name="connsiteX10" fmla="*/ 599606 w 717566"/>
+                  <a:gd name="connsiteY10" fmla="*/ 132608 h 913854"/>
+                  <a:gd name="connsiteX11" fmla="*/ 454463 w 717566"/>
+                  <a:gd name="connsiteY11" fmla="*/ 5608 h 913854"/>
+                  <a:gd name="connsiteX12" fmla="*/ 109749 w 717566"/>
+                  <a:gd name="connsiteY12" fmla="*/ 60037 h 913854"/>
+                  <a:gd name="connsiteX13" fmla="*/ 892 w 717566"/>
+                  <a:gd name="connsiteY13" fmla="*/ 386608 h 913854"/>
+                  <a:gd name="connsiteX14" fmla="*/ 155106 w 717566"/>
+                  <a:gd name="connsiteY14" fmla="*/ 568037 h 913854"/>
+                  <a:gd name="connsiteX15" fmla="*/ 155106 w 717566"/>
+                  <a:gd name="connsiteY15" fmla="*/ 831109 h 913854"/>
+                </a:gdLst>
+                <a:ahLst/>
+                <a:cxnLst>
+                  <a:cxn ang="0">
+                    <a:pos x="connsiteX0" y="connsiteY0"/>
+                  </a:cxn>
+                  <a:cxn ang="0">
+                    <a:pos x="connsiteX1" y="connsiteY1"/>
+                  </a:cxn>
+                  <a:cxn ang="0">
+                    <a:pos x="connsiteX2" y="connsiteY2"/>
+                  </a:cxn>
+                  <a:cxn ang="0">
+                    <a:pos x="connsiteX3" y="connsiteY3"/>
+                  </a:cxn>
+                  <a:cxn ang="0">
+                    <a:pos x="connsiteX4" y="connsiteY4"/>
+                  </a:cxn>
+                  <a:cxn ang="0">
+                    <a:pos x="connsiteX5" y="connsiteY5"/>
+                  </a:cxn>
+                  <a:cxn ang="0">
+                    <a:pos x="connsiteX6" y="connsiteY6"/>
+                  </a:cxn>
+                  <a:cxn ang="0">
+                    <a:pos x="connsiteX7" y="connsiteY7"/>
+                  </a:cxn>
+                  <a:cxn ang="0">
+                    <a:pos x="connsiteX8" y="connsiteY8"/>
+                  </a:cxn>
+                  <a:cxn ang="0">
+                    <a:pos x="connsiteX9" y="connsiteY9"/>
+                  </a:cxn>
+                  <a:cxn ang="0">
+                    <a:pos x="connsiteX10" y="connsiteY10"/>
+                  </a:cxn>
+                  <a:cxn ang="0">
+                    <a:pos x="connsiteX11" y="connsiteY11"/>
+                  </a:cxn>
+                  <a:cxn ang="0">
+                    <a:pos x="connsiteX12" y="connsiteY12"/>
+                  </a:cxn>
+                  <a:cxn ang="0">
+                    <a:pos x="connsiteX13" y="connsiteY13"/>
+                  </a:cxn>
+                  <a:cxn ang="0">
+                    <a:pos x="connsiteX14" y="connsiteY14"/>
+                  </a:cxn>
+                  <a:cxn ang="0">
+                    <a:pos x="connsiteX15" y="connsiteY15"/>
+                  </a:cxn>
+                </a:cxnLst>
+                <a:rect l="l" t="t" r="r" b="b"/>
+                <a:pathLst>
+                  <a:path w="717566" h="913854">
+                    <a:moveTo>
+                      <a:pt x="155106" y="831109"/>
+                    </a:moveTo>
+                    <a:cubicBezTo>
+                      <a:pt x="191392" y="888561"/>
+                      <a:pt x="307808" y="920312"/>
+                      <a:pt x="372820" y="912752"/>
+                    </a:cubicBezTo>
+                    <a:cubicBezTo>
+                      <a:pt x="437832" y="905192"/>
+                      <a:pt x="516452" y="826572"/>
+                      <a:pt x="545178" y="785751"/>
+                    </a:cubicBezTo>
+                    <a:cubicBezTo>
+                      <a:pt x="573904" y="744930"/>
+                      <a:pt x="527035" y="687478"/>
+                      <a:pt x="545178" y="667823"/>
+                    </a:cubicBezTo>
+                    <a:cubicBezTo>
+                      <a:pt x="563321" y="648168"/>
+                      <a:pt x="628333" y="681430"/>
+                      <a:pt x="654035" y="667823"/>
+                    </a:cubicBezTo>
+                    <a:cubicBezTo>
+                      <a:pt x="679737" y="654216"/>
+                      <a:pt x="697880" y="620954"/>
+                      <a:pt x="699392" y="586180"/>
+                    </a:cubicBezTo>
+                    <a:cubicBezTo>
+                      <a:pt x="700904" y="551406"/>
+                      <a:pt x="660082" y="486394"/>
+                      <a:pt x="663106" y="459180"/>
+                    </a:cubicBezTo>
+                    <a:cubicBezTo>
+                      <a:pt x="666130" y="431966"/>
+                      <a:pt x="719047" y="447084"/>
+                      <a:pt x="717535" y="422894"/>
+                    </a:cubicBezTo>
+                    <a:cubicBezTo>
+                      <a:pt x="716023" y="398703"/>
+                      <a:pt x="672178" y="344275"/>
+                      <a:pt x="654035" y="314037"/>
+                    </a:cubicBezTo>
+                    <a:cubicBezTo>
+                      <a:pt x="635892" y="283799"/>
+                      <a:pt x="617750" y="271704"/>
+                      <a:pt x="608678" y="241466"/>
+                    </a:cubicBezTo>
+                    <a:cubicBezTo>
+                      <a:pt x="599607" y="211228"/>
+                      <a:pt x="625308" y="171918"/>
+                      <a:pt x="599606" y="132608"/>
+                    </a:cubicBezTo>
+                    <a:cubicBezTo>
+                      <a:pt x="573904" y="93298"/>
+                      <a:pt x="536106" y="17703"/>
+                      <a:pt x="454463" y="5608"/>
+                    </a:cubicBezTo>
+                    <a:cubicBezTo>
+                      <a:pt x="372820" y="-6487"/>
+                      <a:pt x="185344" y="-3463"/>
+                      <a:pt x="109749" y="60037"/>
+                    </a:cubicBezTo>
+                    <a:cubicBezTo>
+                      <a:pt x="34154" y="123537"/>
+                      <a:pt x="-6668" y="301941"/>
+                      <a:pt x="892" y="386608"/>
+                    </a:cubicBezTo>
+                    <a:cubicBezTo>
+                      <a:pt x="8451" y="471275"/>
+                      <a:pt x="129404" y="493954"/>
+                      <a:pt x="155106" y="568037"/>
+                    </a:cubicBezTo>
+                    <a:cubicBezTo>
+                      <a:pt x="180808" y="642120"/>
+                      <a:pt x="118820" y="773657"/>
+                      <a:pt x="155106" y="831109"/>
+                    </a:cubicBezTo>
+                    <a:close/>
+                  </a:path>
+                </a:pathLst>
+              </a:custGeom>
+              <a:ln>
+                <a:solidFill>
+                  <a:schemeClr val="accent6">
+                    <a:lumMod val="50000"/>
+                  </a:schemeClr>
+                </a:solidFill>
+              </a:ln>
+            </p:spPr>
+            <p:style>
+              <a:lnRef idx="1">
+                <a:schemeClr val="accent6"/>
+              </a:lnRef>
+              <a:fillRef idx="2">
+                <a:schemeClr val="accent6"/>
+              </a:fillRef>
+              <a:effectRef idx="1">
+                <a:schemeClr val="accent6"/>
+              </a:effectRef>
+              <a:fontRef idx="minor">
+                <a:schemeClr val="dk1"/>
+              </a:fontRef>
+            </p:style>
+            <p:txBody>
+              <a:bodyPr rtlCol="0" anchor="ctr"/>
+              <a:lstStyle/>
+              <a:p>
+                <a:pPr algn="ctr"/>
+                <a:endParaRPr lang="fr-FR" sz="1400" b="1" noProof="1"/>
+              </a:p>
+            </p:txBody>
+          </p:sp>
+          <p:sp>
+            <p:nvSpPr>
+              <p:cNvPr id="34" name="Ellipse 21">
+                <a:extLst>
+                  <a:ext uri="{FF2B5EF4-FFF2-40B4-BE49-F238E27FC236}">
+                    <a16:creationId xmlns:a16="http://schemas.microsoft.com/office/drawing/2014/main" id="{B84B3405-9098-A153-630D-F7EB476FAAF7}"/>
+                  </a:ext>
+                </a:extLst>
+              </p:cNvPr>
+              <p:cNvSpPr/>
+              <p:nvPr/>
+            </p:nvSpPr>
+            <p:spPr>
+              <a:xfrm>
+                <a:off x="4219701" y="856949"/>
+                <a:ext cx="79174" cy="79174"/>
+              </a:xfrm>
+              <a:prstGeom prst="ellipse">
+                <a:avLst/>
+              </a:prstGeom>
+              <a:ln>
+                <a:solidFill>
+                  <a:schemeClr val="accent6">
+                    <a:lumMod val="50000"/>
+                  </a:schemeClr>
+                </a:solidFill>
+              </a:ln>
+            </p:spPr>
+            <p:style>
+              <a:lnRef idx="1">
+                <a:schemeClr val="accent6"/>
+              </a:lnRef>
+              <a:fillRef idx="2">
+                <a:schemeClr val="accent6"/>
+              </a:fillRef>
+              <a:effectRef idx="1">
+                <a:schemeClr val="accent6"/>
+              </a:effectRef>
+              <a:fontRef idx="minor">
+                <a:schemeClr val="dk1"/>
+              </a:fontRef>
+            </p:style>
+            <p:txBody>
+              <a:bodyPr rtlCol="0" anchor="ctr"/>
+              <a:lstStyle/>
+              <a:p>
+                <a:pPr algn="ctr"/>
+                <a:endParaRPr lang="fr-FR" sz="1400" b="1" noProof="1"/>
+              </a:p>
+            </p:txBody>
+          </p:sp>
+        </p:grpSp>
+      </p:grpSp>
+      <p:grpSp>
+        <p:nvGrpSpPr>
+          <p:cNvPr id="35" name="Group 34">
+            <a:extLst>
+              <a:ext uri="{FF2B5EF4-FFF2-40B4-BE49-F238E27FC236}">
+                <a16:creationId xmlns:a16="http://schemas.microsoft.com/office/drawing/2014/main" id="{D55A3D38-D9A1-4666-F45E-E5EDA4C9EAC3}"/>
+              </a:ext>
+            </a:extLst>
+          </p:cNvPr>
+          <p:cNvGrpSpPr/>
+          <p:nvPr/>
+        </p:nvGrpSpPr>
+        <p:grpSpPr>
+          <a:xfrm rot="19353466">
+            <a:off x="6380810" y="933473"/>
+            <a:ext cx="1199204" cy="2321188"/>
+            <a:chOff x="3427910" y="1924040"/>
+            <a:chExt cx="1199204" cy="2321188"/>
+          </a:xfrm>
+        </p:grpSpPr>
+        <p:grpSp>
+          <p:nvGrpSpPr>
+            <p:cNvPr id="36" name="Grouper 15">
+              <a:extLst>
+                <a:ext uri="{FF2B5EF4-FFF2-40B4-BE49-F238E27FC236}">
+                  <a16:creationId xmlns:a16="http://schemas.microsoft.com/office/drawing/2014/main" id="{E2BB4D7B-A2E3-C926-98FA-6DC73AB9AAA2}"/>
+                </a:ext>
+              </a:extLst>
+            </p:cNvPr>
+            <p:cNvGrpSpPr/>
+            <p:nvPr/>
+          </p:nvGrpSpPr>
+          <p:grpSpPr>
+            <a:xfrm rot="19465764">
+              <a:off x="3427910" y="1924040"/>
+              <a:ext cx="452003" cy="1240137"/>
+              <a:chOff x="4028723" y="1113217"/>
+              <a:chExt cx="425020" cy="1166104"/>
+            </a:xfrm>
+          </p:grpSpPr>
+          <p:sp>
+            <p:nvSpPr>
+              <p:cNvPr id="42" name="Forme libre 29">
+                <a:extLst>
+                  <a:ext uri="{FF2B5EF4-FFF2-40B4-BE49-F238E27FC236}">
+                    <a16:creationId xmlns:a16="http://schemas.microsoft.com/office/drawing/2014/main" id="{AAF48198-8231-B1B2-4A95-1E460EEE28B2}"/>
+                  </a:ext>
+                </a:extLst>
+              </p:cNvPr>
+              <p:cNvSpPr/>
+              <p:nvPr/>
+            </p:nvSpPr>
+            <p:spPr>
+              <a:xfrm>
+                <a:off x="4028723" y="1113217"/>
+                <a:ext cx="425020" cy="1166104"/>
+              </a:xfrm>
+              <a:custGeom>
+                <a:avLst/>
+                <a:gdLst>
+                  <a:gd name="connsiteX0" fmla="*/ 116920 w 425020"/>
+                  <a:gd name="connsiteY0" fmla="*/ 47926 h 1166104"/>
+                  <a:gd name="connsiteX1" fmla="*/ 289277 w 425020"/>
+                  <a:gd name="connsiteY1" fmla="*/ 29783 h 1166104"/>
+                  <a:gd name="connsiteX2" fmla="*/ 416277 w 425020"/>
+                  <a:gd name="connsiteY2" fmla="*/ 301926 h 1166104"/>
+                  <a:gd name="connsiteX3" fmla="*/ 407206 w 425020"/>
+                  <a:gd name="connsiteY3" fmla="*/ 809926 h 1166104"/>
+                  <a:gd name="connsiteX4" fmla="*/ 352777 w 425020"/>
+                  <a:gd name="connsiteY4" fmla="*/ 1082069 h 1166104"/>
+                  <a:gd name="connsiteX5" fmla="*/ 153206 w 425020"/>
+                  <a:gd name="connsiteY5" fmla="*/ 1163712 h 1166104"/>
+                  <a:gd name="connsiteX6" fmla="*/ 26206 w 425020"/>
+                  <a:gd name="connsiteY6" fmla="*/ 1009497 h 1166104"/>
+                  <a:gd name="connsiteX7" fmla="*/ 8063 w 425020"/>
+                  <a:gd name="connsiteY7" fmla="*/ 392640 h 1166104"/>
+                  <a:gd name="connsiteX8" fmla="*/ 116920 w 425020"/>
+                  <a:gd name="connsiteY8" fmla="*/ 47926 h 1166104"/>
+                </a:gdLst>
+                <a:ahLst/>
+                <a:cxnLst>
+                  <a:cxn ang="0">
+                    <a:pos x="connsiteX0" y="connsiteY0"/>
+                  </a:cxn>
+                  <a:cxn ang="0">
+                    <a:pos x="connsiteX1" y="connsiteY1"/>
+                  </a:cxn>
+                  <a:cxn ang="0">
+                    <a:pos x="connsiteX2" y="connsiteY2"/>
+                  </a:cxn>
+                  <a:cxn ang="0">
+                    <a:pos x="connsiteX3" y="connsiteY3"/>
+                  </a:cxn>
+                  <a:cxn ang="0">
+                    <a:pos x="connsiteX4" y="connsiteY4"/>
+                  </a:cxn>
+                  <a:cxn ang="0">
+                    <a:pos x="connsiteX5" y="connsiteY5"/>
+                  </a:cxn>
+                  <a:cxn ang="0">
+                    <a:pos x="connsiteX6" y="connsiteY6"/>
+                  </a:cxn>
+                  <a:cxn ang="0">
+                    <a:pos x="connsiteX7" y="connsiteY7"/>
+                  </a:cxn>
+                  <a:cxn ang="0">
+                    <a:pos x="connsiteX8" y="connsiteY8"/>
+                  </a:cxn>
+                </a:cxnLst>
+                <a:rect l="l" t="t" r="r" b="b"/>
+                <a:pathLst>
+                  <a:path w="425020" h="1166104">
+                    <a:moveTo>
+                      <a:pt x="116920" y="47926"/>
+                    </a:moveTo>
+                    <a:cubicBezTo>
+                      <a:pt x="163789" y="-12550"/>
+                      <a:pt x="239384" y="-12550"/>
+                      <a:pt x="289277" y="29783"/>
+                    </a:cubicBezTo>
+                    <a:cubicBezTo>
+                      <a:pt x="339170" y="72116"/>
+                      <a:pt x="396622" y="171902"/>
+                      <a:pt x="416277" y="301926"/>
+                    </a:cubicBezTo>
+                    <a:cubicBezTo>
+                      <a:pt x="435932" y="431950"/>
+                      <a:pt x="417789" y="679902"/>
+                      <a:pt x="407206" y="809926"/>
+                    </a:cubicBezTo>
+                    <a:cubicBezTo>
+                      <a:pt x="396623" y="939950"/>
+                      <a:pt x="395110" y="1023105"/>
+                      <a:pt x="352777" y="1082069"/>
+                    </a:cubicBezTo>
+                    <a:cubicBezTo>
+                      <a:pt x="310444" y="1141033"/>
+                      <a:pt x="207634" y="1175807"/>
+                      <a:pt x="153206" y="1163712"/>
+                    </a:cubicBezTo>
+                    <a:cubicBezTo>
+                      <a:pt x="98778" y="1151617"/>
+                      <a:pt x="50396" y="1138009"/>
+                      <a:pt x="26206" y="1009497"/>
+                    </a:cubicBezTo>
+                    <a:cubicBezTo>
+                      <a:pt x="2015" y="880985"/>
+                      <a:pt x="-8568" y="555926"/>
+                      <a:pt x="8063" y="392640"/>
+                    </a:cubicBezTo>
+                    <a:cubicBezTo>
+                      <a:pt x="24694" y="229354"/>
+                      <a:pt x="70051" y="108402"/>
+                      <a:pt x="116920" y="47926"/>
+                    </a:cubicBezTo>
+                    <a:close/>
+                  </a:path>
+                </a:pathLst>
+              </a:custGeom>
+              <a:ln>
+                <a:solidFill>
+                  <a:schemeClr val="accent6">
+                    <a:lumMod val="50000"/>
+                  </a:schemeClr>
+                </a:solidFill>
+              </a:ln>
+            </p:spPr>
+            <p:style>
+              <a:lnRef idx="1">
+                <a:schemeClr val="accent6"/>
+              </a:lnRef>
+              <a:fillRef idx="2">
+                <a:schemeClr val="accent6"/>
+              </a:fillRef>
+              <a:effectRef idx="1">
+                <a:schemeClr val="accent6"/>
+              </a:effectRef>
+              <a:fontRef idx="minor">
+                <a:schemeClr val="dk1"/>
+              </a:fontRef>
+            </p:style>
+            <p:txBody>
+              <a:bodyPr rtlCol="0" anchor="ctr"/>
+              <a:lstStyle/>
+              <a:p>
+                <a:pPr algn="ctr"/>
+                <a:endParaRPr lang="fr-FR" sz="1400" b="1" noProof="1"/>
+              </a:p>
+            </p:txBody>
+          </p:sp>
+          <p:sp>
+            <p:nvSpPr>
+              <p:cNvPr id="43" name="Ellipse 30">
+                <a:extLst>
+                  <a:ext uri="{FF2B5EF4-FFF2-40B4-BE49-F238E27FC236}">
+                    <a16:creationId xmlns:a16="http://schemas.microsoft.com/office/drawing/2014/main" id="{8F0D1893-58E0-CDF9-F8BF-6C57B009A56B}"/>
+                  </a:ext>
+                </a:extLst>
+              </p:cNvPr>
+              <p:cNvSpPr/>
+              <p:nvPr/>
+            </p:nvSpPr>
+            <p:spPr>
+              <a:xfrm>
+                <a:off x="4172529" y="1162629"/>
+                <a:ext cx="79174" cy="79174"/>
+              </a:xfrm>
+              <a:prstGeom prst="ellipse">
+                <a:avLst/>
+              </a:prstGeom>
+              <a:ln>
+                <a:solidFill>
+                  <a:schemeClr val="accent6">
+                    <a:lumMod val="50000"/>
+                  </a:schemeClr>
+                </a:solidFill>
+              </a:ln>
+            </p:spPr>
+            <p:style>
+              <a:lnRef idx="1">
+                <a:schemeClr val="accent6"/>
+              </a:lnRef>
+              <a:fillRef idx="2">
+                <a:schemeClr val="accent6"/>
+              </a:fillRef>
+              <a:effectRef idx="1">
+                <a:schemeClr val="accent6"/>
+              </a:effectRef>
+              <a:fontRef idx="minor">
+                <a:schemeClr val="dk1"/>
+              </a:fontRef>
+            </p:style>
+            <p:txBody>
+              <a:bodyPr rtlCol="0" anchor="ctr"/>
+              <a:lstStyle/>
+              <a:p>
+                <a:pPr algn="ctr"/>
+                <a:endParaRPr lang="fr-FR" sz="1400" b="1" noProof="1"/>
+              </a:p>
+            </p:txBody>
+          </p:sp>
+        </p:grpSp>
+        <p:grpSp>
+          <p:nvGrpSpPr>
+            <p:cNvPr id="37" name="Grouper 16">
+              <a:extLst>
+                <a:ext uri="{FF2B5EF4-FFF2-40B4-BE49-F238E27FC236}">
+                  <a16:creationId xmlns:a16="http://schemas.microsoft.com/office/drawing/2014/main" id="{53346FA7-EEE5-C28B-8ADB-BCC427ACE40C}"/>
+                </a:ext>
+              </a:extLst>
+            </p:cNvPr>
+            <p:cNvGrpSpPr/>
+            <p:nvPr/>
+          </p:nvGrpSpPr>
+          <p:grpSpPr>
+            <a:xfrm rot="19632586">
+              <a:off x="4138161" y="2671471"/>
+              <a:ext cx="488953" cy="1573757"/>
+              <a:chOff x="4103478" y="1986644"/>
+              <a:chExt cx="459764" cy="1479808"/>
+            </a:xfrm>
+          </p:grpSpPr>
+          <p:sp>
+            <p:nvSpPr>
+              <p:cNvPr id="39" name="Forme libre 26">
+                <a:extLst>
+                  <a:ext uri="{FF2B5EF4-FFF2-40B4-BE49-F238E27FC236}">
+                    <a16:creationId xmlns:a16="http://schemas.microsoft.com/office/drawing/2014/main" id="{0187E4C2-142E-0EB2-6BB2-F5810E28D64D}"/>
+                  </a:ext>
+                </a:extLst>
+              </p:cNvPr>
+              <p:cNvSpPr/>
+              <p:nvPr/>
+            </p:nvSpPr>
+            <p:spPr>
+              <a:xfrm>
+                <a:off x="4103478" y="1986644"/>
+                <a:ext cx="459764" cy="1479808"/>
+              </a:xfrm>
+              <a:custGeom>
+                <a:avLst/>
+                <a:gdLst>
+                  <a:gd name="connsiteX0" fmla="*/ 132607 w 459492"/>
+                  <a:gd name="connsiteY0" fmla="*/ 4180 h 1338845"/>
+                  <a:gd name="connsiteX1" fmla="*/ 250536 w 459492"/>
+                  <a:gd name="connsiteY1" fmla="*/ 67680 h 1338845"/>
+                  <a:gd name="connsiteX2" fmla="*/ 259607 w 459492"/>
+                  <a:gd name="connsiteY2" fmla="*/ 385180 h 1338845"/>
+                  <a:gd name="connsiteX3" fmla="*/ 268679 w 459492"/>
+                  <a:gd name="connsiteY3" fmla="*/ 829680 h 1338845"/>
+                  <a:gd name="connsiteX4" fmla="*/ 350321 w 459492"/>
+                  <a:gd name="connsiteY4" fmla="*/ 929465 h 1338845"/>
+                  <a:gd name="connsiteX5" fmla="*/ 459179 w 459492"/>
+                  <a:gd name="connsiteY5" fmla="*/ 1119965 h 1338845"/>
+                  <a:gd name="connsiteX6" fmla="*/ 314036 w 459492"/>
+                  <a:gd name="connsiteY6" fmla="*/ 1002037 h 1338845"/>
+                  <a:gd name="connsiteX7" fmla="*/ 304964 w 459492"/>
+                  <a:gd name="connsiteY7" fmla="*/ 1228823 h 1338845"/>
+                  <a:gd name="connsiteX8" fmla="*/ 159821 w 459492"/>
+                  <a:gd name="connsiteY8" fmla="*/ 1337680 h 1338845"/>
+                  <a:gd name="connsiteX9" fmla="*/ 5607 w 459492"/>
+                  <a:gd name="connsiteY9" fmla="*/ 1165323 h 1338845"/>
+                  <a:gd name="connsiteX10" fmla="*/ 32821 w 459492"/>
+                  <a:gd name="connsiteY10" fmla="*/ 893180 h 1338845"/>
+                  <a:gd name="connsiteX11" fmla="*/ 23750 w 459492"/>
+                  <a:gd name="connsiteY11" fmla="*/ 757108 h 1338845"/>
+                  <a:gd name="connsiteX12" fmla="*/ 41893 w 459492"/>
+                  <a:gd name="connsiteY12" fmla="*/ 702680 h 1338845"/>
+                  <a:gd name="connsiteX13" fmla="*/ 5607 w 459492"/>
+                  <a:gd name="connsiteY13" fmla="*/ 140251 h 1338845"/>
+                  <a:gd name="connsiteX14" fmla="*/ 132607 w 459492"/>
+                  <a:gd name="connsiteY14" fmla="*/ 4180 h 1338845"/>
+                  <a:gd name="connsiteX0" fmla="*/ 132879 w 459764"/>
+                  <a:gd name="connsiteY0" fmla="*/ 4180 h 1338845"/>
+                  <a:gd name="connsiteX1" fmla="*/ 250808 w 459764"/>
+                  <a:gd name="connsiteY1" fmla="*/ 67680 h 1338845"/>
+                  <a:gd name="connsiteX2" fmla="*/ 259879 w 459764"/>
+                  <a:gd name="connsiteY2" fmla="*/ 385180 h 1338845"/>
+                  <a:gd name="connsiteX3" fmla="*/ 268951 w 459764"/>
+                  <a:gd name="connsiteY3" fmla="*/ 829680 h 1338845"/>
+                  <a:gd name="connsiteX4" fmla="*/ 350593 w 459764"/>
+                  <a:gd name="connsiteY4" fmla="*/ 929465 h 1338845"/>
+                  <a:gd name="connsiteX5" fmla="*/ 459451 w 459764"/>
+                  <a:gd name="connsiteY5" fmla="*/ 1119965 h 1338845"/>
+                  <a:gd name="connsiteX6" fmla="*/ 314308 w 459764"/>
+                  <a:gd name="connsiteY6" fmla="*/ 1002037 h 1338845"/>
+                  <a:gd name="connsiteX7" fmla="*/ 305236 w 459764"/>
+                  <a:gd name="connsiteY7" fmla="*/ 1228823 h 1338845"/>
+                  <a:gd name="connsiteX8" fmla="*/ 160093 w 459764"/>
+                  <a:gd name="connsiteY8" fmla="*/ 1337680 h 1338845"/>
+                  <a:gd name="connsiteX9" fmla="*/ 5879 w 459764"/>
+                  <a:gd name="connsiteY9" fmla="*/ 1165323 h 1338845"/>
+                  <a:gd name="connsiteX10" fmla="*/ 33093 w 459764"/>
+                  <a:gd name="connsiteY10" fmla="*/ 893180 h 1338845"/>
+                  <a:gd name="connsiteX11" fmla="*/ 42165 w 459764"/>
+                  <a:gd name="connsiteY11" fmla="*/ 702680 h 1338845"/>
+                  <a:gd name="connsiteX12" fmla="*/ 5879 w 459764"/>
+                  <a:gd name="connsiteY12" fmla="*/ 140251 h 1338845"/>
+                  <a:gd name="connsiteX13" fmla="*/ 132879 w 459764"/>
+                  <a:gd name="connsiteY13" fmla="*/ 4180 h 1338845"/>
+                </a:gdLst>
+                <a:ahLst/>
+                <a:cxnLst>
+                  <a:cxn ang="0">
+                    <a:pos x="connsiteX0" y="connsiteY0"/>
+                  </a:cxn>
+                  <a:cxn ang="0">
+                    <a:pos x="connsiteX1" y="connsiteY1"/>
+                  </a:cxn>
+                  <a:cxn ang="0">
+                    <a:pos x="connsiteX2" y="connsiteY2"/>
+                  </a:cxn>
+                  <a:cxn ang="0">
+                    <a:pos x="connsiteX3" y="connsiteY3"/>
+                  </a:cxn>
+                  <a:cxn ang="0">
+                    <a:pos x="connsiteX4" y="connsiteY4"/>
+                  </a:cxn>
+                  <a:cxn ang="0">
+                    <a:pos x="connsiteX5" y="connsiteY5"/>
+                  </a:cxn>
+                  <a:cxn ang="0">
+                    <a:pos x="connsiteX6" y="connsiteY6"/>
+                  </a:cxn>
+                  <a:cxn ang="0">
+                    <a:pos x="connsiteX7" y="connsiteY7"/>
+                  </a:cxn>
+                  <a:cxn ang="0">
+                    <a:pos x="connsiteX8" y="connsiteY8"/>
+                  </a:cxn>
+                  <a:cxn ang="0">
+                    <a:pos x="connsiteX9" y="connsiteY9"/>
+                  </a:cxn>
+                  <a:cxn ang="0">
+                    <a:pos x="connsiteX10" y="connsiteY10"/>
+                  </a:cxn>
+                  <a:cxn ang="0">
+                    <a:pos x="connsiteX11" y="connsiteY11"/>
+                  </a:cxn>
+                  <a:cxn ang="0">
+                    <a:pos x="connsiteX12" y="connsiteY12"/>
+                  </a:cxn>
+                  <a:cxn ang="0">
+                    <a:pos x="connsiteX13" y="connsiteY13"/>
+                  </a:cxn>
+                </a:cxnLst>
+                <a:rect l="l" t="t" r="r" b="b"/>
+                <a:pathLst>
+                  <a:path w="459764" h="1338845">
+                    <a:moveTo>
+                      <a:pt x="132879" y="4180"/>
+                    </a:moveTo>
+                    <a:cubicBezTo>
+                      <a:pt x="173700" y="-7915"/>
+                      <a:pt x="229641" y="4180"/>
+                      <a:pt x="250808" y="67680"/>
+                    </a:cubicBezTo>
+                    <a:cubicBezTo>
+                      <a:pt x="271975" y="131180"/>
+                      <a:pt x="256855" y="258180"/>
+                      <a:pt x="259879" y="385180"/>
+                    </a:cubicBezTo>
+                    <a:cubicBezTo>
+                      <a:pt x="262903" y="512180"/>
+                      <a:pt x="253832" y="738966"/>
+                      <a:pt x="268951" y="829680"/>
+                    </a:cubicBezTo>
+                    <a:cubicBezTo>
+                      <a:pt x="284070" y="920394"/>
+                      <a:pt x="318843" y="881084"/>
+                      <a:pt x="350593" y="929465"/>
+                    </a:cubicBezTo>
+                    <a:cubicBezTo>
+                      <a:pt x="382343" y="977846"/>
+                      <a:pt x="465498" y="1107870"/>
+                      <a:pt x="459451" y="1119965"/>
+                    </a:cubicBezTo>
+                    <a:cubicBezTo>
+                      <a:pt x="453404" y="1132060"/>
+                      <a:pt x="340011" y="983894"/>
+                      <a:pt x="314308" y="1002037"/>
+                    </a:cubicBezTo>
+                    <a:cubicBezTo>
+                      <a:pt x="288605" y="1020180"/>
+                      <a:pt x="330938" y="1172883"/>
+                      <a:pt x="305236" y="1228823"/>
+                    </a:cubicBezTo>
+                    <a:cubicBezTo>
+                      <a:pt x="279534" y="1284763"/>
+                      <a:pt x="209986" y="1348263"/>
+                      <a:pt x="160093" y="1337680"/>
+                    </a:cubicBezTo>
+                    <a:cubicBezTo>
+                      <a:pt x="110200" y="1327097"/>
+                      <a:pt x="27046" y="1239406"/>
+                      <a:pt x="5879" y="1165323"/>
+                    </a:cubicBezTo>
+                    <a:cubicBezTo>
+                      <a:pt x="-15288" y="1091240"/>
+                      <a:pt x="27045" y="970287"/>
+                      <a:pt x="33093" y="893180"/>
+                    </a:cubicBezTo>
+                    <a:cubicBezTo>
+                      <a:pt x="39141" y="816073"/>
+                      <a:pt x="46701" y="828168"/>
+                      <a:pt x="42165" y="702680"/>
+                    </a:cubicBezTo>
+                    <a:cubicBezTo>
+                      <a:pt x="37629" y="577192"/>
+                      <a:pt x="-9240" y="259692"/>
+                      <a:pt x="5879" y="140251"/>
+                    </a:cubicBezTo>
+                    <a:cubicBezTo>
+                      <a:pt x="20998" y="20811"/>
+                      <a:pt x="92058" y="16275"/>
+                      <a:pt x="132879" y="4180"/>
+                    </a:cubicBezTo>
+                    <a:close/>
+                  </a:path>
+                </a:pathLst>
+              </a:custGeom>
+              <a:ln>
+                <a:solidFill>
+                  <a:schemeClr val="accent6">
+                    <a:lumMod val="50000"/>
+                  </a:schemeClr>
+                </a:solidFill>
+              </a:ln>
+            </p:spPr>
+            <p:style>
+              <a:lnRef idx="1">
+                <a:schemeClr val="accent6"/>
+              </a:lnRef>
+              <a:fillRef idx="2">
+                <a:schemeClr val="accent6"/>
+              </a:fillRef>
+              <a:effectRef idx="1">
+                <a:schemeClr val="accent6"/>
+              </a:effectRef>
+              <a:fontRef idx="minor">
+                <a:schemeClr val="dk1"/>
+              </a:fontRef>
+            </p:style>
+            <p:txBody>
+              <a:bodyPr rtlCol="0" anchor="ctr"/>
+              <a:lstStyle/>
+              <a:p>
+                <a:pPr algn="ctr"/>
+                <a:endParaRPr lang="fr-FR" sz="1400" b="1" noProof="1"/>
+              </a:p>
+            </p:txBody>
+          </p:sp>
+          <p:sp>
+            <p:nvSpPr>
+              <p:cNvPr id="40" name="Ellipse 27">
+                <a:extLst>
+                  <a:ext uri="{FF2B5EF4-FFF2-40B4-BE49-F238E27FC236}">
+                    <a16:creationId xmlns:a16="http://schemas.microsoft.com/office/drawing/2014/main" id="{191F489E-29DA-E8B5-3EFE-6751F8F63D97}"/>
+                  </a:ext>
+                </a:extLst>
+              </p:cNvPr>
+              <p:cNvSpPr/>
+              <p:nvPr/>
+            </p:nvSpPr>
+            <p:spPr>
+              <a:xfrm>
+                <a:off x="4180114" y="2104571"/>
+                <a:ext cx="79174" cy="79174"/>
+              </a:xfrm>
+              <a:prstGeom prst="ellipse">
+                <a:avLst/>
+              </a:prstGeom>
+              <a:ln>
+                <a:solidFill>
+                  <a:schemeClr val="accent6">
+                    <a:lumMod val="50000"/>
+                  </a:schemeClr>
+                </a:solidFill>
+              </a:ln>
+            </p:spPr>
+            <p:style>
+              <a:lnRef idx="1">
+                <a:schemeClr val="accent6"/>
+              </a:lnRef>
+              <a:fillRef idx="2">
+                <a:schemeClr val="accent6"/>
+              </a:fillRef>
+              <a:effectRef idx="1">
+                <a:schemeClr val="accent6"/>
+              </a:effectRef>
+              <a:fontRef idx="minor">
+                <a:schemeClr val="dk1"/>
+              </a:fontRef>
+            </p:style>
+            <p:txBody>
+              <a:bodyPr rtlCol="0" anchor="ctr"/>
+              <a:lstStyle/>
+              <a:p>
+                <a:pPr algn="ctr"/>
+                <a:endParaRPr lang="fr-FR" sz="1400" b="1" noProof="1"/>
+              </a:p>
+            </p:txBody>
+          </p:sp>
+          <p:sp>
+            <p:nvSpPr>
+              <p:cNvPr id="41" name="Ellipse 28">
+                <a:extLst>
+                  <a:ext uri="{FF2B5EF4-FFF2-40B4-BE49-F238E27FC236}">
+                    <a16:creationId xmlns:a16="http://schemas.microsoft.com/office/drawing/2014/main" id="{42C97682-02BF-690A-E87B-0742369160AB}"/>
+                  </a:ext>
+                </a:extLst>
+              </p:cNvPr>
+              <p:cNvSpPr/>
+              <p:nvPr/>
+            </p:nvSpPr>
+            <p:spPr>
+              <a:xfrm>
+                <a:off x="4219701" y="2902856"/>
+                <a:ext cx="79174" cy="79174"/>
+              </a:xfrm>
+              <a:prstGeom prst="ellipse">
+                <a:avLst/>
+              </a:prstGeom>
+              <a:ln>
+                <a:solidFill>
+                  <a:schemeClr val="accent6">
+                    <a:lumMod val="50000"/>
+                  </a:schemeClr>
+                </a:solidFill>
+              </a:ln>
+            </p:spPr>
+            <p:style>
+              <a:lnRef idx="1">
+                <a:schemeClr val="accent6"/>
+              </a:lnRef>
+              <a:fillRef idx="2">
+                <a:schemeClr val="accent6"/>
+              </a:fillRef>
+              <a:effectRef idx="1">
+                <a:schemeClr val="accent6"/>
+              </a:effectRef>
+              <a:fontRef idx="minor">
+                <a:schemeClr val="dk1"/>
+              </a:fontRef>
+            </p:style>
+            <p:txBody>
+              <a:bodyPr rtlCol="0" anchor="ctr"/>
+              <a:lstStyle/>
+              <a:p>
+                <a:pPr algn="ctr"/>
+                <a:endParaRPr lang="fr-FR" sz="1400" b="1" noProof="1"/>
+              </a:p>
+            </p:txBody>
+          </p:sp>
+        </p:grpSp>
+        <p:sp>
+          <p:nvSpPr>
+            <p:cNvPr id="38" name="Rectangle 37">
+              <a:extLst>
+                <a:ext uri="{FF2B5EF4-FFF2-40B4-BE49-F238E27FC236}">
+                  <a16:creationId xmlns:a16="http://schemas.microsoft.com/office/drawing/2014/main" id="{51E251BA-5FD0-B78F-6059-D713533AB22A}"/>
+                </a:ext>
+              </a:extLst>
+            </p:cNvPr>
+            <p:cNvSpPr/>
+            <p:nvPr/>
+          </p:nvSpPr>
+          <p:spPr>
+            <a:xfrm rot="19626046">
+              <a:off x="3514036" y="2278858"/>
+              <a:ext cx="184935" cy="358964"/>
+            </a:xfrm>
+            <a:prstGeom prst="rect">
+              <a:avLst/>
+            </a:prstGeom>
+          </p:spPr>
+          <p:style>
+            <a:lnRef idx="2">
+              <a:schemeClr val="accent1">
+                <a:shade val="50000"/>
+              </a:schemeClr>
+            </a:lnRef>
+            <a:fillRef idx="1">
+              <a:schemeClr val="accent1"/>
+            </a:fillRef>
+            <a:effectRef idx="0">
+              <a:schemeClr val="accent1"/>
+            </a:effectRef>
+            <a:fontRef idx="minor">
+              <a:schemeClr val="lt1"/>
+            </a:fontRef>
+          </p:style>
+          <p:txBody>
+            <a:bodyPr rtlCol="0" anchor="ctr"/>
+            <a:lstStyle/>
+            <a:p>
+              <a:pPr algn="ctr"/>
+              <a:endParaRPr lang="fr-CA" noProof="1"/>
+            </a:p>
+          </p:txBody>
+        </p:sp>
+      </p:grpSp>
+      <p:grpSp>
+        <p:nvGrpSpPr>
+          <p:cNvPr id="44" name="Group 43">
+            <a:extLst>
+              <a:ext uri="{FF2B5EF4-FFF2-40B4-BE49-F238E27FC236}">
+                <a16:creationId xmlns:a16="http://schemas.microsoft.com/office/drawing/2014/main" id="{35E301E5-76B3-03CB-CF16-574D512ECB6C}"/>
+              </a:ext>
+            </a:extLst>
+          </p:cNvPr>
+          <p:cNvGrpSpPr/>
+          <p:nvPr/>
+        </p:nvGrpSpPr>
+        <p:grpSpPr>
+          <a:xfrm>
+            <a:off x="8349907" y="541900"/>
+            <a:ext cx="998104" cy="3289106"/>
+            <a:chOff x="2747232" y="418610"/>
+            <a:chExt cx="998104" cy="3289106"/>
+          </a:xfrm>
+        </p:grpSpPr>
+        <p:sp>
+          <p:nvSpPr>
+            <p:cNvPr id="45" name="Forme libre 13">
+              <a:extLst>
+                <a:ext uri="{FF2B5EF4-FFF2-40B4-BE49-F238E27FC236}">
+                  <a16:creationId xmlns:a16="http://schemas.microsoft.com/office/drawing/2014/main" id="{5F5FECD7-7474-ECBA-4D41-12E89F0BAE52}"/>
+                </a:ext>
+              </a:extLst>
+            </p:cNvPr>
+            <p:cNvSpPr/>
+            <p:nvPr/>
+          </p:nvSpPr>
+          <p:spPr>
+            <a:xfrm>
+              <a:off x="2747232" y="1250616"/>
+              <a:ext cx="998104" cy="2457100"/>
+            </a:xfrm>
+            <a:custGeom>
+              <a:avLst/>
+              <a:gdLst>
+                <a:gd name="connsiteX0" fmla="*/ 226786 w 938520"/>
+                <a:gd name="connsiteY0" fmla="*/ 36286 h 2307006"/>
+                <a:gd name="connsiteX1" fmla="*/ 81643 w 938520"/>
+                <a:gd name="connsiteY1" fmla="*/ 235857 h 2307006"/>
+                <a:gd name="connsiteX2" fmla="*/ 0 w 938520"/>
+                <a:gd name="connsiteY2" fmla="*/ 653143 h 2307006"/>
+                <a:gd name="connsiteX3" fmla="*/ 81643 w 938520"/>
+                <a:gd name="connsiteY3" fmla="*/ 916215 h 2307006"/>
+                <a:gd name="connsiteX4" fmla="*/ 154215 w 938520"/>
+                <a:gd name="connsiteY4" fmla="*/ 1587500 h 2307006"/>
+                <a:gd name="connsiteX5" fmla="*/ 54429 w 938520"/>
+                <a:gd name="connsiteY5" fmla="*/ 1805215 h 2307006"/>
+                <a:gd name="connsiteX6" fmla="*/ 63500 w 938520"/>
+                <a:gd name="connsiteY6" fmla="*/ 2104572 h 2307006"/>
+                <a:gd name="connsiteX7" fmla="*/ 254000 w 938520"/>
+                <a:gd name="connsiteY7" fmla="*/ 2276929 h 2307006"/>
+                <a:gd name="connsiteX8" fmla="*/ 644072 w 938520"/>
+                <a:gd name="connsiteY8" fmla="*/ 2295072 h 2307006"/>
+                <a:gd name="connsiteX9" fmla="*/ 743858 w 938520"/>
+                <a:gd name="connsiteY9" fmla="*/ 2149929 h 2307006"/>
+                <a:gd name="connsiteX10" fmla="*/ 762000 w 938520"/>
+                <a:gd name="connsiteY10" fmla="*/ 1850572 h 2307006"/>
+                <a:gd name="connsiteX11" fmla="*/ 861786 w 938520"/>
+                <a:gd name="connsiteY11" fmla="*/ 1496786 h 2307006"/>
+                <a:gd name="connsiteX12" fmla="*/ 934358 w 938520"/>
+                <a:gd name="connsiteY12" fmla="*/ 734786 h 2307006"/>
+                <a:gd name="connsiteX13" fmla="*/ 734786 w 938520"/>
+                <a:gd name="connsiteY13" fmla="*/ 226786 h 2307006"/>
+                <a:gd name="connsiteX14" fmla="*/ 562429 w 938520"/>
+                <a:gd name="connsiteY14" fmla="*/ 0 h 2307006"/>
+                <a:gd name="connsiteX0" fmla="*/ 226786 w 938520"/>
+                <a:gd name="connsiteY0" fmla="*/ 36286 h 2307006"/>
+                <a:gd name="connsiteX1" fmla="*/ 81643 w 938520"/>
+                <a:gd name="connsiteY1" fmla="*/ 235857 h 2307006"/>
+                <a:gd name="connsiteX2" fmla="*/ 0 w 938520"/>
+                <a:gd name="connsiteY2" fmla="*/ 653143 h 2307006"/>
+                <a:gd name="connsiteX3" fmla="*/ 81643 w 938520"/>
+                <a:gd name="connsiteY3" fmla="*/ 916215 h 2307006"/>
+                <a:gd name="connsiteX4" fmla="*/ 154215 w 938520"/>
+                <a:gd name="connsiteY4" fmla="*/ 1587500 h 2307006"/>
+                <a:gd name="connsiteX5" fmla="*/ 54429 w 938520"/>
+                <a:gd name="connsiteY5" fmla="*/ 1805215 h 2307006"/>
+                <a:gd name="connsiteX6" fmla="*/ 63500 w 938520"/>
+                <a:gd name="connsiteY6" fmla="*/ 2104572 h 2307006"/>
+                <a:gd name="connsiteX7" fmla="*/ 254000 w 938520"/>
+                <a:gd name="connsiteY7" fmla="*/ 2276929 h 2307006"/>
+                <a:gd name="connsiteX8" fmla="*/ 644072 w 938520"/>
+                <a:gd name="connsiteY8" fmla="*/ 2295072 h 2307006"/>
+                <a:gd name="connsiteX9" fmla="*/ 743858 w 938520"/>
+                <a:gd name="connsiteY9" fmla="*/ 2149929 h 2307006"/>
+                <a:gd name="connsiteX10" fmla="*/ 762000 w 938520"/>
+                <a:gd name="connsiteY10" fmla="*/ 1850572 h 2307006"/>
+                <a:gd name="connsiteX11" fmla="*/ 861786 w 938520"/>
+                <a:gd name="connsiteY11" fmla="*/ 1496786 h 2307006"/>
+                <a:gd name="connsiteX12" fmla="*/ 934358 w 938520"/>
+                <a:gd name="connsiteY12" fmla="*/ 734786 h 2307006"/>
+                <a:gd name="connsiteX13" fmla="*/ 734786 w 938520"/>
+                <a:gd name="connsiteY13" fmla="*/ 226786 h 2307006"/>
+                <a:gd name="connsiteX14" fmla="*/ 562429 w 938520"/>
+                <a:gd name="connsiteY14" fmla="*/ 0 h 2307006"/>
+                <a:gd name="connsiteX15" fmla="*/ 226786 w 938520"/>
+                <a:gd name="connsiteY15" fmla="*/ 36286 h 2307006"/>
+                <a:gd name="connsiteX0" fmla="*/ 226786 w 938520"/>
+                <a:gd name="connsiteY0" fmla="*/ 37152 h 2307872"/>
+                <a:gd name="connsiteX1" fmla="*/ 81643 w 938520"/>
+                <a:gd name="connsiteY1" fmla="*/ 236723 h 2307872"/>
+                <a:gd name="connsiteX2" fmla="*/ 0 w 938520"/>
+                <a:gd name="connsiteY2" fmla="*/ 654009 h 2307872"/>
+                <a:gd name="connsiteX3" fmla="*/ 81643 w 938520"/>
+                <a:gd name="connsiteY3" fmla="*/ 917081 h 2307872"/>
+                <a:gd name="connsiteX4" fmla="*/ 154215 w 938520"/>
+                <a:gd name="connsiteY4" fmla="*/ 1588366 h 2307872"/>
+                <a:gd name="connsiteX5" fmla="*/ 54429 w 938520"/>
+                <a:gd name="connsiteY5" fmla="*/ 1806081 h 2307872"/>
+                <a:gd name="connsiteX6" fmla="*/ 63500 w 938520"/>
+                <a:gd name="connsiteY6" fmla="*/ 2105438 h 2307872"/>
+                <a:gd name="connsiteX7" fmla="*/ 254000 w 938520"/>
+                <a:gd name="connsiteY7" fmla="*/ 2277795 h 2307872"/>
+                <a:gd name="connsiteX8" fmla="*/ 644072 w 938520"/>
+                <a:gd name="connsiteY8" fmla="*/ 2295938 h 2307872"/>
+                <a:gd name="connsiteX9" fmla="*/ 743858 w 938520"/>
+                <a:gd name="connsiteY9" fmla="*/ 2150795 h 2307872"/>
+                <a:gd name="connsiteX10" fmla="*/ 762000 w 938520"/>
+                <a:gd name="connsiteY10" fmla="*/ 1851438 h 2307872"/>
+                <a:gd name="connsiteX11" fmla="*/ 861786 w 938520"/>
+                <a:gd name="connsiteY11" fmla="*/ 1497652 h 2307872"/>
+                <a:gd name="connsiteX12" fmla="*/ 934358 w 938520"/>
+                <a:gd name="connsiteY12" fmla="*/ 735652 h 2307872"/>
+                <a:gd name="connsiteX13" fmla="*/ 734786 w 938520"/>
+                <a:gd name="connsiteY13" fmla="*/ 227652 h 2307872"/>
+                <a:gd name="connsiteX14" fmla="*/ 562429 w 938520"/>
+                <a:gd name="connsiteY14" fmla="*/ 866 h 2307872"/>
+                <a:gd name="connsiteX15" fmla="*/ 226786 w 938520"/>
+                <a:gd name="connsiteY15" fmla="*/ 37152 h 2307872"/>
+                <a:gd name="connsiteX0" fmla="*/ 226786 w 938520"/>
+                <a:gd name="connsiteY0" fmla="*/ 39698 h 2310418"/>
+                <a:gd name="connsiteX1" fmla="*/ 81643 w 938520"/>
+                <a:gd name="connsiteY1" fmla="*/ 239269 h 2310418"/>
+                <a:gd name="connsiteX2" fmla="*/ 0 w 938520"/>
+                <a:gd name="connsiteY2" fmla="*/ 656555 h 2310418"/>
+                <a:gd name="connsiteX3" fmla="*/ 81643 w 938520"/>
+                <a:gd name="connsiteY3" fmla="*/ 919627 h 2310418"/>
+                <a:gd name="connsiteX4" fmla="*/ 154215 w 938520"/>
+                <a:gd name="connsiteY4" fmla="*/ 1590912 h 2310418"/>
+                <a:gd name="connsiteX5" fmla="*/ 54429 w 938520"/>
+                <a:gd name="connsiteY5" fmla="*/ 1808627 h 2310418"/>
+                <a:gd name="connsiteX6" fmla="*/ 63500 w 938520"/>
+                <a:gd name="connsiteY6" fmla="*/ 2107984 h 2310418"/>
+                <a:gd name="connsiteX7" fmla="*/ 254000 w 938520"/>
+                <a:gd name="connsiteY7" fmla="*/ 2280341 h 2310418"/>
+                <a:gd name="connsiteX8" fmla="*/ 644072 w 938520"/>
+                <a:gd name="connsiteY8" fmla="*/ 2298484 h 2310418"/>
+                <a:gd name="connsiteX9" fmla="*/ 743858 w 938520"/>
+                <a:gd name="connsiteY9" fmla="*/ 2153341 h 2310418"/>
+                <a:gd name="connsiteX10" fmla="*/ 762000 w 938520"/>
+                <a:gd name="connsiteY10" fmla="*/ 1853984 h 2310418"/>
+                <a:gd name="connsiteX11" fmla="*/ 861786 w 938520"/>
+                <a:gd name="connsiteY11" fmla="*/ 1500198 h 2310418"/>
+                <a:gd name="connsiteX12" fmla="*/ 934358 w 938520"/>
+                <a:gd name="connsiteY12" fmla="*/ 738198 h 2310418"/>
+                <a:gd name="connsiteX13" fmla="*/ 734786 w 938520"/>
+                <a:gd name="connsiteY13" fmla="*/ 230198 h 2310418"/>
+                <a:gd name="connsiteX14" fmla="*/ 562429 w 938520"/>
+                <a:gd name="connsiteY14" fmla="*/ 3412 h 2310418"/>
+                <a:gd name="connsiteX15" fmla="*/ 226786 w 938520"/>
+                <a:gd name="connsiteY15" fmla="*/ 39698 h 2310418"/>
+                <a:gd name="connsiteX0" fmla="*/ 226786 w 938520"/>
+                <a:gd name="connsiteY0" fmla="*/ 39698 h 2310418"/>
+                <a:gd name="connsiteX1" fmla="*/ 81643 w 938520"/>
+                <a:gd name="connsiteY1" fmla="*/ 239269 h 2310418"/>
+                <a:gd name="connsiteX2" fmla="*/ 0 w 938520"/>
+                <a:gd name="connsiteY2" fmla="*/ 656555 h 2310418"/>
+                <a:gd name="connsiteX3" fmla="*/ 81643 w 938520"/>
+                <a:gd name="connsiteY3" fmla="*/ 919627 h 2310418"/>
+                <a:gd name="connsiteX4" fmla="*/ 177868 w 938520"/>
+                <a:gd name="connsiteY4" fmla="*/ 1484474 h 2310418"/>
+                <a:gd name="connsiteX5" fmla="*/ 54429 w 938520"/>
+                <a:gd name="connsiteY5" fmla="*/ 1808627 h 2310418"/>
+                <a:gd name="connsiteX6" fmla="*/ 63500 w 938520"/>
+                <a:gd name="connsiteY6" fmla="*/ 2107984 h 2310418"/>
+                <a:gd name="connsiteX7" fmla="*/ 254000 w 938520"/>
+                <a:gd name="connsiteY7" fmla="*/ 2280341 h 2310418"/>
+                <a:gd name="connsiteX8" fmla="*/ 644072 w 938520"/>
+                <a:gd name="connsiteY8" fmla="*/ 2298484 h 2310418"/>
+                <a:gd name="connsiteX9" fmla="*/ 743858 w 938520"/>
+                <a:gd name="connsiteY9" fmla="*/ 2153341 h 2310418"/>
+                <a:gd name="connsiteX10" fmla="*/ 762000 w 938520"/>
+                <a:gd name="connsiteY10" fmla="*/ 1853984 h 2310418"/>
+                <a:gd name="connsiteX11" fmla="*/ 861786 w 938520"/>
+                <a:gd name="connsiteY11" fmla="*/ 1500198 h 2310418"/>
+                <a:gd name="connsiteX12" fmla="*/ 934358 w 938520"/>
+                <a:gd name="connsiteY12" fmla="*/ 738198 h 2310418"/>
+                <a:gd name="connsiteX13" fmla="*/ 734786 w 938520"/>
+                <a:gd name="connsiteY13" fmla="*/ 230198 h 2310418"/>
+                <a:gd name="connsiteX14" fmla="*/ 562429 w 938520"/>
+                <a:gd name="connsiteY14" fmla="*/ 3412 h 2310418"/>
+                <a:gd name="connsiteX15" fmla="*/ 226786 w 938520"/>
+                <a:gd name="connsiteY15" fmla="*/ 39698 h 2310418"/>
+                <a:gd name="connsiteX0" fmla="*/ 226786 w 938520"/>
+                <a:gd name="connsiteY0" fmla="*/ 39698 h 2310418"/>
+                <a:gd name="connsiteX1" fmla="*/ 81643 w 938520"/>
+                <a:gd name="connsiteY1" fmla="*/ 239269 h 2310418"/>
+                <a:gd name="connsiteX2" fmla="*/ 0 w 938520"/>
+                <a:gd name="connsiteY2" fmla="*/ 656555 h 2310418"/>
+                <a:gd name="connsiteX3" fmla="*/ 81643 w 938520"/>
+                <a:gd name="connsiteY3" fmla="*/ 919627 h 2310418"/>
+                <a:gd name="connsiteX4" fmla="*/ 118733 w 938520"/>
+                <a:gd name="connsiteY4" fmla="*/ 1496299 h 2310418"/>
+                <a:gd name="connsiteX5" fmla="*/ 54429 w 938520"/>
+                <a:gd name="connsiteY5" fmla="*/ 1808627 h 2310418"/>
+                <a:gd name="connsiteX6" fmla="*/ 63500 w 938520"/>
+                <a:gd name="connsiteY6" fmla="*/ 2107984 h 2310418"/>
+                <a:gd name="connsiteX7" fmla="*/ 254000 w 938520"/>
+                <a:gd name="connsiteY7" fmla="*/ 2280341 h 2310418"/>
+                <a:gd name="connsiteX8" fmla="*/ 644072 w 938520"/>
+                <a:gd name="connsiteY8" fmla="*/ 2298484 h 2310418"/>
+                <a:gd name="connsiteX9" fmla="*/ 743858 w 938520"/>
+                <a:gd name="connsiteY9" fmla="*/ 2153341 h 2310418"/>
+                <a:gd name="connsiteX10" fmla="*/ 762000 w 938520"/>
+                <a:gd name="connsiteY10" fmla="*/ 1853984 h 2310418"/>
+                <a:gd name="connsiteX11" fmla="*/ 861786 w 938520"/>
+                <a:gd name="connsiteY11" fmla="*/ 1500198 h 2310418"/>
+                <a:gd name="connsiteX12" fmla="*/ 934358 w 938520"/>
+                <a:gd name="connsiteY12" fmla="*/ 738198 h 2310418"/>
+                <a:gd name="connsiteX13" fmla="*/ 734786 w 938520"/>
+                <a:gd name="connsiteY13" fmla="*/ 230198 h 2310418"/>
+                <a:gd name="connsiteX14" fmla="*/ 562429 w 938520"/>
+                <a:gd name="connsiteY14" fmla="*/ 3412 h 2310418"/>
+                <a:gd name="connsiteX15" fmla="*/ 226786 w 938520"/>
+                <a:gd name="connsiteY15" fmla="*/ 39698 h 2310418"/>
+                <a:gd name="connsiteX0" fmla="*/ 226786 w 938520"/>
+                <a:gd name="connsiteY0" fmla="*/ 39698 h 2310418"/>
+                <a:gd name="connsiteX1" fmla="*/ 81643 w 938520"/>
+                <a:gd name="connsiteY1" fmla="*/ 239269 h 2310418"/>
+                <a:gd name="connsiteX2" fmla="*/ 0 w 938520"/>
+                <a:gd name="connsiteY2" fmla="*/ 656555 h 2310418"/>
+                <a:gd name="connsiteX3" fmla="*/ 81643 w 938520"/>
+                <a:gd name="connsiteY3" fmla="*/ 1049718 h 2310418"/>
+                <a:gd name="connsiteX4" fmla="*/ 118733 w 938520"/>
+                <a:gd name="connsiteY4" fmla="*/ 1496299 h 2310418"/>
+                <a:gd name="connsiteX5" fmla="*/ 54429 w 938520"/>
+                <a:gd name="connsiteY5" fmla="*/ 1808627 h 2310418"/>
+                <a:gd name="connsiteX6" fmla="*/ 63500 w 938520"/>
+                <a:gd name="connsiteY6" fmla="*/ 2107984 h 2310418"/>
+                <a:gd name="connsiteX7" fmla="*/ 254000 w 938520"/>
+                <a:gd name="connsiteY7" fmla="*/ 2280341 h 2310418"/>
+                <a:gd name="connsiteX8" fmla="*/ 644072 w 938520"/>
+                <a:gd name="connsiteY8" fmla="*/ 2298484 h 2310418"/>
+                <a:gd name="connsiteX9" fmla="*/ 743858 w 938520"/>
+                <a:gd name="connsiteY9" fmla="*/ 2153341 h 2310418"/>
+                <a:gd name="connsiteX10" fmla="*/ 762000 w 938520"/>
+                <a:gd name="connsiteY10" fmla="*/ 1853984 h 2310418"/>
+                <a:gd name="connsiteX11" fmla="*/ 861786 w 938520"/>
+                <a:gd name="connsiteY11" fmla="*/ 1500198 h 2310418"/>
+                <a:gd name="connsiteX12" fmla="*/ 934358 w 938520"/>
+                <a:gd name="connsiteY12" fmla="*/ 738198 h 2310418"/>
+                <a:gd name="connsiteX13" fmla="*/ 734786 w 938520"/>
+                <a:gd name="connsiteY13" fmla="*/ 230198 h 2310418"/>
+                <a:gd name="connsiteX14" fmla="*/ 562429 w 938520"/>
+                <a:gd name="connsiteY14" fmla="*/ 3412 h 2310418"/>
+                <a:gd name="connsiteX15" fmla="*/ 226786 w 938520"/>
+                <a:gd name="connsiteY15" fmla="*/ 39698 h 2310418"/>
+              </a:gdLst>
+              <a:ahLst/>
+              <a:cxnLst>
+                <a:cxn ang="0">
+                  <a:pos x="connsiteX0" y="connsiteY0"/>
+                </a:cxn>
+                <a:cxn ang="0">
+                  <a:pos x="connsiteX1" y="connsiteY1"/>
+                </a:cxn>
+                <a:cxn ang="0">
+                  <a:pos x="connsiteX2" y="connsiteY2"/>
+                </a:cxn>
+                <a:cxn ang="0">
+                  <a:pos x="connsiteX3" y="connsiteY3"/>
+                </a:cxn>
+                <a:cxn ang="0">
+                  <a:pos x="connsiteX4" y="connsiteY4"/>
+                </a:cxn>
+                <a:cxn ang="0">
+                  <a:pos x="connsiteX5" y="connsiteY5"/>
+                </a:cxn>
+                <a:cxn ang="0">
+                  <a:pos x="connsiteX6" y="connsiteY6"/>
+                </a:cxn>
+                <a:cxn ang="0">
+                  <a:pos x="connsiteX7" y="connsiteY7"/>
+                </a:cxn>
+                <a:cxn ang="0">
+                  <a:pos x="connsiteX8" y="connsiteY8"/>
+                </a:cxn>
+                <a:cxn ang="0">
+                  <a:pos x="connsiteX9" y="connsiteY9"/>
+                </a:cxn>
+                <a:cxn ang="0">
+                  <a:pos x="connsiteX10" y="connsiteY10"/>
+                </a:cxn>
+                <a:cxn ang="0">
+                  <a:pos x="connsiteX11" y="connsiteY11"/>
+                </a:cxn>
+                <a:cxn ang="0">
+                  <a:pos x="connsiteX12" y="connsiteY12"/>
+                </a:cxn>
+                <a:cxn ang="0">
+                  <a:pos x="connsiteX13" y="connsiteY13"/>
+                </a:cxn>
+                <a:cxn ang="0">
+                  <a:pos x="connsiteX14" y="connsiteY14"/>
+                </a:cxn>
+                <a:cxn ang="0">
+                  <a:pos x="connsiteX15" y="connsiteY15"/>
+                </a:cxn>
+              </a:cxnLst>
+              <a:rect l="l" t="t" r="r" b="b"/>
+              <a:pathLst>
+                <a:path w="938520" h="2310418">
+                  <a:moveTo>
+                    <a:pt x="226786" y="39698"/>
+                  </a:moveTo>
+                  <a:cubicBezTo>
+                    <a:pt x="173113" y="88079"/>
+                    <a:pt x="119441" y="136460"/>
+                    <a:pt x="81643" y="239269"/>
+                  </a:cubicBezTo>
+                  <a:cubicBezTo>
+                    <a:pt x="43845" y="342078"/>
+                    <a:pt x="0" y="521480"/>
+                    <a:pt x="0" y="656555"/>
+                  </a:cubicBezTo>
+                  <a:cubicBezTo>
+                    <a:pt x="0" y="791630"/>
+                    <a:pt x="61854" y="909761"/>
+                    <a:pt x="81643" y="1049718"/>
+                  </a:cubicBezTo>
+                  <a:cubicBezTo>
+                    <a:pt x="101432" y="1189675"/>
+                    <a:pt x="123269" y="1369814"/>
+                    <a:pt x="118733" y="1496299"/>
+                  </a:cubicBezTo>
+                  <a:cubicBezTo>
+                    <a:pt x="114197" y="1622784"/>
+                    <a:pt x="63634" y="1706680"/>
+                    <a:pt x="54429" y="1808627"/>
+                  </a:cubicBezTo>
+                  <a:cubicBezTo>
+                    <a:pt x="45224" y="1910574"/>
+                    <a:pt x="30238" y="2029365"/>
+                    <a:pt x="63500" y="2107984"/>
+                  </a:cubicBezTo>
+                  <a:cubicBezTo>
+                    <a:pt x="96762" y="2186603"/>
+                    <a:pt x="157238" y="2248591"/>
+                    <a:pt x="254000" y="2280341"/>
+                  </a:cubicBezTo>
+                  <a:cubicBezTo>
+                    <a:pt x="350762" y="2312091"/>
+                    <a:pt x="562429" y="2319651"/>
+                    <a:pt x="644072" y="2298484"/>
+                  </a:cubicBezTo>
+                  <a:cubicBezTo>
+                    <a:pt x="725715" y="2277317"/>
+                    <a:pt x="724203" y="2227424"/>
+                    <a:pt x="743858" y="2153341"/>
+                  </a:cubicBezTo>
+                  <a:cubicBezTo>
+                    <a:pt x="763513" y="2079258"/>
+                    <a:pt x="742345" y="1962841"/>
+                    <a:pt x="762000" y="1853984"/>
+                  </a:cubicBezTo>
+                  <a:cubicBezTo>
+                    <a:pt x="781655" y="1745127"/>
+                    <a:pt x="833060" y="1686162"/>
+                    <a:pt x="861786" y="1500198"/>
+                  </a:cubicBezTo>
+                  <a:cubicBezTo>
+                    <a:pt x="890512" y="1314234"/>
+                    <a:pt x="955525" y="949865"/>
+                    <a:pt x="934358" y="738198"/>
+                  </a:cubicBezTo>
+                  <a:cubicBezTo>
+                    <a:pt x="913191" y="526531"/>
+                    <a:pt x="796774" y="352662"/>
+                    <a:pt x="734786" y="230198"/>
+                  </a:cubicBezTo>
+                  <a:cubicBezTo>
+                    <a:pt x="672798" y="107734"/>
+                    <a:pt x="674310" y="18531"/>
+                    <a:pt x="562429" y="3412"/>
+                  </a:cubicBezTo>
+                  <a:cubicBezTo>
+                    <a:pt x="450548" y="-11707"/>
+                    <a:pt x="338667" y="27603"/>
+                    <a:pt x="226786" y="39698"/>
+                  </a:cubicBezTo>
+                  <a:close/>
+                </a:path>
+              </a:pathLst>
+            </a:custGeom>
+            <a:ln>
+              <a:solidFill>
+                <a:schemeClr val="accent6">
+                  <a:lumMod val="50000"/>
+                </a:schemeClr>
+              </a:solidFill>
+            </a:ln>
+          </p:spPr>
+          <p:style>
+            <a:lnRef idx="1">
+              <a:schemeClr val="accent6"/>
+            </a:lnRef>
+            <a:fillRef idx="2">
+              <a:schemeClr val="accent6"/>
+            </a:fillRef>
+            <a:effectRef idx="1">
+              <a:schemeClr val="accent6"/>
+            </a:effectRef>
+            <a:fontRef idx="minor">
+              <a:schemeClr val="dk1"/>
+            </a:fontRef>
+          </p:style>
+          <p:txBody>
+            <a:bodyPr rtlCol="0" anchor="ctr"/>
+            <a:lstStyle/>
+            <a:p>
+              <a:pPr algn="ctr"/>
+              <a:endParaRPr lang="fr-FR" sz="1400" b="1" noProof="1"/>
+            </a:p>
+          </p:txBody>
+        </p:sp>
+        <p:grpSp>
+          <p:nvGrpSpPr>
+            <p:cNvPr id="46" name="Grouper 19">
+              <a:extLst>
+                <a:ext uri="{FF2B5EF4-FFF2-40B4-BE49-F238E27FC236}">
+                  <a16:creationId xmlns:a16="http://schemas.microsoft.com/office/drawing/2014/main" id="{4A6E59AB-949C-5B5E-345D-747DBC7D4443}"/>
+                </a:ext>
+              </a:extLst>
+            </p:cNvPr>
+            <p:cNvGrpSpPr/>
+            <p:nvPr/>
+          </p:nvGrpSpPr>
+          <p:grpSpPr>
+            <a:xfrm>
+              <a:off x="2823463" y="418610"/>
+              <a:ext cx="763122" cy="971872"/>
+              <a:chOff x="3954251" y="130464"/>
+              <a:chExt cx="717566" cy="913854"/>
+            </a:xfrm>
+          </p:grpSpPr>
+          <p:sp>
+            <p:nvSpPr>
+              <p:cNvPr id="47" name="Forme libre 20">
+                <a:extLst>
+                  <a:ext uri="{FF2B5EF4-FFF2-40B4-BE49-F238E27FC236}">
+                    <a16:creationId xmlns:a16="http://schemas.microsoft.com/office/drawing/2014/main" id="{984CB9F2-616C-D6E4-55B4-B410C3109881}"/>
+                  </a:ext>
+                </a:extLst>
+              </p:cNvPr>
+              <p:cNvSpPr/>
+              <p:nvPr/>
+            </p:nvSpPr>
+            <p:spPr>
+              <a:xfrm>
+                <a:off x="3954251" y="130464"/>
+                <a:ext cx="717566" cy="913854"/>
+              </a:xfrm>
+              <a:custGeom>
+                <a:avLst/>
+                <a:gdLst>
+                  <a:gd name="connsiteX0" fmla="*/ 146035 w 717566"/>
+                  <a:gd name="connsiteY0" fmla="*/ 713180 h 860087"/>
+                  <a:gd name="connsiteX1" fmla="*/ 300249 w 717566"/>
+                  <a:gd name="connsiteY1" fmla="*/ 858323 h 860087"/>
+                  <a:gd name="connsiteX2" fmla="*/ 545178 w 717566"/>
+                  <a:gd name="connsiteY2" fmla="*/ 785751 h 860087"/>
+                  <a:gd name="connsiteX3" fmla="*/ 545178 w 717566"/>
+                  <a:gd name="connsiteY3" fmla="*/ 667823 h 860087"/>
+                  <a:gd name="connsiteX4" fmla="*/ 654035 w 717566"/>
+                  <a:gd name="connsiteY4" fmla="*/ 667823 h 860087"/>
+                  <a:gd name="connsiteX5" fmla="*/ 699392 w 717566"/>
+                  <a:gd name="connsiteY5" fmla="*/ 586180 h 860087"/>
+                  <a:gd name="connsiteX6" fmla="*/ 663106 w 717566"/>
+                  <a:gd name="connsiteY6" fmla="*/ 459180 h 860087"/>
+                  <a:gd name="connsiteX7" fmla="*/ 717535 w 717566"/>
+                  <a:gd name="connsiteY7" fmla="*/ 422894 h 860087"/>
+                  <a:gd name="connsiteX8" fmla="*/ 654035 w 717566"/>
+                  <a:gd name="connsiteY8" fmla="*/ 314037 h 860087"/>
+                  <a:gd name="connsiteX9" fmla="*/ 608678 w 717566"/>
+                  <a:gd name="connsiteY9" fmla="*/ 241466 h 860087"/>
+                  <a:gd name="connsiteX10" fmla="*/ 599606 w 717566"/>
+                  <a:gd name="connsiteY10" fmla="*/ 132608 h 860087"/>
+                  <a:gd name="connsiteX11" fmla="*/ 454463 w 717566"/>
+                  <a:gd name="connsiteY11" fmla="*/ 5608 h 860087"/>
+                  <a:gd name="connsiteX12" fmla="*/ 109749 w 717566"/>
+                  <a:gd name="connsiteY12" fmla="*/ 60037 h 860087"/>
+                  <a:gd name="connsiteX13" fmla="*/ 892 w 717566"/>
+                  <a:gd name="connsiteY13" fmla="*/ 386608 h 860087"/>
+                  <a:gd name="connsiteX14" fmla="*/ 155106 w 717566"/>
+                  <a:gd name="connsiteY14" fmla="*/ 568037 h 860087"/>
+                  <a:gd name="connsiteX15" fmla="*/ 146035 w 717566"/>
+                  <a:gd name="connsiteY15" fmla="*/ 713180 h 860087"/>
+                  <a:gd name="connsiteX0" fmla="*/ 155106 w 717566"/>
+                  <a:gd name="connsiteY0" fmla="*/ 831109 h 866021"/>
+                  <a:gd name="connsiteX1" fmla="*/ 300249 w 717566"/>
+                  <a:gd name="connsiteY1" fmla="*/ 858323 h 866021"/>
+                  <a:gd name="connsiteX2" fmla="*/ 545178 w 717566"/>
+                  <a:gd name="connsiteY2" fmla="*/ 785751 h 866021"/>
+                  <a:gd name="connsiteX3" fmla="*/ 545178 w 717566"/>
+                  <a:gd name="connsiteY3" fmla="*/ 667823 h 866021"/>
+                  <a:gd name="connsiteX4" fmla="*/ 654035 w 717566"/>
+                  <a:gd name="connsiteY4" fmla="*/ 667823 h 866021"/>
+                  <a:gd name="connsiteX5" fmla="*/ 699392 w 717566"/>
+                  <a:gd name="connsiteY5" fmla="*/ 586180 h 866021"/>
+                  <a:gd name="connsiteX6" fmla="*/ 663106 w 717566"/>
+                  <a:gd name="connsiteY6" fmla="*/ 459180 h 866021"/>
+                  <a:gd name="connsiteX7" fmla="*/ 717535 w 717566"/>
+                  <a:gd name="connsiteY7" fmla="*/ 422894 h 866021"/>
+                  <a:gd name="connsiteX8" fmla="*/ 654035 w 717566"/>
+                  <a:gd name="connsiteY8" fmla="*/ 314037 h 866021"/>
+                  <a:gd name="connsiteX9" fmla="*/ 608678 w 717566"/>
+                  <a:gd name="connsiteY9" fmla="*/ 241466 h 866021"/>
+                  <a:gd name="connsiteX10" fmla="*/ 599606 w 717566"/>
+                  <a:gd name="connsiteY10" fmla="*/ 132608 h 866021"/>
+                  <a:gd name="connsiteX11" fmla="*/ 454463 w 717566"/>
+                  <a:gd name="connsiteY11" fmla="*/ 5608 h 866021"/>
+                  <a:gd name="connsiteX12" fmla="*/ 109749 w 717566"/>
+                  <a:gd name="connsiteY12" fmla="*/ 60037 h 866021"/>
+                  <a:gd name="connsiteX13" fmla="*/ 892 w 717566"/>
+                  <a:gd name="connsiteY13" fmla="*/ 386608 h 866021"/>
+                  <a:gd name="connsiteX14" fmla="*/ 155106 w 717566"/>
+                  <a:gd name="connsiteY14" fmla="*/ 568037 h 866021"/>
+                  <a:gd name="connsiteX15" fmla="*/ 155106 w 717566"/>
+                  <a:gd name="connsiteY15" fmla="*/ 831109 h 866021"/>
+                  <a:gd name="connsiteX0" fmla="*/ 155106 w 717566"/>
+                  <a:gd name="connsiteY0" fmla="*/ 831109 h 913854"/>
+                  <a:gd name="connsiteX1" fmla="*/ 372820 w 717566"/>
+                  <a:gd name="connsiteY1" fmla="*/ 912752 h 913854"/>
+                  <a:gd name="connsiteX2" fmla="*/ 545178 w 717566"/>
+                  <a:gd name="connsiteY2" fmla="*/ 785751 h 913854"/>
+                  <a:gd name="connsiteX3" fmla="*/ 545178 w 717566"/>
+                  <a:gd name="connsiteY3" fmla="*/ 667823 h 913854"/>
+                  <a:gd name="connsiteX4" fmla="*/ 654035 w 717566"/>
+                  <a:gd name="connsiteY4" fmla="*/ 667823 h 913854"/>
+                  <a:gd name="connsiteX5" fmla="*/ 699392 w 717566"/>
+                  <a:gd name="connsiteY5" fmla="*/ 586180 h 913854"/>
+                  <a:gd name="connsiteX6" fmla="*/ 663106 w 717566"/>
+                  <a:gd name="connsiteY6" fmla="*/ 459180 h 913854"/>
+                  <a:gd name="connsiteX7" fmla="*/ 717535 w 717566"/>
+                  <a:gd name="connsiteY7" fmla="*/ 422894 h 913854"/>
+                  <a:gd name="connsiteX8" fmla="*/ 654035 w 717566"/>
+                  <a:gd name="connsiteY8" fmla="*/ 314037 h 913854"/>
+                  <a:gd name="connsiteX9" fmla="*/ 608678 w 717566"/>
+                  <a:gd name="connsiteY9" fmla="*/ 241466 h 913854"/>
+                  <a:gd name="connsiteX10" fmla="*/ 599606 w 717566"/>
+                  <a:gd name="connsiteY10" fmla="*/ 132608 h 913854"/>
+                  <a:gd name="connsiteX11" fmla="*/ 454463 w 717566"/>
+                  <a:gd name="connsiteY11" fmla="*/ 5608 h 913854"/>
+                  <a:gd name="connsiteX12" fmla="*/ 109749 w 717566"/>
+                  <a:gd name="connsiteY12" fmla="*/ 60037 h 913854"/>
+                  <a:gd name="connsiteX13" fmla="*/ 892 w 717566"/>
+                  <a:gd name="connsiteY13" fmla="*/ 386608 h 913854"/>
+                  <a:gd name="connsiteX14" fmla="*/ 155106 w 717566"/>
+                  <a:gd name="connsiteY14" fmla="*/ 568037 h 913854"/>
+                  <a:gd name="connsiteX15" fmla="*/ 155106 w 717566"/>
+                  <a:gd name="connsiteY15" fmla="*/ 831109 h 913854"/>
+                </a:gdLst>
+                <a:ahLst/>
+                <a:cxnLst>
+                  <a:cxn ang="0">
+                    <a:pos x="connsiteX0" y="connsiteY0"/>
+                  </a:cxn>
+                  <a:cxn ang="0">
+                    <a:pos x="connsiteX1" y="connsiteY1"/>
+                  </a:cxn>
+                  <a:cxn ang="0">
+                    <a:pos x="connsiteX2" y="connsiteY2"/>
+                  </a:cxn>
+                  <a:cxn ang="0">
+                    <a:pos x="connsiteX3" y="connsiteY3"/>
+                  </a:cxn>
+                  <a:cxn ang="0">
+                    <a:pos x="connsiteX4" y="connsiteY4"/>
+                  </a:cxn>
+                  <a:cxn ang="0">
+                    <a:pos x="connsiteX5" y="connsiteY5"/>
+                  </a:cxn>
+                  <a:cxn ang="0">
+                    <a:pos x="connsiteX6" y="connsiteY6"/>
+                  </a:cxn>
+                  <a:cxn ang="0">
+                    <a:pos x="connsiteX7" y="connsiteY7"/>
+                  </a:cxn>
+                  <a:cxn ang="0">
+                    <a:pos x="connsiteX8" y="connsiteY8"/>
+                  </a:cxn>
+                  <a:cxn ang="0">
+                    <a:pos x="connsiteX9" y="connsiteY9"/>
+                  </a:cxn>
+                  <a:cxn ang="0">
+                    <a:pos x="connsiteX10" y="connsiteY10"/>
+                  </a:cxn>
+                  <a:cxn ang="0">
+                    <a:pos x="connsiteX11" y="connsiteY11"/>
+                  </a:cxn>
+                  <a:cxn ang="0">
+                    <a:pos x="connsiteX12" y="connsiteY12"/>
+                  </a:cxn>
+                  <a:cxn ang="0">
+                    <a:pos x="connsiteX13" y="connsiteY13"/>
+                  </a:cxn>
+                  <a:cxn ang="0">
+                    <a:pos x="connsiteX14" y="connsiteY14"/>
+                  </a:cxn>
+                  <a:cxn ang="0">
+                    <a:pos x="connsiteX15" y="connsiteY15"/>
+                  </a:cxn>
+                </a:cxnLst>
+                <a:rect l="l" t="t" r="r" b="b"/>
+                <a:pathLst>
+                  <a:path w="717566" h="913854">
+                    <a:moveTo>
+                      <a:pt x="155106" y="831109"/>
+                    </a:moveTo>
+                    <a:cubicBezTo>
+                      <a:pt x="191392" y="888561"/>
+                      <a:pt x="307808" y="920312"/>
+                      <a:pt x="372820" y="912752"/>
+                    </a:cubicBezTo>
+                    <a:cubicBezTo>
+                      <a:pt x="437832" y="905192"/>
+                      <a:pt x="516452" y="826572"/>
+                      <a:pt x="545178" y="785751"/>
+                    </a:cubicBezTo>
+                    <a:cubicBezTo>
+                      <a:pt x="573904" y="744930"/>
+                      <a:pt x="527035" y="687478"/>
+                      <a:pt x="545178" y="667823"/>
+                    </a:cubicBezTo>
+                    <a:cubicBezTo>
+                      <a:pt x="563321" y="648168"/>
+                      <a:pt x="628333" y="681430"/>
+                      <a:pt x="654035" y="667823"/>
+                    </a:cubicBezTo>
+                    <a:cubicBezTo>
+                      <a:pt x="679737" y="654216"/>
+                      <a:pt x="697880" y="620954"/>
+                      <a:pt x="699392" y="586180"/>
+                    </a:cubicBezTo>
+                    <a:cubicBezTo>
+                      <a:pt x="700904" y="551406"/>
+                      <a:pt x="660082" y="486394"/>
+                      <a:pt x="663106" y="459180"/>
+                    </a:cubicBezTo>
+                    <a:cubicBezTo>
+                      <a:pt x="666130" y="431966"/>
+                      <a:pt x="719047" y="447084"/>
+                      <a:pt x="717535" y="422894"/>
+                    </a:cubicBezTo>
+                    <a:cubicBezTo>
+                      <a:pt x="716023" y="398703"/>
+                      <a:pt x="672178" y="344275"/>
+                      <a:pt x="654035" y="314037"/>
+                    </a:cubicBezTo>
+                    <a:cubicBezTo>
+                      <a:pt x="635892" y="283799"/>
+                      <a:pt x="617750" y="271704"/>
+                      <a:pt x="608678" y="241466"/>
+                    </a:cubicBezTo>
+                    <a:cubicBezTo>
+                      <a:pt x="599607" y="211228"/>
+                      <a:pt x="625308" y="171918"/>
+                      <a:pt x="599606" y="132608"/>
+                    </a:cubicBezTo>
+                    <a:cubicBezTo>
+                      <a:pt x="573904" y="93298"/>
+                      <a:pt x="536106" y="17703"/>
+                      <a:pt x="454463" y="5608"/>
+                    </a:cubicBezTo>
+                    <a:cubicBezTo>
+                      <a:pt x="372820" y="-6487"/>
+                      <a:pt x="185344" y="-3463"/>
+                      <a:pt x="109749" y="60037"/>
+                    </a:cubicBezTo>
+                    <a:cubicBezTo>
+                      <a:pt x="34154" y="123537"/>
+                      <a:pt x="-6668" y="301941"/>
+                      <a:pt x="892" y="386608"/>
+                    </a:cubicBezTo>
+                    <a:cubicBezTo>
+                      <a:pt x="8451" y="471275"/>
+                      <a:pt x="129404" y="493954"/>
+                      <a:pt x="155106" y="568037"/>
+                    </a:cubicBezTo>
+                    <a:cubicBezTo>
+                      <a:pt x="180808" y="642120"/>
+                      <a:pt x="118820" y="773657"/>
+                      <a:pt x="155106" y="831109"/>
+                    </a:cubicBezTo>
+                    <a:close/>
+                  </a:path>
+                </a:pathLst>
+              </a:custGeom>
+              <a:ln>
+                <a:solidFill>
+                  <a:schemeClr val="accent6">
+                    <a:lumMod val="50000"/>
+                  </a:schemeClr>
+                </a:solidFill>
+              </a:ln>
+            </p:spPr>
+            <p:style>
+              <a:lnRef idx="1">
+                <a:schemeClr val="accent6"/>
+              </a:lnRef>
+              <a:fillRef idx="2">
+                <a:schemeClr val="accent6"/>
+              </a:fillRef>
+              <a:effectRef idx="1">
+                <a:schemeClr val="accent6"/>
+              </a:effectRef>
+              <a:fontRef idx="minor">
+                <a:schemeClr val="dk1"/>
+              </a:fontRef>
+            </p:style>
+            <p:txBody>
+              <a:bodyPr rtlCol="0" anchor="ctr"/>
+              <a:lstStyle/>
+              <a:p>
+                <a:pPr algn="ctr"/>
+                <a:endParaRPr lang="fr-FR" sz="1400" b="1" noProof="1"/>
+              </a:p>
+            </p:txBody>
+          </p:sp>
+          <p:sp>
+            <p:nvSpPr>
+              <p:cNvPr id="48" name="Ellipse 21">
+                <a:extLst>
+                  <a:ext uri="{FF2B5EF4-FFF2-40B4-BE49-F238E27FC236}">
+                    <a16:creationId xmlns:a16="http://schemas.microsoft.com/office/drawing/2014/main" id="{CBA184E3-3066-F4F3-0C2F-962969972BF0}"/>
+                  </a:ext>
+                </a:extLst>
+              </p:cNvPr>
+              <p:cNvSpPr/>
+              <p:nvPr/>
+            </p:nvSpPr>
+            <p:spPr>
+              <a:xfrm>
+                <a:off x="4219701" y="856949"/>
+                <a:ext cx="79174" cy="79174"/>
+              </a:xfrm>
+              <a:prstGeom prst="ellipse">
+                <a:avLst/>
+              </a:prstGeom>
+              <a:ln>
+                <a:solidFill>
+                  <a:schemeClr val="accent6">
+                    <a:lumMod val="50000"/>
+                  </a:schemeClr>
+                </a:solidFill>
+              </a:ln>
+            </p:spPr>
+            <p:style>
+              <a:lnRef idx="1">
+                <a:schemeClr val="accent6"/>
+              </a:lnRef>
+              <a:fillRef idx="2">
+                <a:schemeClr val="accent6"/>
+              </a:fillRef>
+              <a:effectRef idx="1">
+                <a:schemeClr val="accent6"/>
+              </a:effectRef>
+              <a:fontRef idx="minor">
+                <a:schemeClr val="dk1"/>
+              </a:fontRef>
+            </p:style>
+            <p:txBody>
+              <a:bodyPr rtlCol="0" anchor="ctr"/>
+              <a:lstStyle/>
+              <a:p>
+                <a:pPr algn="ctr"/>
+                <a:endParaRPr lang="fr-FR" sz="1400" b="1" noProof="1"/>
+              </a:p>
+            </p:txBody>
+          </p:sp>
+        </p:grpSp>
+      </p:grpSp>
+      <p:grpSp>
+        <p:nvGrpSpPr>
+          <p:cNvPr id="49" name="Group 48">
+            <a:extLst>
+              <a:ext uri="{FF2B5EF4-FFF2-40B4-BE49-F238E27FC236}">
+                <a16:creationId xmlns:a16="http://schemas.microsoft.com/office/drawing/2014/main" id="{5E29699B-64FB-4BD6-7217-6E464FFE6C08}"/>
+              </a:ext>
+            </a:extLst>
+          </p:cNvPr>
+          <p:cNvGrpSpPr/>
+          <p:nvPr/>
+        </p:nvGrpSpPr>
+        <p:grpSpPr>
+          <a:xfrm rot="16716909">
+            <a:off x="9277833" y="227687"/>
+            <a:ext cx="1199204" cy="2321188"/>
+            <a:chOff x="3427910" y="1924040"/>
+            <a:chExt cx="1199204" cy="2321188"/>
+          </a:xfrm>
+        </p:grpSpPr>
+        <p:grpSp>
+          <p:nvGrpSpPr>
+            <p:cNvPr id="50" name="Grouper 15">
+              <a:extLst>
+                <a:ext uri="{FF2B5EF4-FFF2-40B4-BE49-F238E27FC236}">
+                  <a16:creationId xmlns:a16="http://schemas.microsoft.com/office/drawing/2014/main" id="{7EBB4BA8-A7A5-F2BA-4AE5-AF1EC1869766}"/>
+                </a:ext>
+              </a:extLst>
+            </p:cNvPr>
+            <p:cNvGrpSpPr/>
+            <p:nvPr/>
+          </p:nvGrpSpPr>
+          <p:grpSpPr>
+            <a:xfrm rot="19465764">
+              <a:off x="3427910" y="1924040"/>
+              <a:ext cx="452003" cy="1240137"/>
+              <a:chOff x="4028723" y="1113217"/>
+              <a:chExt cx="425020" cy="1166104"/>
+            </a:xfrm>
+          </p:grpSpPr>
+          <p:sp>
+            <p:nvSpPr>
+              <p:cNvPr id="56" name="Forme libre 29">
+                <a:extLst>
+                  <a:ext uri="{FF2B5EF4-FFF2-40B4-BE49-F238E27FC236}">
+                    <a16:creationId xmlns:a16="http://schemas.microsoft.com/office/drawing/2014/main" id="{F4F6A115-9B37-8322-3513-633B1CDA96BE}"/>
+                  </a:ext>
+                </a:extLst>
+              </p:cNvPr>
+              <p:cNvSpPr/>
+              <p:nvPr/>
+            </p:nvSpPr>
+            <p:spPr>
+              <a:xfrm>
+                <a:off x="4028723" y="1113217"/>
+                <a:ext cx="425020" cy="1166104"/>
+              </a:xfrm>
+              <a:custGeom>
+                <a:avLst/>
+                <a:gdLst>
+                  <a:gd name="connsiteX0" fmla="*/ 116920 w 425020"/>
+                  <a:gd name="connsiteY0" fmla="*/ 47926 h 1166104"/>
+                  <a:gd name="connsiteX1" fmla="*/ 289277 w 425020"/>
+                  <a:gd name="connsiteY1" fmla="*/ 29783 h 1166104"/>
+                  <a:gd name="connsiteX2" fmla="*/ 416277 w 425020"/>
+                  <a:gd name="connsiteY2" fmla="*/ 301926 h 1166104"/>
+                  <a:gd name="connsiteX3" fmla="*/ 407206 w 425020"/>
+                  <a:gd name="connsiteY3" fmla="*/ 809926 h 1166104"/>
+                  <a:gd name="connsiteX4" fmla="*/ 352777 w 425020"/>
+                  <a:gd name="connsiteY4" fmla="*/ 1082069 h 1166104"/>
+                  <a:gd name="connsiteX5" fmla="*/ 153206 w 425020"/>
+                  <a:gd name="connsiteY5" fmla="*/ 1163712 h 1166104"/>
+                  <a:gd name="connsiteX6" fmla="*/ 26206 w 425020"/>
+                  <a:gd name="connsiteY6" fmla="*/ 1009497 h 1166104"/>
+                  <a:gd name="connsiteX7" fmla="*/ 8063 w 425020"/>
+                  <a:gd name="connsiteY7" fmla="*/ 392640 h 1166104"/>
+                  <a:gd name="connsiteX8" fmla="*/ 116920 w 425020"/>
+                  <a:gd name="connsiteY8" fmla="*/ 47926 h 1166104"/>
+                </a:gdLst>
+                <a:ahLst/>
+                <a:cxnLst>
+                  <a:cxn ang="0">
+                    <a:pos x="connsiteX0" y="connsiteY0"/>
+                  </a:cxn>
+                  <a:cxn ang="0">
+                    <a:pos x="connsiteX1" y="connsiteY1"/>
+                  </a:cxn>
+                  <a:cxn ang="0">
+                    <a:pos x="connsiteX2" y="connsiteY2"/>
+                  </a:cxn>
+                  <a:cxn ang="0">
+                    <a:pos x="connsiteX3" y="connsiteY3"/>
+                  </a:cxn>
+                  <a:cxn ang="0">
+                    <a:pos x="connsiteX4" y="connsiteY4"/>
+                  </a:cxn>
+                  <a:cxn ang="0">
+                    <a:pos x="connsiteX5" y="connsiteY5"/>
+                  </a:cxn>
+                  <a:cxn ang="0">
+                    <a:pos x="connsiteX6" y="connsiteY6"/>
+                  </a:cxn>
+                  <a:cxn ang="0">
+                    <a:pos x="connsiteX7" y="connsiteY7"/>
+                  </a:cxn>
+                  <a:cxn ang="0">
+                    <a:pos x="connsiteX8" y="connsiteY8"/>
+                  </a:cxn>
+                </a:cxnLst>
+                <a:rect l="l" t="t" r="r" b="b"/>
+                <a:pathLst>
+                  <a:path w="425020" h="1166104">
+                    <a:moveTo>
+                      <a:pt x="116920" y="47926"/>
+                    </a:moveTo>
+                    <a:cubicBezTo>
+                      <a:pt x="163789" y="-12550"/>
+                      <a:pt x="239384" y="-12550"/>
+                      <a:pt x="289277" y="29783"/>
+                    </a:cubicBezTo>
+                    <a:cubicBezTo>
+                      <a:pt x="339170" y="72116"/>
+                      <a:pt x="396622" y="171902"/>
+                      <a:pt x="416277" y="301926"/>
+                    </a:cubicBezTo>
+                    <a:cubicBezTo>
+                      <a:pt x="435932" y="431950"/>
+                      <a:pt x="417789" y="679902"/>
+                      <a:pt x="407206" y="809926"/>
+                    </a:cubicBezTo>
+                    <a:cubicBezTo>
+                      <a:pt x="396623" y="939950"/>
+                      <a:pt x="395110" y="1023105"/>
+                      <a:pt x="352777" y="1082069"/>
+                    </a:cubicBezTo>
+                    <a:cubicBezTo>
+                      <a:pt x="310444" y="1141033"/>
+                      <a:pt x="207634" y="1175807"/>
+                      <a:pt x="153206" y="1163712"/>
+                    </a:cubicBezTo>
+                    <a:cubicBezTo>
+                      <a:pt x="98778" y="1151617"/>
+                      <a:pt x="50396" y="1138009"/>
+                      <a:pt x="26206" y="1009497"/>
+                    </a:cubicBezTo>
+                    <a:cubicBezTo>
+                      <a:pt x="2015" y="880985"/>
+                      <a:pt x="-8568" y="555926"/>
+                      <a:pt x="8063" y="392640"/>
+                    </a:cubicBezTo>
+                    <a:cubicBezTo>
+                      <a:pt x="24694" y="229354"/>
+                      <a:pt x="70051" y="108402"/>
+                      <a:pt x="116920" y="47926"/>
+                    </a:cubicBezTo>
+                    <a:close/>
+                  </a:path>
+                </a:pathLst>
+              </a:custGeom>
+              <a:ln>
+                <a:solidFill>
+                  <a:schemeClr val="accent6">
+                    <a:lumMod val="50000"/>
+                  </a:schemeClr>
+                </a:solidFill>
+              </a:ln>
+            </p:spPr>
+            <p:style>
+              <a:lnRef idx="1">
+                <a:schemeClr val="accent6"/>
+              </a:lnRef>
+              <a:fillRef idx="2">
+                <a:schemeClr val="accent6"/>
+              </a:fillRef>
+              <a:effectRef idx="1">
+                <a:schemeClr val="accent6"/>
+              </a:effectRef>
+              <a:fontRef idx="minor">
+                <a:schemeClr val="dk1"/>
+              </a:fontRef>
+            </p:style>
+            <p:txBody>
+              <a:bodyPr rtlCol="0" anchor="ctr"/>
+              <a:lstStyle/>
+              <a:p>
+                <a:pPr algn="ctr"/>
+                <a:endParaRPr lang="fr-FR" sz="1400" b="1" noProof="1"/>
+              </a:p>
+            </p:txBody>
+          </p:sp>
+          <p:sp>
+            <p:nvSpPr>
+              <p:cNvPr id="57" name="Ellipse 30">
+                <a:extLst>
+                  <a:ext uri="{FF2B5EF4-FFF2-40B4-BE49-F238E27FC236}">
+                    <a16:creationId xmlns:a16="http://schemas.microsoft.com/office/drawing/2014/main" id="{122014BD-ACE7-89AF-4FF8-19B88970D895}"/>
+                  </a:ext>
+                </a:extLst>
+              </p:cNvPr>
+              <p:cNvSpPr/>
+              <p:nvPr/>
+            </p:nvSpPr>
+            <p:spPr>
+              <a:xfrm>
+                <a:off x="4172529" y="1162629"/>
+                <a:ext cx="79174" cy="79174"/>
+              </a:xfrm>
+              <a:prstGeom prst="ellipse">
+                <a:avLst/>
+              </a:prstGeom>
+              <a:ln>
+                <a:solidFill>
+                  <a:schemeClr val="accent6">
+                    <a:lumMod val="50000"/>
+                  </a:schemeClr>
+                </a:solidFill>
+              </a:ln>
+            </p:spPr>
+            <p:style>
+              <a:lnRef idx="1">
+                <a:schemeClr val="accent6"/>
+              </a:lnRef>
+              <a:fillRef idx="2">
+                <a:schemeClr val="accent6"/>
+              </a:fillRef>
+              <a:effectRef idx="1">
+                <a:schemeClr val="accent6"/>
+              </a:effectRef>
+              <a:fontRef idx="minor">
+                <a:schemeClr val="dk1"/>
+              </a:fontRef>
+            </p:style>
+            <p:txBody>
+              <a:bodyPr rtlCol="0" anchor="ctr"/>
+              <a:lstStyle/>
+              <a:p>
+                <a:pPr algn="ctr"/>
+                <a:endParaRPr lang="fr-FR" sz="1400" b="1" noProof="1"/>
+              </a:p>
+            </p:txBody>
+          </p:sp>
+        </p:grpSp>
+        <p:grpSp>
+          <p:nvGrpSpPr>
+            <p:cNvPr id="51" name="Grouper 16">
+              <a:extLst>
+                <a:ext uri="{FF2B5EF4-FFF2-40B4-BE49-F238E27FC236}">
+                  <a16:creationId xmlns:a16="http://schemas.microsoft.com/office/drawing/2014/main" id="{5231DB44-4B37-AD07-F72F-D433A87654A8}"/>
+                </a:ext>
+              </a:extLst>
+            </p:cNvPr>
+            <p:cNvGrpSpPr/>
+            <p:nvPr/>
+          </p:nvGrpSpPr>
+          <p:grpSpPr>
+            <a:xfrm rot="19632586">
+              <a:off x="4138161" y="2671471"/>
+              <a:ext cx="488953" cy="1573757"/>
+              <a:chOff x="4103478" y="1986644"/>
+              <a:chExt cx="459764" cy="1479808"/>
+            </a:xfrm>
+          </p:grpSpPr>
+          <p:sp>
+            <p:nvSpPr>
+              <p:cNvPr id="53" name="Forme libre 26">
+                <a:extLst>
+                  <a:ext uri="{FF2B5EF4-FFF2-40B4-BE49-F238E27FC236}">
+                    <a16:creationId xmlns:a16="http://schemas.microsoft.com/office/drawing/2014/main" id="{714C6CCF-50B1-39DE-43A4-BFF1173344EF}"/>
+                  </a:ext>
+                </a:extLst>
+              </p:cNvPr>
+              <p:cNvSpPr/>
+              <p:nvPr/>
+            </p:nvSpPr>
+            <p:spPr>
+              <a:xfrm>
+                <a:off x="4103478" y="1986644"/>
+                <a:ext cx="459764" cy="1479808"/>
+              </a:xfrm>
+              <a:custGeom>
+                <a:avLst/>
+                <a:gdLst>
+                  <a:gd name="connsiteX0" fmla="*/ 132607 w 459492"/>
+                  <a:gd name="connsiteY0" fmla="*/ 4180 h 1338845"/>
+                  <a:gd name="connsiteX1" fmla="*/ 250536 w 459492"/>
+                  <a:gd name="connsiteY1" fmla="*/ 67680 h 1338845"/>
+                  <a:gd name="connsiteX2" fmla="*/ 259607 w 459492"/>
+                  <a:gd name="connsiteY2" fmla="*/ 385180 h 1338845"/>
+                  <a:gd name="connsiteX3" fmla="*/ 268679 w 459492"/>
+                  <a:gd name="connsiteY3" fmla="*/ 829680 h 1338845"/>
+                  <a:gd name="connsiteX4" fmla="*/ 350321 w 459492"/>
+                  <a:gd name="connsiteY4" fmla="*/ 929465 h 1338845"/>
+                  <a:gd name="connsiteX5" fmla="*/ 459179 w 459492"/>
+                  <a:gd name="connsiteY5" fmla="*/ 1119965 h 1338845"/>
+                  <a:gd name="connsiteX6" fmla="*/ 314036 w 459492"/>
+                  <a:gd name="connsiteY6" fmla="*/ 1002037 h 1338845"/>
+                  <a:gd name="connsiteX7" fmla="*/ 304964 w 459492"/>
+                  <a:gd name="connsiteY7" fmla="*/ 1228823 h 1338845"/>
+                  <a:gd name="connsiteX8" fmla="*/ 159821 w 459492"/>
+                  <a:gd name="connsiteY8" fmla="*/ 1337680 h 1338845"/>
+                  <a:gd name="connsiteX9" fmla="*/ 5607 w 459492"/>
+                  <a:gd name="connsiteY9" fmla="*/ 1165323 h 1338845"/>
+                  <a:gd name="connsiteX10" fmla="*/ 32821 w 459492"/>
+                  <a:gd name="connsiteY10" fmla="*/ 893180 h 1338845"/>
+                  <a:gd name="connsiteX11" fmla="*/ 23750 w 459492"/>
+                  <a:gd name="connsiteY11" fmla="*/ 757108 h 1338845"/>
+                  <a:gd name="connsiteX12" fmla="*/ 41893 w 459492"/>
+                  <a:gd name="connsiteY12" fmla="*/ 702680 h 1338845"/>
+                  <a:gd name="connsiteX13" fmla="*/ 5607 w 459492"/>
+                  <a:gd name="connsiteY13" fmla="*/ 140251 h 1338845"/>
+                  <a:gd name="connsiteX14" fmla="*/ 132607 w 459492"/>
+                  <a:gd name="connsiteY14" fmla="*/ 4180 h 1338845"/>
+                  <a:gd name="connsiteX0" fmla="*/ 132879 w 459764"/>
+                  <a:gd name="connsiteY0" fmla="*/ 4180 h 1338845"/>
+                  <a:gd name="connsiteX1" fmla="*/ 250808 w 459764"/>
+                  <a:gd name="connsiteY1" fmla="*/ 67680 h 1338845"/>
+                  <a:gd name="connsiteX2" fmla="*/ 259879 w 459764"/>
+                  <a:gd name="connsiteY2" fmla="*/ 385180 h 1338845"/>
+                  <a:gd name="connsiteX3" fmla="*/ 268951 w 459764"/>
+                  <a:gd name="connsiteY3" fmla="*/ 829680 h 1338845"/>
+                  <a:gd name="connsiteX4" fmla="*/ 350593 w 459764"/>
+                  <a:gd name="connsiteY4" fmla="*/ 929465 h 1338845"/>
+                  <a:gd name="connsiteX5" fmla="*/ 459451 w 459764"/>
+                  <a:gd name="connsiteY5" fmla="*/ 1119965 h 1338845"/>
+                  <a:gd name="connsiteX6" fmla="*/ 314308 w 459764"/>
+                  <a:gd name="connsiteY6" fmla="*/ 1002037 h 1338845"/>
+                  <a:gd name="connsiteX7" fmla="*/ 305236 w 459764"/>
+                  <a:gd name="connsiteY7" fmla="*/ 1228823 h 1338845"/>
+                  <a:gd name="connsiteX8" fmla="*/ 160093 w 459764"/>
+                  <a:gd name="connsiteY8" fmla="*/ 1337680 h 1338845"/>
+                  <a:gd name="connsiteX9" fmla="*/ 5879 w 459764"/>
+                  <a:gd name="connsiteY9" fmla="*/ 1165323 h 1338845"/>
+                  <a:gd name="connsiteX10" fmla="*/ 33093 w 459764"/>
+                  <a:gd name="connsiteY10" fmla="*/ 893180 h 1338845"/>
+                  <a:gd name="connsiteX11" fmla="*/ 42165 w 459764"/>
+                  <a:gd name="connsiteY11" fmla="*/ 702680 h 1338845"/>
+                  <a:gd name="connsiteX12" fmla="*/ 5879 w 459764"/>
+                  <a:gd name="connsiteY12" fmla="*/ 140251 h 1338845"/>
+                  <a:gd name="connsiteX13" fmla="*/ 132879 w 459764"/>
+                  <a:gd name="connsiteY13" fmla="*/ 4180 h 1338845"/>
+                </a:gdLst>
+                <a:ahLst/>
+                <a:cxnLst>
+                  <a:cxn ang="0">
+                    <a:pos x="connsiteX0" y="connsiteY0"/>
+                  </a:cxn>
+                  <a:cxn ang="0">
+                    <a:pos x="connsiteX1" y="connsiteY1"/>
+                  </a:cxn>
+                  <a:cxn ang="0">
+                    <a:pos x="connsiteX2" y="connsiteY2"/>
+                  </a:cxn>
+                  <a:cxn ang="0">
+                    <a:pos x="connsiteX3" y="connsiteY3"/>
+                  </a:cxn>
+                  <a:cxn ang="0">
+                    <a:pos x="connsiteX4" y="connsiteY4"/>
+                  </a:cxn>
+                  <a:cxn ang="0">
+                    <a:pos x="connsiteX5" y="connsiteY5"/>
+                  </a:cxn>
+                  <a:cxn ang="0">
+                    <a:pos x="connsiteX6" y="connsiteY6"/>
+                  </a:cxn>
+                  <a:cxn ang="0">
+                    <a:pos x="connsiteX7" y="connsiteY7"/>
+                  </a:cxn>
+                  <a:cxn ang="0">
+                    <a:pos x="connsiteX8" y="connsiteY8"/>
+                  </a:cxn>
+                  <a:cxn ang="0">
+                    <a:pos x="connsiteX9" y="connsiteY9"/>
+                  </a:cxn>
+                  <a:cxn ang="0">
+                    <a:pos x="connsiteX10" y="connsiteY10"/>
+                  </a:cxn>
+                  <a:cxn ang="0">
+                    <a:pos x="connsiteX11" y="connsiteY11"/>
+                  </a:cxn>
+                  <a:cxn ang="0">
+                    <a:pos x="connsiteX12" y="connsiteY12"/>
+                  </a:cxn>
+                  <a:cxn ang="0">
+                    <a:pos x="connsiteX13" y="connsiteY13"/>
+                  </a:cxn>
+                </a:cxnLst>
+                <a:rect l="l" t="t" r="r" b="b"/>
+                <a:pathLst>
+                  <a:path w="459764" h="1338845">
+                    <a:moveTo>
+                      <a:pt x="132879" y="4180"/>
+                    </a:moveTo>
+                    <a:cubicBezTo>
+                      <a:pt x="173700" y="-7915"/>
+                      <a:pt x="229641" y="4180"/>
+                      <a:pt x="250808" y="67680"/>
+                    </a:cubicBezTo>
+                    <a:cubicBezTo>
+                      <a:pt x="271975" y="131180"/>
+                      <a:pt x="256855" y="258180"/>
+                      <a:pt x="259879" y="385180"/>
+                    </a:cubicBezTo>
+                    <a:cubicBezTo>
+                      <a:pt x="262903" y="512180"/>
+                      <a:pt x="253832" y="738966"/>
+                      <a:pt x="268951" y="829680"/>
+                    </a:cubicBezTo>
+                    <a:cubicBezTo>
+                      <a:pt x="284070" y="920394"/>
+                      <a:pt x="318843" y="881084"/>
+                      <a:pt x="350593" y="929465"/>
+                    </a:cubicBezTo>
+                    <a:cubicBezTo>
+                      <a:pt x="382343" y="977846"/>
+                      <a:pt x="465498" y="1107870"/>
+                      <a:pt x="459451" y="1119965"/>
+                    </a:cubicBezTo>
+                    <a:cubicBezTo>
+                      <a:pt x="453404" y="1132060"/>
+                      <a:pt x="340011" y="983894"/>
+                      <a:pt x="314308" y="1002037"/>
+                    </a:cubicBezTo>
+                    <a:cubicBezTo>
+                      <a:pt x="288605" y="1020180"/>
+                      <a:pt x="330938" y="1172883"/>
+                      <a:pt x="305236" y="1228823"/>
+                    </a:cubicBezTo>
+                    <a:cubicBezTo>
+                      <a:pt x="279534" y="1284763"/>
+                      <a:pt x="209986" y="1348263"/>
+                      <a:pt x="160093" y="1337680"/>
+                    </a:cubicBezTo>
+                    <a:cubicBezTo>
+                      <a:pt x="110200" y="1327097"/>
+                      <a:pt x="27046" y="1239406"/>
+                      <a:pt x="5879" y="1165323"/>
+                    </a:cubicBezTo>
+                    <a:cubicBezTo>
+                      <a:pt x="-15288" y="1091240"/>
+                      <a:pt x="27045" y="970287"/>
+                      <a:pt x="33093" y="893180"/>
+                    </a:cubicBezTo>
+                    <a:cubicBezTo>
+                      <a:pt x="39141" y="816073"/>
+                      <a:pt x="46701" y="828168"/>
+                      <a:pt x="42165" y="702680"/>
+                    </a:cubicBezTo>
+                    <a:cubicBezTo>
+                      <a:pt x="37629" y="577192"/>
+                      <a:pt x="-9240" y="259692"/>
+                      <a:pt x="5879" y="140251"/>
+                    </a:cubicBezTo>
+                    <a:cubicBezTo>
+                      <a:pt x="20998" y="20811"/>
+                      <a:pt x="92058" y="16275"/>
+                      <a:pt x="132879" y="4180"/>
+                    </a:cubicBezTo>
+                    <a:close/>
+                  </a:path>
+                </a:pathLst>
+              </a:custGeom>
+              <a:ln>
+                <a:solidFill>
+                  <a:schemeClr val="accent6">
+                    <a:lumMod val="50000"/>
+                  </a:schemeClr>
+                </a:solidFill>
+              </a:ln>
+            </p:spPr>
+            <p:style>
+              <a:lnRef idx="1">
+                <a:schemeClr val="accent6"/>
+              </a:lnRef>
+              <a:fillRef idx="2">
+                <a:schemeClr val="accent6"/>
+              </a:fillRef>
+              <a:effectRef idx="1">
+                <a:schemeClr val="accent6"/>
+              </a:effectRef>
+              <a:fontRef idx="minor">
+                <a:schemeClr val="dk1"/>
+              </a:fontRef>
+            </p:style>
+            <p:txBody>
+              <a:bodyPr rtlCol="0" anchor="ctr"/>
+              <a:lstStyle/>
+              <a:p>
+                <a:pPr algn="ctr"/>
+                <a:endParaRPr lang="fr-FR" sz="1400" b="1" noProof="1"/>
+              </a:p>
+            </p:txBody>
+          </p:sp>
+          <p:sp>
+            <p:nvSpPr>
+              <p:cNvPr id="54" name="Ellipse 27">
+                <a:extLst>
+                  <a:ext uri="{FF2B5EF4-FFF2-40B4-BE49-F238E27FC236}">
+                    <a16:creationId xmlns:a16="http://schemas.microsoft.com/office/drawing/2014/main" id="{CE455764-2FB2-B5E6-56BF-26F9416EBE47}"/>
+                  </a:ext>
+                </a:extLst>
+              </p:cNvPr>
+              <p:cNvSpPr/>
+              <p:nvPr/>
+            </p:nvSpPr>
+            <p:spPr>
+              <a:xfrm>
+                <a:off x="4180114" y="2104571"/>
+                <a:ext cx="79174" cy="79174"/>
+              </a:xfrm>
+              <a:prstGeom prst="ellipse">
+                <a:avLst/>
+              </a:prstGeom>
+              <a:ln>
+                <a:solidFill>
+                  <a:schemeClr val="accent6">
+                    <a:lumMod val="50000"/>
+                  </a:schemeClr>
+                </a:solidFill>
+              </a:ln>
+            </p:spPr>
+            <p:style>
+              <a:lnRef idx="1">
+                <a:schemeClr val="accent6"/>
+              </a:lnRef>
+              <a:fillRef idx="2">
+                <a:schemeClr val="accent6"/>
+              </a:fillRef>
+              <a:effectRef idx="1">
+                <a:schemeClr val="accent6"/>
+              </a:effectRef>
+              <a:fontRef idx="minor">
+                <a:schemeClr val="dk1"/>
+              </a:fontRef>
+            </p:style>
+            <p:txBody>
+              <a:bodyPr rtlCol="0" anchor="ctr"/>
+              <a:lstStyle/>
+              <a:p>
+                <a:pPr algn="ctr"/>
+                <a:endParaRPr lang="fr-FR" sz="1400" b="1" noProof="1"/>
+              </a:p>
+            </p:txBody>
+          </p:sp>
+          <p:sp>
+            <p:nvSpPr>
+              <p:cNvPr id="55" name="Ellipse 28">
+                <a:extLst>
+                  <a:ext uri="{FF2B5EF4-FFF2-40B4-BE49-F238E27FC236}">
+                    <a16:creationId xmlns:a16="http://schemas.microsoft.com/office/drawing/2014/main" id="{F4A5BE56-DCD6-30D5-02E5-CB0D1D6B36AA}"/>
+                  </a:ext>
+                </a:extLst>
+              </p:cNvPr>
+              <p:cNvSpPr/>
+              <p:nvPr/>
+            </p:nvSpPr>
+            <p:spPr>
+              <a:xfrm>
+                <a:off x="4219701" y="2902856"/>
+                <a:ext cx="79174" cy="79174"/>
+              </a:xfrm>
+              <a:prstGeom prst="ellipse">
+                <a:avLst/>
+              </a:prstGeom>
+              <a:ln>
+                <a:solidFill>
+                  <a:schemeClr val="accent6">
+                    <a:lumMod val="50000"/>
+                  </a:schemeClr>
+                </a:solidFill>
+              </a:ln>
+            </p:spPr>
+            <p:style>
+              <a:lnRef idx="1">
+                <a:schemeClr val="accent6"/>
+              </a:lnRef>
+              <a:fillRef idx="2">
+                <a:schemeClr val="accent6"/>
+              </a:fillRef>
+              <a:effectRef idx="1">
+                <a:schemeClr val="accent6"/>
+              </a:effectRef>
+              <a:fontRef idx="minor">
+                <a:schemeClr val="dk1"/>
+              </a:fontRef>
+            </p:style>
+            <p:txBody>
+              <a:bodyPr rtlCol="0" anchor="ctr"/>
+              <a:lstStyle/>
+              <a:p>
+                <a:pPr algn="ctr"/>
+                <a:endParaRPr lang="fr-FR" sz="1400" b="1" noProof="1"/>
+              </a:p>
+            </p:txBody>
+          </p:sp>
+        </p:grpSp>
+        <p:sp>
+          <p:nvSpPr>
+            <p:cNvPr id="52" name="Rectangle 51">
+              <a:extLst>
+                <a:ext uri="{FF2B5EF4-FFF2-40B4-BE49-F238E27FC236}">
+                  <a16:creationId xmlns:a16="http://schemas.microsoft.com/office/drawing/2014/main" id="{633F97FC-19D5-160B-A986-02CA577051EA}"/>
+                </a:ext>
+              </a:extLst>
+            </p:cNvPr>
+            <p:cNvSpPr/>
+            <p:nvPr/>
+          </p:nvSpPr>
+          <p:spPr>
+            <a:xfrm rot="19626046">
+              <a:off x="3514036" y="2278858"/>
+              <a:ext cx="184935" cy="358964"/>
+            </a:xfrm>
+            <a:prstGeom prst="rect">
+              <a:avLst/>
+            </a:prstGeom>
+          </p:spPr>
+          <p:style>
+            <a:lnRef idx="2">
+              <a:schemeClr val="accent1">
+                <a:shade val="50000"/>
+              </a:schemeClr>
+            </a:lnRef>
+            <a:fillRef idx="1">
+              <a:schemeClr val="accent1"/>
+            </a:fillRef>
+            <a:effectRef idx="0">
+              <a:schemeClr val="accent1"/>
+            </a:effectRef>
+            <a:fontRef idx="minor">
+              <a:schemeClr val="lt1"/>
+            </a:fontRef>
+          </p:style>
+          <p:txBody>
+            <a:bodyPr rtlCol="0" anchor="ctr"/>
+            <a:lstStyle/>
+            <a:p>
+              <a:pPr algn="ctr"/>
+              <a:endParaRPr lang="fr-CA" noProof="1"/>
+            </a:p>
+          </p:txBody>
+        </p:sp>
+      </p:grpSp>
+      <p:sp>
+        <p:nvSpPr>
+          <p:cNvPr id="58" name="TextBox 57">
+            <a:extLst>
+              <a:ext uri="{FF2B5EF4-FFF2-40B4-BE49-F238E27FC236}">
+                <a16:creationId xmlns:a16="http://schemas.microsoft.com/office/drawing/2014/main" id="{D79151AA-9EEA-F980-B069-52D4C7EB3105}"/>
+              </a:ext>
+            </a:extLst>
+          </p:cNvPr>
+          <p:cNvSpPr txBox="1"/>
+          <p:nvPr/>
+        </p:nvSpPr>
+        <p:spPr>
+          <a:xfrm>
+            <a:off x="1069686" y="4228225"/>
+            <a:ext cx="1126783" cy="369332"/>
+          </a:xfrm>
+          <a:prstGeom prst="rect">
+            <a:avLst/>
+          </a:prstGeom>
+          <a:noFill/>
+        </p:spPr>
+        <p:txBody>
+          <a:bodyPr wrap="none" rtlCol="0">
+            <a:spAutoFit/>
+          </a:bodyPr>
+          <a:lstStyle/>
+          <a:p>
+            <a:r>
+              <a:rPr lang="fr-CA" noProof="1"/>
+              <a:t>Reference</a:t>
+            </a:r>
+          </a:p>
+        </p:txBody>
+      </p:sp>
+      <p:sp>
+        <p:nvSpPr>
+          <p:cNvPr id="59" name="TextBox 58">
+            <a:extLst>
+              <a:ext uri="{FF2B5EF4-FFF2-40B4-BE49-F238E27FC236}">
+                <a16:creationId xmlns:a16="http://schemas.microsoft.com/office/drawing/2014/main" id="{D4311E46-10C4-A2EC-0C0A-3DC6CC35C4DC}"/>
+              </a:ext>
+            </a:extLst>
+          </p:cNvPr>
+          <p:cNvSpPr txBox="1"/>
+          <p:nvPr/>
+        </p:nvSpPr>
+        <p:spPr>
+          <a:xfrm>
+            <a:off x="2980406" y="4228225"/>
+            <a:ext cx="897746" cy="369332"/>
+          </a:xfrm>
+          <a:prstGeom prst="rect">
+            <a:avLst/>
+          </a:prstGeom>
+          <a:noFill/>
+        </p:spPr>
+        <p:txBody>
+          <a:bodyPr wrap="none" rtlCol="0">
+            <a:spAutoFit/>
+          </a:bodyPr>
+          <a:lstStyle/>
+          <a:p>
+            <a:r>
+              <a:rPr lang="fr-CA" noProof="1"/>
+              <a:t>TargetA</a:t>
+            </a:r>
+          </a:p>
+        </p:txBody>
+      </p:sp>
+      <p:sp>
+        <p:nvSpPr>
+          <p:cNvPr id="60" name="TextBox 59">
+            <a:extLst>
+              <a:ext uri="{FF2B5EF4-FFF2-40B4-BE49-F238E27FC236}">
+                <a16:creationId xmlns:a16="http://schemas.microsoft.com/office/drawing/2014/main" id="{1A1A4696-3E7D-0655-F627-5947E08D43B5}"/>
+              </a:ext>
+            </a:extLst>
+          </p:cNvPr>
+          <p:cNvSpPr txBox="1"/>
+          <p:nvPr/>
+        </p:nvSpPr>
+        <p:spPr>
+          <a:xfrm>
+            <a:off x="5407781" y="4228225"/>
+            <a:ext cx="897746" cy="369332"/>
+          </a:xfrm>
+          <a:prstGeom prst="rect">
+            <a:avLst/>
+          </a:prstGeom>
+          <a:noFill/>
+        </p:spPr>
+        <p:txBody>
+          <a:bodyPr wrap="none" rtlCol="0">
+            <a:spAutoFit/>
+          </a:bodyPr>
+          <a:lstStyle/>
+          <a:p>
+            <a:r>
+              <a:rPr lang="fr-CA" noProof="1"/>
+              <a:t>TargetB</a:t>
+            </a:r>
+          </a:p>
+        </p:txBody>
+      </p:sp>
+      <p:sp>
+        <p:nvSpPr>
+          <p:cNvPr id="61" name="TextBox 60">
+            <a:extLst>
+              <a:ext uri="{FF2B5EF4-FFF2-40B4-BE49-F238E27FC236}">
+                <a16:creationId xmlns:a16="http://schemas.microsoft.com/office/drawing/2014/main" id="{CF8068DD-6960-6D40-5DAE-0EEBEF70CED2}"/>
+              </a:ext>
+            </a:extLst>
+          </p:cNvPr>
+          <p:cNvSpPr txBox="1"/>
+          <p:nvPr/>
+        </p:nvSpPr>
+        <p:spPr>
+          <a:xfrm>
+            <a:off x="8363220" y="4228225"/>
+            <a:ext cx="897746" cy="369332"/>
+          </a:xfrm>
+          <a:prstGeom prst="rect">
+            <a:avLst/>
+          </a:prstGeom>
+          <a:noFill/>
+        </p:spPr>
+        <p:txBody>
+          <a:bodyPr wrap="none" rtlCol="0">
+            <a:spAutoFit/>
+          </a:bodyPr>
+          <a:lstStyle/>
+          <a:p>
+            <a:r>
+              <a:rPr lang="fr-CA" noProof="1"/>
+              <a:t>TargetC</a:t>
+            </a:r>
+          </a:p>
+        </p:txBody>
+      </p:sp>
+    </p:spTree>
+    <p:extLst>
+      <p:ext uri="{BB962C8B-B14F-4D97-AF65-F5344CB8AC3E}">
+        <p14:creationId xmlns:p14="http://schemas.microsoft.com/office/powerpoint/2010/main" val="1668322383"/>
+      </p:ext>
+    </p:extLst>
+  </p:cSld>
+  <p:clrMapOvr>
+    <a:masterClrMapping/>
+  </p:clrMapOvr>
+</p:sld>
+</file>
+
 <file path=ppt/slides/slide2.xml><?xml version="1.0" encoding="utf-8"?>
 <p:sld xmlns:a="http://schemas.openxmlformats.org/drawingml/2006/main" xmlns:r="http://schemas.openxmlformats.org/officeDocument/2006/relationships" xmlns:p="http://schemas.openxmlformats.org/presentationml/2006/main">
   <p:cSld>
